--- a/presentation/FSharpForData.pptx
+++ b/presentation/FSharpForData.pptx
@@ -4,12 +4,27 @@
   <p:sldMasterIdLst>
     <p:sldMasterId id="2147483648" r:id="rId1"/>
   </p:sldMasterIdLst>
+  <p:notesMasterIdLst>
+    <p:notesMasterId r:id="rId19"/>
+  </p:notesMasterIdLst>
   <p:sldIdLst>
     <p:sldId id="256" r:id="rId2"/>
-    <p:sldId id="258" r:id="rId3"/>
-    <p:sldId id="257" r:id="rId4"/>
-    <p:sldId id="259" r:id="rId5"/>
-    <p:sldId id="260" r:id="rId6"/>
+    <p:sldId id="261" r:id="rId3"/>
+    <p:sldId id="262" r:id="rId4"/>
+    <p:sldId id="258" r:id="rId5"/>
+    <p:sldId id="257" r:id="rId6"/>
+    <p:sldId id="259" r:id="rId7"/>
+    <p:sldId id="260" r:id="rId8"/>
+    <p:sldId id="265" r:id="rId9"/>
+    <p:sldId id="263" r:id="rId10"/>
+    <p:sldId id="266" r:id="rId11"/>
+    <p:sldId id="264" r:id="rId12"/>
+    <p:sldId id="267" r:id="rId13"/>
+    <p:sldId id="268" r:id="rId14"/>
+    <p:sldId id="270" r:id="rId15"/>
+    <p:sldId id="269" r:id="rId16"/>
+    <p:sldId id="271" r:id="rId17"/>
+    <p:sldId id="272" r:id="rId18"/>
   </p:sldIdLst>
   <p:sldSz cx="9144000" cy="6858000" type="screen4x3"/>
   <p:notesSz cx="6858000" cy="9144000"/>
@@ -108,7 +123,811 @@
       </a:defRPr>
     </a:lvl9pPr>
   </p:defaultTextStyle>
+  <p:extLst>
+    <p:ext uri="{EFAFB233-063F-42B5-8137-9DF3F51BA10A}">
+      <p15:sldGuideLst xmlns:p15="http://schemas.microsoft.com/office/powerpoint/2012/main">
+        <p15:guide id="1" orient="horz" pos="2160">
+          <p15:clr>
+            <a:srgbClr val="A4A3A4"/>
+          </p15:clr>
+        </p15:guide>
+        <p15:guide id="2" pos="2880">
+          <p15:clr>
+            <a:srgbClr val="A4A3A4"/>
+          </p15:clr>
+        </p15:guide>
+      </p15:sldGuideLst>
+    </p:ext>
+  </p:extLst>
 </p:presentation>
+</file>
+
+<file path=ppt/notesMasters/notesMaster1.xml><?xml version="1.0" encoding="utf-8"?>
+<p:notesMaster xmlns:a="http://schemas.openxmlformats.org/drawingml/2006/main" xmlns:r="http://schemas.openxmlformats.org/officeDocument/2006/relationships" xmlns:p="http://schemas.openxmlformats.org/presentationml/2006/main">
+  <p:cSld>
+    <p:bg>
+      <p:bgRef idx="1001">
+        <a:schemeClr val="bg1"/>
+      </p:bgRef>
+    </p:bg>
+    <p:spTree>
+      <p:nvGrpSpPr>
+        <p:cNvPr id="1" name=""/>
+        <p:cNvGrpSpPr/>
+        <p:nvPr/>
+      </p:nvGrpSpPr>
+      <p:grpSpPr>
+        <a:xfrm>
+          <a:off x="0" y="0"/>
+          <a:ext cx="0" cy="0"/>
+          <a:chOff x="0" y="0"/>
+          <a:chExt cx="0" cy="0"/>
+        </a:xfrm>
+      </p:grpSpPr>
+      <p:sp>
+        <p:nvSpPr>
+          <p:cNvPr id="2" name="Header Placeholder 1"/>
+          <p:cNvSpPr>
+            <a:spLocks noGrp="1"/>
+          </p:cNvSpPr>
+          <p:nvPr>
+            <p:ph type="hdr" sz="quarter"/>
+          </p:nvPr>
+        </p:nvSpPr>
+        <p:spPr>
+          <a:xfrm>
+            <a:off x="0" y="0"/>
+            <a:ext cx="2971800" cy="458788"/>
+          </a:xfrm>
+          <a:prstGeom prst="rect">
+            <a:avLst/>
+          </a:prstGeom>
+        </p:spPr>
+        <p:txBody>
+          <a:bodyPr vert="horz" lIns="91440" tIns="45720" rIns="91440" bIns="45720" rtlCol="0"/>
+          <a:lstStyle>
+            <a:lvl1pPr algn="l">
+              <a:defRPr sz="1200"/>
+            </a:lvl1pPr>
+          </a:lstStyle>
+          <a:p>
+            <a:endParaRPr lang="en-US"/>
+          </a:p>
+        </p:txBody>
+      </p:sp>
+      <p:sp>
+        <p:nvSpPr>
+          <p:cNvPr id="3" name="Date Placeholder 2"/>
+          <p:cNvSpPr>
+            <a:spLocks noGrp="1"/>
+          </p:cNvSpPr>
+          <p:nvPr>
+            <p:ph type="dt" idx="1"/>
+          </p:nvPr>
+        </p:nvSpPr>
+        <p:spPr>
+          <a:xfrm>
+            <a:off x="3884613" y="0"/>
+            <a:ext cx="2971800" cy="458788"/>
+          </a:xfrm>
+          <a:prstGeom prst="rect">
+            <a:avLst/>
+          </a:prstGeom>
+        </p:spPr>
+        <p:txBody>
+          <a:bodyPr vert="horz" lIns="91440" tIns="45720" rIns="91440" bIns="45720" rtlCol="0"/>
+          <a:lstStyle>
+            <a:lvl1pPr algn="r">
+              <a:defRPr sz="1200"/>
+            </a:lvl1pPr>
+          </a:lstStyle>
+          <a:p>
+            <a:fld id="{63EA6277-32A6-4B29-B323-2A7ABE731332}" type="datetimeFigureOut">
+              <a:rPr lang="en-US" smtClean="0"/>
+              <a:t>11/15/2017</a:t>
+            </a:fld>
+            <a:endParaRPr lang="en-US"/>
+          </a:p>
+        </p:txBody>
+      </p:sp>
+      <p:sp>
+        <p:nvSpPr>
+          <p:cNvPr id="4" name="Slide Image Placeholder 3"/>
+          <p:cNvSpPr>
+            <a:spLocks noGrp="1" noRot="1" noChangeAspect="1"/>
+          </p:cNvSpPr>
+          <p:nvPr>
+            <p:ph type="sldImg" idx="2"/>
+          </p:nvPr>
+        </p:nvSpPr>
+        <p:spPr>
+          <a:xfrm>
+            <a:off x="1371600" y="1143000"/>
+            <a:ext cx="4114800" cy="3086100"/>
+          </a:xfrm>
+          <a:prstGeom prst="rect">
+            <a:avLst/>
+          </a:prstGeom>
+          <a:noFill/>
+          <a:ln w="12700">
+            <a:solidFill>
+              <a:prstClr val="black"/>
+            </a:solidFill>
+          </a:ln>
+        </p:spPr>
+        <p:txBody>
+          <a:bodyPr vert="horz" lIns="91440" tIns="45720" rIns="91440" bIns="45720" rtlCol="0" anchor="ctr"/>
+          <a:lstStyle/>
+          <a:p>
+            <a:endParaRPr lang="en-US"/>
+          </a:p>
+        </p:txBody>
+      </p:sp>
+      <p:sp>
+        <p:nvSpPr>
+          <p:cNvPr id="5" name="Notes Placeholder 4"/>
+          <p:cNvSpPr>
+            <a:spLocks noGrp="1"/>
+          </p:cNvSpPr>
+          <p:nvPr>
+            <p:ph type="body" sz="quarter" idx="3"/>
+          </p:nvPr>
+        </p:nvSpPr>
+        <p:spPr>
+          <a:xfrm>
+            <a:off x="685800" y="4400550"/>
+            <a:ext cx="5486400" cy="3600450"/>
+          </a:xfrm>
+          <a:prstGeom prst="rect">
+            <a:avLst/>
+          </a:prstGeom>
+        </p:spPr>
+        <p:txBody>
+          <a:bodyPr vert="horz" lIns="91440" tIns="45720" rIns="91440" bIns="45720" rtlCol="0"/>
+          <a:lstStyle/>
+          <a:p>
+            <a:pPr lvl="0"/>
+            <a:r>
+              <a:rPr lang="en-US" smtClean="0"/>
+              <a:t>Click to edit Master text styles</a:t>
+            </a:r>
+          </a:p>
+          <a:p>
+            <a:pPr lvl="1"/>
+            <a:r>
+              <a:rPr lang="en-US" smtClean="0"/>
+              <a:t>Second level</a:t>
+            </a:r>
+          </a:p>
+          <a:p>
+            <a:pPr lvl="2"/>
+            <a:r>
+              <a:rPr lang="en-US" smtClean="0"/>
+              <a:t>Third level</a:t>
+            </a:r>
+          </a:p>
+          <a:p>
+            <a:pPr lvl="3"/>
+            <a:r>
+              <a:rPr lang="en-US" smtClean="0"/>
+              <a:t>Fourth level</a:t>
+            </a:r>
+          </a:p>
+          <a:p>
+            <a:pPr lvl="4"/>
+            <a:r>
+              <a:rPr lang="en-US" smtClean="0"/>
+              <a:t>Fifth level</a:t>
+            </a:r>
+            <a:endParaRPr lang="en-US"/>
+          </a:p>
+        </p:txBody>
+      </p:sp>
+      <p:sp>
+        <p:nvSpPr>
+          <p:cNvPr id="6" name="Footer Placeholder 5"/>
+          <p:cNvSpPr>
+            <a:spLocks noGrp="1"/>
+          </p:cNvSpPr>
+          <p:nvPr>
+            <p:ph type="ftr" sz="quarter" idx="4"/>
+          </p:nvPr>
+        </p:nvSpPr>
+        <p:spPr>
+          <a:xfrm>
+            <a:off x="0" y="8685213"/>
+            <a:ext cx="2971800" cy="458787"/>
+          </a:xfrm>
+          <a:prstGeom prst="rect">
+            <a:avLst/>
+          </a:prstGeom>
+        </p:spPr>
+        <p:txBody>
+          <a:bodyPr vert="horz" lIns="91440" tIns="45720" rIns="91440" bIns="45720" rtlCol="0" anchor="b"/>
+          <a:lstStyle>
+            <a:lvl1pPr algn="l">
+              <a:defRPr sz="1200"/>
+            </a:lvl1pPr>
+          </a:lstStyle>
+          <a:p>
+            <a:endParaRPr lang="en-US"/>
+          </a:p>
+        </p:txBody>
+      </p:sp>
+      <p:sp>
+        <p:nvSpPr>
+          <p:cNvPr id="7" name="Slide Number Placeholder 6"/>
+          <p:cNvSpPr>
+            <a:spLocks noGrp="1"/>
+          </p:cNvSpPr>
+          <p:nvPr>
+            <p:ph type="sldNum" sz="quarter" idx="5"/>
+          </p:nvPr>
+        </p:nvSpPr>
+        <p:spPr>
+          <a:xfrm>
+            <a:off x="3884613" y="8685213"/>
+            <a:ext cx="2971800" cy="458787"/>
+          </a:xfrm>
+          <a:prstGeom prst="rect">
+            <a:avLst/>
+          </a:prstGeom>
+        </p:spPr>
+        <p:txBody>
+          <a:bodyPr vert="horz" lIns="91440" tIns="45720" rIns="91440" bIns="45720" rtlCol="0" anchor="b"/>
+          <a:lstStyle>
+            <a:lvl1pPr algn="r">
+              <a:defRPr sz="1200"/>
+            </a:lvl1pPr>
+          </a:lstStyle>
+          <a:p>
+            <a:fld id="{D75A7751-7E30-4280-9E3F-A01BED18EA9F}" type="slidenum">
+              <a:rPr lang="en-US" smtClean="0"/>
+              <a:t>‹#›</a:t>
+            </a:fld>
+            <a:endParaRPr lang="en-US"/>
+          </a:p>
+        </p:txBody>
+      </p:sp>
+    </p:spTree>
+    <p:extLst>
+      <p:ext uri="{BB962C8B-B14F-4D97-AF65-F5344CB8AC3E}">
+        <p14:creationId xmlns:p14="http://schemas.microsoft.com/office/powerpoint/2010/main" val="3055165083"/>
+      </p:ext>
+    </p:extLst>
+  </p:cSld>
+  <p:clrMap bg1="lt1" tx1="dk1" bg2="lt2" tx2="dk2" accent1="accent1" accent2="accent2" accent3="accent3" accent4="accent4" accent5="accent5" accent6="accent6" hlink="hlink" folHlink="folHlink"/>
+  <p:notesStyle>
+    <a:lvl1pPr marL="0" algn="l" defTabSz="914400" rtl="0" eaLnBrk="1" latinLnBrk="0" hangingPunct="1">
+      <a:defRPr sz="1200" kern="1200">
+        <a:solidFill>
+          <a:schemeClr val="tx1"/>
+        </a:solidFill>
+        <a:latin typeface="+mn-lt"/>
+        <a:ea typeface="+mn-ea"/>
+        <a:cs typeface="+mn-cs"/>
+      </a:defRPr>
+    </a:lvl1pPr>
+    <a:lvl2pPr marL="457200" algn="l" defTabSz="914400" rtl="0" eaLnBrk="1" latinLnBrk="0" hangingPunct="1">
+      <a:defRPr sz="1200" kern="1200">
+        <a:solidFill>
+          <a:schemeClr val="tx1"/>
+        </a:solidFill>
+        <a:latin typeface="+mn-lt"/>
+        <a:ea typeface="+mn-ea"/>
+        <a:cs typeface="+mn-cs"/>
+      </a:defRPr>
+    </a:lvl2pPr>
+    <a:lvl3pPr marL="914400" algn="l" defTabSz="914400" rtl="0" eaLnBrk="1" latinLnBrk="0" hangingPunct="1">
+      <a:defRPr sz="1200" kern="1200">
+        <a:solidFill>
+          <a:schemeClr val="tx1"/>
+        </a:solidFill>
+        <a:latin typeface="+mn-lt"/>
+        <a:ea typeface="+mn-ea"/>
+        <a:cs typeface="+mn-cs"/>
+      </a:defRPr>
+    </a:lvl3pPr>
+    <a:lvl4pPr marL="1371600" algn="l" defTabSz="914400" rtl="0" eaLnBrk="1" latinLnBrk="0" hangingPunct="1">
+      <a:defRPr sz="1200" kern="1200">
+        <a:solidFill>
+          <a:schemeClr val="tx1"/>
+        </a:solidFill>
+        <a:latin typeface="+mn-lt"/>
+        <a:ea typeface="+mn-ea"/>
+        <a:cs typeface="+mn-cs"/>
+      </a:defRPr>
+    </a:lvl4pPr>
+    <a:lvl5pPr marL="1828800" algn="l" defTabSz="914400" rtl="0" eaLnBrk="1" latinLnBrk="0" hangingPunct="1">
+      <a:defRPr sz="1200" kern="1200">
+        <a:solidFill>
+          <a:schemeClr val="tx1"/>
+        </a:solidFill>
+        <a:latin typeface="+mn-lt"/>
+        <a:ea typeface="+mn-ea"/>
+        <a:cs typeface="+mn-cs"/>
+      </a:defRPr>
+    </a:lvl5pPr>
+    <a:lvl6pPr marL="2286000" algn="l" defTabSz="914400" rtl="0" eaLnBrk="1" latinLnBrk="0" hangingPunct="1">
+      <a:defRPr sz="1200" kern="1200">
+        <a:solidFill>
+          <a:schemeClr val="tx1"/>
+        </a:solidFill>
+        <a:latin typeface="+mn-lt"/>
+        <a:ea typeface="+mn-ea"/>
+        <a:cs typeface="+mn-cs"/>
+      </a:defRPr>
+    </a:lvl6pPr>
+    <a:lvl7pPr marL="2743200" algn="l" defTabSz="914400" rtl="0" eaLnBrk="1" latinLnBrk="0" hangingPunct="1">
+      <a:defRPr sz="1200" kern="1200">
+        <a:solidFill>
+          <a:schemeClr val="tx1"/>
+        </a:solidFill>
+        <a:latin typeface="+mn-lt"/>
+        <a:ea typeface="+mn-ea"/>
+        <a:cs typeface="+mn-cs"/>
+      </a:defRPr>
+    </a:lvl7pPr>
+    <a:lvl8pPr marL="3200400" algn="l" defTabSz="914400" rtl="0" eaLnBrk="1" latinLnBrk="0" hangingPunct="1">
+      <a:defRPr sz="1200" kern="1200">
+        <a:solidFill>
+          <a:schemeClr val="tx1"/>
+        </a:solidFill>
+        <a:latin typeface="+mn-lt"/>
+        <a:ea typeface="+mn-ea"/>
+        <a:cs typeface="+mn-cs"/>
+      </a:defRPr>
+    </a:lvl8pPr>
+    <a:lvl9pPr marL="3657600" algn="l" defTabSz="914400" rtl="0" eaLnBrk="1" latinLnBrk="0" hangingPunct="1">
+      <a:defRPr sz="1200" kern="1200">
+        <a:solidFill>
+          <a:schemeClr val="tx1"/>
+        </a:solidFill>
+        <a:latin typeface="+mn-lt"/>
+        <a:ea typeface="+mn-ea"/>
+        <a:cs typeface="+mn-cs"/>
+      </a:defRPr>
+    </a:lvl9pPr>
+  </p:notesStyle>
+</p:notesMaster>
+</file>
+
+<file path=ppt/notesSlides/notesSlide1.xml><?xml version="1.0" encoding="utf-8"?>
+<p:notes xmlns:a="http://schemas.openxmlformats.org/drawingml/2006/main" xmlns:r="http://schemas.openxmlformats.org/officeDocument/2006/relationships" xmlns:p="http://schemas.openxmlformats.org/presentationml/2006/main">
+  <p:cSld>
+    <p:spTree>
+      <p:nvGrpSpPr>
+        <p:cNvPr id="1" name=""/>
+        <p:cNvGrpSpPr/>
+        <p:nvPr/>
+      </p:nvGrpSpPr>
+      <p:grpSpPr>
+        <a:xfrm>
+          <a:off x="0" y="0"/>
+          <a:ext cx="0" cy="0"/>
+          <a:chOff x="0" y="0"/>
+          <a:chExt cx="0" cy="0"/>
+        </a:xfrm>
+      </p:grpSpPr>
+      <p:sp>
+        <p:nvSpPr>
+          <p:cNvPr id="2" name="Slide Image Placeholder 1"/>
+          <p:cNvSpPr>
+            <a:spLocks noGrp="1" noRot="1" noChangeAspect="1"/>
+          </p:cNvSpPr>
+          <p:nvPr>
+            <p:ph type="sldImg"/>
+          </p:nvPr>
+        </p:nvSpPr>
+        <p:spPr/>
+      </p:sp>
+      <p:sp>
+        <p:nvSpPr>
+          <p:cNvPr id="3" name="Notes Placeholder 2"/>
+          <p:cNvSpPr>
+            <a:spLocks noGrp="1"/>
+          </p:cNvSpPr>
+          <p:nvPr>
+            <p:ph type="body" idx="1"/>
+          </p:nvPr>
+        </p:nvSpPr>
+        <p:spPr/>
+        <p:txBody>
+          <a:bodyPr/>
+          <a:lstStyle/>
+          <a:p>
+            <a:r>
+              <a:rPr lang="en-US" dirty="0" err="1" smtClean="0"/>
+              <a:t>Csv.open</a:t>
+            </a:r>
+            <a:endParaRPr lang="en-US" dirty="0" smtClean="0"/>
+          </a:p>
+          <a:p>
+            <a:r>
+              <a:rPr lang="en-US" dirty="0" err="1" smtClean="0"/>
+              <a:t>Json.loads</a:t>
+            </a:r>
+            <a:endParaRPr lang="en-US" dirty="0" smtClean="0"/>
+          </a:p>
+          <a:p>
+            <a:r>
+              <a:rPr lang="en-US" dirty="0" err="1" smtClean="0"/>
+              <a:t>Sql.Execute</a:t>
+            </a:r>
+            <a:endParaRPr lang="en-US" dirty="0"/>
+          </a:p>
+        </p:txBody>
+      </p:sp>
+      <p:sp>
+        <p:nvSpPr>
+          <p:cNvPr id="4" name="Slide Number Placeholder 3"/>
+          <p:cNvSpPr>
+            <a:spLocks noGrp="1"/>
+          </p:cNvSpPr>
+          <p:nvPr>
+            <p:ph type="sldNum" sz="quarter" idx="10"/>
+          </p:nvPr>
+        </p:nvSpPr>
+        <p:spPr/>
+        <p:txBody>
+          <a:bodyPr/>
+          <a:lstStyle/>
+          <a:p>
+            <a:fld id="{D75A7751-7E30-4280-9E3F-A01BED18EA9F}" type="slidenum">
+              <a:rPr lang="en-US" smtClean="0"/>
+              <a:t>9</a:t>
+            </a:fld>
+            <a:endParaRPr lang="en-US"/>
+          </a:p>
+        </p:txBody>
+      </p:sp>
+    </p:spTree>
+    <p:extLst>
+      <p:ext uri="{BB962C8B-B14F-4D97-AF65-F5344CB8AC3E}">
+        <p14:creationId xmlns:p14="http://schemas.microsoft.com/office/powerpoint/2010/main" val="4238815630"/>
+      </p:ext>
+    </p:extLst>
+  </p:cSld>
+  <p:clrMapOvr>
+    <a:masterClrMapping/>
+  </p:clrMapOvr>
+</p:notes>
+</file>
+
+<file path=ppt/notesSlides/notesSlide2.xml><?xml version="1.0" encoding="utf-8"?>
+<p:notes xmlns:a="http://schemas.openxmlformats.org/drawingml/2006/main" xmlns:r="http://schemas.openxmlformats.org/officeDocument/2006/relationships" xmlns:p="http://schemas.openxmlformats.org/presentationml/2006/main">
+  <p:cSld>
+    <p:spTree>
+      <p:nvGrpSpPr>
+        <p:cNvPr id="1" name=""/>
+        <p:cNvGrpSpPr/>
+        <p:nvPr/>
+      </p:nvGrpSpPr>
+      <p:grpSpPr>
+        <a:xfrm>
+          <a:off x="0" y="0"/>
+          <a:ext cx="0" cy="0"/>
+          <a:chOff x="0" y="0"/>
+          <a:chExt cx="0" cy="0"/>
+        </a:xfrm>
+      </p:grpSpPr>
+      <p:sp>
+        <p:nvSpPr>
+          <p:cNvPr id="2" name="Slide Image Placeholder 1"/>
+          <p:cNvSpPr>
+            <a:spLocks noGrp="1" noRot="1" noChangeAspect="1"/>
+          </p:cNvSpPr>
+          <p:nvPr>
+            <p:ph type="sldImg"/>
+          </p:nvPr>
+        </p:nvSpPr>
+        <p:spPr/>
+      </p:sp>
+      <p:sp>
+        <p:nvSpPr>
+          <p:cNvPr id="3" name="Notes Placeholder 2"/>
+          <p:cNvSpPr>
+            <a:spLocks noGrp="1"/>
+          </p:cNvSpPr>
+          <p:nvPr>
+            <p:ph type="body" idx="1"/>
+          </p:nvPr>
+        </p:nvSpPr>
+        <p:spPr/>
+        <p:txBody>
+          <a:bodyPr/>
+          <a:lstStyle/>
+          <a:p>
+            <a:endParaRPr lang="en-US" dirty="0"/>
+          </a:p>
+        </p:txBody>
+      </p:sp>
+      <p:sp>
+        <p:nvSpPr>
+          <p:cNvPr id="4" name="Slide Number Placeholder 3"/>
+          <p:cNvSpPr>
+            <a:spLocks noGrp="1"/>
+          </p:cNvSpPr>
+          <p:nvPr>
+            <p:ph type="sldNum" sz="quarter" idx="10"/>
+          </p:nvPr>
+        </p:nvSpPr>
+        <p:spPr/>
+        <p:txBody>
+          <a:bodyPr/>
+          <a:lstStyle/>
+          <a:p>
+            <a:fld id="{D75A7751-7E30-4280-9E3F-A01BED18EA9F}" type="slidenum">
+              <a:rPr lang="en-US" smtClean="0"/>
+              <a:t>10</a:t>
+            </a:fld>
+            <a:endParaRPr lang="en-US"/>
+          </a:p>
+        </p:txBody>
+      </p:sp>
+    </p:spTree>
+    <p:extLst>
+      <p:ext uri="{BB962C8B-B14F-4D97-AF65-F5344CB8AC3E}">
+        <p14:creationId xmlns:p14="http://schemas.microsoft.com/office/powerpoint/2010/main" val="3434852717"/>
+      </p:ext>
+    </p:extLst>
+  </p:cSld>
+  <p:clrMapOvr>
+    <a:masterClrMapping/>
+  </p:clrMapOvr>
+</p:notes>
+</file>
+
+<file path=ppt/notesSlides/notesSlide3.xml><?xml version="1.0" encoding="utf-8"?>
+<p:notes xmlns:a="http://schemas.openxmlformats.org/drawingml/2006/main" xmlns:r="http://schemas.openxmlformats.org/officeDocument/2006/relationships" xmlns:p="http://schemas.openxmlformats.org/presentationml/2006/main">
+  <p:cSld>
+    <p:spTree>
+      <p:nvGrpSpPr>
+        <p:cNvPr id="1" name=""/>
+        <p:cNvGrpSpPr/>
+        <p:nvPr/>
+      </p:nvGrpSpPr>
+      <p:grpSpPr>
+        <a:xfrm>
+          <a:off x="0" y="0"/>
+          <a:ext cx="0" cy="0"/>
+          <a:chOff x="0" y="0"/>
+          <a:chExt cx="0" cy="0"/>
+        </a:xfrm>
+      </p:grpSpPr>
+      <p:sp>
+        <p:nvSpPr>
+          <p:cNvPr id="2" name="Slide Image Placeholder 1"/>
+          <p:cNvSpPr>
+            <a:spLocks noGrp="1" noRot="1" noChangeAspect="1"/>
+          </p:cNvSpPr>
+          <p:nvPr>
+            <p:ph type="sldImg"/>
+          </p:nvPr>
+        </p:nvSpPr>
+        <p:spPr/>
+      </p:sp>
+      <p:sp>
+        <p:nvSpPr>
+          <p:cNvPr id="3" name="Notes Placeholder 2"/>
+          <p:cNvSpPr>
+            <a:spLocks noGrp="1"/>
+          </p:cNvSpPr>
+          <p:nvPr>
+            <p:ph type="body" idx="1"/>
+          </p:nvPr>
+        </p:nvSpPr>
+        <p:spPr/>
+        <p:txBody>
+          <a:bodyPr/>
+          <a:lstStyle/>
+          <a:p>
+            <a:endParaRPr lang="en-US" dirty="0"/>
+          </a:p>
+        </p:txBody>
+      </p:sp>
+      <p:sp>
+        <p:nvSpPr>
+          <p:cNvPr id="4" name="Slide Number Placeholder 3"/>
+          <p:cNvSpPr>
+            <a:spLocks noGrp="1"/>
+          </p:cNvSpPr>
+          <p:nvPr>
+            <p:ph type="sldNum" sz="quarter" idx="10"/>
+          </p:nvPr>
+        </p:nvSpPr>
+        <p:spPr/>
+        <p:txBody>
+          <a:bodyPr/>
+          <a:lstStyle/>
+          <a:p>
+            <a:fld id="{D75A7751-7E30-4280-9E3F-A01BED18EA9F}" type="slidenum">
+              <a:rPr lang="en-US" smtClean="0"/>
+              <a:t>12</a:t>
+            </a:fld>
+            <a:endParaRPr lang="en-US"/>
+          </a:p>
+        </p:txBody>
+      </p:sp>
+    </p:spTree>
+    <p:extLst>
+      <p:ext uri="{BB962C8B-B14F-4D97-AF65-F5344CB8AC3E}">
+        <p14:creationId xmlns:p14="http://schemas.microsoft.com/office/powerpoint/2010/main" val="2668642937"/>
+      </p:ext>
+    </p:extLst>
+  </p:cSld>
+  <p:clrMapOvr>
+    <a:masterClrMapping/>
+  </p:clrMapOvr>
+</p:notes>
+</file>
+
+<file path=ppt/notesSlides/notesSlide4.xml><?xml version="1.0" encoding="utf-8"?>
+<p:notes xmlns:a="http://schemas.openxmlformats.org/drawingml/2006/main" xmlns:r="http://schemas.openxmlformats.org/officeDocument/2006/relationships" xmlns:p="http://schemas.openxmlformats.org/presentationml/2006/main">
+  <p:cSld>
+    <p:spTree>
+      <p:nvGrpSpPr>
+        <p:cNvPr id="1" name=""/>
+        <p:cNvGrpSpPr/>
+        <p:nvPr/>
+      </p:nvGrpSpPr>
+      <p:grpSpPr>
+        <a:xfrm>
+          <a:off x="0" y="0"/>
+          <a:ext cx="0" cy="0"/>
+          <a:chOff x="0" y="0"/>
+          <a:chExt cx="0" cy="0"/>
+        </a:xfrm>
+      </p:grpSpPr>
+      <p:sp>
+        <p:nvSpPr>
+          <p:cNvPr id="2" name="Slide Image Placeholder 1"/>
+          <p:cNvSpPr>
+            <a:spLocks noGrp="1" noRot="1" noChangeAspect="1"/>
+          </p:cNvSpPr>
+          <p:nvPr>
+            <p:ph type="sldImg"/>
+          </p:nvPr>
+        </p:nvSpPr>
+        <p:spPr/>
+      </p:sp>
+      <p:sp>
+        <p:nvSpPr>
+          <p:cNvPr id="3" name="Notes Placeholder 2"/>
+          <p:cNvSpPr>
+            <a:spLocks noGrp="1"/>
+          </p:cNvSpPr>
+          <p:nvPr>
+            <p:ph type="body" idx="1"/>
+          </p:nvPr>
+        </p:nvSpPr>
+        <p:spPr/>
+        <p:txBody>
+          <a:bodyPr/>
+          <a:lstStyle/>
+          <a:p>
+            <a:endParaRPr lang="en-US" dirty="0"/>
+          </a:p>
+        </p:txBody>
+      </p:sp>
+      <p:sp>
+        <p:nvSpPr>
+          <p:cNvPr id="4" name="Slide Number Placeholder 3"/>
+          <p:cNvSpPr>
+            <a:spLocks noGrp="1"/>
+          </p:cNvSpPr>
+          <p:nvPr>
+            <p:ph type="sldNum" sz="quarter" idx="10"/>
+          </p:nvPr>
+        </p:nvSpPr>
+        <p:spPr/>
+        <p:txBody>
+          <a:bodyPr/>
+          <a:lstStyle/>
+          <a:p>
+            <a:fld id="{D75A7751-7E30-4280-9E3F-A01BED18EA9F}" type="slidenum">
+              <a:rPr lang="en-US" smtClean="0"/>
+              <a:t>14</a:t>
+            </a:fld>
+            <a:endParaRPr lang="en-US"/>
+          </a:p>
+        </p:txBody>
+      </p:sp>
+    </p:spTree>
+    <p:extLst>
+      <p:ext uri="{BB962C8B-B14F-4D97-AF65-F5344CB8AC3E}">
+        <p14:creationId xmlns:p14="http://schemas.microsoft.com/office/powerpoint/2010/main" val="235147580"/>
+      </p:ext>
+    </p:extLst>
+  </p:cSld>
+  <p:clrMapOvr>
+    <a:masterClrMapping/>
+  </p:clrMapOvr>
+</p:notes>
+</file>
+
+<file path=ppt/notesSlides/notesSlide5.xml><?xml version="1.0" encoding="utf-8"?>
+<p:notes xmlns:a="http://schemas.openxmlformats.org/drawingml/2006/main" xmlns:r="http://schemas.openxmlformats.org/officeDocument/2006/relationships" xmlns:p="http://schemas.openxmlformats.org/presentationml/2006/main">
+  <p:cSld>
+    <p:spTree>
+      <p:nvGrpSpPr>
+        <p:cNvPr id="1" name=""/>
+        <p:cNvGrpSpPr/>
+        <p:nvPr/>
+      </p:nvGrpSpPr>
+      <p:grpSpPr>
+        <a:xfrm>
+          <a:off x="0" y="0"/>
+          <a:ext cx="0" cy="0"/>
+          <a:chOff x="0" y="0"/>
+          <a:chExt cx="0" cy="0"/>
+        </a:xfrm>
+      </p:grpSpPr>
+      <p:sp>
+        <p:nvSpPr>
+          <p:cNvPr id="2" name="Slide Image Placeholder 1"/>
+          <p:cNvSpPr>
+            <a:spLocks noGrp="1" noRot="1" noChangeAspect="1"/>
+          </p:cNvSpPr>
+          <p:nvPr>
+            <p:ph type="sldImg"/>
+          </p:nvPr>
+        </p:nvSpPr>
+        <p:spPr/>
+      </p:sp>
+      <p:sp>
+        <p:nvSpPr>
+          <p:cNvPr id="3" name="Notes Placeholder 2"/>
+          <p:cNvSpPr>
+            <a:spLocks noGrp="1"/>
+          </p:cNvSpPr>
+          <p:nvPr>
+            <p:ph type="body" idx="1"/>
+          </p:nvPr>
+        </p:nvSpPr>
+        <p:spPr/>
+        <p:txBody>
+          <a:bodyPr/>
+          <a:lstStyle/>
+          <a:p>
+            <a:endParaRPr lang="en-US" dirty="0"/>
+          </a:p>
+        </p:txBody>
+      </p:sp>
+      <p:sp>
+        <p:nvSpPr>
+          <p:cNvPr id="4" name="Slide Number Placeholder 3"/>
+          <p:cNvSpPr>
+            <a:spLocks noGrp="1"/>
+          </p:cNvSpPr>
+          <p:nvPr>
+            <p:ph type="sldNum" sz="quarter" idx="10"/>
+          </p:nvPr>
+        </p:nvSpPr>
+        <p:spPr/>
+        <p:txBody>
+          <a:bodyPr/>
+          <a:lstStyle/>
+          <a:p>
+            <a:fld id="{D75A7751-7E30-4280-9E3F-A01BED18EA9F}" type="slidenum">
+              <a:rPr lang="en-US" smtClean="0"/>
+              <a:t>16</a:t>
+            </a:fld>
+            <a:endParaRPr lang="en-US"/>
+          </a:p>
+        </p:txBody>
+      </p:sp>
+    </p:spTree>
+    <p:extLst>
+      <p:ext uri="{BB962C8B-B14F-4D97-AF65-F5344CB8AC3E}">
+        <p14:creationId xmlns:p14="http://schemas.microsoft.com/office/powerpoint/2010/main" val="143870217"/>
+      </p:ext>
+    </p:extLst>
+  </p:cSld>
+  <p:clrMapOvr>
+    <a:masterClrMapping/>
+  </p:clrMapOvr>
+</p:notes>
 </file>
 
 <file path=ppt/slideLayouts/slideLayout1.xml><?xml version="1.0" encoding="utf-8"?>
@@ -292,7 +1111,7 @@
           <a:p>
             <a:fld id="{2019D7E9-D108-4FE4-8462-55C3BE1817A8}" type="datetimeFigureOut">
               <a:rPr lang="en-US" smtClean="0"/>
-              <a:t>11/14/2017</a:t>
+              <a:t>11/15/2017</a:t>
             </a:fld>
             <a:endParaRPr lang="en-US"/>
           </a:p>
@@ -462,7 +1281,7 @@
           <a:p>
             <a:fld id="{2019D7E9-D108-4FE4-8462-55C3BE1817A8}" type="datetimeFigureOut">
               <a:rPr lang="en-US" smtClean="0"/>
-              <a:t>11/14/2017</a:t>
+              <a:t>11/15/2017</a:t>
             </a:fld>
             <a:endParaRPr lang="en-US"/>
           </a:p>
@@ -642,7 +1461,7 @@
           <a:p>
             <a:fld id="{2019D7E9-D108-4FE4-8462-55C3BE1817A8}" type="datetimeFigureOut">
               <a:rPr lang="en-US" smtClean="0"/>
-              <a:t>11/14/2017</a:t>
+              <a:t>11/15/2017</a:t>
             </a:fld>
             <a:endParaRPr lang="en-US"/>
           </a:p>
@@ -812,7 +1631,7 @@
           <a:p>
             <a:fld id="{2019D7E9-D108-4FE4-8462-55C3BE1817A8}" type="datetimeFigureOut">
               <a:rPr lang="en-US" smtClean="0"/>
-              <a:t>11/14/2017</a:t>
+              <a:t>11/15/2017</a:t>
             </a:fld>
             <a:endParaRPr lang="en-US"/>
           </a:p>
@@ -1058,7 +1877,7 @@
           <a:p>
             <a:fld id="{2019D7E9-D108-4FE4-8462-55C3BE1817A8}" type="datetimeFigureOut">
               <a:rPr lang="en-US" smtClean="0"/>
-              <a:t>11/14/2017</a:t>
+              <a:t>11/15/2017</a:t>
             </a:fld>
             <a:endParaRPr lang="en-US"/>
           </a:p>
@@ -1346,7 +2165,7 @@
           <a:p>
             <a:fld id="{2019D7E9-D108-4FE4-8462-55C3BE1817A8}" type="datetimeFigureOut">
               <a:rPr lang="en-US" smtClean="0"/>
-              <a:t>11/14/2017</a:t>
+              <a:t>11/15/2017</a:t>
             </a:fld>
             <a:endParaRPr lang="en-US"/>
           </a:p>
@@ -1768,7 +2587,7 @@
           <a:p>
             <a:fld id="{2019D7E9-D108-4FE4-8462-55C3BE1817A8}" type="datetimeFigureOut">
               <a:rPr lang="en-US" smtClean="0"/>
-              <a:t>11/14/2017</a:t>
+              <a:t>11/15/2017</a:t>
             </a:fld>
             <a:endParaRPr lang="en-US"/>
           </a:p>
@@ -1886,7 +2705,7 @@
           <a:p>
             <a:fld id="{2019D7E9-D108-4FE4-8462-55C3BE1817A8}" type="datetimeFigureOut">
               <a:rPr lang="en-US" smtClean="0"/>
-              <a:t>11/14/2017</a:t>
+              <a:t>11/15/2017</a:t>
             </a:fld>
             <a:endParaRPr lang="en-US"/>
           </a:p>
@@ -1981,7 +2800,7 @@
           <a:p>
             <a:fld id="{2019D7E9-D108-4FE4-8462-55C3BE1817A8}" type="datetimeFigureOut">
               <a:rPr lang="en-US" smtClean="0"/>
-              <a:t>11/14/2017</a:t>
+              <a:t>11/15/2017</a:t>
             </a:fld>
             <a:endParaRPr lang="en-US"/>
           </a:p>
@@ -2258,7 +3077,7 @@
           <a:p>
             <a:fld id="{2019D7E9-D108-4FE4-8462-55C3BE1817A8}" type="datetimeFigureOut">
               <a:rPr lang="en-US" smtClean="0"/>
-              <a:t>11/14/2017</a:t>
+              <a:t>11/15/2017</a:t>
             </a:fld>
             <a:endParaRPr lang="en-US"/>
           </a:p>
@@ -2511,7 +3330,7 @@
           <a:p>
             <a:fld id="{2019D7E9-D108-4FE4-8462-55C3BE1817A8}" type="datetimeFigureOut">
               <a:rPr lang="en-US" smtClean="0"/>
-              <a:t>11/14/2017</a:t>
+              <a:t>11/15/2017</a:t>
             </a:fld>
             <a:endParaRPr lang="en-US"/>
           </a:p>
@@ -2724,7 +3543,7 @@
           <a:p>
             <a:fld id="{2019D7E9-D108-4FE4-8462-55C3BE1817A8}" type="datetimeFigureOut">
               <a:rPr lang="en-US" smtClean="0"/>
-              <a:t>11/14/2017</a:t>
+              <a:t>11/15/2017</a:t>
             </a:fld>
             <a:endParaRPr lang="en-US"/>
           </a:p>
@@ -3171,6 +3990,5310 @@
   <p:clrMapOvr>
     <a:masterClrMapping/>
   </p:clrMapOvr>
+  <p:timing>
+    <p:tnLst>
+      <p:par>
+        <p:cTn id="1" dur="indefinite" restart="never" nodeType="tmRoot"/>
+      </p:par>
+    </p:tnLst>
+  </p:timing>
+</p:sld>
+</file>
+
+<file path=ppt/slides/slide10.xml><?xml version="1.0" encoding="utf-8"?>
+<p:sld xmlns:a="http://schemas.openxmlformats.org/drawingml/2006/main" xmlns:r="http://schemas.openxmlformats.org/officeDocument/2006/relationships" xmlns:p="http://schemas.openxmlformats.org/presentationml/2006/main">
+  <p:cSld>
+    <p:spTree>
+      <p:nvGrpSpPr>
+        <p:cNvPr id="1" name=""/>
+        <p:cNvGrpSpPr/>
+        <p:nvPr/>
+      </p:nvGrpSpPr>
+      <p:grpSpPr>
+        <a:xfrm>
+          <a:off x="0" y="0"/>
+          <a:ext cx="0" cy="0"/>
+          <a:chOff x="0" y="0"/>
+          <a:chExt cx="0" cy="0"/>
+        </a:xfrm>
+      </p:grpSpPr>
+      <p:sp>
+        <p:nvSpPr>
+          <p:cNvPr id="2" name="Title 1"/>
+          <p:cNvSpPr>
+            <a:spLocks noGrp="1"/>
+          </p:cNvSpPr>
+          <p:nvPr>
+            <p:ph type="title"/>
+          </p:nvPr>
+        </p:nvSpPr>
+        <p:spPr/>
+        <p:txBody>
+          <a:bodyPr/>
+          <a:lstStyle/>
+          <a:p>
+            <a:r>
+              <a:rPr lang="en-US" dirty="0" smtClean="0"/>
+              <a:t>F# Type Providers</a:t>
+            </a:r>
+            <a:endParaRPr lang="en-US" dirty="0"/>
+          </a:p>
+        </p:txBody>
+      </p:sp>
+      <p:sp>
+        <p:nvSpPr>
+          <p:cNvPr id="3" name="Content Placeholder 2"/>
+          <p:cNvSpPr>
+            <a:spLocks noGrp="1"/>
+          </p:cNvSpPr>
+          <p:nvPr>
+            <p:ph idx="1"/>
+          </p:nvPr>
+        </p:nvSpPr>
+        <p:spPr/>
+        <p:txBody>
+          <a:bodyPr>
+            <a:normAutofit/>
+          </a:bodyPr>
+          <a:lstStyle/>
+          <a:p>
+            <a:r>
+              <a:rPr lang="en-US" dirty="0" smtClean="0"/>
+              <a:t>Declare a Type</a:t>
+            </a:r>
+          </a:p>
+          <a:p>
+            <a:pPr lvl="1"/>
+            <a:r>
+              <a:rPr lang="en-US" dirty="0" smtClean="0"/>
+              <a:t>type Stocks = </a:t>
+            </a:r>
+            <a:r>
+              <a:rPr lang="en-US" dirty="0" err="1" smtClean="0"/>
+              <a:t>CsvProvider</a:t>
+            </a:r>
+            <a:r>
+              <a:rPr lang="en-US" dirty="0" smtClean="0"/>
+              <a:t>&lt;</a:t>
+            </a:r>
+            <a:r>
+              <a:rPr lang="en-US" dirty="0" err="1" smtClean="0"/>
+              <a:t>someUri</a:t>
+            </a:r>
+            <a:r>
+              <a:rPr lang="en-US" dirty="0" smtClean="0"/>
+              <a:t>&gt;</a:t>
+            </a:r>
+          </a:p>
+          <a:p>
+            <a:r>
+              <a:rPr lang="en-US" dirty="0" smtClean="0"/>
+              <a:t> Hydrate an Instance</a:t>
+            </a:r>
+          </a:p>
+          <a:p>
+            <a:pPr lvl="1"/>
+            <a:r>
+              <a:rPr lang="en-US" dirty="0"/>
+              <a:t>l</a:t>
+            </a:r>
+            <a:r>
+              <a:rPr lang="en-US" dirty="0" smtClean="0"/>
+              <a:t>et </a:t>
+            </a:r>
+            <a:r>
+              <a:rPr lang="en-US" dirty="0" err="1" smtClean="0"/>
+              <a:t>ibmStockData</a:t>
+            </a:r>
+            <a:r>
+              <a:rPr lang="en-US" dirty="0" smtClean="0"/>
+              <a:t> = </a:t>
+            </a:r>
+            <a:r>
+              <a:rPr lang="en-US" dirty="0" err="1" smtClean="0"/>
+              <a:t>Stocks.Load</a:t>
+            </a:r>
+            <a:r>
+              <a:rPr lang="en-US" dirty="0" smtClean="0"/>
+              <a:t>(</a:t>
+            </a:r>
+            <a:r>
+              <a:rPr lang="en-US" dirty="0" err="1" smtClean="0"/>
+              <a:t>someUri</a:t>
+            </a:r>
+            <a:r>
+              <a:rPr lang="en-US" dirty="0" smtClean="0"/>
+              <a:t> + IBM)</a:t>
+            </a:r>
+          </a:p>
+          <a:p>
+            <a:pPr lvl="1"/>
+            <a:r>
+              <a:rPr lang="en-US" dirty="0"/>
+              <a:t>let </a:t>
+            </a:r>
+            <a:r>
+              <a:rPr lang="en-US" dirty="0" err="1" smtClean="0"/>
+              <a:t>aaplStockData</a:t>
+            </a:r>
+            <a:r>
+              <a:rPr lang="en-US" dirty="0" smtClean="0"/>
+              <a:t> </a:t>
+            </a:r>
+            <a:r>
+              <a:rPr lang="en-US" dirty="0"/>
+              <a:t>= </a:t>
+            </a:r>
+            <a:r>
+              <a:rPr lang="en-US" dirty="0" err="1"/>
+              <a:t>Stocks.Load</a:t>
+            </a:r>
+            <a:r>
+              <a:rPr lang="en-US" dirty="0"/>
+              <a:t>(</a:t>
+            </a:r>
+            <a:r>
+              <a:rPr lang="en-US" dirty="0" err="1"/>
+              <a:t>someUri</a:t>
+            </a:r>
+            <a:r>
+              <a:rPr lang="en-US" dirty="0"/>
+              <a:t> + </a:t>
+            </a:r>
+            <a:r>
+              <a:rPr lang="en-US" dirty="0" err="1" smtClean="0"/>
+              <a:t>AAPL</a:t>
+            </a:r>
+            <a:r>
+              <a:rPr lang="en-US" dirty="0" smtClean="0"/>
+              <a:t>)</a:t>
+            </a:r>
+          </a:p>
+          <a:p>
+            <a:r>
+              <a:rPr lang="en-US" dirty="0" smtClean="0"/>
+              <a:t>Traverse and Manipulate Instance</a:t>
+            </a:r>
+          </a:p>
+          <a:p>
+            <a:pPr lvl="1"/>
+            <a:r>
+              <a:rPr lang="en-US" dirty="0" smtClean="0"/>
+              <a:t>let data = </a:t>
+            </a:r>
+            <a:r>
+              <a:rPr lang="en-US" dirty="0" err="1" smtClean="0"/>
+              <a:t>ibmStockData.Rows</a:t>
+            </a:r>
+            <a:r>
+              <a:rPr lang="en-US" dirty="0" smtClean="0"/>
+              <a:t> </a:t>
+            </a:r>
+          </a:p>
+          <a:p>
+            <a:pPr marL="457200" lvl="1" indent="0">
+              <a:buNone/>
+            </a:pPr>
+            <a:r>
+              <a:rPr lang="en-US" dirty="0"/>
+              <a:t>	</a:t>
+            </a:r>
+            <a:r>
+              <a:rPr lang="en-US" dirty="0" smtClean="0"/>
+              <a:t>|&gt; Filter |&gt; Sort |&gt; Perry |&gt; Dodge |&gt; Spin</a:t>
+            </a:r>
+            <a:endParaRPr lang="en-US" dirty="0"/>
+          </a:p>
+          <a:p>
+            <a:pPr lvl="1"/>
+            <a:endParaRPr lang="en-US" dirty="0"/>
+          </a:p>
+        </p:txBody>
+      </p:sp>
+    </p:spTree>
+    <p:extLst>
+      <p:ext uri="{BB962C8B-B14F-4D97-AF65-F5344CB8AC3E}">
+        <p14:creationId xmlns:p14="http://schemas.microsoft.com/office/powerpoint/2010/main" val="2981566230"/>
+      </p:ext>
+    </p:extLst>
+  </p:cSld>
+  <p:clrMapOvr>
+    <a:masterClrMapping/>
+  </p:clrMapOvr>
+  <p:timing>
+    <p:tnLst>
+      <p:par>
+        <p:cTn id="1" dur="indefinite" restart="never" nodeType="tmRoot"/>
+      </p:par>
+    </p:tnLst>
+  </p:timing>
+</p:sld>
+</file>
+
+<file path=ppt/slides/slide11.xml><?xml version="1.0" encoding="utf-8"?>
+<p:sld xmlns:a="http://schemas.openxmlformats.org/drawingml/2006/main" xmlns:r="http://schemas.openxmlformats.org/officeDocument/2006/relationships" xmlns:p="http://schemas.openxmlformats.org/presentationml/2006/main">
+  <p:cSld>
+    <p:spTree>
+      <p:nvGrpSpPr>
+        <p:cNvPr id="1" name=""/>
+        <p:cNvGrpSpPr/>
+        <p:nvPr/>
+      </p:nvGrpSpPr>
+      <p:grpSpPr>
+        <a:xfrm>
+          <a:off x="0" y="0"/>
+          <a:ext cx="0" cy="0"/>
+          <a:chOff x="0" y="0"/>
+          <a:chExt cx="0" cy="0"/>
+        </a:xfrm>
+      </p:grpSpPr>
+      <p:sp>
+        <p:nvSpPr>
+          <p:cNvPr id="2" name="Title 1"/>
+          <p:cNvSpPr>
+            <a:spLocks noGrp="1"/>
+          </p:cNvSpPr>
+          <p:nvPr>
+            <p:ph type="title"/>
+          </p:nvPr>
+        </p:nvSpPr>
+        <p:spPr/>
+        <p:txBody>
+          <a:bodyPr/>
+          <a:lstStyle/>
+          <a:p>
+            <a:r>
+              <a:rPr lang="en-US" dirty="0" smtClean="0"/>
+              <a:t>F# Type Providers</a:t>
+            </a:r>
+            <a:endParaRPr lang="en-US" dirty="0"/>
+          </a:p>
+        </p:txBody>
+      </p:sp>
+      <p:sp>
+        <p:nvSpPr>
+          <p:cNvPr id="3" name="Content Placeholder 2"/>
+          <p:cNvSpPr>
+            <a:spLocks noGrp="1"/>
+          </p:cNvSpPr>
+          <p:nvPr>
+            <p:ph idx="1"/>
+          </p:nvPr>
+        </p:nvSpPr>
+        <p:spPr/>
+        <p:txBody>
+          <a:bodyPr/>
+          <a:lstStyle/>
+          <a:p>
+            <a:r>
+              <a:rPr lang="en-US" dirty="0" smtClean="0"/>
+              <a:t>&lt;Demo /&gt;</a:t>
+            </a:r>
+            <a:endParaRPr lang="en-US" dirty="0"/>
+          </a:p>
+        </p:txBody>
+      </p:sp>
+    </p:spTree>
+    <p:extLst>
+      <p:ext uri="{BB962C8B-B14F-4D97-AF65-F5344CB8AC3E}">
+        <p14:creationId xmlns:p14="http://schemas.microsoft.com/office/powerpoint/2010/main" val="1890837990"/>
+      </p:ext>
+    </p:extLst>
+  </p:cSld>
+  <p:clrMapOvr>
+    <a:masterClrMapping/>
+  </p:clrMapOvr>
+  <p:timing>
+    <p:tnLst>
+      <p:par>
+        <p:cTn id="1" dur="indefinite" restart="never" nodeType="tmRoot"/>
+      </p:par>
+    </p:tnLst>
+  </p:timing>
+</p:sld>
+</file>
+
+<file path=ppt/slides/slide12.xml><?xml version="1.0" encoding="utf-8"?>
+<p:sld xmlns:a="http://schemas.openxmlformats.org/drawingml/2006/main" xmlns:r="http://schemas.openxmlformats.org/officeDocument/2006/relationships" xmlns:p="http://schemas.openxmlformats.org/presentationml/2006/main">
+  <p:cSld>
+    <p:spTree>
+      <p:nvGrpSpPr>
+        <p:cNvPr id="1" name=""/>
+        <p:cNvGrpSpPr/>
+        <p:nvPr/>
+      </p:nvGrpSpPr>
+      <p:grpSpPr>
+        <a:xfrm>
+          <a:off x="0" y="0"/>
+          <a:ext cx="0" cy="0"/>
+          <a:chOff x="0" y="0"/>
+          <a:chExt cx="0" cy="0"/>
+        </a:xfrm>
+      </p:grpSpPr>
+      <p:sp>
+        <p:nvSpPr>
+          <p:cNvPr id="2" name="Title 1"/>
+          <p:cNvSpPr>
+            <a:spLocks noGrp="1"/>
+          </p:cNvSpPr>
+          <p:nvPr>
+            <p:ph type="title"/>
+          </p:nvPr>
+        </p:nvSpPr>
+        <p:spPr/>
+        <p:txBody>
+          <a:bodyPr/>
+          <a:lstStyle/>
+          <a:p>
+            <a:r>
+              <a:rPr lang="en-US" dirty="0" smtClean="0"/>
+              <a:t>F# Data Manipulation</a:t>
+            </a:r>
+            <a:endParaRPr lang="en-US" dirty="0"/>
+          </a:p>
+        </p:txBody>
+      </p:sp>
+      <p:sp>
+        <p:nvSpPr>
+          <p:cNvPr id="3" name="Content Placeholder 2"/>
+          <p:cNvSpPr>
+            <a:spLocks noGrp="1"/>
+          </p:cNvSpPr>
+          <p:nvPr>
+            <p:ph idx="1"/>
+          </p:nvPr>
+        </p:nvSpPr>
+        <p:spPr/>
+        <p:txBody>
+          <a:bodyPr/>
+          <a:lstStyle/>
+          <a:p>
+            <a:r>
+              <a:rPr lang="en-US" dirty="0" smtClean="0"/>
+              <a:t>F# Language uses high order functions for most data manipulation tasks</a:t>
+            </a:r>
+          </a:p>
+          <a:p>
+            <a:r>
+              <a:rPr lang="en-US" dirty="0" smtClean="0"/>
+              <a:t>Can use Parallel library for parallel compute</a:t>
+            </a:r>
+          </a:p>
+          <a:p>
+            <a:r>
+              <a:rPr lang="en-US" i="1" dirty="0" err="1" smtClean="0"/>
+              <a:t>Deedle</a:t>
+            </a:r>
+            <a:r>
+              <a:rPr lang="en-US" dirty="0" smtClean="0"/>
+              <a:t> is for exploratory and time series analysis ~ </a:t>
+            </a:r>
+            <a:r>
+              <a:rPr lang="en-US" dirty="0" err="1" smtClean="0"/>
+              <a:t>Equiv</a:t>
+            </a:r>
+            <a:r>
+              <a:rPr lang="en-US" dirty="0" smtClean="0"/>
+              <a:t> to Pandas</a:t>
+            </a:r>
+          </a:p>
+          <a:p>
+            <a:r>
+              <a:rPr lang="en-US" i="1" dirty="0" err="1" smtClean="0"/>
+              <a:t>MBrace</a:t>
+            </a:r>
+            <a:r>
+              <a:rPr lang="en-US" dirty="0" smtClean="0"/>
+              <a:t> is for cross machine computation ~ </a:t>
+            </a:r>
+            <a:r>
+              <a:rPr lang="en-US" dirty="0" err="1" smtClean="0"/>
+              <a:t>equiv</a:t>
+            </a:r>
+            <a:r>
+              <a:rPr lang="en-US" dirty="0" smtClean="0"/>
+              <a:t> to </a:t>
+            </a:r>
+            <a:r>
+              <a:rPr lang="en-US" dirty="0" err="1" smtClean="0"/>
+              <a:t>hadoop</a:t>
+            </a:r>
+            <a:endParaRPr lang="en-US" dirty="0"/>
+          </a:p>
+        </p:txBody>
+      </p:sp>
+    </p:spTree>
+    <p:extLst>
+      <p:ext uri="{BB962C8B-B14F-4D97-AF65-F5344CB8AC3E}">
+        <p14:creationId xmlns:p14="http://schemas.microsoft.com/office/powerpoint/2010/main" val="1486754095"/>
+      </p:ext>
+    </p:extLst>
+  </p:cSld>
+  <p:clrMapOvr>
+    <a:masterClrMapping/>
+  </p:clrMapOvr>
+  <p:timing>
+    <p:tnLst>
+      <p:par>
+        <p:cTn id="1" dur="indefinite" restart="never" nodeType="tmRoot"/>
+      </p:par>
+    </p:tnLst>
+  </p:timing>
+</p:sld>
+</file>
+
+<file path=ppt/slides/slide13.xml><?xml version="1.0" encoding="utf-8"?>
+<p:sld xmlns:a="http://schemas.openxmlformats.org/drawingml/2006/main" xmlns:r="http://schemas.openxmlformats.org/officeDocument/2006/relationships" xmlns:p="http://schemas.openxmlformats.org/presentationml/2006/main">
+  <p:cSld>
+    <p:spTree>
+      <p:nvGrpSpPr>
+        <p:cNvPr id="1" name=""/>
+        <p:cNvGrpSpPr/>
+        <p:nvPr/>
+      </p:nvGrpSpPr>
+      <p:grpSpPr>
+        <a:xfrm>
+          <a:off x="0" y="0"/>
+          <a:ext cx="0" cy="0"/>
+          <a:chOff x="0" y="0"/>
+          <a:chExt cx="0" cy="0"/>
+        </a:xfrm>
+      </p:grpSpPr>
+      <p:sp>
+        <p:nvSpPr>
+          <p:cNvPr id="2" name="Title 1"/>
+          <p:cNvSpPr>
+            <a:spLocks noGrp="1"/>
+          </p:cNvSpPr>
+          <p:nvPr>
+            <p:ph type="title"/>
+          </p:nvPr>
+        </p:nvSpPr>
+        <p:spPr/>
+        <p:txBody>
+          <a:bodyPr/>
+          <a:lstStyle/>
+          <a:p>
+            <a:r>
+              <a:rPr lang="en-US" dirty="0" smtClean="0"/>
+              <a:t>F# Data Manipulation</a:t>
+            </a:r>
+            <a:endParaRPr lang="en-US" dirty="0"/>
+          </a:p>
+        </p:txBody>
+      </p:sp>
+      <p:sp>
+        <p:nvSpPr>
+          <p:cNvPr id="3" name="Content Placeholder 2"/>
+          <p:cNvSpPr>
+            <a:spLocks noGrp="1"/>
+          </p:cNvSpPr>
+          <p:nvPr>
+            <p:ph idx="1"/>
+          </p:nvPr>
+        </p:nvSpPr>
+        <p:spPr/>
+        <p:txBody>
+          <a:bodyPr/>
+          <a:lstStyle/>
+          <a:p>
+            <a:r>
+              <a:rPr lang="en-US" dirty="0" smtClean="0"/>
+              <a:t>High Order Functions</a:t>
+            </a:r>
+            <a:r>
+              <a:rPr lang="en-US" dirty="0"/>
+              <a:t> </a:t>
+            </a:r>
+            <a:r>
+              <a:rPr lang="en-US" dirty="0" smtClean="0"/>
+              <a:t>are functions that take in other functions as arguments</a:t>
+            </a:r>
+          </a:p>
+          <a:p>
+            <a:pPr lvl="1"/>
+            <a:r>
+              <a:rPr lang="en-US" dirty="0" smtClean="0"/>
+              <a:t>Seen with Lambdas: </a:t>
+            </a:r>
+            <a:r>
+              <a:rPr lang="en-US" dirty="0" err="1" smtClean="0"/>
+              <a:t>Seq.Map</a:t>
+            </a:r>
+            <a:r>
+              <a:rPr lang="en-US" dirty="0" smtClean="0"/>
+              <a:t>(fun x -&gt; x + 1)</a:t>
+            </a:r>
+          </a:p>
+          <a:p>
+            <a:pPr lvl="1"/>
+            <a:r>
+              <a:rPr lang="en-US" dirty="0" smtClean="0"/>
+              <a:t>Can be a named function:</a:t>
+            </a:r>
+            <a:r>
+              <a:rPr lang="en-US" dirty="0"/>
+              <a:t> </a:t>
+            </a:r>
+            <a:endParaRPr lang="en-US" dirty="0" smtClean="0"/>
+          </a:p>
+          <a:p>
+            <a:pPr marL="914400" lvl="2" indent="0">
+              <a:buNone/>
+            </a:pPr>
+            <a:r>
+              <a:rPr lang="en-US" dirty="0" smtClean="0"/>
+              <a:t>let </a:t>
+            </a:r>
+            <a:r>
+              <a:rPr lang="en-US" dirty="0" err="1" smtClean="0"/>
+              <a:t>addOne</a:t>
+            </a:r>
+            <a:r>
+              <a:rPr lang="en-US" dirty="0" smtClean="0"/>
+              <a:t> x = x + 1</a:t>
+            </a:r>
+            <a:endParaRPr lang="en-US" dirty="0"/>
+          </a:p>
+          <a:p>
+            <a:pPr marL="914400" lvl="2" indent="0">
+              <a:buNone/>
+            </a:pPr>
+            <a:r>
+              <a:rPr lang="en-US" dirty="0" err="1" smtClean="0"/>
+              <a:t>Seq.Map</a:t>
+            </a:r>
+            <a:r>
+              <a:rPr lang="en-US" dirty="0" smtClean="0"/>
+              <a:t>(</a:t>
+            </a:r>
+            <a:r>
+              <a:rPr lang="en-US" dirty="0" err="1" smtClean="0"/>
+              <a:t>addOne</a:t>
+            </a:r>
+            <a:r>
+              <a:rPr lang="en-US" dirty="0" smtClean="0"/>
+              <a:t>)</a:t>
+            </a:r>
+          </a:p>
+          <a:p>
+            <a:pPr lvl="1"/>
+            <a:r>
+              <a:rPr lang="en-US" dirty="0" smtClean="0"/>
+              <a:t>Can have more than 1 parameter</a:t>
+            </a:r>
+          </a:p>
+          <a:p>
+            <a:pPr marL="914400" lvl="2" indent="0">
+              <a:buNone/>
+            </a:pPr>
+            <a:r>
+              <a:rPr lang="en-US" dirty="0" err="1" smtClean="0"/>
+              <a:t>Seq.mapi</a:t>
+            </a:r>
+            <a:r>
+              <a:rPr lang="en-US" dirty="0" smtClean="0"/>
+              <a:t>(fun </a:t>
+            </a:r>
+            <a:r>
+              <a:rPr lang="en-US" dirty="0" err="1" smtClean="0"/>
+              <a:t>idx</a:t>
+            </a:r>
+            <a:r>
+              <a:rPr lang="en-US" dirty="0" smtClean="0"/>
+              <a:t> x -&gt; </a:t>
+            </a:r>
+            <a:r>
+              <a:rPr lang="en-US" dirty="0" err="1" smtClean="0"/>
+              <a:t>idx</a:t>
+            </a:r>
+            <a:r>
+              <a:rPr lang="en-US" dirty="0" smtClean="0"/>
+              <a:t> + x)</a:t>
+            </a:r>
+          </a:p>
+        </p:txBody>
+      </p:sp>
+    </p:spTree>
+    <p:extLst>
+      <p:ext uri="{BB962C8B-B14F-4D97-AF65-F5344CB8AC3E}">
+        <p14:creationId xmlns:p14="http://schemas.microsoft.com/office/powerpoint/2010/main" val="3414467250"/>
+      </p:ext>
+    </p:extLst>
+  </p:cSld>
+  <p:clrMapOvr>
+    <a:masterClrMapping/>
+  </p:clrMapOvr>
+  <p:timing>
+    <p:tnLst>
+      <p:par>
+        <p:cTn id="1" dur="indefinite" restart="never" nodeType="tmRoot"/>
+      </p:par>
+    </p:tnLst>
+  </p:timing>
+</p:sld>
+</file>
+
+<file path=ppt/slides/slide14.xml><?xml version="1.0" encoding="utf-8"?>
+<p:sld xmlns:a="http://schemas.openxmlformats.org/drawingml/2006/main" xmlns:r="http://schemas.openxmlformats.org/officeDocument/2006/relationships" xmlns:p="http://schemas.openxmlformats.org/presentationml/2006/main">
+  <p:cSld>
+    <p:spTree>
+      <p:nvGrpSpPr>
+        <p:cNvPr id="1" name=""/>
+        <p:cNvGrpSpPr/>
+        <p:nvPr/>
+      </p:nvGrpSpPr>
+      <p:grpSpPr>
+        <a:xfrm>
+          <a:off x="0" y="0"/>
+          <a:ext cx="0" cy="0"/>
+          <a:chOff x="0" y="0"/>
+          <a:chExt cx="0" cy="0"/>
+        </a:xfrm>
+      </p:grpSpPr>
+      <p:sp>
+        <p:nvSpPr>
+          <p:cNvPr id="2" name="Title 1"/>
+          <p:cNvSpPr>
+            <a:spLocks noGrp="1"/>
+          </p:cNvSpPr>
+          <p:nvPr>
+            <p:ph type="title"/>
+          </p:nvPr>
+        </p:nvSpPr>
+        <p:spPr/>
+        <p:txBody>
+          <a:bodyPr/>
+          <a:lstStyle/>
+          <a:p>
+            <a:r>
+              <a:rPr lang="en-US" dirty="0" smtClean="0"/>
+              <a:t>F# Data Manipulation</a:t>
+            </a:r>
+            <a:endParaRPr lang="en-US" dirty="0"/>
+          </a:p>
+        </p:txBody>
+      </p:sp>
+      <p:sp>
+        <p:nvSpPr>
+          <p:cNvPr id="3" name="Content Placeholder 2"/>
+          <p:cNvSpPr>
+            <a:spLocks noGrp="1"/>
+          </p:cNvSpPr>
+          <p:nvPr>
+            <p:ph idx="1"/>
+          </p:nvPr>
+        </p:nvSpPr>
+        <p:spPr/>
+        <p:txBody>
+          <a:bodyPr/>
+          <a:lstStyle/>
+          <a:p>
+            <a:r>
+              <a:rPr lang="en-US" dirty="0" smtClean="0"/>
+              <a:t>&lt;Demo /&gt;</a:t>
+            </a:r>
+            <a:endParaRPr lang="en-US" dirty="0"/>
+          </a:p>
+        </p:txBody>
+      </p:sp>
+    </p:spTree>
+    <p:extLst>
+      <p:ext uri="{BB962C8B-B14F-4D97-AF65-F5344CB8AC3E}">
+        <p14:creationId xmlns:p14="http://schemas.microsoft.com/office/powerpoint/2010/main" val="2560544810"/>
+      </p:ext>
+    </p:extLst>
+  </p:cSld>
+  <p:clrMapOvr>
+    <a:masterClrMapping/>
+  </p:clrMapOvr>
+  <p:timing>
+    <p:tnLst>
+      <p:par>
+        <p:cTn id="1" dur="indefinite" restart="never" nodeType="tmRoot"/>
+      </p:par>
+    </p:tnLst>
+  </p:timing>
+</p:sld>
+</file>
+
+<file path=ppt/slides/slide15.xml><?xml version="1.0" encoding="utf-8"?>
+<p:sld xmlns:a="http://schemas.openxmlformats.org/drawingml/2006/main" xmlns:r="http://schemas.openxmlformats.org/officeDocument/2006/relationships" xmlns:p="http://schemas.openxmlformats.org/presentationml/2006/main">
+  <p:cSld>
+    <p:spTree>
+      <p:nvGrpSpPr>
+        <p:cNvPr id="1" name=""/>
+        <p:cNvGrpSpPr/>
+        <p:nvPr/>
+      </p:nvGrpSpPr>
+      <p:grpSpPr>
+        <a:xfrm>
+          <a:off x="0" y="0"/>
+          <a:ext cx="0" cy="0"/>
+          <a:chOff x="0" y="0"/>
+          <a:chExt cx="0" cy="0"/>
+        </a:xfrm>
+      </p:grpSpPr>
+      <p:sp>
+        <p:nvSpPr>
+          <p:cNvPr id="2" name="Title 1"/>
+          <p:cNvSpPr>
+            <a:spLocks noGrp="1"/>
+          </p:cNvSpPr>
+          <p:nvPr>
+            <p:ph type="title"/>
+          </p:nvPr>
+        </p:nvSpPr>
+        <p:spPr/>
+        <p:txBody>
+          <a:bodyPr/>
+          <a:lstStyle/>
+          <a:p>
+            <a:r>
+              <a:rPr lang="en-US" dirty="0" smtClean="0"/>
+              <a:t>F# Data Manipulation: Group By</a:t>
+            </a:r>
+            <a:endParaRPr lang="en-US" dirty="0"/>
+          </a:p>
+        </p:txBody>
+      </p:sp>
+      <p:graphicFrame>
+        <p:nvGraphicFramePr>
+          <p:cNvPr id="8" name="Table 7"/>
+          <p:cNvGraphicFramePr>
+            <a:graphicFrameLocks noGrp="1"/>
+          </p:cNvGraphicFramePr>
+          <p:nvPr>
+            <p:extLst>
+              <p:ext uri="{D42A27DB-BD31-4B8C-83A1-F6EECF244321}">
+                <p14:modId xmlns:p14="http://schemas.microsoft.com/office/powerpoint/2010/main" val="957028422"/>
+              </p:ext>
+            </p:extLst>
+          </p:nvPr>
+        </p:nvGraphicFramePr>
+        <p:xfrm>
+          <a:off x="457202" y="1828800"/>
+          <a:ext cx="8229598" cy="3109287"/>
+        </p:xfrm>
+        <a:graphic>
+          <a:graphicData uri="http://schemas.openxmlformats.org/drawingml/2006/table">
+            <a:tbl>
+              <a:tblPr>
+                <a:tableStyleId>{5C22544A-7EE6-4342-B048-85BDC9FD1C3A}</a:tableStyleId>
+              </a:tblPr>
+              <a:tblGrid>
+                <a:gridCol w="703867"/>
+                <a:gridCol w="703867"/>
+                <a:gridCol w="570221"/>
+                <a:gridCol w="570221"/>
+                <a:gridCol w="308870"/>
+                <a:gridCol w="570221"/>
+                <a:gridCol w="570221"/>
+                <a:gridCol w="570221"/>
+                <a:gridCol w="570221"/>
+                <a:gridCol w="570221"/>
+                <a:gridCol w="240563"/>
+                <a:gridCol w="570221"/>
+                <a:gridCol w="570221"/>
+                <a:gridCol w="570221"/>
+                <a:gridCol w="570221"/>
+              </a:tblGrid>
+              <a:tr h="322881">
+                <a:tc>
+                  <a:txBody>
+                    <a:bodyPr/>
+                    <a:lstStyle/>
+                    <a:p>
+                      <a:pPr algn="l" fontAlgn="b"/>
+                      <a:r>
+                        <a:rPr lang="en-US" sz="1000" u="none" strike="noStrike">
+                          <a:effectLst/>
+                        </a:rPr>
+                        <a:t>1) obs2</a:t>
+                      </a:r>
+                      <a:endParaRPr lang="en-US" sz="1000" b="1" i="0" u="none" strike="noStrike">
+                        <a:solidFill>
+                          <a:srgbClr val="000000"/>
+                        </a:solidFill>
+                        <a:effectLst/>
+                        <a:latin typeface="Calibri" panose="020F0502020204030204" pitchFamily="34" charset="0"/>
+                      </a:endParaRPr>
+                    </a:p>
+                  </a:txBody>
+                  <a:tcPr marL="8919" marR="8919" marT="8919" marB="0" anchor="b"/>
+                </a:tc>
+                <a:tc>
+                  <a:txBody>
+                    <a:bodyPr/>
+                    <a:lstStyle/>
+                    <a:p>
+                      <a:pPr algn="l" fontAlgn="b"/>
+                      <a:endParaRPr lang="en-US" sz="1000" b="0" i="0" u="none" strike="noStrike">
+                        <a:solidFill>
+                          <a:srgbClr val="000000"/>
+                        </a:solidFill>
+                        <a:effectLst/>
+                        <a:latin typeface="Calibri" panose="020F0502020204030204" pitchFamily="34" charset="0"/>
+                      </a:endParaRPr>
+                    </a:p>
+                  </a:txBody>
+                  <a:tcPr marL="8919" marR="8919" marT="8919" marB="0" anchor="b"/>
+                </a:tc>
+                <a:tc>
+                  <a:txBody>
+                    <a:bodyPr/>
+                    <a:lstStyle/>
+                    <a:p>
+                      <a:pPr algn="l" fontAlgn="b"/>
+                      <a:endParaRPr lang="en-US" sz="1000" b="0" i="0" u="none" strike="noStrike">
+                        <a:solidFill>
+                          <a:srgbClr val="000000"/>
+                        </a:solidFill>
+                        <a:effectLst/>
+                        <a:latin typeface="Calibri" panose="020F0502020204030204" pitchFamily="34" charset="0"/>
+                      </a:endParaRPr>
+                    </a:p>
+                  </a:txBody>
+                  <a:tcPr marL="8919" marR="8919" marT="8919" marB="0" anchor="b"/>
+                </a:tc>
+                <a:tc>
+                  <a:txBody>
+                    <a:bodyPr/>
+                    <a:lstStyle/>
+                    <a:p>
+                      <a:pPr algn="l" fontAlgn="b"/>
+                      <a:endParaRPr lang="en-US" sz="1000" b="0" i="0" u="none" strike="noStrike">
+                        <a:solidFill>
+                          <a:srgbClr val="000000"/>
+                        </a:solidFill>
+                        <a:effectLst/>
+                        <a:latin typeface="Calibri" panose="020F0502020204030204" pitchFamily="34" charset="0"/>
+                      </a:endParaRPr>
+                    </a:p>
+                  </a:txBody>
+                  <a:tcPr marL="8919" marR="8919" marT="8919" marB="0" anchor="b"/>
+                </a:tc>
+                <a:tc>
+                  <a:txBody>
+                    <a:bodyPr/>
+                    <a:lstStyle/>
+                    <a:p>
+                      <a:pPr algn="l" fontAlgn="b"/>
+                      <a:endParaRPr lang="en-US" sz="1000" b="0" i="0" u="none" strike="noStrike">
+                        <a:solidFill>
+                          <a:srgbClr val="000000"/>
+                        </a:solidFill>
+                        <a:effectLst/>
+                        <a:latin typeface="Calibri" panose="020F0502020204030204" pitchFamily="34" charset="0"/>
+                      </a:endParaRPr>
+                    </a:p>
+                  </a:txBody>
+                  <a:tcPr marL="8919" marR="8919" marT="8919" marB="0" anchor="b"/>
+                </a:tc>
+                <a:tc gridSpan="5">
+                  <a:txBody>
+                    <a:bodyPr/>
+                    <a:lstStyle/>
+                    <a:p>
+                      <a:pPr algn="l" fontAlgn="b"/>
+                      <a:r>
+                        <a:rPr lang="en-US" sz="1000" u="none" strike="noStrike">
+                          <a:effectLst/>
+                        </a:rPr>
+                        <a:t>2) |&gt; Seq.groupBy(fun o -&gt; o.LapNumber)</a:t>
+                      </a:r>
+                      <a:endParaRPr lang="en-US" sz="1000" b="1" i="0" u="none" strike="noStrike">
+                        <a:solidFill>
+                          <a:srgbClr val="000000"/>
+                        </a:solidFill>
+                        <a:effectLst/>
+                        <a:latin typeface="Calibri" panose="020F0502020204030204" pitchFamily="34" charset="0"/>
+                      </a:endParaRPr>
+                    </a:p>
+                  </a:txBody>
+                  <a:tcPr marL="8919" marR="8919" marT="8919" marB="0" anchor="b"/>
+                </a:tc>
+                <a:tc hMerge="1">
+                  <a:txBody>
+                    <a:bodyPr/>
+                    <a:lstStyle/>
+                    <a:p>
+                      <a:endParaRPr lang="en-US"/>
+                    </a:p>
+                  </a:txBody>
+                  <a:tcPr/>
+                </a:tc>
+                <a:tc hMerge="1">
+                  <a:txBody>
+                    <a:bodyPr/>
+                    <a:lstStyle/>
+                    <a:p>
+                      <a:endParaRPr lang="en-US"/>
+                    </a:p>
+                  </a:txBody>
+                  <a:tcPr/>
+                </a:tc>
+                <a:tc hMerge="1">
+                  <a:txBody>
+                    <a:bodyPr/>
+                    <a:lstStyle/>
+                    <a:p>
+                      <a:endParaRPr lang="en-US"/>
+                    </a:p>
+                  </a:txBody>
+                  <a:tcPr/>
+                </a:tc>
+                <a:tc hMerge="1">
+                  <a:txBody>
+                    <a:bodyPr/>
+                    <a:lstStyle/>
+                    <a:p>
+                      <a:endParaRPr lang="en-US"/>
+                    </a:p>
+                  </a:txBody>
+                  <a:tcPr/>
+                </a:tc>
+                <a:tc>
+                  <a:txBody>
+                    <a:bodyPr/>
+                    <a:lstStyle/>
+                    <a:p>
+                      <a:pPr algn="l" fontAlgn="b"/>
+                      <a:endParaRPr lang="en-US" sz="1000" b="0" i="0" u="none" strike="noStrike">
+                        <a:solidFill>
+                          <a:srgbClr val="000000"/>
+                        </a:solidFill>
+                        <a:effectLst/>
+                        <a:latin typeface="Calibri" panose="020F0502020204030204" pitchFamily="34" charset="0"/>
+                      </a:endParaRPr>
+                    </a:p>
+                  </a:txBody>
+                  <a:tcPr marL="8919" marR="8919" marT="8919" marB="0" anchor="b"/>
+                </a:tc>
+                <a:tc gridSpan="4">
+                  <a:txBody>
+                    <a:bodyPr/>
+                    <a:lstStyle/>
+                    <a:p>
+                      <a:pPr algn="l" fontAlgn="b"/>
+                      <a:r>
+                        <a:rPr lang="en-US" sz="1000" u="none" strike="noStrike">
+                          <a:effectLst/>
+                        </a:rPr>
+                        <a:t>3) |&gt; Seq.map(fun (ln,obs) -&gt; ln,obs |&gt; Seq.length)</a:t>
+                      </a:r>
+                      <a:endParaRPr lang="en-US" sz="1000" b="1" i="0" u="none" strike="noStrike">
+                        <a:solidFill>
+                          <a:srgbClr val="000000"/>
+                        </a:solidFill>
+                        <a:effectLst/>
+                        <a:latin typeface="Calibri" panose="020F0502020204030204" pitchFamily="34" charset="0"/>
+                      </a:endParaRPr>
+                    </a:p>
+                  </a:txBody>
+                  <a:tcPr marL="8919" marR="8919" marT="8919" marB="0" anchor="b"/>
+                </a:tc>
+                <a:tc hMerge="1">
+                  <a:txBody>
+                    <a:bodyPr/>
+                    <a:lstStyle/>
+                    <a:p>
+                      <a:endParaRPr lang="en-US"/>
+                    </a:p>
+                  </a:txBody>
+                  <a:tcPr/>
+                </a:tc>
+                <a:tc hMerge="1">
+                  <a:txBody>
+                    <a:bodyPr/>
+                    <a:lstStyle/>
+                    <a:p>
+                      <a:endParaRPr lang="en-US"/>
+                    </a:p>
+                  </a:txBody>
+                  <a:tcPr/>
+                </a:tc>
+                <a:tc hMerge="1">
+                  <a:txBody>
+                    <a:bodyPr/>
+                    <a:lstStyle/>
+                    <a:p>
+                      <a:endParaRPr lang="en-US"/>
+                    </a:p>
+                  </a:txBody>
+                  <a:tcPr/>
+                </a:tc>
+              </a:tr>
+              <a:tr h="322881">
+                <a:tc>
+                  <a:txBody>
+                    <a:bodyPr/>
+                    <a:lstStyle/>
+                    <a:p>
+                      <a:pPr algn="ctr" fontAlgn="b"/>
+                      <a:r>
+                        <a:rPr lang="en-US" sz="1000" u="none" strike="noStrike">
+                          <a:effectLst/>
+                        </a:rPr>
+                        <a:t>LapNumber</a:t>
+                      </a:r>
+                      <a:endParaRPr lang="en-US" sz="1000" b="0" i="0" u="none" strike="noStrike">
+                        <a:solidFill>
+                          <a:srgbClr val="000000"/>
+                        </a:solidFill>
+                        <a:effectLst/>
+                        <a:latin typeface="Calibri" panose="020F0502020204030204" pitchFamily="34" charset="0"/>
+                      </a:endParaRPr>
+                    </a:p>
+                  </a:txBody>
+                  <a:tcPr marL="8919" marR="8919" marT="8919" marB="0" anchor="b"/>
+                </a:tc>
+                <a:tc>
+                  <a:txBody>
+                    <a:bodyPr/>
+                    <a:lstStyle/>
+                    <a:p>
+                      <a:pPr algn="ctr" fontAlgn="b"/>
+                      <a:r>
+                        <a:rPr lang="en-US" sz="1000" u="none" strike="noStrike">
+                          <a:effectLst/>
+                        </a:rPr>
+                        <a:t>Lat</a:t>
+                      </a:r>
+                      <a:endParaRPr lang="en-US" sz="1000" b="0" i="0" u="none" strike="noStrike">
+                        <a:solidFill>
+                          <a:srgbClr val="000000"/>
+                        </a:solidFill>
+                        <a:effectLst/>
+                        <a:latin typeface="Calibri" panose="020F0502020204030204" pitchFamily="34" charset="0"/>
+                      </a:endParaRPr>
+                    </a:p>
+                  </a:txBody>
+                  <a:tcPr marL="8919" marR="8919" marT="8919" marB="0" anchor="b"/>
+                </a:tc>
+                <a:tc>
+                  <a:txBody>
+                    <a:bodyPr/>
+                    <a:lstStyle/>
+                    <a:p>
+                      <a:pPr algn="ctr" fontAlgn="b"/>
+                      <a:r>
+                        <a:rPr lang="en-US" sz="1000" u="none" strike="noStrike">
+                          <a:effectLst/>
+                        </a:rPr>
+                        <a:t>Lon</a:t>
+                      </a:r>
+                      <a:endParaRPr lang="en-US" sz="1000" b="0" i="0" u="none" strike="noStrike">
+                        <a:solidFill>
+                          <a:srgbClr val="000000"/>
+                        </a:solidFill>
+                        <a:effectLst/>
+                        <a:latin typeface="Calibri" panose="020F0502020204030204" pitchFamily="34" charset="0"/>
+                      </a:endParaRPr>
+                    </a:p>
+                  </a:txBody>
+                  <a:tcPr marL="8919" marR="8919" marT="8919" marB="0" anchor="b"/>
+                </a:tc>
+                <a:tc>
+                  <a:txBody>
+                    <a:bodyPr/>
+                    <a:lstStyle/>
+                    <a:p>
+                      <a:pPr algn="ctr" fontAlgn="b"/>
+                      <a:r>
+                        <a:rPr lang="en-US" sz="1000" u="none" strike="noStrike">
+                          <a:effectLst/>
+                        </a:rPr>
+                        <a:t>Speed</a:t>
+                      </a:r>
+                      <a:endParaRPr lang="en-US" sz="1000" b="0" i="0" u="none" strike="noStrike">
+                        <a:solidFill>
+                          <a:srgbClr val="000000"/>
+                        </a:solidFill>
+                        <a:effectLst/>
+                        <a:latin typeface="Calibri" panose="020F0502020204030204" pitchFamily="34" charset="0"/>
+                      </a:endParaRPr>
+                    </a:p>
+                  </a:txBody>
+                  <a:tcPr marL="8919" marR="8919" marT="8919" marB="0" anchor="b"/>
+                </a:tc>
+                <a:tc>
+                  <a:txBody>
+                    <a:bodyPr/>
+                    <a:lstStyle/>
+                    <a:p>
+                      <a:pPr algn="l" fontAlgn="b"/>
+                      <a:endParaRPr lang="en-US" sz="1000" b="0" i="0" u="none" strike="noStrike">
+                        <a:solidFill>
+                          <a:srgbClr val="000000"/>
+                        </a:solidFill>
+                        <a:effectLst/>
+                        <a:latin typeface="Calibri" panose="020F0502020204030204" pitchFamily="34" charset="0"/>
+                      </a:endParaRPr>
+                    </a:p>
+                  </a:txBody>
+                  <a:tcPr marL="8919" marR="8919" marT="8919" marB="0" anchor="b"/>
+                </a:tc>
+                <a:tc>
+                  <a:txBody>
+                    <a:bodyPr/>
+                    <a:lstStyle/>
+                    <a:p>
+                      <a:pPr algn="ctr" fontAlgn="b"/>
+                      <a:r>
+                        <a:rPr lang="en-US" sz="1000" u="none" strike="noStrike">
+                          <a:effectLst/>
+                        </a:rPr>
+                        <a:t>FST</a:t>
+                      </a:r>
+                      <a:endParaRPr lang="en-US" sz="1000" b="1" i="1" u="none" strike="noStrike">
+                        <a:solidFill>
+                          <a:srgbClr val="000000"/>
+                        </a:solidFill>
+                        <a:effectLst/>
+                        <a:latin typeface="Calibri" panose="020F0502020204030204" pitchFamily="34" charset="0"/>
+                      </a:endParaRPr>
+                    </a:p>
+                  </a:txBody>
+                  <a:tcPr marL="8919" marR="8919" marT="8919" marB="0" anchor="b"/>
+                </a:tc>
+                <a:tc gridSpan="4">
+                  <a:txBody>
+                    <a:bodyPr/>
+                    <a:lstStyle/>
+                    <a:p>
+                      <a:pPr algn="ctr" fontAlgn="b"/>
+                      <a:r>
+                        <a:rPr lang="en-US" sz="1000" u="none" strike="noStrike">
+                          <a:effectLst/>
+                        </a:rPr>
+                        <a:t>SND</a:t>
+                      </a:r>
+                      <a:endParaRPr lang="en-US" sz="1000" b="1" i="1" u="none" strike="noStrike">
+                        <a:solidFill>
+                          <a:srgbClr val="000000"/>
+                        </a:solidFill>
+                        <a:effectLst/>
+                        <a:latin typeface="Calibri" panose="020F0502020204030204" pitchFamily="34" charset="0"/>
+                      </a:endParaRPr>
+                    </a:p>
+                  </a:txBody>
+                  <a:tcPr marL="8919" marR="8919" marT="8919" marB="0" anchor="b"/>
+                </a:tc>
+                <a:tc hMerge="1">
+                  <a:txBody>
+                    <a:bodyPr/>
+                    <a:lstStyle/>
+                    <a:p>
+                      <a:endParaRPr lang="en-US"/>
+                    </a:p>
+                  </a:txBody>
+                  <a:tcPr/>
+                </a:tc>
+                <a:tc hMerge="1">
+                  <a:txBody>
+                    <a:bodyPr/>
+                    <a:lstStyle/>
+                    <a:p>
+                      <a:endParaRPr lang="en-US"/>
+                    </a:p>
+                  </a:txBody>
+                  <a:tcPr/>
+                </a:tc>
+                <a:tc hMerge="1">
+                  <a:txBody>
+                    <a:bodyPr/>
+                    <a:lstStyle/>
+                    <a:p>
+                      <a:endParaRPr lang="en-US"/>
+                    </a:p>
+                  </a:txBody>
+                  <a:tcPr/>
+                </a:tc>
+                <a:tc>
+                  <a:txBody>
+                    <a:bodyPr/>
+                    <a:lstStyle/>
+                    <a:p>
+                      <a:pPr algn="l" fontAlgn="b"/>
+                      <a:endParaRPr lang="en-US" sz="1000" b="0" i="0" u="none" strike="noStrike">
+                        <a:solidFill>
+                          <a:srgbClr val="000000"/>
+                        </a:solidFill>
+                        <a:effectLst/>
+                        <a:latin typeface="Calibri" panose="020F0502020204030204" pitchFamily="34" charset="0"/>
+                      </a:endParaRPr>
+                    </a:p>
+                  </a:txBody>
+                  <a:tcPr marL="8919" marR="8919" marT="8919" marB="0" anchor="b"/>
+                </a:tc>
+                <a:tc>
+                  <a:txBody>
+                    <a:bodyPr/>
+                    <a:lstStyle/>
+                    <a:p>
+                      <a:pPr algn="ctr" fontAlgn="b"/>
+                      <a:r>
+                        <a:rPr lang="en-US" sz="1000" u="none" strike="noStrike">
+                          <a:effectLst/>
+                        </a:rPr>
+                        <a:t>LapNumber</a:t>
+                      </a:r>
+                      <a:endParaRPr lang="en-US" sz="1000" b="0" i="0" u="none" strike="noStrike">
+                        <a:solidFill>
+                          <a:srgbClr val="000000"/>
+                        </a:solidFill>
+                        <a:effectLst/>
+                        <a:latin typeface="Calibri" panose="020F0502020204030204" pitchFamily="34" charset="0"/>
+                      </a:endParaRPr>
+                    </a:p>
+                  </a:txBody>
+                  <a:tcPr marL="8919" marR="8919" marT="8919" marB="0" anchor="b"/>
+                </a:tc>
+                <a:tc>
+                  <a:txBody>
+                    <a:bodyPr/>
+                    <a:lstStyle/>
+                    <a:p>
+                      <a:pPr algn="ctr" fontAlgn="b"/>
+                      <a:r>
+                        <a:rPr lang="en-US" sz="1000" u="none" strike="noStrike">
+                          <a:effectLst/>
+                        </a:rPr>
+                        <a:t># Obs</a:t>
+                      </a:r>
+                      <a:endParaRPr lang="en-US" sz="1000" b="0" i="0" u="none" strike="noStrike">
+                        <a:solidFill>
+                          <a:srgbClr val="000000"/>
+                        </a:solidFill>
+                        <a:effectLst/>
+                        <a:latin typeface="Calibri" panose="020F0502020204030204" pitchFamily="34" charset="0"/>
+                      </a:endParaRPr>
+                    </a:p>
+                  </a:txBody>
+                  <a:tcPr marL="8919" marR="8919" marT="8919" marB="0" anchor="b"/>
+                </a:tc>
+                <a:tc>
+                  <a:txBody>
+                    <a:bodyPr/>
+                    <a:lstStyle/>
+                    <a:p>
+                      <a:pPr algn="l" fontAlgn="b"/>
+                      <a:endParaRPr lang="en-US" sz="1000" b="0" i="0" u="none" strike="noStrike">
+                        <a:solidFill>
+                          <a:srgbClr val="000000"/>
+                        </a:solidFill>
+                        <a:effectLst/>
+                        <a:latin typeface="Calibri" panose="020F0502020204030204" pitchFamily="34" charset="0"/>
+                      </a:endParaRPr>
+                    </a:p>
+                  </a:txBody>
+                  <a:tcPr marL="8919" marR="8919" marT="8919" marB="0" anchor="b"/>
+                </a:tc>
+                <a:tc>
+                  <a:txBody>
+                    <a:bodyPr/>
+                    <a:lstStyle/>
+                    <a:p>
+                      <a:pPr algn="l" fontAlgn="b"/>
+                      <a:endParaRPr lang="en-US" sz="1000" b="0" i="0" u="none" strike="noStrike">
+                        <a:solidFill>
+                          <a:srgbClr val="000000"/>
+                        </a:solidFill>
+                        <a:effectLst/>
+                        <a:latin typeface="Calibri" panose="020F0502020204030204" pitchFamily="34" charset="0"/>
+                      </a:endParaRPr>
+                    </a:p>
+                  </a:txBody>
+                  <a:tcPr marL="8919" marR="8919" marT="8919" marB="0" anchor="b"/>
+                </a:tc>
+              </a:tr>
+              <a:tr h="322881">
+                <a:tc>
+                  <a:txBody>
+                    <a:bodyPr/>
+                    <a:lstStyle/>
+                    <a:p>
+                      <a:pPr algn="r" fontAlgn="b"/>
+                      <a:r>
+                        <a:rPr lang="en-US" sz="1000" u="none" strike="noStrike">
+                          <a:effectLst/>
+                        </a:rPr>
+                        <a:t>1</a:t>
+                      </a:r>
+                      <a:endParaRPr lang="en-US" sz="1000" b="0" i="0" u="none" strike="noStrike">
+                        <a:solidFill>
+                          <a:srgbClr val="000000"/>
+                        </a:solidFill>
+                        <a:effectLst/>
+                        <a:latin typeface="Calibri" panose="020F0502020204030204" pitchFamily="34" charset="0"/>
+                      </a:endParaRPr>
+                    </a:p>
+                  </a:txBody>
+                  <a:tcPr marL="8919" marR="8919" marT="8919" marB="0" anchor="b"/>
+                </a:tc>
+                <a:tc>
+                  <a:txBody>
+                    <a:bodyPr/>
+                    <a:lstStyle/>
+                    <a:p>
+                      <a:pPr algn="r" fontAlgn="b"/>
+                      <a:r>
+                        <a:rPr lang="en-US" sz="1000" u="none" strike="noStrike">
+                          <a:effectLst/>
+                        </a:rPr>
+                        <a:t>23</a:t>
+                      </a:r>
+                      <a:endParaRPr lang="en-US" sz="1000" b="0" i="0" u="none" strike="noStrike">
+                        <a:solidFill>
+                          <a:srgbClr val="000000"/>
+                        </a:solidFill>
+                        <a:effectLst/>
+                        <a:latin typeface="Calibri" panose="020F0502020204030204" pitchFamily="34" charset="0"/>
+                      </a:endParaRPr>
+                    </a:p>
+                  </a:txBody>
+                  <a:tcPr marL="8919" marR="8919" marT="8919" marB="0" anchor="b"/>
+                </a:tc>
+                <a:tc>
+                  <a:txBody>
+                    <a:bodyPr/>
+                    <a:lstStyle/>
+                    <a:p>
+                      <a:pPr algn="r" fontAlgn="b"/>
+                      <a:r>
+                        <a:rPr lang="en-US" sz="1000" u="none" strike="noStrike">
+                          <a:effectLst/>
+                        </a:rPr>
+                        <a:t>-55</a:t>
+                      </a:r>
+                      <a:endParaRPr lang="en-US" sz="1000" b="0" i="0" u="none" strike="noStrike">
+                        <a:solidFill>
+                          <a:srgbClr val="000000"/>
+                        </a:solidFill>
+                        <a:effectLst/>
+                        <a:latin typeface="Calibri" panose="020F0502020204030204" pitchFamily="34" charset="0"/>
+                      </a:endParaRPr>
+                    </a:p>
+                  </a:txBody>
+                  <a:tcPr marL="8919" marR="8919" marT="8919" marB="0" anchor="b"/>
+                </a:tc>
+                <a:tc>
+                  <a:txBody>
+                    <a:bodyPr/>
+                    <a:lstStyle/>
+                    <a:p>
+                      <a:pPr algn="r" fontAlgn="b"/>
+                      <a:r>
+                        <a:rPr lang="en-US" sz="1000" u="none" strike="noStrike">
+                          <a:effectLst/>
+                        </a:rPr>
+                        <a:t>4.5</a:t>
+                      </a:r>
+                      <a:endParaRPr lang="en-US" sz="1000" b="0" i="0" u="none" strike="noStrike">
+                        <a:solidFill>
+                          <a:srgbClr val="000000"/>
+                        </a:solidFill>
+                        <a:effectLst/>
+                        <a:latin typeface="Calibri" panose="020F0502020204030204" pitchFamily="34" charset="0"/>
+                      </a:endParaRPr>
+                    </a:p>
+                  </a:txBody>
+                  <a:tcPr marL="8919" marR="8919" marT="8919" marB="0" anchor="b"/>
+                </a:tc>
+                <a:tc>
+                  <a:txBody>
+                    <a:bodyPr/>
+                    <a:lstStyle/>
+                    <a:p>
+                      <a:pPr algn="l" fontAlgn="b"/>
+                      <a:endParaRPr lang="en-US" sz="1000" b="0" i="0" u="none" strike="noStrike">
+                        <a:solidFill>
+                          <a:srgbClr val="000000"/>
+                        </a:solidFill>
+                        <a:effectLst/>
+                        <a:latin typeface="Calibri" panose="020F0502020204030204" pitchFamily="34" charset="0"/>
+                      </a:endParaRPr>
+                    </a:p>
+                  </a:txBody>
+                  <a:tcPr marL="8919" marR="8919" marT="8919" marB="0" anchor="b"/>
+                </a:tc>
+                <a:tc>
+                  <a:txBody>
+                    <a:bodyPr/>
+                    <a:lstStyle/>
+                    <a:p>
+                      <a:pPr algn="ctr" fontAlgn="b"/>
+                      <a:r>
+                        <a:rPr lang="en-US" sz="1000" u="none" strike="noStrike">
+                          <a:effectLst/>
+                        </a:rPr>
+                        <a:t>LapNumber</a:t>
+                      </a:r>
+                      <a:endParaRPr lang="en-US" sz="1000" b="0" i="0" u="none" strike="noStrike">
+                        <a:solidFill>
+                          <a:srgbClr val="000000"/>
+                        </a:solidFill>
+                        <a:effectLst/>
+                        <a:latin typeface="Calibri" panose="020F0502020204030204" pitchFamily="34" charset="0"/>
+                      </a:endParaRPr>
+                    </a:p>
+                  </a:txBody>
+                  <a:tcPr marL="8919" marR="8919" marT="8919" marB="0" anchor="b"/>
+                </a:tc>
+                <a:tc>
+                  <a:txBody>
+                    <a:bodyPr/>
+                    <a:lstStyle/>
+                    <a:p>
+                      <a:pPr algn="ctr" fontAlgn="b"/>
+                      <a:r>
+                        <a:rPr lang="en-US" sz="1000" u="none" strike="noStrike">
+                          <a:effectLst/>
+                        </a:rPr>
+                        <a:t>LapNumber</a:t>
+                      </a:r>
+                      <a:endParaRPr lang="en-US" sz="1000" b="0" i="0" u="none" strike="noStrike">
+                        <a:solidFill>
+                          <a:srgbClr val="000000"/>
+                        </a:solidFill>
+                        <a:effectLst/>
+                        <a:latin typeface="Calibri" panose="020F0502020204030204" pitchFamily="34" charset="0"/>
+                      </a:endParaRPr>
+                    </a:p>
+                  </a:txBody>
+                  <a:tcPr marL="8919" marR="8919" marT="8919" marB="0" anchor="b"/>
+                </a:tc>
+                <a:tc>
+                  <a:txBody>
+                    <a:bodyPr/>
+                    <a:lstStyle/>
+                    <a:p>
+                      <a:pPr algn="ctr" fontAlgn="b"/>
+                      <a:r>
+                        <a:rPr lang="en-US" sz="1000" u="none" strike="noStrike">
+                          <a:effectLst/>
+                        </a:rPr>
+                        <a:t>Lat</a:t>
+                      </a:r>
+                      <a:endParaRPr lang="en-US" sz="1000" b="0" i="0" u="none" strike="noStrike">
+                        <a:solidFill>
+                          <a:srgbClr val="000000"/>
+                        </a:solidFill>
+                        <a:effectLst/>
+                        <a:latin typeface="Calibri" panose="020F0502020204030204" pitchFamily="34" charset="0"/>
+                      </a:endParaRPr>
+                    </a:p>
+                  </a:txBody>
+                  <a:tcPr marL="8919" marR="8919" marT="8919" marB="0" anchor="b"/>
+                </a:tc>
+                <a:tc>
+                  <a:txBody>
+                    <a:bodyPr/>
+                    <a:lstStyle/>
+                    <a:p>
+                      <a:pPr algn="ctr" fontAlgn="b"/>
+                      <a:r>
+                        <a:rPr lang="en-US" sz="1000" u="none" strike="noStrike">
+                          <a:effectLst/>
+                        </a:rPr>
+                        <a:t>Lon</a:t>
+                      </a:r>
+                      <a:endParaRPr lang="en-US" sz="1000" b="0" i="0" u="none" strike="noStrike">
+                        <a:solidFill>
+                          <a:srgbClr val="000000"/>
+                        </a:solidFill>
+                        <a:effectLst/>
+                        <a:latin typeface="Calibri" panose="020F0502020204030204" pitchFamily="34" charset="0"/>
+                      </a:endParaRPr>
+                    </a:p>
+                  </a:txBody>
+                  <a:tcPr marL="8919" marR="8919" marT="8919" marB="0" anchor="b"/>
+                </a:tc>
+                <a:tc>
+                  <a:txBody>
+                    <a:bodyPr/>
+                    <a:lstStyle/>
+                    <a:p>
+                      <a:pPr algn="ctr" fontAlgn="b"/>
+                      <a:r>
+                        <a:rPr lang="en-US" sz="1000" u="none" strike="noStrike">
+                          <a:effectLst/>
+                        </a:rPr>
+                        <a:t>Speed</a:t>
+                      </a:r>
+                      <a:endParaRPr lang="en-US" sz="1000" b="0" i="0" u="none" strike="noStrike">
+                        <a:solidFill>
+                          <a:srgbClr val="000000"/>
+                        </a:solidFill>
+                        <a:effectLst/>
+                        <a:latin typeface="Calibri" panose="020F0502020204030204" pitchFamily="34" charset="0"/>
+                      </a:endParaRPr>
+                    </a:p>
+                  </a:txBody>
+                  <a:tcPr marL="8919" marR="8919" marT="8919" marB="0" anchor="b"/>
+                </a:tc>
+                <a:tc>
+                  <a:txBody>
+                    <a:bodyPr/>
+                    <a:lstStyle/>
+                    <a:p>
+                      <a:pPr algn="l" fontAlgn="b"/>
+                      <a:endParaRPr lang="en-US" sz="1000" b="0" i="0" u="none" strike="noStrike">
+                        <a:solidFill>
+                          <a:srgbClr val="000000"/>
+                        </a:solidFill>
+                        <a:effectLst/>
+                        <a:latin typeface="Calibri" panose="020F0502020204030204" pitchFamily="34" charset="0"/>
+                      </a:endParaRPr>
+                    </a:p>
+                  </a:txBody>
+                  <a:tcPr marL="8919" marR="8919" marT="8919" marB="0" anchor="b"/>
+                </a:tc>
+                <a:tc>
+                  <a:txBody>
+                    <a:bodyPr/>
+                    <a:lstStyle/>
+                    <a:p>
+                      <a:pPr algn="r" fontAlgn="b"/>
+                      <a:r>
+                        <a:rPr lang="en-US" sz="1000" u="none" strike="noStrike">
+                          <a:effectLst/>
+                        </a:rPr>
+                        <a:t>1</a:t>
+                      </a:r>
+                      <a:endParaRPr lang="en-US" sz="1000" b="0" i="0" u="none" strike="noStrike">
+                        <a:solidFill>
+                          <a:srgbClr val="000000"/>
+                        </a:solidFill>
+                        <a:effectLst/>
+                        <a:latin typeface="Calibri" panose="020F0502020204030204" pitchFamily="34" charset="0"/>
+                      </a:endParaRPr>
+                    </a:p>
+                  </a:txBody>
+                  <a:tcPr marL="8919" marR="8919" marT="8919" marB="0" anchor="b"/>
+                </a:tc>
+                <a:tc>
+                  <a:txBody>
+                    <a:bodyPr/>
+                    <a:lstStyle/>
+                    <a:p>
+                      <a:pPr algn="r" fontAlgn="b"/>
+                      <a:r>
+                        <a:rPr lang="en-US" sz="1000" u="none" strike="noStrike">
+                          <a:effectLst/>
+                        </a:rPr>
+                        <a:t>4</a:t>
+                      </a:r>
+                      <a:endParaRPr lang="en-US" sz="1000" b="0" i="0" u="none" strike="noStrike">
+                        <a:solidFill>
+                          <a:srgbClr val="000000"/>
+                        </a:solidFill>
+                        <a:effectLst/>
+                        <a:latin typeface="Calibri" panose="020F0502020204030204" pitchFamily="34" charset="0"/>
+                      </a:endParaRPr>
+                    </a:p>
+                  </a:txBody>
+                  <a:tcPr marL="8919" marR="8919" marT="8919" marB="0" anchor="b"/>
+                </a:tc>
+                <a:tc>
+                  <a:txBody>
+                    <a:bodyPr/>
+                    <a:lstStyle/>
+                    <a:p>
+                      <a:pPr algn="l" fontAlgn="b"/>
+                      <a:endParaRPr lang="en-US" sz="1000" b="0" i="0" u="none" strike="noStrike">
+                        <a:solidFill>
+                          <a:srgbClr val="000000"/>
+                        </a:solidFill>
+                        <a:effectLst/>
+                        <a:latin typeface="Calibri" panose="020F0502020204030204" pitchFamily="34" charset="0"/>
+                      </a:endParaRPr>
+                    </a:p>
+                  </a:txBody>
+                  <a:tcPr marL="8919" marR="8919" marT="8919" marB="0" anchor="b"/>
+                </a:tc>
+                <a:tc>
+                  <a:txBody>
+                    <a:bodyPr/>
+                    <a:lstStyle/>
+                    <a:p>
+                      <a:pPr algn="l" fontAlgn="b"/>
+                      <a:endParaRPr lang="en-US" sz="1000" b="0" i="0" u="none" strike="noStrike">
+                        <a:solidFill>
+                          <a:srgbClr val="000000"/>
+                        </a:solidFill>
+                        <a:effectLst/>
+                        <a:latin typeface="Calibri" panose="020F0502020204030204" pitchFamily="34" charset="0"/>
+                      </a:endParaRPr>
+                    </a:p>
+                  </a:txBody>
+                  <a:tcPr marL="8919" marR="8919" marT="8919" marB="0" anchor="b"/>
+                </a:tc>
+              </a:tr>
+              <a:tr h="178387">
+                <a:tc>
+                  <a:txBody>
+                    <a:bodyPr/>
+                    <a:lstStyle/>
+                    <a:p>
+                      <a:pPr algn="r" fontAlgn="b"/>
+                      <a:r>
+                        <a:rPr lang="en-US" sz="1000" u="none" strike="noStrike">
+                          <a:effectLst/>
+                        </a:rPr>
+                        <a:t>1</a:t>
+                      </a:r>
+                      <a:endParaRPr lang="en-US" sz="1000" b="0" i="0" u="none" strike="noStrike">
+                        <a:solidFill>
+                          <a:srgbClr val="000000"/>
+                        </a:solidFill>
+                        <a:effectLst/>
+                        <a:latin typeface="Calibri" panose="020F0502020204030204" pitchFamily="34" charset="0"/>
+                      </a:endParaRPr>
+                    </a:p>
+                  </a:txBody>
+                  <a:tcPr marL="8919" marR="8919" marT="8919" marB="0" anchor="b"/>
+                </a:tc>
+                <a:tc>
+                  <a:txBody>
+                    <a:bodyPr/>
+                    <a:lstStyle/>
+                    <a:p>
+                      <a:pPr algn="r" fontAlgn="b"/>
+                      <a:r>
+                        <a:rPr lang="en-US" sz="1000" u="none" strike="noStrike">
+                          <a:effectLst/>
+                        </a:rPr>
+                        <a:t>24</a:t>
+                      </a:r>
+                      <a:endParaRPr lang="en-US" sz="1000" b="0" i="0" u="none" strike="noStrike">
+                        <a:solidFill>
+                          <a:srgbClr val="000000"/>
+                        </a:solidFill>
+                        <a:effectLst/>
+                        <a:latin typeface="Calibri" panose="020F0502020204030204" pitchFamily="34" charset="0"/>
+                      </a:endParaRPr>
+                    </a:p>
+                  </a:txBody>
+                  <a:tcPr marL="8919" marR="8919" marT="8919" marB="0" anchor="b"/>
+                </a:tc>
+                <a:tc>
+                  <a:txBody>
+                    <a:bodyPr/>
+                    <a:lstStyle/>
+                    <a:p>
+                      <a:pPr algn="r" fontAlgn="b"/>
+                      <a:r>
+                        <a:rPr lang="en-US" sz="1000" u="none" strike="noStrike">
+                          <a:effectLst/>
+                        </a:rPr>
+                        <a:t>-56</a:t>
+                      </a:r>
+                      <a:endParaRPr lang="en-US" sz="1000" b="0" i="0" u="none" strike="noStrike">
+                        <a:solidFill>
+                          <a:srgbClr val="000000"/>
+                        </a:solidFill>
+                        <a:effectLst/>
+                        <a:latin typeface="Calibri" panose="020F0502020204030204" pitchFamily="34" charset="0"/>
+                      </a:endParaRPr>
+                    </a:p>
+                  </a:txBody>
+                  <a:tcPr marL="8919" marR="8919" marT="8919" marB="0" anchor="b"/>
+                </a:tc>
+                <a:tc>
+                  <a:txBody>
+                    <a:bodyPr/>
+                    <a:lstStyle/>
+                    <a:p>
+                      <a:pPr algn="r" fontAlgn="b"/>
+                      <a:r>
+                        <a:rPr lang="en-US" sz="1000" u="none" strike="noStrike">
+                          <a:effectLst/>
+                        </a:rPr>
+                        <a:t>6.7</a:t>
+                      </a:r>
+                      <a:endParaRPr lang="en-US" sz="1000" b="0" i="0" u="none" strike="noStrike">
+                        <a:solidFill>
+                          <a:srgbClr val="000000"/>
+                        </a:solidFill>
+                        <a:effectLst/>
+                        <a:latin typeface="Calibri" panose="020F0502020204030204" pitchFamily="34" charset="0"/>
+                      </a:endParaRPr>
+                    </a:p>
+                  </a:txBody>
+                  <a:tcPr marL="8919" marR="8919" marT="8919" marB="0" anchor="b"/>
+                </a:tc>
+                <a:tc>
+                  <a:txBody>
+                    <a:bodyPr/>
+                    <a:lstStyle/>
+                    <a:p>
+                      <a:pPr algn="l" fontAlgn="b"/>
+                      <a:endParaRPr lang="en-US" sz="1000" b="0" i="0" u="none" strike="noStrike">
+                        <a:solidFill>
+                          <a:srgbClr val="000000"/>
+                        </a:solidFill>
+                        <a:effectLst/>
+                        <a:latin typeface="Calibri" panose="020F0502020204030204" pitchFamily="34" charset="0"/>
+                      </a:endParaRPr>
+                    </a:p>
+                  </a:txBody>
+                  <a:tcPr marL="8919" marR="8919" marT="8919" marB="0" anchor="b"/>
+                </a:tc>
+                <a:tc>
+                  <a:txBody>
+                    <a:bodyPr/>
+                    <a:lstStyle/>
+                    <a:p>
+                      <a:pPr algn="r" fontAlgn="b"/>
+                      <a:r>
+                        <a:rPr lang="en-US" sz="1000" u="none" strike="noStrike">
+                          <a:effectLst/>
+                        </a:rPr>
+                        <a:t>1</a:t>
+                      </a:r>
+                      <a:endParaRPr lang="en-US" sz="1000" b="0" i="0" u="none" strike="noStrike">
+                        <a:solidFill>
+                          <a:srgbClr val="000000"/>
+                        </a:solidFill>
+                        <a:effectLst/>
+                        <a:latin typeface="Calibri" panose="020F0502020204030204" pitchFamily="34" charset="0"/>
+                      </a:endParaRPr>
+                    </a:p>
+                  </a:txBody>
+                  <a:tcPr marL="8919" marR="8919" marT="8919" marB="0" anchor="b"/>
+                </a:tc>
+                <a:tc>
+                  <a:txBody>
+                    <a:bodyPr/>
+                    <a:lstStyle/>
+                    <a:p>
+                      <a:pPr algn="r" fontAlgn="b"/>
+                      <a:r>
+                        <a:rPr lang="en-US" sz="1000" u="none" strike="noStrike">
+                          <a:effectLst/>
+                        </a:rPr>
+                        <a:t>1</a:t>
+                      </a:r>
+                      <a:endParaRPr lang="en-US" sz="1000" b="0" i="0" u="none" strike="noStrike">
+                        <a:solidFill>
+                          <a:srgbClr val="000000"/>
+                        </a:solidFill>
+                        <a:effectLst/>
+                        <a:latin typeface="Calibri" panose="020F0502020204030204" pitchFamily="34" charset="0"/>
+                      </a:endParaRPr>
+                    </a:p>
+                  </a:txBody>
+                  <a:tcPr marL="8919" marR="8919" marT="8919" marB="0" anchor="b"/>
+                </a:tc>
+                <a:tc>
+                  <a:txBody>
+                    <a:bodyPr/>
+                    <a:lstStyle/>
+                    <a:p>
+                      <a:pPr algn="r" fontAlgn="b"/>
+                      <a:r>
+                        <a:rPr lang="en-US" sz="1000" u="none" strike="noStrike">
+                          <a:effectLst/>
+                        </a:rPr>
+                        <a:t>23</a:t>
+                      </a:r>
+                      <a:endParaRPr lang="en-US" sz="1000" b="0" i="0" u="none" strike="noStrike">
+                        <a:solidFill>
+                          <a:srgbClr val="000000"/>
+                        </a:solidFill>
+                        <a:effectLst/>
+                        <a:latin typeface="Calibri" panose="020F0502020204030204" pitchFamily="34" charset="0"/>
+                      </a:endParaRPr>
+                    </a:p>
+                  </a:txBody>
+                  <a:tcPr marL="8919" marR="8919" marT="8919" marB="0" anchor="b"/>
+                </a:tc>
+                <a:tc>
+                  <a:txBody>
+                    <a:bodyPr/>
+                    <a:lstStyle/>
+                    <a:p>
+                      <a:pPr algn="r" fontAlgn="b"/>
+                      <a:r>
+                        <a:rPr lang="en-US" sz="1000" u="none" strike="noStrike">
+                          <a:effectLst/>
+                        </a:rPr>
+                        <a:t>-55</a:t>
+                      </a:r>
+                      <a:endParaRPr lang="en-US" sz="1000" b="0" i="0" u="none" strike="noStrike">
+                        <a:solidFill>
+                          <a:srgbClr val="000000"/>
+                        </a:solidFill>
+                        <a:effectLst/>
+                        <a:latin typeface="Calibri" panose="020F0502020204030204" pitchFamily="34" charset="0"/>
+                      </a:endParaRPr>
+                    </a:p>
+                  </a:txBody>
+                  <a:tcPr marL="8919" marR="8919" marT="8919" marB="0" anchor="b"/>
+                </a:tc>
+                <a:tc>
+                  <a:txBody>
+                    <a:bodyPr/>
+                    <a:lstStyle/>
+                    <a:p>
+                      <a:pPr algn="r" fontAlgn="b"/>
+                      <a:r>
+                        <a:rPr lang="en-US" sz="1000" u="none" strike="noStrike">
+                          <a:effectLst/>
+                        </a:rPr>
+                        <a:t>4.5</a:t>
+                      </a:r>
+                      <a:endParaRPr lang="en-US" sz="1000" b="0" i="0" u="none" strike="noStrike">
+                        <a:solidFill>
+                          <a:srgbClr val="000000"/>
+                        </a:solidFill>
+                        <a:effectLst/>
+                        <a:latin typeface="Calibri" panose="020F0502020204030204" pitchFamily="34" charset="0"/>
+                      </a:endParaRPr>
+                    </a:p>
+                  </a:txBody>
+                  <a:tcPr marL="8919" marR="8919" marT="8919" marB="0" anchor="b"/>
+                </a:tc>
+                <a:tc>
+                  <a:txBody>
+                    <a:bodyPr/>
+                    <a:lstStyle/>
+                    <a:p>
+                      <a:pPr algn="l" fontAlgn="b"/>
+                      <a:endParaRPr lang="en-US" sz="1000" b="0" i="0" u="none" strike="noStrike">
+                        <a:solidFill>
+                          <a:srgbClr val="000000"/>
+                        </a:solidFill>
+                        <a:effectLst/>
+                        <a:latin typeface="Calibri" panose="020F0502020204030204" pitchFamily="34" charset="0"/>
+                      </a:endParaRPr>
+                    </a:p>
+                  </a:txBody>
+                  <a:tcPr marL="8919" marR="8919" marT="8919" marB="0" anchor="b"/>
+                </a:tc>
+                <a:tc>
+                  <a:txBody>
+                    <a:bodyPr/>
+                    <a:lstStyle/>
+                    <a:p>
+                      <a:pPr algn="r" fontAlgn="b"/>
+                      <a:r>
+                        <a:rPr lang="en-US" sz="1000" u="none" strike="noStrike">
+                          <a:effectLst/>
+                        </a:rPr>
+                        <a:t>2</a:t>
+                      </a:r>
+                      <a:endParaRPr lang="en-US" sz="1000" b="0" i="0" u="none" strike="noStrike">
+                        <a:solidFill>
+                          <a:srgbClr val="000000"/>
+                        </a:solidFill>
+                        <a:effectLst/>
+                        <a:latin typeface="Calibri" panose="020F0502020204030204" pitchFamily="34" charset="0"/>
+                      </a:endParaRPr>
+                    </a:p>
+                  </a:txBody>
+                  <a:tcPr marL="8919" marR="8919" marT="8919" marB="0" anchor="b"/>
+                </a:tc>
+                <a:tc>
+                  <a:txBody>
+                    <a:bodyPr/>
+                    <a:lstStyle/>
+                    <a:p>
+                      <a:pPr algn="r" fontAlgn="b"/>
+                      <a:r>
+                        <a:rPr lang="en-US" sz="1000" u="none" strike="noStrike">
+                          <a:effectLst/>
+                        </a:rPr>
+                        <a:t>5</a:t>
+                      </a:r>
+                      <a:endParaRPr lang="en-US" sz="1000" b="0" i="0" u="none" strike="noStrike">
+                        <a:solidFill>
+                          <a:srgbClr val="000000"/>
+                        </a:solidFill>
+                        <a:effectLst/>
+                        <a:latin typeface="Calibri" panose="020F0502020204030204" pitchFamily="34" charset="0"/>
+                      </a:endParaRPr>
+                    </a:p>
+                  </a:txBody>
+                  <a:tcPr marL="8919" marR="8919" marT="8919" marB="0" anchor="b"/>
+                </a:tc>
+                <a:tc>
+                  <a:txBody>
+                    <a:bodyPr/>
+                    <a:lstStyle/>
+                    <a:p>
+                      <a:pPr algn="l" fontAlgn="b"/>
+                      <a:endParaRPr lang="en-US" sz="1000" b="0" i="0" u="none" strike="noStrike">
+                        <a:solidFill>
+                          <a:srgbClr val="000000"/>
+                        </a:solidFill>
+                        <a:effectLst/>
+                        <a:latin typeface="Calibri" panose="020F0502020204030204" pitchFamily="34" charset="0"/>
+                      </a:endParaRPr>
+                    </a:p>
+                  </a:txBody>
+                  <a:tcPr marL="8919" marR="8919" marT="8919" marB="0" anchor="b"/>
+                </a:tc>
+                <a:tc>
+                  <a:txBody>
+                    <a:bodyPr/>
+                    <a:lstStyle/>
+                    <a:p>
+                      <a:pPr algn="l" fontAlgn="b"/>
+                      <a:endParaRPr lang="en-US" sz="1000" b="0" i="0" u="none" strike="noStrike">
+                        <a:solidFill>
+                          <a:srgbClr val="000000"/>
+                        </a:solidFill>
+                        <a:effectLst/>
+                        <a:latin typeface="Calibri" panose="020F0502020204030204" pitchFamily="34" charset="0"/>
+                      </a:endParaRPr>
+                    </a:p>
+                  </a:txBody>
+                  <a:tcPr marL="8919" marR="8919" marT="8919" marB="0" anchor="b"/>
+                </a:tc>
+              </a:tr>
+              <a:tr h="178387">
+                <a:tc>
+                  <a:txBody>
+                    <a:bodyPr/>
+                    <a:lstStyle/>
+                    <a:p>
+                      <a:pPr algn="r" fontAlgn="b"/>
+                      <a:r>
+                        <a:rPr lang="en-US" sz="1000" u="none" strike="noStrike">
+                          <a:effectLst/>
+                        </a:rPr>
+                        <a:t>1</a:t>
+                      </a:r>
+                      <a:endParaRPr lang="en-US" sz="1000" b="0" i="0" u="none" strike="noStrike">
+                        <a:solidFill>
+                          <a:srgbClr val="000000"/>
+                        </a:solidFill>
+                        <a:effectLst/>
+                        <a:latin typeface="Calibri" panose="020F0502020204030204" pitchFamily="34" charset="0"/>
+                      </a:endParaRPr>
+                    </a:p>
+                  </a:txBody>
+                  <a:tcPr marL="8919" marR="8919" marT="8919" marB="0" anchor="b"/>
+                </a:tc>
+                <a:tc>
+                  <a:txBody>
+                    <a:bodyPr/>
+                    <a:lstStyle/>
+                    <a:p>
+                      <a:pPr algn="r" fontAlgn="b"/>
+                      <a:r>
+                        <a:rPr lang="en-US" sz="1000" u="none" strike="noStrike">
+                          <a:effectLst/>
+                        </a:rPr>
+                        <a:t>25</a:t>
+                      </a:r>
+                      <a:endParaRPr lang="en-US" sz="1000" b="0" i="0" u="none" strike="noStrike">
+                        <a:solidFill>
+                          <a:srgbClr val="000000"/>
+                        </a:solidFill>
+                        <a:effectLst/>
+                        <a:latin typeface="Calibri" panose="020F0502020204030204" pitchFamily="34" charset="0"/>
+                      </a:endParaRPr>
+                    </a:p>
+                  </a:txBody>
+                  <a:tcPr marL="8919" marR="8919" marT="8919" marB="0" anchor="b"/>
+                </a:tc>
+                <a:tc>
+                  <a:txBody>
+                    <a:bodyPr/>
+                    <a:lstStyle/>
+                    <a:p>
+                      <a:pPr algn="r" fontAlgn="b"/>
+                      <a:r>
+                        <a:rPr lang="en-US" sz="1000" u="none" strike="noStrike">
+                          <a:effectLst/>
+                        </a:rPr>
+                        <a:t>-57</a:t>
+                      </a:r>
+                      <a:endParaRPr lang="en-US" sz="1000" b="0" i="0" u="none" strike="noStrike">
+                        <a:solidFill>
+                          <a:srgbClr val="000000"/>
+                        </a:solidFill>
+                        <a:effectLst/>
+                        <a:latin typeface="Calibri" panose="020F0502020204030204" pitchFamily="34" charset="0"/>
+                      </a:endParaRPr>
+                    </a:p>
+                  </a:txBody>
+                  <a:tcPr marL="8919" marR="8919" marT="8919" marB="0" anchor="b"/>
+                </a:tc>
+                <a:tc>
+                  <a:txBody>
+                    <a:bodyPr/>
+                    <a:lstStyle/>
+                    <a:p>
+                      <a:pPr algn="r" fontAlgn="b"/>
+                      <a:r>
+                        <a:rPr lang="en-US" sz="1000" u="none" strike="noStrike">
+                          <a:effectLst/>
+                        </a:rPr>
+                        <a:t>8.9</a:t>
+                      </a:r>
+                      <a:endParaRPr lang="en-US" sz="1000" b="0" i="0" u="none" strike="noStrike">
+                        <a:solidFill>
+                          <a:srgbClr val="000000"/>
+                        </a:solidFill>
+                        <a:effectLst/>
+                        <a:latin typeface="Calibri" panose="020F0502020204030204" pitchFamily="34" charset="0"/>
+                      </a:endParaRPr>
+                    </a:p>
+                  </a:txBody>
+                  <a:tcPr marL="8919" marR="8919" marT="8919" marB="0" anchor="b"/>
+                </a:tc>
+                <a:tc>
+                  <a:txBody>
+                    <a:bodyPr/>
+                    <a:lstStyle/>
+                    <a:p>
+                      <a:pPr algn="l" fontAlgn="b"/>
+                      <a:endParaRPr lang="en-US" sz="1000" b="0" i="0" u="none" strike="noStrike">
+                        <a:solidFill>
+                          <a:srgbClr val="000000"/>
+                        </a:solidFill>
+                        <a:effectLst/>
+                        <a:latin typeface="Calibri" panose="020F0502020204030204" pitchFamily="34" charset="0"/>
+                      </a:endParaRPr>
+                    </a:p>
+                  </a:txBody>
+                  <a:tcPr marL="8919" marR="8919" marT="8919" marB="0" anchor="b"/>
+                </a:tc>
+                <a:tc>
+                  <a:txBody>
+                    <a:bodyPr/>
+                    <a:lstStyle/>
+                    <a:p>
+                      <a:pPr algn="l" fontAlgn="b"/>
+                      <a:endParaRPr lang="en-US" sz="1000" b="0" i="0" u="none" strike="noStrike">
+                        <a:solidFill>
+                          <a:srgbClr val="000000"/>
+                        </a:solidFill>
+                        <a:effectLst/>
+                        <a:latin typeface="Calibri" panose="020F0502020204030204" pitchFamily="34" charset="0"/>
+                      </a:endParaRPr>
+                    </a:p>
+                  </a:txBody>
+                  <a:tcPr marL="8919" marR="8919" marT="8919" marB="0" anchor="b"/>
+                </a:tc>
+                <a:tc>
+                  <a:txBody>
+                    <a:bodyPr/>
+                    <a:lstStyle/>
+                    <a:p>
+                      <a:pPr algn="r" fontAlgn="b"/>
+                      <a:r>
+                        <a:rPr lang="en-US" sz="1000" u="none" strike="noStrike">
+                          <a:effectLst/>
+                        </a:rPr>
+                        <a:t>1</a:t>
+                      </a:r>
+                      <a:endParaRPr lang="en-US" sz="1000" b="0" i="0" u="none" strike="noStrike">
+                        <a:solidFill>
+                          <a:srgbClr val="000000"/>
+                        </a:solidFill>
+                        <a:effectLst/>
+                        <a:latin typeface="Calibri" panose="020F0502020204030204" pitchFamily="34" charset="0"/>
+                      </a:endParaRPr>
+                    </a:p>
+                  </a:txBody>
+                  <a:tcPr marL="8919" marR="8919" marT="8919" marB="0" anchor="b"/>
+                </a:tc>
+                <a:tc>
+                  <a:txBody>
+                    <a:bodyPr/>
+                    <a:lstStyle/>
+                    <a:p>
+                      <a:pPr algn="r" fontAlgn="b"/>
+                      <a:r>
+                        <a:rPr lang="en-US" sz="1000" u="none" strike="noStrike">
+                          <a:effectLst/>
+                        </a:rPr>
+                        <a:t>24</a:t>
+                      </a:r>
+                      <a:endParaRPr lang="en-US" sz="1000" b="0" i="0" u="none" strike="noStrike">
+                        <a:solidFill>
+                          <a:srgbClr val="000000"/>
+                        </a:solidFill>
+                        <a:effectLst/>
+                        <a:latin typeface="Calibri" panose="020F0502020204030204" pitchFamily="34" charset="0"/>
+                      </a:endParaRPr>
+                    </a:p>
+                  </a:txBody>
+                  <a:tcPr marL="8919" marR="8919" marT="8919" marB="0" anchor="b"/>
+                </a:tc>
+                <a:tc>
+                  <a:txBody>
+                    <a:bodyPr/>
+                    <a:lstStyle/>
+                    <a:p>
+                      <a:pPr algn="r" fontAlgn="b"/>
+                      <a:r>
+                        <a:rPr lang="en-US" sz="1000" u="none" strike="noStrike">
+                          <a:effectLst/>
+                        </a:rPr>
+                        <a:t>-56</a:t>
+                      </a:r>
+                      <a:endParaRPr lang="en-US" sz="1000" b="0" i="0" u="none" strike="noStrike">
+                        <a:solidFill>
+                          <a:srgbClr val="000000"/>
+                        </a:solidFill>
+                        <a:effectLst/>
+                        <a:latin typeface="Calibri" panose="020F0502020204030204" pitchFamily="34" charset="0"/>
+                      </a:endParaRPr>
+                    </a:p>
+                  </a:txBody>
+                  <a:tcPr marL="8919" marR="8919" marT="8919" marB="0" anchor="b"/>
+                </a:tc>
+                <a:tc>
+                  <a:txBody>
+                    <a:bodyPr/>
+                    <a:lstStyle/>
+                    <a:p>
+                      <a:pPr algn="r" fontAlgn="b"/>
+                      <a:r>
+                        <a:rPr lang="en-US" sz="1000" u="none" strike="noStrike">
+                          <a:effectLst/>
+                        </a:rPr>
+                        <a:t>6.7</a:t>
+                      </a:r>
+                      <a:endParaRPr lang="en-US" sz="1000" b="0" i="0" u="none" strike="noStrike">
+                        <a:solidFill>
+                          <a:srgbClr val="000000"/>
+                        </a:solidFill>
+                        <a:effectLst/>
+                        <a:latin typeface="Calibri" panose="020F0502020204030204" pitchFamily="34" charset="0"/>
+                      </a:endParaRPr>
+                    </a:p>
+                  </a:txBody>
+                  <a:tcPr marL="8919" marR="8919" marT="8919" marB="0" anchor="b"/>
+                </a:tc>
+                <a:tc>
+                  <a:txBody>
+                    <a:bodyPr/>
+                    <a:lstStyle/>
+                    <a:p>
+                      <a:pPr algn="l" fontAlgn="b"/>
+                      <a:endParaRPr lang="en-US" sz="1000" b="0" i="0" u="none" strike="noStrike">
+                        <a:solidFill>
+                          <a:srgbClr val="000000"/>
+                        </a:solidFill>
+                        <a:effectLst/>
+                        <a:latin typeface="Calibri" panose="020F0502020204030204" pitchFamily="34" charset="0"/>
+                      </a:endParaRPr>
+                    </a:p>
+                  </a:txBody>
+                  <a:tcPr marL="8919" marR="8919" marT="8919" marB="0" anchor="b"/>
+                </a:tc>
+                <a:tc>
+                  <a:txBody>
+                    <a:bodyPr/>
+                    <a:lstStyle/>
+                    <a:p>
+                      <a:pPr algn="l" fontAlgn="b"/>
+                      <a:endParaRPr lang="en-US" sz="1000" b="0" i="0" u="none" strike="noStrike">
+                        <a:solidFill>
+                          <a:srgbClr val="000000"/>
+                        </a:solidFill>
+                        <a:effectLst/>
+                        <a:latin typeface="Calibri" panose="020F0502020204030204" pitchFamily="34" charset="0"/>
+                      </a:endParaRPr>
+                    </a:p>
+                  </a:txBody>
+                  <a:tcPr marL="8919" marR="8919" marT="8919" marB="0" anchor="b"/>
+                </a:tc>
+                <a:tc>
+                  <a:txBody>
+                    <a:bodyPr/>
+                    <a:lstStyle/>
+                    <a:p>
+                      <a:pPr algn="l" fontAlgn="b"/>
+                      <a:endParaRPr lang="en-US" sz="1000" b="0" i="0" u="none" strike="noStrike">
+                        <a:solidFill>
+                          <a:srgbClr val="000000"/>
+                        </a:solidFill>
+                        <a:effectLst/>
+                        <a:latin typeface="Calibri" panose="020F0502020204030204" pitchFamily="34" charset="0"/>
+                      </a:endParaRPr>
+                    </a:p>
+                  </a:txBody>
+                  <a:tcPr marL="8919" marR="8919" marT="8919" marB="0" anchor="b"/>
+                </a:tc>
+                <a:tc>
+                  <a:txBody>
+                    <a:bodyPr/>
+                    <a:lstStyle/>
+                    <a:p>
+                      <a:pPr algn="l" fontAlgn="b"/>
+                      <a:endParaRPr lang="en-US" sz="1000" b="0" i="0" u="none" strike="noStrike">
+                        <a:solidFill>
+                          <a:srgbClr val="000000"/>
+                        </a:solidFill>
+                        <a:effectLst/>
+                        <a:latin typeface="Calibri" panose="020F0502020204030204" pitchFamily="34" charset="0"/>
+                      </a:endParaRPr>
+                    </a:p>
+                  </a:txBody>
+                  <a:tcPr marL="8919" marR="8919" marT="8919" marB="0" anchor="b"/>
+                </a:tc>
+                <a:tc>
+                  <a:txBody>
+                    <a:bodyPr/>
+                    <a:lstStyle/>
+                    <a:p>
+                      <a:pPr algn="l" fontAlgn="b"/>
+                      <a:endParaRPr lang="en-US" sz="1000" b="0" i="0" u="none" strike="noStrike">
+                        <a:solidFill>
+                          <a:srgbClr val="000000"/>
+                        </a:solidFill>
+                        <a:effectLst/>
+                        <a:latin typeface="Calibri" panose="020F0502020204030204" pitchFamily="34" charset="0"/>
+                      </a:endParaRPr>
+                    </a:p>
+                  </a:txBody>
+                  <a:tcPr marL="8919" marR="8919" marT="8919" marB="0" anchor="b"/>
+                </a:tc>
+              </a:tr>
+              <a:tr h="178387">
+                <a:tc>
+                  <a:txBody>
+                    <a:bodyPr/>
+                    <a:lstStyle/>
+                    <a:p>
+                      <a:pPr algn="r" fontAlgn="b"/>
+                      <a:r>
+                        <a:rPr lang="en-US" sz="1000" u="none" strike="noStrike">
+                          <a:effectLst/>
+                        </a:rPr>
+                        <a:t>1</a:t>
+                      </a:r>
+                      <a:endParaRPr lang="en-US" sz="1000" b="0" i="0" u="none" strike="noStrike">
+                        <a:solidFill>
+                          <a:srgbClr val="000000"/>
+                        </a:solidFill>
+                        <a:effectLst/>
+                        <a:latin typeface="Calibri" panose="020F0502020204030204" pitchFamily="34" charset="0"/>
+                      </a:endParaRPr>
+                    </a:p>
+                  </a:txBody>
+                  <a:tcPr marL="8919" marR="8919" marT="8919" marB="0" anchor="b"/>
+                </a:tc>
+                <a:tc>
+                  <a:txBody>
+                    <a:bodyPr/>
+                    <a:lstStyle/>
+                    <a:p>
+                      <a:pPr algn="r" fontAlgn="b"/>
+                      <a:r>
+                        <a:rPr lang="en-US" sz="1000" u="none" strike="noStrike">
+                          <a:effectLst/>
+                        </a:rPr>
+                        <a:t>26</a:t>
+                      </a:r>
+                      <a:endParaRPr lang="en-US" sz="1000" b="0" i="0" u="none" strike="noStrike">
+                        <a:solidFill>
+                          <a:srgbClr val="000000"/>
+                        </a:solidFill>
+                        <a:effectLst/>
+                        <a:latin typeface="Calibri" panose="020F0502020204030204" pitchFamily="34" charset="0"/>
+                      </a:endParaRPr>
+                    </a:p>
+                  </a:txBody>
+                  <a:tcPr marL="8919" marR="8919" marT="8919" marB="0" anchor="b"/>
+                </a:tc>
+                <a:tc>
+                  <a:txBody>
+                    <a:bodyPr/>
+                    <a:lstStyle/>
+                    <a:p>
+                      <a:pPr algn="r" fontAlgn="b"/>
+                      <a:r>
+                        <a:rPr lang="en-US" sz="1000" u="none" strike="noStrike">
+                          <a:effectLst/>
+                        </a:rPr>
+                        <a:t>-58</a:t>
+                      </a:r>
+                      <a:endParaRPr lang="en-US" sz="1000" b="0" i="0" u="none" strike="noStrike">
+                        <a:solidFill>
+                          <a:srgbClr val="000000"/>
+                        </a:solidFill>
+                        <a:effectLst/>
+                        <a:latin typeface="Calibri" panose="020F0502020204030204" pitchFamily="34" charset="0"/>
+                      </a:endParaRPr>
+                    </a:p>
+                  </a:txBody>
+                  <a:tcPr marL="8919" marR="8919" marT="8919" marB="0" anchor="b"/>
+                </a:tc>
+                <a:tc>
+                  <a:txBody>
+                    <a:bodyPr/>
+                    <a:lstStyle/>
+                    <a:p>
+                      <a:pPr algn="r" fontAlgn="b"/>
+                      <a:r>
+                        <a:rPr lang="en-US" sz="1000" u="none" strike="noStrike">
+                          <a:effectLst/>
+                        </a:rPr>
+                        <a:t>1.2</a:t>
+                      </a:r>
+                      <a:endParaRPr lang="en-US" sz="1000" b="0" i="0" u="none" strike="noStrike">
+                        <a:solidFill>
+                          <a:srgbClr val="000000"/>
+                        </a:solidFill>
+                        <a:effectLst/>
+                        <a:latin typeface="Calibri" panose="020F0502020204030204" pitchFamily="34" charset="0"/>
+                      </a:endParaRPr>
+                    </a:p>
+                  </a:txBody>
+                  <a:tcPr marL="8919" marR="8919" marT="8919" marB="0" anchor="b"/>
+                </a:tc>
+                <a:tc>
+                  <a:txBody>
+                    <a:bodyPr/>
+                    <a:lstStyle/>
+                    <a:p>
+                      <a:pPr algn="l" fontAlgn="b"/>
+                      <a:endParaRPr lang="en-US" sz="1000" b="0" i="0" u="none" strike="noStrike">
+                        <a:solidFill>
+                          <a:srgbClr val="000000"/>
+                        </a:solidFill>
+                        <a:effectLst/>
+                        <a:latin typeface="Calibri" panose="020F0502020204030204" pitchFamily="34" charset="0"/>
+                      </a:endParaRPr>
+                    </a:p>
+                  </a:txBody>
+                  <a:tcPr marL="8919" marR="8919" marT="8919" marB="0" anchor="b"/>
+                </a:tc>
+                <a:tc>
+                  <a:txBody>
+                    <a:bodyPr/>
+                    <a:lstStyle/>
+                    <a:p>
+                      <a:pPr algn="l" fontAlgn="b"/>
+                      <a:endParaRPr lang="en-US" sz="1000" b="0" i="0" u="none" strike="noStrike">
+                        <a:solidFill>
+                          <a:srgbClr val="000000"/>
+                        </a:solidFill>
+                        <a:effectLst/>
+                        <a:latin typeface="Calibri" panose="020F0502020204030204" pitchFamily="34" charset="0"/>
+                      </a:endParaRPr>
+                    </a:p>
+                  </a:txBody>
+                  <a:tcPr marL="8919" marR="8919" marT="8919" marB="0" anchor="b"/>
+                </a:tc>
+                <a:tc>
+                  <a:txBody>
+                    <a:bodyPr/>
+                    <a:lstStyle/>
+                    <a:p>
+                      <a:pPr algn="r" fontAlgn="b"/>
+                      <a:r>
+                        <a:rPr lang="en-US" sz="1000" u="none" strike="noStrike">
+                          <a:effectLst/>
+                        </a:rPr>
+                        <a:t>1</a:t>
+                      </a:r>
+                      <a:endParaRPr lang="en-US" sz="1000" b="0" i="0" u="none" strike="noStrike">
+                        <a:solidFill>
+                          <a:srgbClr val="000000"/>
+                        </a:solidFill>
+                        <a:effectLst/>
+                        <a:latin typeface="Calibri" panose="020F0502020204030204" pitchFamily="34" charset="0"/>
+                      </a:endParaRPr>
+                    </a:p>
+                  </a:txBody>
+                  <a:tcPr marL="8919" marR="8919" marT="8919" marB="0" anchor="b"/>
+                </a:tc>
+                <a:tc>
+                  <a:txBody>
+                    <a:bodyPr/>
+                    <a:lstStyle/>
+                    <a:p>
+                      <a:pPr algn="r" fontAlgn="b"/>
+                      <a:r>
+                        <a:rPr lang="en-US" sz="1000" u="none" strike="noStrike">
+                          <a:effectLst/>
+                        </a:rPr>
+                        <a:t>25</a:t>
+                      </a:r>
+                      <a:endParaRPr lang="en-US" sz="1000" b="0" i="0" u="none" strike="noStrike">
+                        <a:solidFill>
+                          <a:srgbClr val="000000"/>
+                        </a:solidFill>
+                        <a:effectLst/>
+                        <a:latin typeface="Calibri" panose="020F0502020204030204" pitchFamily="34" charset="0"/>
+                      </a:endParaRPr>
+                    </a:p>
+                  </a:txBody>
+                  <a:tcPr marL="8919" marR="8919" marT="8919" marB="0" anchor="b"/>
+                </a:tc>
+                <a:tc>
+                  <a:txBody>
+                    <a:bodyPr/>
+                    <a:lstStyle/>
+                    <a:p>
+                      <a:pPr algn="r" fontAlgn="b"/>
+                      <a:r>
+                        <a:rPr lang="en-US" sz="1000" u="none" strike="noStrike">
+                          <a:effectLst/>
+                        </a:rPr>
+                        <a:t>-57</a:t>
+                      </a:r>
+                      <a:endParaRPr lang="en-US" sz="1000" b="0" i="0" u="none" strike="noStrike">
+                        <a:solidFill>
+                          <a:srgbClr val="000000"/>
+                        </a:solidFill>
+                        <a:effectLst/>
+                        <a:latin typeface="Calibri" panose="020F0502020204030204" pitchFamily="34" charset="0"/>
+                      </a:endParaRPr>
+                    </a:p>
+                  </a:txBody>
+                  <a:tcPr marL="8919" marR="8919" marT="8919" marB="0" anchor="b"/>
+                </a:tc>
+                <a:tc>
+                  <a:txBody>
+                    <a:bodyPr/>
+                    <a:lstStyle/>
+                    <a:p>
+                      <a:pPr algn="r" fontAlgn="b"/>
+                      <a:r>
+                        <a:rPr lang="en-US" sz="1000" u="none" strike="noStrike">
+                          <a:effectLst/>
+                        </a:rPr>
+                        <a:t>8.9</a:t>
+                      </a:r>
+                      <a:endParaRPr lang="en-US" sz="1000" b="0" i="0" u="none" strike="noStrike">
+                        <a:solidFill>
+                          <a:srgbClr val="000000"/>
+                        </a:solidFill>
+                        <a:effectLst/>
+                        <a:latin typeface="Calibri" panose="020F0502020204030204" pitchFamily="34" charset="0"/>
+                      </a:endParaRPr>
+                    </a:p>
+                  </a:txBody>
+                  <a:tcPr marL="8919" marR="8919" marT="8919" marB="0" anchor="b"/>
+                </a:tc>
+                <a:tc>
+                  <a:txBody>
+                    <a:bodyPr/>
+                    <a:lstStyle/>
+                    <a:p>
+                      <a:pPr algn="l" fontAlgn="b"/>
+                      <a:endParaRPr lang="en-US" sz="1000" b="0" i="0" u="none" strike="noStrike">
+                        <a:solidFill>
+                          <a:srgbClr val="000000"/>
+                        </a:solidFill>
+                        <a:effectLst/>
+                        <a:latin typeface="Calibri" panose="020F0502020204030204" pitchFamily="34" charset="0"/>
+                      </a:endParaRPr>
+                    </a:p>
+                  </a:txBody>
+                  <a:tcPr marL="8919" marR="8919" marT="8919" marB="0" anchor="b"/>
+                </a:tc>
+                <a:tc gridSpan="4">
+                  <a:txBody>
+                    <a:bodyPr/>
+                    <a:lstStyle/>
+                    <a:p>
+                      <a:pPr algn="l" fontAlgn="b"/>
+                      <a:r>
+                        <a:rPr lang="en-US" sz="1000" u="none" strike="noStrike">
+                          <a:effectLst/>
+                        </a:rPr>
+                        <a:t>*(CountBy does this in 1 line of code)</a:t>
+                      </a:r>
+                      <a:endParaRPr lang="en-US" sz="1000" b="0" i="0" u="none" strike="noStrike">
+                        <a:solidFill>
+                          <a:srgbClr val="000000"/>
+                        </a:solidFill>
+                        <a:effectLst/>
+                        <a:latin typeface="Calibri" panose="020F0502020204030204" pitchFamily="34" charset="0"/>
+                      </a:endParaRPr>
+                    </a:p>
+                  </a:txBody>
+                  <a:tcPr marL="8919" marR="8919" marT="8919" marB="0" anchor="b"/>
+                </a:tc>
+                <a:tc hMerge="1">
+                  <a:txBody>
+                    <a:bodyPr/>
+                    <a:lstStyle/>
+                    <a:p>
+                      <a:endParaRPr lang="en-US"/>
+                    </a:p>
+                  </a:txBody>
+                  <a:tcPr/>
+                </a:tc>
+                <a:tc hMerge="1">
+                  <a:txBody>
+                    <a:bodyPr/>
+                    <a:lstStyle/>
+                    <a:p>
+                      <a:endParaRPr lang="en-US"/>
+                    </a:p>
+                  </a:txBody>
+                  <a:tcPr/>
+                </a:tc>
+                <a:tc hMerge="1">
+                  <a:txBody>
+                    <a:bodyPr/>
+                    <a:lstStyle/>
+                    <a:p>
+                      <a:endParaRPr lang="en-US"/>
+                    </a:p>
+                  </a:txBody>
+                  <a:tcPr/>
+                </a:tc>
+              </a:tr>
+              <a:tr h="178387">
+                <a:tc>
+                  <a:txBody>
+                    <a:bodyPr/>
+                    <a:lstStyle/>
+                    <a:p>
+                      <a:pPr algn="r" fontAlgn="b"/>
+                      <a:r>
+                        <a:rPr lang="en-US" sz="1000" u="none" strike="noStrike">
+                          <a:effectLst/>
+                        </a:rPr>
+                        <a:t>2</a:t>
+                      </a:r>
+                      <a:endParaRPr lang="en-US" sz="1000" b="0" i="0" u="none" strike="noStrike">
+                        <a:solidFill>
+                          <a:srgbClr val="000000"/>
+                        </a:solidFill>
+                        <a:effectLst/>
+                        <a:latin typeface="Calibri" panose="020F0502020204030204" pitchFamily="34" charset="0"/>
+                      </a:endParaRPr>
+                    </a:p>
+                  </a:txBody>
+                  <a:tcPr marL="8919" marR="8919" marT="8919" marB="0" anchor="b"/>
+                </a:tc>
+                <a:tc>
+                  <a:txBody>
+                    <a:bodyPr/>
+                    <a:lstStyle/>
+                    <a:p>
+                      <a:pPr algn="r" fontAlgn="b"/>
+                      <a:r>
+                        <a:rPr lang="en-US" sz="1000" u="none" strike="noStrike">
+                          <a:effectLst/>
+                        </a:rPr>
+                        <a:t>23</a:t>
+                      </a:r>
+                      <a:endParaRPr lang="en-US" sz="1000" b="0" i="0" u="none" strike="noStrike">
+                        <a:solidFill>
+                          <a:srgbClr val="000000"/>
+                        </a:solidFill>
+                        <a:effectLst/>
+                        <a:latin typeface="Calibri" panose="020F0502020204030204" pitchFamily="34" charset="0"/>
+                      </a:endParaRPr>
+                    </a:p>
+                  </a:txBody>
+                  <a:tcPr marL="8919" marR="8919" marT="8919" marB="0" anchor="b"/>
+                </a:tc>
+                <a:tc>
+                  <a:txBody>
+                    <a:bodyPr/>
+                    <a:lstStyle/>
+                    <a:p>
+                      <a:pPr algn="r" fontAlgn="b"/>
+                      <a:r>
+                        <a:rPr lang="en-US" sz="1000" u="none" strike="noStrike">
+                          <a:effectLst/>
+                        </a:rPr>
+                        <a:t>-55</a:t>
+                      </a:r>
+                      <a:endParaRPr lang="en-US" sz="1000" b="0" i="0" u="none" strike="noStrike">
+                        <a:solidFill>
+                          <a:srgbClr val="000000"/>
+                        </a:solidFill>
+                        <a:effectLst/>
+                        <a:latin typeface="Calibri" panose="020F0502020204030204" pitchFamily="34" charset="0"/>
+                      </a:endParaRPr>
+                    </a:p>
+                  </a:txBody>
+                  <a:tcPr marL="8919" marR="8919" marT="8919" marB="0" anchor="b"/>
+                </a:tc>
+                <a:tc>
+                  <a:txBody>
+                    <a:bodyPr/>
+                    <a:lstStyle/>
+                    <a:p>
+                      <a:pPr algn="r" fontAlgn="b"/>
+                      <a:r>
+                        <a:rPr lang="en-US" sz="1000" u="none" strike="noStrike">
+                          <a:effectLst/>
+                        </a:rPr>
+                        <a:t>4.5</a:t>
+                      </a:r>
+                      <a:endParaRPr lang="en-US" sz="1000" b="0" i="0" u="none" strike="noStrike">
+                        <a:solidFill>
+                          <a:srgbClr val="000000"/>
+                        </a:solidFill>
+                        <a:effectLst/>
+                        <a:latin typeface="Calibri" panose="020F0502020204030204" pitchFamily="34" charset="0"/>
+                      </a:endParaRPr>
+                    </a:p>
+                  </a:txBody>
+                  <a:tcPr marL="8919" marR="8919" marT="8919" marB="0" anchor="b"/>
+                </a:tc>
+                <a:tc>
+                  <a:txBody>
+                    <a:bodyPr/>
+                    <a:lstStyle/>
+                    <a:p>
+                      <a:pPr algn="l" fontAlgn="b"/>
+                      <a:endParaRPr lang="en-US" sz="1000" b="0" i="0" u="none" strike="noStrike">
+                        <a:solidFill>
+                          <a:srgbClr val="000000"/>
+                        </a:solidFill>
+                        <a:effectLst/>
+                        <a:latin typeface="Calibri" panose="020F0502020204030204" pitchFamily="34" charset="0"/>
+                      </a:endParaRPr>
+                    </a:p>
+                  </a:txBody>
+                  <a:tcPr marL="8919" marR="8919" marT="8919" marB="0" anchor="b"/>
+                </a:tc>
+                <a:tc>
+                  <a:txBody>
+                    <a:bodyPr/>
+                    <a:lstStyle/>
+                    <a:p>
+                      <a:pPr algn="l" fontAlgn="b"/>
+                      <a:endParaRPr lang="en-US" sz="1000" b="0" i="0" u="none" strike="noStrike">
+                        <a:solidFill>
+                          <a:srgbClr val="000000"/>
+                        </a:solidFill>
+                        <a:effectLst/>
+                        <a:latin typeface="Calibri" panose="020F0502020204030204" pitchFamily="34" charset="0"/>
+                      </a:endParaRPr>
+                    </a:p>
+                  </a:txBody>
+                  <a:tcPr marL="8919" marR="8919" marT="8919" marB="0" anchor="b"/>
+                </a:tc>
+                <a:tc>
+                  <a:txBody>
+                    <a:bodyPr/>
+                    <a:lstStyle/>
+                    <a:p>
+                      <a:pPr algn="r" fontAlgn="b"/>
+                      <a:r>
+                        <a:rPr lang="en-US" sz="1000" u="none" strike="noStrike">
+                          <a:effectLst/>
+                        </a:rPr>
+                        <a:t>1</a:t>
+                      </a:r>
+                      <a:endParaRPr lang="en-US" sz="1000" b="0" i="0" u="none" strike="noStrike">
+                        <a:solidFill>
+                          <a:srgbClr val="000000"/>
+                        </a:solidFill>
+                        <a:effectLst/>
+                        <a:latin typeface="Calibri" panose="020F0502020204030204" pitchFamily="34" charset="0"/>
+                      </a:endParaRPr>
+                    </a:p>
+                  </a:txBody>
+                  <a:tcPr marL="8919" marR="8919" marT="8919" marB="0" anchor="b"/>
+                </a:tc>
+                <a:tc>
+                  <a:txBody>
+                    <a:bodyPr/>
+                    <a:lstStyle/>
+                    <a:p>
+                      <a:pPr algn="r" fontAlgn="b"/>
+                      <a:r>
+                        <a:rPr lang="en-US" sz="1000" u="none" strike="noStrike">
+                          <a:effectLst/>
+                        </a:rPr>
+                        <a:t>26</a:t>
+                      </a:r>
+                      <a:endParaRPr lang="en-US" sz="1000" b="0" i="0" u="none" strike="noStrike">
+                        <a:solidFill>
+                          <a:srgbClr val="000000"/>
+                        </a:solidFill>
+                        <a:effectLst/>
+                        <a:latin typeface="Calibri" panose="020F0502020204030204" pitchFamily="34" charset="0"/>
+                      </a:endParaRPr>
+                    </a:p>
+                  </a:txBody>
+                  <a:tcPr marL="8919" marR="8919" marT="8919" marB="0" anchor="b"/>
+                </a:tc>
+                <a:tc>
+                  <a:txBody>
+                    <a:bodyPr/>
+                    <a:lstStyle/>
+                    <a:p>
+                      <a:pPr algn="r" fontAlgn="b"/>
+                      <a:r>
+                        <a:rPr lang="en-US" sz="1000" u="none" strike="noStrike">
+                          <a:effectLst/>
+                        </a:rPr>
+                        <a:t>-58</a:t>
+                      </a:r>
+                      <a:endParaRPr lang="en-US" sz="1000" b="0" i="0" u="none" strike="noStrike">
+                        <a:solidFill>
+                          <a:srgbClr val="000000"/>
+                        </a:solidFill>
+                        <a:effectLst/>
+                        <a:latin typeface="Calibri" panose="020F0502020204030204" pitchFamily="34" charset="0"/>
+                      </a:endParaRPr>
+                    </a:p>
+                  </a:txBody>
+                  <a:tcPr marL="8919" marR="8919" marT="8919" marB="0" anchor="b"/>
+                </a:tc>
+                <a:tc>
+                  <a:txBody>
+                    <a:bodyPr/>
+                    <a:lstStyle/>
+                    <a:p>
+                      <a:pPr algn="r" fontAlgn="b"/>
+                      <a:r>
+                        <a:rPr lang="en-US" sz="1000" u="none" strike="noStrike">
+                          <a:effectLst/>
+                        </a:rPr>
+                        <a:t>1.2</a:t>
+                      </a:r>
+                      <a:endParaRPr lang="en-US" sz="1000" b="0" i="0" u="none" strike="noStrike">
+                        <a:solidFill>
+                          <a:srgbClr val="000000"/>
+                        </a:solidFill>
+                        <a:effectLst/>
+                        <a:latin typeface="Calibri" panose="020F0502020204030204" pitchFamily="34" charset="0"/>
+                      </a:endParaRPr>
+                    </a:p>
+                  </a:txBody>
+                  <a:tcPr marL="8919" marR="8919" marT="8919" marB="0" anchor="b"/>
+                </a:tc>
+                <a:tc>
+                  <a:txBody>
+                    <a:bodyPr/>
+                    <a:lstStyle/>
+                    <a:p>
+                      <a:pPr algn="l" fontAlgn="b"/>
+                      <a:endParaRPr lang="en-US" sz="1000" b="0" i="0" u="none" strike="noStrike">
+                        <a:solidFill>
+                          <a:srgbClr val="000000"/>
+                        </a:solidFill>
+                        <a:effectLst/>
+                        <a:latin typeface="Calibri" panose="020F0502020204030204" pitchFamily="34" charset="0"/>
+                      </a:endParaRPr>
+                    </a:p>
+                  </a:txBody>
+                  <a:tcPr marL="8919" marR="8919" marT="8919" marB="0" anchor="b"/>
+                </a:tc>
+                <a:tc>
+                  <a:txBody>
+                    <a:bodyPr/>
+                    <a:lstStyle/>
+                    <a:p>
+                      <a:pPr algn="l" fontAlgn="b"/>
+                      <a:endParaRPr lang="en-US" sz="1000" b="0" i="0" u="none" strike="noStrike">
+                        <a:solidFill>
+                          <a:srgbClr val="000000"/>
+                        </a:solidFill>
+                        <a:effectLst/>
+                        <a:latin typeface="Calibri" panose="020F0502020204030204" pitchFamily="34" charset="0"/>
+                      </a:endParaRPr>
+                    </a:p>
+                  </a:txBody>
+                  <a:tcPr marL="8919" marR="8919" marT="8919" marB="0" anchor="b"/>
+                </a:tc>
+                <a:tc>
+                  <a:txBody>
+                    <a:bodyPr/>
+                    <a:lstStyle/>
+                    <a:p>
+                      <a:pPr algn="l" fontAlgn="b"/>
+                      <a:endParaRPr lang="en-US" sz="1000" b="0" i="0" u="none" strike="noStrike">
+                        <a:solidFill>
+                          <a:srgbClr val="000000"/>
+                        </a:solidFill>
+                        <a:effectLst/>
+                        <a:latin typeface="Calibri" panose="020F0502020204030204" pitchFamily="34" charset="0"/>
+                      </a:endParaRPr>
+                    </a:p>
+                  </a:txBody>
+                  <a:tcPr marL="8919" marR="8919" marT="8919" marB="0" anchor="b"/>
+                </a:tc>
+                <a:tc>
+                  <a:txBody>
+                    <a:bodyPr/>
+                    <a:lstStyle/>
+                    <a:p>
+                      <a:pPr algn="l" fontAlgn="b"/>
+                      <a:endParaRPr lang="en-US" sz="1000" b="0" i="0" u="none" strike="noStrike">
+                        <a:solidFill>
+                          <a:srgbClr val="000000"/>
+                        </a:solidFill>
+                        <a:effectLst/>
+                        <a:latin typeface="Calibri" panose="020F0502020204030204" pitchFamily="34" charset="0"/>
+                      </a:endParaRPr>
+                    </a:p>
+                  </a:txBody>
+                  <a:tcPr marL="8919" marR="8919" marT="8919" marB="0" anchor="b"/>
+                </a:tc>
+                <a:tc>
+                  <a:txBody>
+                    <a:bodyPr/>
+                    <a:lstStyle/>
+                    <a:p>
+                      <a:pPr algn="l" fontAlgn="b"/>
+                      <a:endParaRPr lang="en-US" sz="1000" b="0" i="0" u="none" strike="noStrike">
+                        <a:solidFill>
+                          <a:srgbClr val="000000"/>
+                        </a:solidFill>
+                        <a:effectLst/>
+                        <a:latin typeface="Calibri" panose="020F0502020204030204" pitchFamily="34" charset="0"/>
+                      </a:endParaRPr>
+                    </a:p>
+                  </a:txBody>
+                  <a:tcPr marL="8919" marR="8919" marT="8919" marB="0" anchor="b"/>
+                </a:tc>
+              </a:tr>
+              <a:tr h="178387">
+                <a:tc>
+                  <a:txBody>
+                    <a:bodyPr/>
+                    <a:lstStyle/>
+                    <a:p>
+                      <a:pPr algn="r" fontAlgn="b"/>
+                      <a:r>
+                        <a:rPr lang="en-US" sz="1000" u="none" strike="noStrike">
+                          <a:effectLst/>
+                        </a:rPr>
+                        <a:t>2</a:t>
+                      </a:r>
+                      <a:endParaRPr lang="en-US" sz="1000" b="0" i="0" u="none" strike="noStrike">
+                        <a:solidFill>
+                          <a:srgbClr val="000000"/>
+                        </a:solidFill>
+                        <a:effectLst/>
+                        <a:latin typeface="Calibri" panose="020F0502020204030204" pitchFamily="34" charset="0"/>
+                      </a:endParaRPr>
+                    </a:p>
+                  </a:txBody>
+                  <a:tcPr marL="8919" marR="8919" marT="8919" marB="0" anchor="b"/>
+                </a:tc>
+                <a:tc>
+                  <a:txBody>
+                    <a:bodyPr/>
+                    <a:lstStyle/>
+                    <a:p>
+                      <a:pPr algn="r" fontAlgn="b"/>
+                      <a:r>
+                        <a:rPr lang="en-US" sz="1000" u="none" strike="noStrike">
+                          <a:effectLst/>
+                        </a:rPr>
+                        <a:t>24</a:t>
+                      </a:r>
+                      <a:endParaRPr lang="en-US" sz="1000" b="0" i="0" u="none" strike="noStrike">
+                        <a:solidFill>
+                          <a:srgbClr val="000000"/>
+                        </a:solidFill>
+                        <a:effectLst/>
+                        <a:latin typeface="Calibri" panose="020F0502020204030204" pitchFamily="34" charset="0"/>
+                      </a:endParaRPr>
+                    </a:p>
+                  </a:txBody>
+                  <a:tcPr marL="8919" marR="8919" marT="8919" marB="0" anchor="b"/>
+                </a:tc>
+                <a:tc>
+                  <a:txBody>
+                    <a:bodyPr/>
+                    <a:lstStyle/>
+                    <a:p>
+                      <a:pPr algn="r" fontAlgn="b"/>
+                      <a:r>
+                        <a:rPr lang="en-US" sz="1000" u="none" strike="noStrike">
+                          <a:effectLst/>
+                        </a:rPr>
+                        <a:t>-56</a:t>
+                      </a:r>
+                      <a:endParaRPr lang="en-US" sz="1000" b="0" i="0" u="none" strike="noStrike">
+                        <a:solidFill>
+                          <a:srgbClr val="000000"/>
+                        </a:solidFill>
+                        <a:effectLst/>
+                        <a:latin typeface="Calibri" panose="020F0502020204030204" pitchFamily="34" charset="0"/>
+                      </a:endParaRPr>
+                    </a:p>
+                  </a:txBody>
+                  <a:tcPr marL="8919" marR="8919" marT="8919" marB="0" anchor="b"/>
+                </a:tc>
+                <a:tc>
+                  <a:txBody>
+                    <a:bodyPr/>
+                    <a:lstStyle/>
+                    <a:p>
+                      <a:pPr algn="r" fontAlgn="b"/>
+                      <a:r>
+                        <a:rPr lang="en-US" sz="1000" u="none" strike="noStrike">
+                          <a:effectLst/>
+                        </a:rPr>
+                        <a:t>6.7</a:t>
+                      </a:r>
+                      <a:endParaRPr lang="en-US" sz="1000" b="0" i="0" u="none" strike="noStrike">
+                        <a:solidFill>
+                          <a:srgbClr val="000000"/>
+                        </a:solidFill>
+                        <a:effectLst/>
+                        <a:latin typeface="Calibri" panose="020F0502020204030204" pitchFamily="34" charset="0"/>
+                      </a:endParaRPr>
+                    </a:p>
+                  </a:txBody>
+                  <a:tcPr marL="8919" marR="8919" marT="8919" marB="0" anchor="b"/>
+                </a:tc>
+                <a:tc>
+                  <a:txBody>
+                    <a:bodyPr/>
+                    <a:lstStyle/>
+                    <a:p>
+                      <a:pPr algn="l" fontAlgn="b"/>
+                      <a:endParaRPr lang="en-US" sz="1000" b="0" i="0" u="none" strike="noStrike">
+                        <a:solidFill>
+                          <a:srgbClr val="000000"/>
+                        </a:solidFill>
+                        <a:effectLst/>
+                        <a:latin typeface="Calibri" panose="020F0502020204030204" pitchFamily="34" charset="0"/>
+                      </a:endParaRPr>
+                    </a:p>
+                  </a:txBody>
+                  <a:tcPr marL="8919" marR="8919" marT="8919" marB="0" anchor="b"/>
+                </a:tc>
+                <a:tc>
+                  <a:txBody>
+                    <a:bodyPr/>
+                    <a:lstStyle/>
+                    <a:p>
+                      <a:pPr algn="r" fontAlgn="b"/>
+                      <a:r>
+                        <a:rPr lang="en-US" sz="1000" u="none" strike="noStrike">
+                          <a:effectLst/>
+                        </a:rPr>
+                        <a:t>2</a:t>
+                      </a:r>
+                      <a:endParaRPr lang="en-US" sz="1000" b="0" i="0" u="none" strike="noStrike">
+                        <a:solidFill>
+                          <a:srgbClr val="000000"/>
+                        </a:solidFill>
+                        <a:effectLst/>
+                        <a:latin typeface="Calibri" panose="020F0502020204030204" pitchFamily="34" charset="0"/>
+                      </a:endParaRPr>
+                    </a:p>
+                  </a:txBody>
+                  <a:tcPr marL="8919" marR="8919" marT="8919" marB="0" anchor="b"/>
+                </a:tc>
+                <a:tc>
+                  <a:txBody>
+                    <a:bodyPr/>
+                    <a:lstStyle/>
+                    <a:p>
+                      <a:pPr algn="r" fontAlgn="b"/>
+                      <a:r>
+                        <a:rPr lang="en-US" sz="1000" u="none" strike="noStrike">
+                          <a:effectLst/>
+                        </a:rPr>
+                        <a:t>2</a:t>
+                      </a:r>
+                      <a:endParaRPr lang="en-US" sz="1000" b="0" i="0" u="none" strike="noStrike">
+                        <a:solidFill>
+                          <a:srgbClr val="000000"/>
+                        </a:solidFill>
+                        <a:effectLst/>
+                        <a:latin typeface="Calibri" panose="020F0502020204030204" pitchFamily="34" charset="0"/>
+                      </a:endParaRPr>
+                    </a:p>
+                  </a:txBody>
+                  <a:tcPr marL="8919" marR="8919" marT="8919" marB="0" anchor="b"/>
+                </a:tc>
+                <a:tc>
+                  <a:txBody>
+                    <a:bodyPr/>
+                    <a:lstStyle/>
+                    <a:p>
+                      <a:pPr algn="r" fontAlgn="b"/>
+                      <a:r>
+                        <a:rPr lang="en-US" sz="1000" u="none" strike="noStrike">
+                          <a:effectLst/>
+                        </a:rPr>
+                        <a:t>23</a:t>
+                      </a:r>
+                      <a:endParaRPr lang="en-US" sz="1000" b="0" i="0" u="none" strike="noStrike">
+                        <a:solidFill>
+                          <a:srgbClr val="000000"/>
+                        </a:solidFill>
+                        <a:effectLst/>
+                        <a:latin typeface="Calibri" panose="020F0502020204030204" pitchFamily="34" charset="0"/>
+                      </a:endParaRPr>
+                    </a:p>
+                  </a:txBody>
+                  <a:tcPr marL="8919" marR="8919" marT="8919" marB="0" anchor="b"/>
+                </a:tc>
+                <a:tc>
+                  <a:txBody>
+                    <a:bodyPr/>
+                    <a:lstStyle/>
+                    <a:p>
+                      <a:pPr algn="r" fontAlgn="b"/>
+                      <a:r>
+                        <a:rPr lang="en-US" sz="1000" u="none" strike="noStrike">
+                          <a:effectLst/>
+                        </a:rPr>
+                        <a:t>-55</a:t>
+                      </a:r>
+                      <a:endParaRPr lang="en-US" sz="1000" b="0" i="0" u="none" strike="noStrike">
+                        <a:solidFill>
+                          <a:srgbClr val="000000"/>
+                        </a:solidFill>
+                        <a:effectLst/>
+                        <a:latin typeface="Calibri" panose="020F0502020204030204" pitchFamily="34" charset="0"/>
+                      </a:endParaRPr>
+                    </a:p>
+                  </a:txBody>
+                  <a:tcPr marL="8919" marR="8919" marT="8919" marB="0" anchor="b"/>
+                </a:tc>
+                <a:tc>
+                  <a:txBody>
+                    <a:bodyPr/>
+                    <a:lstStyle/>
+                    <a:p>
+                      <a:pPr algn="r" fontAlgn="b"/>
+                      <a:r>
+                        <a:rPr lang="en-US" sz="1000" u="none" strike="noStrike">
+                          <a:effectLst/>
+                        </a:rPr>
+                        <a:t>4.5</a:t>
+                      </a:r>
+                      <a:endParaRPr lang="en-US" sz="1000" b="0" i="0" u="none" strike="noStrike">
+                        <a:solidFill>
+                          <a:srgbClr val="000000"/>
+                        </a:solidFill>
+                        <a:effectLst/>
+                        <a:latin typeface="Calibri" panose="020F0502020204030204" pitchFamily="34" charset="0"/>
+                      </a:endParaRPr>
+                    </a:p>
+                  </a:txBody>
+                  <a:tcPr marL="8919" marR="8919" marT="8919" marB="0" anchor="b"/>
+                </a:tc>
+                <a:tc>
+                  <a:txBody>
+                    <a:bodyPr/>
+                    <a:lstStyle/>
+                    <a:p>
+                      <a:pPr algn="l" fontAlgn="b"/>
+                      <a:endParaRPr lang="en-US" sz="1000" b="0" i="0" u="none" strike="noStrike">
+                        <a:solidFill>
+                          <a:srgbClr val="000000"/>
+                        </a:solidFill>
+                        <a:effectLst/>
+                        <a:latin typeface="Calibri" panose="020F0502020204030204" pitchFamily="34" charset="0"/>
+                      </a:endParaRPr>
+                    </a:p>
+                  </a:txBody>
+                  <a:tcPr marL="8919" marR="8919" marT="8919" marB="0" anchor="b"/>
+                </a:tc>
+                <a:tc>
+                  <a:txBody>
+                    <a:bodyPr/>
+                    <a:lstStyle/>
+                    <a:p>
+                      <a:pPr algn="l" fontAlgn="b"/>
+                      <a:endParaRPr lang="en-US" sz="1000" b="0" i="0" u="none" strike="noStrike">
+                        <a:solidFill>
+                          <a:srgbClr val="000000"/>
+                        </a:solidFill>
+                        <a:effectLst/>
+                        <a:latin typeface="Calibri" panose="020F0502020204030204" pitchFamily="34" charset="0"/>
+                      </a:endParaRPr>
+                    </a:p>
+                  </a:txBody>
+                  <a:tcPr marL="8919" marR="8919" marT="8919" marB="0" anchor="b"/>
+                </a:tc>
+                <a:tc>
+                  <a:txBody>
+                    <a:bodyPr/>
+                    <a:lstStyle/>
+                    <a:p>
+                      <a:pPr algn="l" fontAlgn="b"/>
+                      <a:endParaRPr lang="en-US" sz="1000" b="0" i="0" u="none" strike="noStrike">
+                        <a:solidFill>
+                          <a:srgbClr val="000000"/>
+                        </a:solidFill>
+                        <a:effectLst/>
+                        <a:latin typeface="Calibri" panose="020F0502020204030204" pitchFamily="34" charset="0"/>
+                      </a:endParaRPr>
+                    </a:p>
+                  </a:txBody>
+                  <a:tcPr marL="8919" marR="8919" marT="8919" marB="0" anchor="b"/>
+                </a:tc>
+                <a:tc>
+                  <a:txBody>
+                    <a:bodyPr/>
+                    <a:lstStyle/>
+                    <a:p>
+                      <a:pPr algn="l" fontAlgn="b"/>
+                      <a:endParaRPr lang="en-US" sz="1000" b="0" i="0" u="none" strike="noStrike">
+                        <a:solidFill>
+                          <a:srgbClr val="000000"/>
+                        </a:solidFill>
+                        <a:effectLst/>
+                        <a:latin typeface="Calibri" panose="020F0502020204030204" pitchFamily="34" charset="0"/>
+                      </a:endParaRPr>
+                    </a:p>
+                  </a:txBody>
+                  <a:tcPr marL="8919" marR="8919" marT="8919" marB="0" anchor="b"/>
+                </a:tc>
+                <a:tc>
+                  <a:txBody>
+                    <a:bodyPr/>
+                    <a:lstStyle/>
+                    <a:p>
+                      <a:pPr algn="l" fontAlgn="b"/>
+                      <a:endParaRPr lang="en-US" sz="1000" b="0" i="0" u="none" strike="noStrike">
+                        <a:solidFill>
+                          <a:srgbClr val="000000"/>
+                        </a:solidFill>
+                        <a:effectLst/>
+                        <a:latin typeface="Calibri" panose="020F0502020204030204" pitchFamily="34" charset="0"/>
+                      </a:endParaRPr>
+                    </a:p>
+                  </a:txBody>
+                  <a:tcPr marL="8919" marR="8919" marT="8919" marB="0" anchor="b"/>
+                </a:tc>
+              </a:tr>
+              <a:tr h="178387">
+                <a:tc>
+                  <a:txBody>
+                    <a:bodyPr/>
+                    <a:lstStyle/>
+                    <a:p>
+                      <a:pPr algn="r" fontAlgn="b"/>
+                      <a:r>
+                        <a:rPr lang="en-US" sz="1000" u="none" strike="noStrike">
+                          <a:effectLst/>
+                        </a:rPr>
+                        <a:t>2</a:t>
+                      </a:r>
+                      <a:endParaRPr lang="en-US" sz="1000" b="0" i="0" u="none" strike="noStrike">
+                        <a:solidFill>
+                          <a:srgbClr val="000000"/>
+                        </a:solidFill>
+                        <a:effectLst/>
+                        <a:latin typeface="Calibri" panose="020F0502020204030204" pitchFamily="34" charset="0"/>
+                      </a:endParaRPr>
+                    </a:p>
+                  </a:txBody>
+                  <a:tcPr marL="8919" marR="8919" marT="8919" marB="0" anchor="b"/>
+                </a:tc>
+                <a:tc>
+                  <a:txBody>
+                    <a:bodyPr/>
+                    <a:lstStyle/>
+                    <a:p>
+                      <a:pPr algn="r" fontAlgn="b"/>
+                      <a:r>
+                        <a:rPr lang="en-US" sz="1000" u="none" strike="noStrike">
+                          <a:effectLst/>
+                        </a:rPr>
+                        <a:t>25</a:t>
+                      </a:r>
+                      <a:endParaRPr lang="en-US" sz="1000" b="0" i="0" u="none" strike="noStrike">
+                        <a:solidFill>
+                          <a:srgbClr val="000000"/>
+                        </a:solidFill>
+                        <a:effectLst/>
+                        <a:latin typeface="Calibri" panose="020F0502020204030204" pitchFamily="34" charset="0"/>
+                      </a:endParaRPr>
+                    </a:p>
+                  </a:txBody>
+                  <a:tcPr marL="8919" marR="8919" marT="8919" marB="0" anchor="b"/>
+                </a:tc>
+                <a:tc>
+                  <a:txBody>
+                    <a:bodyPr/>
+                    <a:lstStyle/>
+                    <a:p>
+                      <a:pPr algn="r" fontAlgn="b"/>
+                      <a:r>
+                        <a:rPr lang="en-US" sz="1000" u="none" strike="noStrike">
+                          <a:effectLst/>
+                        </a:rPr>
+                        <a:t>-57</a:t>
+                      </a:r>
+                      <a:endParaRPr lang="en-US" sz="1000" b="0" i="0" u="none" strike="noStrike">
+                        <a:solidFill>
+                          <a:srgbClr val="000000"/>
+                        </a:solidFill>
+                        <a:effectLst/>
+                        <a:latin typeface="Calibri" panose="020F0502020204030204" pitchFamily="34" charset="0"/>
+                      </a:endParaRPr>
+                    </a:p>
+                  </a:txBody>
+                  <a:tcPr marL="8919" marR="8919" marT="8919" marB="0" anchor="b"/>
+                </a:tc>
+                <a:tc>
+                  <a:txBody>
+                    <a:bodyPr/>
+                    <a:lstStyle/>
+                    <a:p>
+                      <a:pPr algn="r" fontAlgn="b"/>
+                      <a:r>
+                        <a:rPr lang="en-US" sz="1000" u="none" strike="noStrike">
+                          <a:effectLst/>
+                        </a:rPr>
+                        <a:t>8.9</a:t>
+                      </a:r>
+                      <a:endParaRPr lang="en-US" sz="1000" b="0" i="0" u="none" strike="noStrike">
+                        <a:solidFill>
+                          <a:srgbClr val="000000"/>
+                        </a:solidFill>
+                        <a:effectLst/>
+                        <a:latin typeface="Calibri" panose="020F0502020204030204" pitchFamily="34" charset="0"/>
+                      </a:endParaRPr>
+                    </a:p>
+                  </a:txBody>
+                  <a:tcPr marL="8919" marR="8919" marT="8919" marB="0" anchor="b"/>
+                </a:tc>
+                <a:tc>
+                  <a:txBody>
+                    <a:bodyPr/>
+                    <a:lstStyle/>
+                    <a:p>
+                      <a:pPr algn="l" fontAlgn="b"/>
+                      <a:endParaRPr lang="en-US" sz="1000" b="0" i="0" u="none" strike="noStrike">
+                        <a:solidFill>
+                          <a:srgbClr val="000000"/>
+                        </a:solidFill>
+                        <a:effectLst/>
+                        <a:latin typeface="Calibri" panose="020F0502020204030204" pitchFamily="34" charset="0"/>
+                      </a:endParaRPr>
+                    </a:p>
+                  </a:txBody>
+                  <a:tcPr marL="8919" marR="8919" marT="8919" marB="0" anchor="b"/>
+                </a:tc>
+                <a:tc>
+                  <a:txBody>
+                    <a:bodyPr/>
+                    <a:lstStyle/>
+                    <a:p>
+                      <a:pPr algn="l" fontAlgn="b"/>
+                      <a:endParaRPr lang="en-US" sz="1000" b="0" i="0" u="none" strike="noStrike">
+                        <a:solidFill>
+                          <a:srgbClr val="000000"/>
+                        </a:solidFill>
+                        <a:effectLst/>
+                        <a:latin typeface="Calibri" panose="020F0502020204030204" pitchFamily="34" charset="0"/>
+                      </a:endParaRPr>
+                    </a:p>
+                  </a:txBody>
+                  <a:tcPr marL="8919" marR="8919" marT="8919" marB="0" anchor="b"/>
+                </a:tc>
+                <a:tc>
+                  <a:txBody>
+                    <a:bodyPr/>
+                    <a:lstStyle/>
+                    <a:p>
+                      <a:pPr algn="r" fontAlgn="b"/>
+                      <a:r>
+                        <a:rPr lang="en-US" sz="1000" u="none" strike="noStrike">
+                          <a:effectLst/>
+                        </a:rPr>
+                        <a:t>2</a:t>
+                      </a:r>
+                      <a:endParaRPr lang="en-US" sz="1000" b="0" i="0" u="none" strike="noStrike">
+                        <a:solidFill>
+                          <a:srgbClr val="000000"/>
+                        </a:solidFill>
+                        <a:effectLst/>
+                        <a:latin typeface="Calibri" panose="020F0502020204030204" pitchFamily="34" charset="0"/>
+                      </a:endParaRPr>
+                    </a:p>
+                  </a:txBody>
+                  <a:tcPr marL="8919" marR="8919" marT="8919" marB="0" anchor="b"/>
+                </a:tc>
+                <a:tc>
+                  <a:txBody>
+                    <a:bodyPr/>
+                    <a:lstStyle/>
+                    <a:p>
+                      <a:pPr algn="r" fontAlgn="b"/>
+                      <a:r>
+                        <a:rPr lang="en-US" sz="1000" u="none" strike="noStrike">
+                          <a:effectLst/>
+                        </a:rPr>
+                        <a:t>24</a:t>
+                      </a:r>
+                      <a:endParaRPr lang="en-US" sz="1000" b="0" i="0" u="none" strike="noStrike">
+                        <a:solidFill>
+                          <a:srgbClr val="000000"/>
+                        </a:solidFill>
+                        <a:effectLst/>
+                        <a:latin typeface="Calibri" panose="020F0502020204030204" pitchFamily="34" charset="0"/>
+                      </a:endParaRPr>
+                    </a:p>
+                  </a:txBody>
+                  <a:tcPr marL="8919" marR="8919" marT="8919" marB="0" anchor="b"/>
+                </a:tc>
+                <a:tc>
+                  <a:txBody>
+                    <a:bodyPr/>
+                    <a:lstStyle/>
+                    <a:p>
+                      <a:pPr algn="r" fontAlgn="b"/>
+                      <a:r>
+                        <a:rPr lang="en-US" sz="1000" u="none" strike="noStrike">
+                          <a:effectLst/>
+                        </a:rPr>
+                        <a:t>-56</a:t>
+                      </a:r>
+                      <a:endParaRPr lang="en-US" sz="1000" b="0" i="0" u="none" strike="noStrike">
+                        <a:solidFill>
+                          <a:srgbClr val="000000"/>
+                        </a:solidFill>
+                        <a:effectLst/>
+                        <a:latin typeface="Calibri" panose="020F0502020204030204" pitchFamily="34" charset="0"/>
+                      </a:endParaRPr>
+                    </a:p>
+                  </a:txBody>
+                  <a:tcPr marL="8919" marR="8919" marT="8919" marB="0" anchor="b"/>
+                </a:tc>
+                <a:tc>
+                  <a:txBody>
+                    <a:bodyPr/>
+                    <a:lstStyle/>
+                    <a:p>
+                      <a:pPr algn="r" fontAlgn="b"/>
+                      <a:r>
+                        <a:rPr lang="en-US" sz="1000" u="none" strike="noStrike">
+                          <a:effectLst/>
+                        </a:rPr>
+                        <a:t>6.7</a:t>
+                      </a:r>
+                      <a:endParaRPr lang="en-US" sz="1000" b="0" i="0" u="none" strike="noStrike">
+                        <a:solidFill>
+                          <a:srgbClr val="000000"/>
+                        </a:solidFill>
+                        <a:effectLst/>
+                        <a:latin typeface="Calibri" panose="020F0502020204030204" pitchFamily="34" charset="0"/>
+                      </a:endParaRPr>
+                    </a:p>
+                  </a:txBody>
+                  <a:tcPr marL="8919" marR="8919" marT="8919" marB="0" anchor="b"/>
+                </a:tc>
+                <a:tc>
+                  <a:txBody>
+                    <a:bodyPr/>
+                    <a:lstStyle/>
+                    <a:p>
+                      <a:pPr algn="l" fontAlgn="b"/>
+                      <a:endParaRPr lang="en-US" sz="1000" b="0" i="0" u="none" strike="noStrike">
+                        <a:solidFill>
+                          <a:srgbClr val="000000"/>
+                        </a:solidFill>
+                        <a:effectLst/>
+                        <a:latin typeface="Calibri" panose="020F0502020204030204" pitchFamily="34" charset="0"/>
+                      </a:endParaRPr>
+                    </a:p>
+                  </a:txBody>
+                  <a:tcPr marL="8919" marR="8919" marT="8919" marB="0" anchor="b"/>
+                </a:tc>
+                <a:tc>
+                  <a:txBody>
+                    <a:bodyPr/>
+                    <a:lstStyle/>
+                    <a:p>
+                      <a:pPr algn="l" fontAlgn="b"/>
+                      <a:endParaRPr lang="en-US" sz="1000" b="0" i="0" u="none" strike="noStrike">
+                        <a:solidFill>
+                          <a:srgbClr val="000000"/>
+                        </a:solidFill>
+                        <a:effectLst/>
+                        <a:latin typeface="Calibri" panose="020F0502020204030204" pitchFamily="34" charset="0"/>
+                      </a:endParaRPr>
+                    </a:p>
+                  </a:txBody>
+                  <a:tcPr marL="8919" marR="8919" marT="8919" marB="0" anchor="b"/>
+                </a:tc>
+                <a:tc>
+                  <a:txBody>
+                    <a:bodyPr/>
+                    <a:lstStyle/>
+                    <a:p>
+                      <a:pPr algn="l" fontAlgn="b"/>
+                      <a:endParaRPr lang="en-US" sz="1000" b="0" i="0" u="none" strike="noStrike">
+                        <a:solidFill>
+                          <a:srgbClr val="000000"/>
+                        </a:solidFill>
+                        <a:effectLst/>
+                        <a:latin typeface="Calibri" panose="020F0502020204030204" pitchFamily="34" charset="0"/>
+                      </a:endParaRPr>
+                    </a:p>
+                  </a:txBody>
+                  <a:tcPr marL="8919" marR="8919" marT="8919" marB="0" anchor="b"/>
+                </a:tc>
+                <a:tc>
+                  <a:txBody>
+                    <a:bodyPr/>
+                    <a:lstStyle/>
+                    <a:p>
+                      <a:pPr algn="l" fontAlgn="b"/>
+                      <a:endParaRPr lang="en-US" sz="1000" b="0" i="0" u="none" strike="noStrike">
+                        <a:solidFill>
+                          <a:srgbClr val="000000"/>
+                        </a:solidFill>
+                        <a:effectLst/>
+                        <a:latin typeface="Calibri" panose="020F0502020204030204" pitchFamily="34" charset="0"/>
+                      </a:endParaRPr>
+                    </a:p>
+                  </a:txBody>
+                  <a:tcPr marL="8919" marR="8919" marT="8919" marB="0" anchor="b"/>
+                </a:tc>
+                <a:tc>
+                  <a:txBody>
+                    <a:bodyPr/>
+                    <a:lstStyle/>
+                    <a:p>
+                      <a:pPr algn="l" fontAlgn="b"/>
+                      <a:endParaRPr lang="en-US" sz="1000" b="0" i="0" u="none" strike="noStrike">
+                        <a:solidFill>
+                          <a:srgbClr val="000000"/>
+                        </a:solidFill>
+                        <a:effectLst/>
+                        <a:latin typeface="Calibri" panose="020F0502020204030204" pitchFamily="34" charset="0"/>
+                      </a:endParaRPr>
+                    </a:p>
+                  </a:txBody>
+                  <a:tcPr marL="8919" marR="8919" marT="8919" marB="0" anchor="b"/>
+                </a:tc>
+              </a:tr>
+              <a:tr h="178387">
+                <a:tc>
+                  <a:txBody>
+                    <a:bodyPr/>
+                    <a:lstStyle/>
+                    <a:p>
+                      <a:pPr algn="r" fontAlgn="b"/>
+                      <a:r>
+                        <a:rPr lang="en-US" sz="1000" u="none" strike="noStrike">
+                          <a:effectLst/>
+                        </a:rPr>
+                        <a:t>2</a:t>
+                      </a:r>
+                      <a:endParaRPr lang="en-US" sz="1000" b="0" i="0" u="none" strike="noStrike">
+                        <a:solidFill>
+                          <a:srgbClr val="000000"/>
+                        </a:solidFill>
+                        <a:effectLst/>
+                        <a:latin typeface="Calibri" panose="020F0502020204030204" pitchFamily="34" charset="0"/>
+                      </a:endParaRPr>
+                    </a:p>
+                  </a:txBody>
+                  <a:tcPr marL="8919" marR="8919" marT="8919" marB="0" anchor="b"/>
+                </a:tc>
+                <a:tc>
+                  <a:txBody>
+                    <a:bodyPr/>
+                    <a:lstStyle/>
+                    <a:p>
+                      <a:pPr algn="r" fontAlgn="b"/>
+                      <a:r>
+                        <a:rPr lang="en-US" sz="1000" u="none" strike="noStrike">
+                          <a:effectLst/>
+                        </a:rPr>
+                        <a:t>26</a:t>
+                      </a:r>
+                      <a:endParaRPr lang="en-US" sz="1000" b="0" i="0" u="none" strike="noStrike">
+                        <a:solidFill>
+                          <a:srgbClr val="000000"/>
+                        </a:solidFill>
+                        <a:effectLst/>
+                        <a:latin typeface="Calibri" panose="020F0502020204030204" pitchFamily="34" charset="0"/>
+                      </a:endParaRPr>
+                    </a:p>
+                  </a:txBody>
+                  <a:tcPr marL="8919" marR="8919" marT="8919" marB="0" anchor="b"/>
+                </a:tc>
+                <a:tc>
+                  <a:txBody>
+                    <a:bodyPr/>
+                    <a:lstStyle/>
+                    <a:p>
+                      <a:pPr algn="r" fontAlgn="b"/>
+                      <a:r>
+                        <a:rPr lang="en-US" sz="1000" u="none" strike="noStrike">
+                          <a:effectLst/>
+                        </a:rPr>
+                        <a:t>-58</a:t>
+                      </a:r>
+                      <a:endParaRPr lang="en-US" sz="1000" b="0" i="0" u="none" strike="noStrike">
+                        <a:solidFill>
+                          <a:srgbClr val="000000"/>
+                        </a:solidFill>
+                        <a:effectLst/>
+                        <a:latin typeface="Calibri" panose="020F0502020204030204" pitchFamily="34" charset="0"/>
+                      </a:endParaRPr>
+                    </a:p>
+                  </a:txBody>
+                  <a:tcPr marL="8919" marR="8919" marT="8919" marB="0" anchor="b"/>
+                </a:tc>
+                <a:tc>
+                  <a:txBody>
+                    <a:bodyPr/>
+                    <a:lstStyle/>
+                    <a:p>
+                      <a:pPr algn="r" fontAlgn="b"/>
+                      <a:r>
+                        <a:rPr lang="en-US" sz="1000" u="none" strike="noStrike">
+                          <a:effectLst/>
+                        </a:rPr>
+                        <a:t>1.2</a:t>
+                      </a:r>
+                      <a:endParaRPr lang="en-US" sz="1000" b="0" i="0" u="none" strike="noStrike">
+                        <a:solidFill>
+                          <a:srgbClr val="000000"/>
+                        </a:solidFill>
+                        <a:effectLst/>
+                        <a:latin typeface="Calibri" panose="020F0502020204030204" pitchFamily="34" charset="0"/>
+                      </a:endParaRPr>
+                    </a:p>
+                  </a:txBody>
+                  <a:tcPr marL="8919" marR="8919" marT="8919" marB="0" anchor="b"/>
+                </a:tc>
+                <a:tc>
+                  <a:txBody>
+                    <a:bodyPr/>
+                    <a:lstStyle/>
+                    <a:p>
+                      <a:pPr algn="l" fontAlgn="b"/>
+                      <a:endParaRPr lang="en-US" sz="1000" b="0" i="0" u="none" strike="noStrike">
+                        <a:solidFill>
+                          <a:srgbClr val="000000"/>
+                        </a:solidFill>
+                        <a:effectLst/>
+                        <a:latin typeface="Calibri" panose="020F0502020204030204" pitchFamily="34" charset="0"/>
+                      </a:endParaRPr>
+                    </a:p>
+                  </a:txBody>
+                  <a:tcPr marL="8919" marR="8919" marT="8919" marB="0" anchor="b"/>
+                </a:tc>
+                <a:tc>
+                  <a:txBody>
+                    <a:bodyPr/>
+                    <a:lstStyle/>
+                    <a:p>
+                      <a:pPr algn="l" fontAlgn="b"/>
+                      <a:endParaRPr lang="en-US" sz="1000" b="0" i="0" u="none" strike="noStrike">
+                        <a:solidFill>
+                          <a:srgbClr val="000000"/>
+                        </a:solidFill>
+                        <a:effectLst/>
+                        <a:latin typeface="Calibri" panose="020F0502020204030204" pitchFamily="34" charset="0"/>
+                      </a:endParaRPr>
+                    </a:p>
+                  </a:txBody>
+                  <a:tcPr marL="8919" marR="8919" marT="8919" marB="0" anchor="b"/>
+                </a:tc>
+                <a:tc>
+                  <a:txBody>
+                    <a:bodyPr/>
+                    <a:lstStyle/>
+                    <a:p>
+                      <a:pPr algn="r" fontAlgn="b"/>
+                      <a:r>
+                        <a:rPr lang="en-US" sz="1000" u="none" strike="noStrike">
+                          <a:effectLst/>
+                        </a:rPr>
+                        <a:t>2</a:t>
+                      </a:r>
+                      <a:endParaRPr lang="en-US" sz="1000" b="0" i="0" u="none" strike="noStrike">
+                        <a:solidFill>
+                          <a:srgbClr val="000000"/>
+                        </a:solidFill>
+                        <a:effectLst/>
+                        <a:latin typeface="Calibri" panose="020F0502020204030204" pitchFamily="34" charset="0"/>
+                      </a:endParaRPr>
+                    </a:p>
+                  </a:txBody>
+                  <a:tcPr marL="8919" marR="8919" marT="8919" marB="0" anchor="b"/>
+                </a:tc>
+                <a:tc>
+                  <a:txBody>
+                    <a:bodyPr/>
+                    <a:lstStyle/>
+                    <a:p>
+                      <a:pPr algn="r" fontAlgn="b"/>
+                      <a:r>
+                        <a:rPr lang="en-US" sz="1000" u="none" strike="noStrike">
+                          <a:effectLst/>
+                        </a:rPr>
+                        <a:t>25</a:t>
+                      </a:r>
+                      <a:endParaRPr lang="en-US" sz="1000" b="0" i="0" u="none" strike="noStrike">
+                        <a:solidFill>
+                          <a:srgbClr val="000000"/>
+                        </a:solidFill>
+                        <a:effectLst/>
+                        <a:latin typeface="Calibri" panose="020F0502020204030204" pitchFamily="34" charset="0"/>
+                      </a:endParaRPr>
+                    </a:p>
+                  </a:txBody>
+                  <a:tcPr marL="8919" marR="8919" marT="8919" marB="0" anchor="b"/>
+                </a:tc>
+                <a:tc>
+                  <a:txBody>
+                    <a:bodyPr/>
+                    <a:lstStyle/>
+                    <a:p>
+                      <a:pPr algn="r" fontAlgn="b"/>
+                      <a:r>
+                        <a:rPr lang="en-US" sz="1000" u="none" strike="noStrike">
+                          <a:effectLst/>
+                        </a:rPr>
+                        <a:t>-57</a:t>
+                      </a:r>
+                      <a:endParaRPr lang="en-US" sz="1000" b="0" i="0" u="none" strike="noStrike">
+                        <a:solidFill>
+                          <a:srgbClr val="000000"/>
+                        </a:solidFill>
+                        <a:effectLst/>
+                        <a:latin typeface="Calibri" panose="020F0502020204030204" pitchFamily="34" charset="0"/>
+                      </a:endParaRPr>
+                    </a:p>
+                  </a:txBody>
+                  <a:tcPr marL="8919" marR="8919" marT="8919" marB="0" anchor="b"/>
+                </a:tc>
+                <a:tc>
+                  <a:txBody>
+                    <a:bodyPr/>
+                    <a:lstStyle/>
+                    <a:p>
+                      <a:pPr algn="r" fontAlgn="b"/>
+                      <a:r>
+                        <a:rPr lang="en-US" sz="1000" u="none" strike="noStrike">
+                          <a:effectLst/>
+                        </a:rPr>
+                        <a:t>8.9</a:t>
+                      </a:r>
+                      <a:endParaRPr lang="en-US" sz="1000" b="0" i="0" u="none" strike="noStrike">
+                        <a:solidFill>
+                          <a:srgbClr val="000000"/>
+                        </a:solidFill>
+                        <a:effectLst/>
+                        <a:latin typeface="Calibri" panose="020F0502020204030204" pitchFamily="34" charset="0"/>
+                      </a:endParaRPr>
+                    </a:p>
+                  </a:txBody>
+                  <a:tcPr marL="8919" marR="8919" marT="8919" marB="0" anchor="b"/>
+                </a:tc>
+                <a:tc>
+                  <a:txBody>
+                    <a:bodyPr/>
+                    <a:lstStyle/>
+                    <a:p>
+                      <a:pPr algn="l" fontAlgn="b"/>
+                      <a:endParaRPr lang="en-US" sz="1000" b="0" i="0" u="none" strike="noStrike">
+                        <a:solidFill>
+                          <a:srgbClr val="000000"/>
+                        </a:solidFill>
+                        <a:effectLst/>
+                        <a:latin typeface="Calibri" panose="020F0502020204030204" pitchFamily="34" charset="0"/>
+                      </a:endParaRPr>
+                    </a:p>
+                  </a:txBody>
+                  <a:tcPr marL="8919" marR="8919" marT="8919" marB="0" anchor="b"/>
+                </a:tc>
+                <a:tc>
+                  <a:txBody>
+                    <a:bodyPr/>
+                    <a:lstStyle/>
+                    <a:p>
+                      <a:pPr algn="l" fontAlgn="b"/>
+                      <a:endParaRPr lang="en-US" sz="1000" b="0" i="0" u="none" strike="noStrike">
+                        <a:solidFill>
+                          <a:srgbClr val="000000"/>
+                        </a:solidFill>
+                        <a:effectLst/>
+                        <a:latin typeface="Calibri" panose="020F0502020204030204" pitchFamily="34" charset="0"/>
+                      </a:endParaRPr>
+                    </a:p>
+                  </a:txBody>
+                  <a:tcPr marL="8919" marR="8919" marT="8919" marB="0" anchor="b"/>
+                </a:tc>
+                <a:tc>
+                  <a:txBody>
+                    <a:bodyPr/>
+                    <a:lstStyle/>
+                    <a:p>
+                      <a:pPr algn="l" fontAlgn="b"/>
+                      <a:endParaRPr lang="en-US" sz="1000" b="0" i="0" u="none" strike="noStrike">
+                        <a:solidFill>
+                          <a:srgbClr val="000000"/>
+                        </a:solidFill>
+                        <a:effectLst/>
+                        <a:latin typeface="Calibri" panose="020F0502020204030204" pitchFamily="34" charset="0"/>
+                      </a:endParaRPr>
+                    </a:p>
+                  </a:txBody>
+                  <a:tcPr marL="8919" marR="8919" marT="8919" marB="0" anchor="b"/>
+                </a:tc>
+                <a:tc>
+                  <a:txBody>
+                    <a:bodyPr/>
+                    <a:lstStyle/>
+                    <a:p>
+                      <a:pPr algn="l" fontAlgn="b"/>
+                      <a:endParaRPr lang="en-US" sz="1000" b="0" i="0" u="none" strike="noStrike">
+                        <a:solidFill>
+                          <a:srgbClr val="000000"/>
+                        </a:solidFill>
+                        <a:effectLst/>
+                        <a:latin typeface="Calibri" panose="020F0502020204030204" pitchFamily="34" charset="0"/>
+                      </a:endParaRPr>
+                    </a:p>
+                  </a:txBody>
+                  <a:tcPr marL="8919" marR="8919" marT="8919" marB="0" anchor="b"/>
+                </a:tc>
+                <a:tc>
+                  <a:txBody>
+                    <a:bodyPr/>
+                    <a:lstStyle/>
+                    <a:p>
+                      <a:pPr algn="l" fontAlgn="b"/>
+                      <a:endParaRPr lang="en-US" sz="1000" b="0" i="0" u="none" strike="noStrike">
+                        <a:solidFill>
+                          <a:srgbClr val="000000"/>
+                        </a:solidFill>
+                        <a:effectLst/>
+                        <a:latin typeface="Calibri" panose="020F0502020204030204" pitchFamily="34" charset="0"/>
+                      </a:endParaRPr>
+                    </a:p>
+                  </a:txBody>
+                  <a:tcPr marL="8919" marR="8919" marT="8919" marB="0" anchor="b"/>
+                </a:tc>
+              </a:tr>
+              <a:tr h="178387">
+                <a:tc>
+                  <a:txBody>
+                    <a:bodyPr/>
+                    <a:lstStyle/>
+                    <a:p>
+                      <a:pPr algn="r" fontAlgn="b"/>
+                      <a:r>
+                        <a:rPr lang="en-US" sz="1000" u="none" strike="noStrike">
+                          <a:effectLst/>
+                        </a:rPr>
+                        <a:t>2</a:t>
+                      </a:r>
+                      <a:endParaRPr lang="en-US" sz="1000" b="0" i="0" u="none" strike="noStrike">
+                        <a:solidFill>
+                          <a:srgbClr val="000000"/>
+                        </a:solidFill>
+                        <a:effectLst/>
+                        <a:latin typeface="Calibri" panose="020F0502020204030204" pitchFamily="34" charset="0"/>
+                      </a:endParaRPr>
+                    </a:p>
+                  </a:txBody>
+                  <a:tcPr marL="8919" marR="8919" marT="8919" marB="0" anchor="b"/>
+                </a:tc>
+                <a:tc>
+                  <a:txBody>
+                    <a:bodyPr/>
+                    <a:lstStyle/>
+                    <a:p>
+                      <a:pPr algn="r" fontAlgn="b"/>
+                      <a:r>
+                        <a:rPr lang="en-US" sz="1000" u="none" strike="noStrike">
+                          <a:effectLst/>
+                        </a:rPr>
+                        <a:t>27</a:t>
+                      </a:r>
+                      <a:endParaRPr lang="en-US" sz="1000" b="0" i="0" u="none" strike="noStrike">
+                        <a:solidFill>
+                          <a:srgbClr val="000000"/>
+                        </a:solidFill>
+                        <a:effectLst/>
+                        <a:latin typeface="Calibri" panose="020F0502020204030204" pitchFamily="34" charset="0"/>
+                      </a:endParaRPr>
+                    </a:p>
+                  </a:txBody>
+                  <a:tcPr marL="8919" marR="8919" marT="8919" marB="0" anchor="b"/>
+                </a:tc>
+                <a:tc>
+                  <a:txBody>
+                    <a:bodyPr/>
+                    <a:lstStyle/>
+                    <a:p>
+                      <a:pPr algn="r" fontAlgn="b"/>
+                      <a:r>
+                        <a:rPr lang="en-US" sz="1000" u="none" strike="noStrike">
+                          <a:effectLst/>
+                        </a:rPr>
+                        <a:t>-59</a:t>
+                      </a:r>
+                      <a:endParaRPr lang="en-US" sz="1000" b="0" i="0" u="none" strike="noStrike">
+                        <a:solidFill>
+                          <a:srgbClr val="000000"/>
+                        </a:solidFill>
+                        <a:effectLst/>
+                        <a:latin typeface="Calibri" panose="020F0502020204030204" pitchFamily="34" charset="0"/>
+                      </a:endParaRPr>
+                    </a:p>
+                  </a:txBody>
+                  <a:tcPr marL="8919" marR="8919" marT="8919" marB="0" anchor="b"/>
+                </a:tc>
+                <a:tc>
+                  <a:txBody>
+                    <a:bodyPr/>
+                    <a:lstStyle/>
+                    <a:p>
+                      <a:pPr algn="r" fontAlgn="b"/>
+                      <a:r>
+                        <a:rPr lang="en-US" sz="1000" u="none" strike="noStrike">
+                          <a:effectLst/>
+                        </a:rPr>
+                        <a:t>2.3</a:t>
+                      </a:r>
+                      <a:endParaRPr lang="en-US" sz="1000" b="0" i="0" u="none" strike="noStrike">
+                        <a:solidFill>
+                          <a:srgbClr val="000000"/>
+                        </a:solidFill>
+                        <a:effectLst/>
+                        <a:latin typeface="Calibri" panose="020F0502020204030204" pitchFamily="34" charset="0"/>
+                      </a:endParaRPr>
+                    </a:p>
+                  </a:txBody>
+                  <a:tcPr marL="8919" marR="8919" marT="8919" marB="0" anchor="b"/>
+                </a:tc>
+                <a:tc>
+                  <a:txBody>
+                    <a:bodyPr/>
+                    <a:lstStyle/>
+                    <a:p>
+                      <a:pPr algn="l" fontAlgn="b"/>
+                      <a:endParaRPr lang="en-US" sz="1000" b="0" i="0" u="none" strike="noStrike">
+                        <a:solidFill>
+                          <a:srgbClr val="000000"/>
+                        </a:solidFill>
+                        <a:effectLst/>
+                        <a:latin typeface="Calibri" panose="020F0502020204030204" pitchFamily="34" charset="0"/>
+                      </a:endParaRPr>
+                    </a:p>
+                  </a:txBody>
+                  <a:tcPr marL="8919" marR="8919" marT="8919" marB="0" anchor="b"/>
+                </a:tc>
+                <a:tc>
+                  <a:txBody>
+                    <a:bodyPr/>
+                    <a:lstStyle/>
+                    <a:p>
+                      <a:pPr algn="l" fontAlgn="b"/>
+                      <a:endParaRPr lang="en-US" sz="1000" b="0" i="0" u="none" strike="noStrike">
+                        <a:solidFill>
+                          <a:srgbClr val="000000"/>
+                        </a:solidFill>
+                        <a:effectLst/>
+                        <a:latin typeface="Calibri" panose="020F0502020204030204" pitchFamily="34" charset="0"/>
+                      </a:endParaRPr>
+                    </a:p>
+                  </a:txBody>
+                  <a:tcPr marL="8919" marR="8919" marT="8919" marB="0" anchor="b"/>
+                </a:tc>
+                <a:tc>
+                  <a:txBody>
+                    <a:bodyPr/>
+                    <a:lstStyle/>
+                    <a:p>
+                      <a:pPr algn="r" fontAlgn="b"/>
+                      <a:r>
+                        <a:rPr lang="en-US" sz="1000" u="none" strike="noStrike">
+                          <a:effectLst/>
+                        </a:rPr>
+                        <a:t>2</a:t>
+                      </a:r>
+                      <a:endParaRPr lang="en-US" sz="1000" b="0" i="0" u="none" strike="noStrike">
+                        <a:solidFill>
+                          <a:srgbClr val="000000"/>
+                        </a:solidFill>
+                        <a:effectLst/>
+                        <a:latin typeface="Calibri" panose="020F0502020204030204" pitchFamily="34" charset="0"/>
+                      </a:endParaRPr>
+                    </a:p>
+                  </a:txBody>
+                  <a:tcPr marL="8919" marR="8919" marT="8919" marB="0" anchor="b"/>
+                </a:tc>
+                <a:tc>
+                  <a:txBody>
+                    <a:bodyPr/>
+                    <a:lstStyle/>
+                    <a:p>
+                      <a:pPr algn="r" fontAlgn="b"/>
+                      <a:r>
+                        <a:rPr lang="en-US" sz="1000" u="none" strike="noStrike">
+                          <a:effectLst/>
+                        </a:rPr>
+                        <a:t>26</a:t>
+                      </a:r>
+                      <a:endParaRPr lang="en-US" sz="1000" b="0" i="0" u="none" strike="noStrike">
+                        <a:solidFill>
+                          <a:srgbClr val="000000"/>
+                        </a:solidFill>
+                        <a:effectLst/>
+                        <a:latin typeface="Calibri" panose="020F0502020204030204" pitchFamily="34" charset="0"/>
+                      </a:endParaRPr>
+                    </a:p>
+                  </a:txBody>
+                  <a:tcPr marL="8919" marR="8919" marT="8919" marB="0" anchor="b"/>
+                </a:tc>
+                <a:tc>
+                  <a:txBody>
+                    <a:bodyPr/>
+                    <a:lstStyle/>
+                    <a:p>
+                      <a:pPr algn="r" fontAlgn="b"/>
+                      <a:r>
+                        <a:rPr lang="en-US" sz="1000" u="none" strike="noStrike">
+                          <a:effectLst/>
+                        </a:rPr>
+                        <a:t>-58</a:t>
+                      </a:r>
+                      <a:endParaRPr lang="en-US" sz="1000" b="0" i="0" u="none" strike="noStrike">
+                        <a:solidFill>
+                          <a:srgbClr val="000000"/>
+                        </a:solidFill>
+                        <a:effectLst/>
+                        <a:latin typeface="Calibri" panose="020F0502020204030204" pitchFamily="34" charset="0"/>
+                      </a:endParaRPr>
+                    </a:p>
+                  </a:txBody>
+                  <a:tcPr marL="8919" marR="8919" marT="8919" marB="0" anchor="b"/>
+                </a:tc>
+                <a:tc>
+                  <a:txBody>
+                    <a:bodyPr/>
+                    <a:lstStyle/>
+                    <a:p>
+                      <a:pPr algn="r" fontAlgn="b"/>
+                      <a:r>
+                        <a:rPr lang="en-US" sz="1000" u="none" strike="noStrike">
+                          <a:effectLst/>
+                        </a:rPr>
+                        <a:t>1.2</a:t>
+                      </a:r>
+                      <a:endParaRPr lang="en-US" sz="1000" b="0" i="0" u="none" strike="noStrike">
+                        <a:solidFill>
+                          <a:srgbClr val="000000"/>
+                        </a:solidFill>
+                        <a:effectLst/>
+                        <a:latin typeface="Calibri" panose="020F0502020204030204" pitchFamily="34" charset="0"/>
+                      </a:endParaRPr>
+                    </a:p>
+                  </a:txBody>
+                  <a:tcPr marL="8919" marR="8919" marT="8919" marB="0" anchor="b"/>
+                </a:tc>
+                <a:tc>
+                  <a:txBody>
+                    <a:bodyPr/>
+                    <a:lstStyle/>
+                    <a:p>
+                      <a:pPr algn="l" fontAlgn="b"/>
+                      <a:endParaRPr lang="en-US" sz="1000" b="0" i="0" u="none" strike="noStrike">
+                        <a:solidFill>
+                          <a:srgbClr val="000000"/>
+                        </a:solidFill>
+                        <a:effectLst/>
+                        <a:latin typeface="Calibri" panose="020F0502020204030204" pitchFamily="34" charset="0"/>
+                      </a:endParaRPr>
+                    </a:p>
+                  </a:txBody>
+                  <a:tcPr marL="8919" marR="8919" marT="8919" marB="0" anchor="b"/>
+                </a:tc>
+                <a:tc>
+                  <a:txBody>
+                    <a:bodyPr/>
+                    <a:lstStyle/>
+                    <a:p>
+                      <a:pPr algn="l" fontAlgn="b"/>
+                      <a:endParaRPr lang="en-US" sz="1000" b="0" i="0" u="none" strike="noStrike">
+                        <a:solidFill>
+                          <a:srgbClr val="000000"/>
+                        </a:solidFill>
+                        <a:effectLst/>
+                        <a:latin typeface="Calibri" panose="020F0502020204030204" pitchFamily="34" charset="0"/>
+                      </a:endParaRPr>
+                    </a:p>
+                  </a:txBody>
+                  <a:tcPr marL="8919" marR="8919" marT="8919" marB="0" anchor="b"/>
+                </a:tc>
+                <a:tc>
+                  <a:txBody>
+                    <a:bodyPr/>
+                    <a:lstStyle/>
+                    <a:p>
+                      <a:pPr algn="l" fontAlgn="b"/>
+                      <a:endParaRPr lang="en-US" sz="1000" b="0" i="0" u="none" strike="noStrike">
+                        <a:solidFill>
+                          <a:srgbClr val="000000"/>
+                        </a:solidFill>
+                        <a:effectLst/>
+                        <a:latin typeface="Calibri" panose="020F0502020204030204" pitchFamily="34" charset="0"/>
+                      </a:endParaRPr>
+                    </a:p>
+                  </a:txBody>
+                  <a:tcPr marL="8919" marR="8919" marT="8919" marB="0" anchor="b"/>
+                </a:tc>
+                <a:tc>
+                  <a:txBody>
+                    <a:bodyPr/>
+                    <a:lstStyle/>
+                    <a:p>
+                      <a:pPr algn="l" fontAlgn="b"/>
+                      <a:endParaRPr lang="en-US" sz="1000" b="0" i="0" u="none" strike="noStrike">
+                        <a:solidFill>
+                          <a:srgbClr val="000000"/>
+                        </a:solidFill>
+                        <a:effectLst/>
+                        <a:latin typeface="Calibri" panose="020F0502020204030204" pitchFamily="34" charset="0"/>
+                      </a:endParaRPr>
+                    </a:p>
+                  </a:txBody>
+                  <a:tcPr marL="8919" marR="8919" marT="8919" marB="0" anchor="b"/>
+                </a:tc>
+                <a:tc>
+                  <a:txBody>
+                    <a:bodyPr/>
+                    <a:lstStyle/>
+                    <a:p>
+                      <a:pPr algn="l" fontAlgn="b"/>
+                      <a:endParaRPr lang="en-US" sz="1000" b="0" i="0" u="none" strike="noStrike">
+                        <a:solidFill>
+                          <a:srgbClr val="000000"/>
+                        </a:solidFill>
+                        <a:effectLst/>
+                        <a:latin typeface="Calibri" panose="020F0502020204030204" pitchFamily="34" charset="0"/>
+                      </a:endParaRPr>
+                    </a:p>
+                  </a:txBody>
+                  <a:tcPr marL="8919" marR="8919" marT="8919" marB="0" anchor="b"/>
+                </a:tc>
+              </a:tr>
+              <a:tr h="178387">
+                <a:tc>
+                  <a:txBody>
+                    <a:bodyPr/>
+                    <a:lstStyle/>
+                    <a:p>
+                      <a:pPr algn="l" fontAlgn="b"/>
+                      <a:endParaRPr lang="en-US" sz="1000" b="0" i="0" u="none" strike="noStrike">
+                        <a:solidFill>
+                          <a:srgbClr val="000000"/>
+                        </a:solidFill>
+                        <a:effectLst/>
+                        <a:latin typeface="Calibri" panose="020F0502020204030204" pitchFamily="34" charset="0"/>
+                      </a:endParaRPr>
+                    </a:p>
+                  </a:txBody>
+                  <a:tcPr marL="8919" marR="8919" marT="8919" marB="0" anchor="b"/>
+                </a:tc>
+                <a:tc>
+                  <a:txBody>
+                    <a:bodyPr/>
+                    <a:lstStyle/>
+                    <a:p>
+                      <a:pPr algn="l" fontAlgn="b"/>
+                      <a:endParaRPr lang="en-US" sz="1000" b="0" i="0" u="none" strike="noStrike">
+                        <a:solidFill>
+                          <a:srgbClr val="000000"/>
+                        </a:solidFill>
+                        <a:effectLst/>
+                        <a:latin typeface="Calibri" panose="020F0502020204030204" pitchFamily="34" charset="0"/>
+                      </a:endParaRPr>
+                    </a:p>
+                  </a:txBody>
+                  <a:tcPr marL="8919" marR="8919" marT="8919" marB="0" anchor="b"/>
+                </a:tc>
+                <a:tc>
+                  <a:txBody>
+                    <a:bodyPr/>
+                    <a:lstStyle/>
+                    <a:p>
+                      <a:pPr algn="l" fontAlgn="b"/>
+                      <a:endParaRPr lang="en-US" sz="1000" b="0" i="0" u="none" strike="noStrike">
+                        <a:solidFill>
+                          <a:srgbClr val="000000"/>
+                        </a:solidFill>
+                        <a:effectLst/>
+                        <a:latin typeface="Calibri" panose="020F0502020204030204" pitchFamily="34" charset="0"/>
+                      </a:endParaRPr>
+                    </a:p>
+                  </a:txBody>
+                  <a:tcPr marL="8919" marR="8919" marT="8919" marB="0" anchor="b"/>
+                </a:tc>
+                <a:tc>
+                  <a:txBody>
+                    <a:bodyPr/>
+                    <a:lstStyle/>
+                    <a:p>
+                      <a:pPr algn="l" fontAlgn="b"/>
+                      <a:endParaRPr lang="en-US" sz="1000" b="0" i="0" u="none" strike="noStrike">
+                        <a:solidFill>
+                          <a:srgbClr val="000000"/>
+                        </a:solidFill>
+                        <a:effectLst/>
+                        <a:latin typeface="Calibri" panose="020F0502020204030204" pitchFamily="34" charset="0"/>
+                      </a:endParaRPr>
+                    </a:p>
+                  </a:txBody>
+                  <a:tcPr marL="8919" marR="8919" marT="8919" marB="0" anchor="b"/>
+                </a:tc>
+                <a:tc>
+                  <a:txBody>
+                    <a:bodyPr/>
+                    <a:lstStyle/>
+                    <a:p>
+                      <a:pPr algn="l" fontAlgn="b"/>
+                      <a:endParaRPr lang="en-US" sz="1000" b="0" i="0" u="none" strike="noStrike">
+                        <a:solidFill>
+                          <a:srgbClr val="000000"/>
+                        </a:solidFill>
+                        <a:effectLst/>
+                        <a:latin typeface="Calibri" panose="020F0502020204030204" pitchFamily="34" charset="0"/>
+                      </a:endParaRPr>
+                    </a:p>
+                  </a:txBody>
+                  <a:tcPr marL="8919" marR="8919" marT="8919" marB="0" anchor="b"/>
+                </a:tc>
+                <a:tc>
+                  <a:txBody>
+                    <a:bodyPr/>
+                    <a:lstStyle/>
+                    <a:p>
+                      <a:pPr algn="l" fontAlgn="b"/>
+                      <a:endParaRPr lang="en-US" sz="1000" b="0" i="0" u="none" strike="noStrike">
+                        <a:solidFill>
+                          <a:srgbClr val="000000"/>
+                        </a:solidFill>
+                        <a:effectLst/>
+                        <a:latin typeface="Calibri" panose="020F0502020204030204" pitchFamily="34" charset="0"/>
+                      </a:endParaRPr>
+                    </a:p>
+                  </a:txBody>
+                  <a:tcPr marL="8919" marR="8919" marT="8919" marB="0" anchor="b"/>
+                </a:tc>
+                <a:tc>
+                  <a:txBody>
+                    <a:bodyPr/>
+                    <a:lstStyle/>
+                    <a:p>
+                      <a:pPr algn="r" fontAlgn="b"/>
+                      <a:r>
+                        <a:rPr lang="en-US" sz="1000" u="none" strike="noStrike">
+                          <a:effectLst/>
+                        </a:rPr>
+                        <a:t>2</a:t>
+                      </a:r>
+                      <a:endParaRPr lang="en-US" sz="1000" b="0" i="0" u="none" strike="noStrike">
+                        <a:solidFill>
+                          <a:srgbClr val="000000"/>
+                        </a:solidFill>
+                        <a:effectLst/>
+                        <a:latin typeface="Calibri" panose="020F0502020204030204" pitchFamily="34" charset="0"/>
+                      </a:endParaRPr>
+                    </a:p>
+                  </a:txBody>
+                  <a:tcPr marL="8919" marR="8919" marT="8919" marB="0" anchor="b"/>
+                </a:tc>
+                <a:tc>
+                  <a:txBody>
+                    <a:bodyPr/>
+                    <a:lstStyle/>
+                    <a:p>
+                      <a:pPr algn="r" fontAlgn="b"/>
+                      <a:r>
+                        <a:rPr lang="en-US" sz="1000" u="none" strike="noStrike">
+                          <a:effectLst/>
+                        </a:rPr>
+                        <a:t>27</a:t>
+                      </a:r>
+                      <a:endParaRPr lang="en-US" sz="1000" b="0" i="0" u="none" strike="noStrike">
+                        <a:solidFill>
+                          <a:srgbClr val="000000"/>
+                        </a:solidFill>
+                        <a:effectLst/>
+                        <a:latin typeface="Calibri" panose="020F0502020204030204" pitchFamily="34" charset="0"/>
+                      </a:endParaRPr>
+                    </a:p>
+                  </a:txBody>
+                  <a:tcPr marL="8919" marR="8919" marT="8919" marB="0" anchor="b"/>
+                </a:tc>
+                <a:tc>
+                  <a:txBody>
+                    <a:bodyPr/>
+                    <a:lstStyle/>
+                    <a:p>
+                      <a:pPr algn="r" fontAlgn="b"/>
+                      <a:r>
+                        <a:rPr lang="en-US" sz="1000" u="none" strike="noStrike">
+                          <a:effectLst/>
+                        </a:rPr>
+                        <a:t>-59</a:t>
+                      </a:r>
+                      <a:endParaRPr lang="en-US" sz="1000" b="0" i="0" u="none" strike="noStrike">
+                        <a:solidFill>
+                          <a:srgbClr val="000000"/>
+                        </a:solidFill>
+                        <a:effectLst/>
+                        <a:latin typeface="Calibri" panose="020F0502020204030204" pitchFamily="34" charset="0"/>
+                      </a:endParaRPr>
+                    </a:p>
+                  </a:txBody>
+                  <a:tcPr marL="8919" marR="8919" marT="8919" marB="0" anchor="b"/>
+                </a:tc>
+                <a:tc>
+                  <a:txBody>
+                    <a:bodyPr/>
+                    <a:lstStyle/>
+                    <a:p>
+                      <a:pPr algn="r" fontAlgn="b"/>
+                      <a:r>
+                        <a:rPr lang="en-US" sz="1000" u="none" strike="noStrike">
+                          <a:effectLst/>
+                        </a:rPr>
+                        <a:t>2.3</a:t>
+                      </a:r>
+                      <a:endParaRPr lang="en-US" sz="1000" b="0" i="0" u="none" strike="noStrike">
+                        <a:solidFill>
+                          <a:srgbClr val="000000"/>
+                        </a:solidFill>
+                        <a:effectLst/>
+                        <a:latin typeface="Calibri" panose="020F0502020204030204" pitchFamily="34" charset="0"/>
+                      </a:endParaRPr>
+                    </a:p>
+                  </a:txBody>
+                  <a:tcPr marL="8919" marR="8919" marT="8919" marB="0" anchor="b"/>
+                </a:tc>
+                <a:tc>
+                  <a:txBody>
+                    <a:bodyPr/>
+                    <a:lstStyle/>
+                    <a:p>
+                      <a:pPr algn="l" fontAlgn="b"/>
+                      <a:endParaRPr lang="en-US" sz="1000" b="0" i="0" u="none" strike="noStrike">
+                        <a:solidFill>
+                          <a:srgbClr val="000000"/>
+                        </a:solidFill>
+                        <a:effectLst/>
+                        <a:latin typeface="Calibri" panose="020F0502020204030204" pitchFamily="34" charset="0"/>
+                      </a:endParaRPr>
+                    </a:p>
+                  </a:txBody>
+                  <a:tcPr marL="8919" marR="8919" marT="8919" marB="0" anchor="b"/>
+                </a:tc>
+                <a:tc>
+                  <a:txBody>
+                    <a:bodyPr/>
+                    <a:lstStyle/>
+                    <a:p>
+                      <a:pPr algn="l" fontAlgn="b"/>
+                      <a:endParaRPr lang="en-US" sz="1000" b="0" i="0" u="none" strike="noStrike">
+                        <a:solidFill>
+                          <a:srgbClr val="000000"/>
+                        </a:solidFill>
+                        <a:effectLst/>
+                        <a:latin typeface="Calibri" panose="020F0502020204030204" pitchFamily="34" charset="0"/>
+                      </a:endParaRPr>
+                    </a:p>
+                  </a:txBody>
+                  <a:tcPr marL="8919" marR="8919" marT="8919" marB="0" anchor="b"/>
+                </a:tc>
+                <a:tc>
+                  <a:txBody>
+                    <a:bodyPr/>
+                    <a:lstStyle/>
+                    <a:p>
+                      <a:pPr algn="l" fontAlgn="b"/>
+                      <a:endParaRPr lang="en-US" sz="1000" b="0" i="0" u="none" strike="noStrike">
+                        <a:solidFill>
+                          <a:srgbClr val="000000"/>
+                        </a:solidFill>
+                        <a:effectLst/>
+                        <a:latin typeface="Calibri" panose="020F0502020204030204" pitchFamily="34" charset="0"/>
+                      </a:endParaRPr>
+                    </a:p>
+                  </a:txBody>
+                  <a:tcPr marL="8919" marR="8919" marT="8919" marB="0" anchor="b"/>
+                </a:tc>
+                <a:tc>
+                  <a:txBody>
+                    <a:bodyPr/>
+                    <a:lstStyle/>
+                    <a:p>
+                      <a:pPr algn="l" fontAlgn="b"/>
+                      <a:endParaRPr lang="en-US" sz="1000" b="0" i="0" u="none" strike="noStrike">
+                        <a:solidFill>
+                          <a:srgbClr val="000000"/>
+                        </a:solidFill>
+                        <a:effectLst/>
+                        <a:latin typeface="Calibri" panose="020F0502020204030204" pitchFamily="34" charset="0"/>
+                      </a:endParaRPr>
+                    </a:p>
+                  </a:txBody>
+                  <a:tcPr marL="8919" marR="8919" marT="8919" marB="0" anchor="b"/>
+                </a:tc>
+                <a:tc>
+                  <a:txBody>
+                    <a:bodyPr/>
+                    <a:lstStyle/>
+                    <a:p>
+                      <a:pPr algn="l" fontAlgn="b"/>
+                      <a:endParaRPr lang="en-US" sz="1000" b="0" i="0" u="none" strike="noStrike">
+                        <a:solidFill>
+                          <a:srgbClr val="000000"/>
+                        </a:solidFill>
+                        <a:effectLst/>
+                        <a:latin typeface="Calibri" panose="020F0502020204030204" pitchFamily="34" charset="0"/>
+                      </a:endParaRPr>
+                    </a:p>
+                  </a:txBody>
+                  <a:tcPr marL="8919" marR="8919" marT="8919" marB="0" anchor="b"/>
+                </a:tc>
+              </a:tr>
+              <a:tr h="178387">
+                <a:tc gridSpan="2">
+                  <a:txBody>
+                    <a:bodyPr/>
+                    <a:lstStyle/>
+                    <a:p>
+                      <a:pPr algn="l" fontAlgn="b"/>
+                      <a:r>
+                        <a:rPr lang="en-US" sz="1000" u="none" strike="noStrike">
+                          <a:effectLst/>
+                        </a:rPr>
+                        <a:t>number of rows = 9</a:t>
+                      </a:r>
+                      <a:endParaRPr lang="en-US" sz="1000" b="1" i="0" u="none" strike="noStrike">
+                        <a:solidFill>
+                          <a:srgbClr val="000000"/>
+                        </a:solidFill>
+                        <a:effectLst/>
+                        <a:latin typeface="Calibri" panose="020F0502020204030204" pitchFamily="34" charset="0"/>
+                      </a:endParaRPr>
+                    </a:p>
+                  </a:txBody>
+                  <a:tcPr marL="8919" marR="8919" marT="8919" marB="0" anchor="b"/>
+                </a:tc>
+                <a:tc hMerge="1">
+                  <a:txBody>
+                    <a:bodyPr/>
+                    <a:lstStyle/>
+                    <a:p>
+                      <a:endParaRPr lang="en-US"/>
+                    </a:p>
+                  </a:txBody>
+                  <a:tcPr/>
+                </a:tc>
+                <a:tc>
+                  <a:txBody>
+                    <a:bodyPr/>
+                    <a:lstStyle/>
+                    <a:p>
+                      <a:pPr algn="l" fontAlgn="b"/>
+                      <a:endParaRPr lang="en-US" sz="1000" b="0" i="0" u="none" strike="noStrike">
+                        <a:solidFill>
+                          <a:srgbClr val="000000"/>
+                        </a:solidFill>
+                        <a:effectLst/>
+                        <a:latin typeface="Calibri" panose="020F0502020204030204" pitchFamily="34" charset="0"/>
+                      </a:endParaRPr>
+                    </a:p>
+                  </a:txBody>
+                  <a:tcPr marL="8919" marR="8919" marT="8919" marB="0" anchor="b"/>
+                </a:tc>
+                <a:tc>
+                  <a:txBody>
+                    <a:bodyPr/>
+                    <a:lstStyle/>
+                    <a:p>
+                      <a:pPr algn="l" fontAlgn="b"/>
+                      <a:endParaRPr lang="en-US" sz="1000" b="0" i="0" u="none" strike="noStrike">
+                        <a:solidFill>
+                          <a:srgbClr val="000000"/>
+                        </a:solidFill>
+                        <a:effectLst/>
+                        <a:latin typeface="Calibri" panose="020F0502020204030204" pitchFamily="34" charset="0"/>
+                      </a:endParaRPr>
+                    </a:p>
+                  </a:txBody>
+                  <a:tcPr marL="8919" marR="8919" marT="8919" marB="0" anchor="b"/>
+                </a:tc>
+                <a:tc>
+                  <a:txBody>
+                    <a:bodyPr/>
+                    <a:lstStyle/>
+                    <a:p>
+                      <a:pPr algn="l" fontAlgn="b"/>
+                      <a:endParaRPr lang="en-US" sz="1000" b="0" i="0" u="none" strike="noStrike">
+                        <a:solidFill>
+                          <a:srgbClr val="000000"/>
+                        </a:solidFill>
+                        <a:effectLst/>
+                        <a:latin typeface="Calibri" panose="020F0502020204030204" pitchFamily="34" charset="0"/>
+                      </a:endParaRPr>
+                    </a:p>
+                  </a:txBody>
+                  <a:tcPr marL="8919" marR="8919" marT="8919" marB="0" anchor="b"/>
+                </a:tc>
+                <a:tc>
+                  <a:txBody>
+                    <a:bodyPr/>
+                    <a:lstStyle/>
+                    <a:p>
+                      <a:pPr algn="l" fontAlgn="b"/>
+                      <a:endParaRPr lang="en-US" sz="1000" b="0" i="0" u="none" strike="noStrike">
+                        <a:solidFill>
+                          <a:srgbClr val="000000"/>
+                        </a:solidFill>
+                        <a:effectLst/>
+                        <a:latin typeface="Calibri" panose="020F0502020204030204" pitchFamily="34" charset="0"/>
+                      </a:endParaRPr>
+                    </a:p>
+                  </a:txBody>
+                  <a:tcPr marL="8919" marR="8919" marT="8919" marB="0" anchor="b"/>
+                </a:tc>
+                <a:tc>
+                  <a:txBody>
+                    <a:bodyPr/>
+                    <a:lstStyle/>
+                    <a:p>
+                      <a:pPr algn="l" fontAlgn="b"/>
+                      <a:endParaRPr lang="en-US" sz="1000" b="0" i="0" u="none" strike="noStrike">
+                        <a:solidFill>
+                          <a:srgbClr val="000000"/>
+                        </a:solidFill>
+                        <a:effectLst/>
+                        <a:latin typeface="Calibri" panose="020F0502020204030204" pitchFamily="34" charset="0"/>
+                      </a:endParaRPr>
+                    </a:p>
+                  </a:txBody>
+                  <a:tcPr marL="8919" marR="8919" marT="8919" marB="0" anchor="b"/>
+                </a:tc>
+                <a:tc>
+                  <a:txBody>
+                    <a:bodyPr/>
+                    <a:lstStyle/>
+                    <a:p>
+                      <a:pPr algn="l" fontAlgn="b"/>
+                      <a:endParaRPr lang="en-US" sz="1000" b="0" i="0" u="none" strike="noStrike">
+                        <a:solidFill>
+                          <a:srgbClr val="000000"/>
+                        </a:solidFill>
+                        <a:effectLst/>
+                        <a:latin typeface="Calibri" panose="020F0502020204030204" pitchFamily="34" charset="0"/>
+                      </a:endParaRPr>
+                    </a:p>
+                  </a:txBody>
+                  <a:tcPr marL="8919" marR="8919" marT="8919" marB="0" anchor="b"/>
+                </a:tc>
+                <a:tc>
+                  <a:txBody>
+                    <a:bodyPr/>
+                    <a:lstStyle/>
+                    <a:p>
+                      <a:pPr algn="l" fontAlgn="b"/>
+                      <a:endParaRPr lang="en-US" sz="1000" b="0" i="0" u="none" strike="noStrike">
+                        <a:solidFill>
+                          <a:srgbClr val="000000"/>
+                        </a:solidFill>
+                        <a:effectLst/>
+                        <a:latin typeface="Calibri" panose="020F0502020204030204" pitchFamily="34" charset="0"/>
+                      </a:endParaRPr>
+                    </a:p>
+                  </a:txBody>
+                  <a:tcPr marL="8919" marR="8919" marT="8919" marB="0" anchor="b"/>
+                </a:tc>
+                <a:tc>
+                  <a:txBody>
+                    <a:bodyPr/>
+                    <a:lstStyle/>
+                    <a:p>
+                      <a:pPr algn="l" fontAlgn="b"/>
+                      <a:endParaRPr lang="en-US" sz="1000" b="0" i="0" u="none" strike="noStrike">
+                        <a:solidFill>
+                          <a:srgbClr val="000000"/>
+                        </a:solidFill>
+                        <a:effectLst/>
+                        <a:latin typeface="Calibri" panose="020F0502020204030204" pitchFamily="34" charset="0"/>
+                      </a:endParaRPr>
+                    </a:p>
+                  </a:txBody>
+                  <a:tcPr marL="8919" marR="8919" marT="8919" marB="0" anchor="b"/>
+                </a:tc>
+                <a:tc>
+                  <a:txBody>
+                    <a:bodyPr/>
+                    <a:lstStyle/>
+                    <a:p>
+                      <a:pPr algn="l" fontAlgn="b"/>
+                      <a:endParaRPr lang="en-US" sz="1000" b="0" i="0" u="none" strike="noStrike">
+                        <a:solidFill>
+                          <a:srgbClr val="000000"/>
+                        </a:solidFill>
+                        <a:effectLst/>
+                        <a:latin typeface="Calibri" panose="020F0502020204030204" pitchFamily="34" charset="0"/>
+                      </a:endParaRPr>
+                    </a:p>
+                  </a:txBody>
+                  <a:tcPr marL="8919" marR="8919" marT="8919" marB="0" anchor="b"/>
+                </a:tc>
+                <a:tc>
+                  <a:txBody>
+                    <a:bodyPr/>
+                    <a:lstStyle/>
+                    <a:p>
+                      <a:pPr algn="l" fontAlgn="b"/>
+                      <a:endParaRPr lang="en-US" sz="1000" b="0" i="0" u="none" strike="noStrike">
+                        <a:solidFill>
+                          <a:srgbClr val="000000"/>
+                        </a:solidFill>
+                        <a:effectLst/>
+                        <a:latin typeface="Calibri" panose="020F0502020204030204" pitchFamily="34" charset="0"/>
+                      </a:endParaRPr>
+                    </a:p>
+                  </a:txBody>
+                  <a:tcPr marL="8919" marR="8919" marT="8919" marB="0" anchor="b"/>
+                </a:tc>
+                <a:tc>
+                  <a:txBody>
+                    <a:bodyPr/>
+                    <a:lstStyle/>
+                    <a:p>
+                      <a:pPr algn="l" fontAlgn="b"/>
+                      <a:endParaRPr lang="en-US" sz="1000" b="0" i="0" u="none" strike="noStrike">
+                        <a:solidFill>
+                          <a:srgbClr val="000000"/>
+                        </a:solidFill>
+                        <a:effectLst/>
+                        <a:latin typeface="Calibri" panose="020F0502020204030204" pitchFamily="34" charset="0"/>
+                      </a:endParaRPr>
+                    </a:p>
+                  </a:txBody>
+                  <a:tcPr marL="8919" marR="8919" marT="8919" marB="0" anchor="b"/>
+                </a:tc>
+                <a:tc>
+                  <a:txBody>
+                    <a:bodyPr/>
+                    <a:lstStyle/>
+                    <a:p>
+                      <a:pPr algn="l" fontAlgn="b"/>
+                      <a:endParaRPr lang="en-US" sz="1000" b="0" i="0" u="none" strike="noStrike">
+                        <a:solidFill>
+                          <a:srgbClr val="000000"/>
+                        </a:solidFill>
+                        <a:effectLst/>
+                        <a:latin typeface="Calibri" panose="020F0502020204030204" pitchFamily="34" charset="0"/>
+                      </a:endParaRPr>
+                    </a:p>
+                  </a:txBody>
+                  <a:tcPr marL="8919" marR="8919" marT="8919" marB="0" anchor="b"/>
+                </a:tc>
+                <a:tc>
+                  <a:txBody>
+                    <a:bodyPr/>
+                    <a:lstStyle/>
+                    <a:p>
+                      <a:pPr algn="l" fontAlgn="b"/>
+                      <a:endParaRPr lang="en-US" sz="1000" b="0" i="0" u="none" strike="noStrike">
+                        <a:solidFill>
+                          <a:srgbClr val="000000"/>
+                        </a:solidFill>
+                        <a:effectLst/>
+                        <a:latin typeface="Calibri" panose="020F0502020204030204" pitchFamily="34" charset="0"/>
+                      </a:endParaRPr>
+                    </a:p>
+                  </a:txBody>
+                  <a:tcPr marL="8919" marR="8919" marT="8919" marB="0" anchor="b"/>
+                </a:tc>
+              </a:tr>
+              <a:tr h="178387">
+                <a:tc>
+                  <a:txBody>
+                    <a:bodyPr/>
+                    <a:lstStyle/>
+                    <a:p>
+                      <a:pPr algn="l" fontAlgn="b"/>
+                      <a:endParaRPr lang="en-US" sz="1000" b="0" i="0" u="none" strike="noStrike">
+                        <a:solidFill>
+                          <a:srgbClr val="000000"/>
+                        </a:solidFill>
+                        <a:effectLst/>
+                        <a:latin typeface="Calibri" panose="020F0502020204030204" pitchFamily="34" charset="0"/>
+                      </a:endParaRPr>
+                    </a:p>
+                  </a:txBody>
+                  <a:tcPr marL="8919" marR="8919" marT="8919" marB="0" anchor="b"/>
+                </a:tc>
+                <a:tc>
+                  <a:txBody>
+                    <a:bodyPr/>
+                    <a:lstStyle/>
+                    <a:p>
+                      <a:pPr algn="l" fontAlgn="b"/>
+                      <a:endParaRPr lang="en-US" sz="1000" b="0" i="0" u="none" strike="noStrike">
+                        <a:solidFill>
+                          <a:srgbClr val="000000"/>
+                        </a:solidFill>
+                        <a:effectLst/>
+                        <a:latin typeface="Calibri" panose="020F0502020204030204" pitchFamily="34" charset="0"/>
+                      </a:endParaRPr>
+                    </a:p>
+                  </a:txBody>
+                  <a:tcPr marL="8919" marR="8919" marT="8919" marB="0" anchor="b"/>
+                </a:tc>
+                <a:tc>
+                  <a:txBody>
+                    <a:bodyPr/>
+                    <a:lstStyle/>
+                    <a:p>
+                      <a:pPr algn="l" fontAlgn="b"/>
+                      <a:endParaRPr lang="en-US" sz="1000" b="0" i="0" u="none" strike="noStrike">
+                        <a:solidFill>
+                          <a:srgbClr val="000000"/>
+                        </a:solidFill>
+                        <a:effectLst/>
+                        <a:latin typeface="Calibri" panose="020F0502020204030204" pitchFamily="34" charset="0"/>
+                      </a:endParaRPr>
+                    </a:p>
+                  </a:txBody>
+                  <a:tcPr marL="8919" marR="8919" marT="8919" marB="0" anchor="b"/>
+                </a:tc>
+                <a:tc>
+                  <a:txBody>
+                    <a:bodyPr/>
+                    <a:lstStyle/>
+                    <a:p>
+                      <a:pPr algn="l" fontAlgn="b"/>
+                      <a:endParaRPr lang="en-US" sz="1000" b="0" i="0" u="none" strike="noStrike">
+                        <a:solidFill>
+                          <a:srgbClr val="000000"/>
+                        </a:solidFill>
+                        <a:effectLst/>
+                        <a:latin typeface="Calibri" panose="020F0502020204030204" pitchFamily="34" charset="0"/>
+                      </a:endParaRPr>
+                    </a:p>
+                  </a:txBody>
+                  <a:tcPr marL="8919" marR="8919" marT="8919" marB="0" anchor="b"/>
+                </a:tc>
+                <a:tc>
+                  <a:txBody>
+                    <a:bodyPr/>
+                    <a:lstStyle/>
+                    <a:p>
+                      <a:pPr algn="l" fontAlgn="b"/>
+                      <a:endParaRPr lang="en-US" sz="1000" b="0" i="0" u="none" strike="noStrike">
+                        <a:solidFill>
+                          <a:srgbClr val="000000"/>
+                        </a:solidFill>
+                        <a:effectLst/>
+                        <a:latin typeface="Calibri" panose="020F0502020204030204" pitchFamily="34" charset="0"/>
+                      </a:endParaRPr>
+                    </a:p>
+                  </a:txBody>
+                  <a:tcPr marL="8919" marR="8919" marT="8919" marB="0" anchor="b"/>
+                </a:tc>
+                <a:tc gridSpan="2">
+                  <a:txBody>
+                    <a:bodyPr/>
+                    <a:lstStyle/>
+                    <a:p>
+                      <a:pPr algn="l" fontAlgn="b"/>
+                      <a:r>
+                        <a:rPr lang="en-US" sz="1000" u="none" strike="noStrike">
+                          <a:effectLst/>
+                        </a:rPr>
+                        <a:t>number of rows = 2</a:t>
+                      </a:r>
+                      <a:endParaRPr lang="en-US" sz="1000" b="1" i="0" u="none" strike="noStrike">
+                        <a:solidFill>
+                          <a:srgbClr val="000000"/>
+                        </a:solidFill>
+                        <a:effectLst/>
+                        <a:latin typeface="Calibri" panose="020F0502020204030204" pitchFamily="34" charset="0"/>
+                      </a:endParaRPr>
+                    </a:p>
+                  </a:txBody>
+                  <a:tcPr marL="8919" marR="8919" marT="8919" marB="0" anchor="b"/>
+                </a:tc>
+                <a:tc hMerge="1">
+                  <a:txBody>
+                    <a:bodyPr/>
+                    <a:lstStyle/>
+                    <a:p>
+                      <a:endParaRPr lang="en-US"/>
+                    </a:p>
+                  </a:txBody>
+                  <a:tcPr/>
+                </a:tc>
+                <a:tc>
+                  <a:txBody>
+                    <a:bodyPr/>
+                    <a:lstStyle/>
+                    <a:p>
+                      <a:pPr algn="l" fontAlgn="b"/>
+                      <a:endParaRPr lang="en-US" sz="1000" b="0" i="0" u="none" strike="noStrike">
+                        <a:solidFill>
+                          <a:srgbClr val="000000"/>
+                        </a:solidFill>
+                        <a:effectLst/>
+                        <a:latin typeface="Calibri" panose="020F0502020204030204" pitchFamily="34" charset="0"/>
+                      </a:endParaRPr>
+                    </a:p>
+                  </a:txBody>
+                  <a:tcPr marL="8919" marR="8919" marT="8919" marB="0" anchor="b"/>
+                </a:tc>
+                <a:tc>
+                  <a:txBody>
+                    <a:bodyPr/>
+                    <a:lstStyle/>
+                    <a:p>
+                      <a:pPr algn="l" fontAlgn="b"/>
+                      <a:endParaRPr lang="en-US" sz="1000" b="0" i="0" u="none" strike="noStrike">
+                        <a:solidFill>
+                          <a:srgbClr val="000000"/>
+                        </a:solidFill>
+                        <a:effectLst/>
+                        <a:latin typeface="Calibri" panose="020F0502020204030204" pitchFamily="34" charset="0"/>
+                      </a:endParaRPr>
+                    </a:p>
+                  </a:txBody>
+                  <a:tcPr marL="8919" marR="8919" marT="8919" marB="0" anchor="b"/>
+                </a:tc>
+                <a:tc>
+                  <a:txBody>
+                    <a:bodyPr/>
+                    <a:lstStyle/>
+                    <a:p>
+                      <a:pPr algn="l" fontAlgn="b"/>
+                      <a:endParaRPr lang="en-US" sz="1000" b="0" i="0" u="none" strike="noStrike">
+                        <a:solidFill>
+                          <a:srgbClr val="000000"/>
+                        </a:solidFill>
+                        <a:effectLst/>
+                        <a:latin typeface="Calibri" panose="020F0502020204030204" pitchFamily="34" charset="0"/>
+                      </a:endParaRPr>
+                    </a:p>
+                  </a:txBody>
+                  <a:tcPr marL="8919" marR="8919" marT="8919" marB="0" anchor="b"/>
+                </a:tc>
+                <a:tc>
+                  <a:txBody>
+                    <a:bodyPr/>
+                    <a:lstStyle/>
+                    <a:p>
+                      <a:pPr algn="l" fontAlgn="b"/>
+                      <a:endParaRPr lang="en-US" sz="1000" b="0" i="0" u="none" strike="noStrike">
+                        <a:solidFill>
+                          <a:srgbClr val="000000"/>
+                        </a:solidFill>
+                        <a:effectLst/>
+                        <a:latin typeface="Calibri" panose="020F0502020204030204" pitchFamily="34" charset="0"/>
+                      </a:endParaRPr>
+                    </a:p>
+                  </a:txBody>
+                  <a:tcPr marL="8919" marR="8919" marT="8919" marB="0" anchor="b"/>
+                </a:tc>
+                <a:tc>
+                  <a:txBody>
+                    <a:bodyPr/>
+                    <a:lstStyle/>
+                    <a:p>
+                      <a:pPr algn="l" fontAlgn="b"/>
+                      <a:endParaRPr lang="en-US" sz="1000" b="0" i="0" u="none" strike="noStrike">
+                        <a:solidFill>
+                          <a:srgbClr val="000000"/>
+                        </a:solidFill>
+                        <a:effectLst/>
+                        <a:latin typeface="Calibri" panose="020F0502020204030204" pitchFamily="34" charset="0"/>
+                      </a:endParaRPr>
+                    </a:p>
+                  </a:txBody>
+                  <a:tcPr marL="8919" marR="8919" marT="8919" marB="0" anchor="b"/>
+                </a:tc>
+                <a:tc>
+                  <a:txBody>
+                    <a:bodyPr/>
+                    <a:lstStyle/>
+                    <a:p>
+                      <a:pPr algn="l" fontAlgn="b"/>
+                      <a:endParaRPr lang="en-US" sz="1000" b="0" i="0" u="none" strike="noStrike">
+                        <a:solidFill>
+                          <a:srgbClr val="000000"/>
+                        </a:solidFill>
+                        <a:effectLst/>
+                        <a:latin typeface="Calibri" panose="020F0502020204030204" pitchFamily="34" charset="0"/>
+                      </a:endParaRPr>
+                    </a:p>
+                  </a:txBody>
+                  <a:tcPr marL="8919" marR="8919" marT="8919" marB="0" anchor="b"/>
+                </a:tc>
+                <a:tc>
+                  <a:txBody>
+                    <a:bodyPr/>
+                    <a:lstStyle/>
+                    <a:p>
+                      <a:pPr algn="l" fontAlgn="b"/>
+                      <a:endParaRPr lang="en-US" sz="1000" b="0" i="0" u="none" strike="noStrike">
+                        <a:solidFill>
+                          <a:srgbClr val="000000"/>
+                        </a:solidFill>
+                        <a:effectLst/>
+                        <a:latin typeface="Calibri" panose="020F0502020204030204" pitchFamily="34" charset="0"/>
+                      </a:endParaRPr>
+                    </a:p>
+                  </a:txBody>
+                  <a:tcPr marL="8919" marR="8919" marT="8919" marB="0" anchor="b"/>
+                </a:tc>
+                <a:tc>
+                  <a:txBody>
+                    <a:bodyPr/>
+                    <a:lstStyle/>
+                    <a:p>
+                      <a:pPr algn="l" fontAlgn="b"/>
+                      <a:endParaRPr lang="en-US" sz="1000" b="0" i="0" u="none" strike="noStrike">
+                        <a:solidFill>
+                          <a:srgbClr val="000000"/>
+                        </a:solidFill>
+                        <a:effectLst/>
+                        <a:latin typeface="Calibri" panose="020F0502020204030204" pitchFamily="34" charset="0"/>
+                      </a:endParaRPr>
+                    </a:p>
+                  </a:txBody>
+                  <a:tcPr marL="8919" marR="8919" marT="8919" marB="0" anchor="b"/>
+                </a:tc>
+              </a:tr>
+              <a:tr h="178387">
+                <a:tc>
+                  <a:txBody>
+                    <a:bodyPr/>
+                    <a:lstStyle/>
+                    <a:p>
+                      <a:pPr algn="l" fontAlgn="b"/>
+                      <a:endParaRPr lang="en-US" sz="1000" b="0" i="0" u="none" strike="noStrike">
+                        <a:solidFill>
+                          <a:srgbClr val="000000"/>
+                        </a:solidFill>
+                        <a:effectLst/>
+                        <a:latin typeface="Calibri" panose="020F0502020204030204" pitchFamily="34" charset="0"/>
+                      </a:endParaRPr>
+                    </a:p>
+                  </a:txBody>
+                  <a:tcPr marL="8919" marR="8919" marT="8919" marB="0" anchor="b"/>
+                </a:tc>
+                <a:tc>
+                  <a:txBody>
+                    <a:bodyPr/>
+                    <a:lstStyle/>
+                    <a:p>
+                      <a:pPr algn="l" fontAlgn="b"/>
+                      <a:endParaRPr lang="en-US" sz="1000" b="0" i="0" u="none" strike="noStrike">
+                        <a:solidFill>
+                          <a:srgbClr val="000000"/>
+                        </a:solidFill>
+                        <a:effectLst/>
+                        <a:latin typeface="Calibri" panose="020F0502020204030204" pitchFamily="34" charset="0"/>
+                      </a:endParaRPr>
+                    </a:p>
+                  </a:txBody>
+                  <a:tcPr marL="8919" marR="8919" marT="8919" marB="0" anchor="b"/>
+                </a:tc>
+                <a:tc>
+                  <a:txBody>
+                    <a:bodyPr/>
+                    <a:lstStyle/>
+                    <a:p>
+                      <a:pPr algn="l" fontAlgn="b"/>
+                      <a:endParaRPr lang="en-US" sz="1000" b="0" i="0" u="none" strike="noStrike">
+                        <a:solidFill>
+                          <a:srgbClr val="000000"/>
+                        </a:solidFill>
+                        <a:effectLst/>
+                        <a:latin typeface="Calibri" panose="020F0502020204030204" pitchFamily="34" charset="0"/>
+                      </a:endParaRPr>
+                    </a:p>
+                  </a:txBody>
+                  <a:tcPr marL="8919" marR="8919" marT="8919" marB="0" anchor="b"/>
+                </a:tc>
+                <a:tc>
+                  <a:txBody>
+                    <a:bodyPr/>
+                    <a:lstStyle/>
+                    <a:p>
+                      <a:pPr algn="l" fontAlgn="b"/>
+                      <a:endParaRPr lang="en-US" sz="1000" b="0" i="0" u="none" strike="noStrike">
+                        <a:solidFill>
+                          <a:srgbClr val="000000"/>
+                        </a:solidFill>
+                        <a:effectLst/>
+                        <a:latin typeface="Calibri" panose="020F0502020204030204" pitchFamily="34" charset="0"/>
+                      </a:endParaRPr>
+                    </a:p>
+                  </a:txBody>
+                  <a:tcPr marL="8919" marR="8919" marT="8919" marB="0" anchor="b"/>
+                </a:tc>
+                <a:tc>
+                  <a:txBody>
+                    <a:bodyPr/>
+                    <a:lstStyle/>
+                    <a:p>
+                      <a:pPr algn="l" fontAlgn="b"/>
+                      <a:endParaRPr lang="en-US" sz="1000" b="0" i="0" u="none" strike="noStrike">
+                        <a:solidFill>
+                          <a:srgbClr val="000000"/>
+                        </a:solidFill>
+                        <a:effectLst/>
+                        <a:latin typeface="Calibri" panose="020F0502020204030204" pitchFamily="34" charset="0"/>
+                      </a:endParaRPr>
+                    </a:p>
+                  </a:txBody>
+                  <a:tcPr marL="8919" marR="8919" marT="8919" marB="0" anchor="b"/>
+                </a:tc>
+                <a:tc gridSpan="4">
+                  <a:txBody>
+                    <a:bodyPr/>
+                    <a:lstStyle/>
+                    <a:p>
+                      <a:pPr algn="l" fontAlgn="b"/>
+                      <a:r>
+                        <a:rPr lang="en-US" sz="1000" u="none" strike="noStrike">
+                          <a:effectLst/>
+                        </a:rPr>
+                        <a:t>Structure is LapNumber, Seq&lt;Obs2&gt;</a:t>
+                      </a:r>
+                      <a:endParaRPr lang="en-US" sz="1000" b="0" i="0" u="none" strike="noStrike">
+                        <a:solidFill>
+                          <a:srgbClr val="000000"/>
+                        </a:solidFill>
+                        <a:effectLst/>
+                        <a:latin typeface="Calibri" panose="020F0502020204030204" pitchFamily="34" charset="0"/>
+                      </a:endParaRPr>
+                    </a:p>
+                  </a:txBody>
+                  <a:tcPr marL="8919" marR="8919" marT="8919" marB="0" anchor="b"/>
+                </a:tc>
+                <a:tc hMerge="1">
+                  <a:txBody>
+                    <a:bodyPr/>
+                    <a:lstStyle/>
+                    <a:p>
+                      <a:endParaRPr lang="en-US"/>
+                    </a:p>
+                  </a:txBody>
+                  <a:tcPr/>
+                </a:tc>
+                <a:tc hMerge="1">
+                  <a:txBody>
+                    <a:bodyPr/>
+                    <a:lstStyle/>
+                    <a:p>
+                      <a:endParaRPr lang="en-US"/>
+                    </a:p>
+                  </a:txBody>
+                  <a:tcPr/>
+                </a:tc>
+                <a:tc hMerge="1">
+                  <a:txBody>
+                    <a:bodyPr/>
+                    <a:lstStyle/>
+                    <a:p>
+                      <a:endParaRPr lang="en-US"/>
+                    </a:p>
+                  </a:txBody>
+                  <a:tcPr/>
+                </a:tc>
+                <a:tc>
+                  <a:txBody>
+                    <a:bodyPr/>
+                    <a:lstStyle/>
+                    <a:p>
+                      <a:pPr algn="l" fontAlgn="b"/>
+                      <a:endParaRPr lang="en-US" sz="1000" b="0" i="0" u="none" strike="noStrike">
+                        <a:solidFill>
+                          <a:srgbClr val="000000"/>
+                        </a:solidFill>
+                        <a:effectLst/>
+                        <a:latin typeface="Calibri" panose="020F0502020204030204" pitchFamily="34" charset="0"/>
+                      </a:endParaRPr>
+                    </a:p>
+                  </a:txBody>
+                  <a:tcPr marL="8919" marR="8919" marT="8919" marB="0" anchor="b"/>
+                </a:tc>
+                <a:tc>
+                  <a:txBody>
+                    <a:bodyPr/>
+                    <a:lstStyle/>
+                    <a:p>
+                      <a:pPr algn="l" fontAlgn="b"/>
+                      <a:endParaRPr lang="en-US" sz="1000" b="0" i="0" u="none" strike="noStrike">
+                        <a:solidFill>
+                          <a:srgbClr val="000000"/>
+                        </a:solidFill>
+                        <a:effectLst/>
+                        <a:latin typeface="Calibri" panose="020F0502020204030204" pitchFamily="34" charset="0"/>
+                      </a:endParaRPr>
+                    </a:p>
+                  </a:txBody>
+                  <a:tcPr marL="8919" marR="8919" marT="8919" marB="0" anchor="b"/>
+                </a:tc>
+                <a:tc>
+                  <a:txBody>
+                    <a:bodyPr/>
+                    <a:lstStyle/>
+                    <a:p>
+                      <a:pPr algn="l" fontAlgn="b"/>
+                      <a:endParaRPr lang="en-US" sz="1000" b="0" i="0" u="none" strike="noStrike">
+                        <a:solidFill>
+                          <a:srgbClr val="000000"/>
+                        </a:solidFill>
+                        <a:effectLst/>
+                        <a:latin typeface="Calibri" panose="020F0502020204030204" pitchFamily="34" charset="0"/>
+                      </a:endParaRPr>
+                    </a:p>
+                  </a:txBody>
+                  <a:tcPr marL="8919" marR="8919" marT="8919" marB="0" anchor="b"/>
+                </a:tc>
+                <a:tc>
+                  <a:txBody>
+                    <a:bodyPr/>
+                    <a:lstStyle/>
+                    <a:p>
+                      <a:pPr algn="l" fontAlgn="b"/>
+                      <a:endParaRPr lang="en-US" sz="1000" b="0" i="0" u="none" strike="noStrike">
+                        <a:solidFill>
+                          <a:srgbClr val="000000"/>
+                        </a:solidFill>
+                        <a:effectLst/>
+                        <a:latin typeface="Calibri" panose="020F0502020204030204" pitchFamily="34" charset="0"/>
+                      </a:endParaRPr>
+                    </a:p>
+                  </a:txBody>
+                  <a:tcPr marL="8919" marR="8919" marT="8919" marB="0" anchor="b"/>
+                </a:tc>
+                <a:tc>
+                  <a:txBody>
+                    <a:bodyPr/>
+                    <a:lstStyle/>
+                    <a:p>
+                      <a:pPr algn="l" fontAlgn="b"/>
+                      <a:endParaRPr lang="en-US" sz="1000" b="0" i="0" u="none" strike="noStrike">
+                        <a:solidFill>
+                          <a:srgbClr val="000000"/>
+                        </a:solidFill>
+                        <a:effectLst/>
+                        <a:latin typeface="Calibri" panose="020F0502020204030204" pitchFamily="34" charset="0"/>
+                      </a:endParaRPr>
+                    </a:p>
+                  </a:txBody>
+                  <a:tcPr marL="8919" marR="8919" marT="8919" marB="0" anchor="b"/>
+                </a:tc>
+                <a:tc>
+                  <a:txBody>
+                    <a:bodyPr/>
+                    <a:lstStyle/>
+                    <a:p>
+                      <a:pPr algn="l" fontAlgn="b"/>
+                      <a:endParaRPr lang="en-US" sz="1000" b="0" i="0" u="none" strike="noStrike" dirty="0">
+                        <a:solidFill>
+                          <a:srgbClr val="000000"/>
+                        </a:solidFill>
+                        <a:effectLst/>
+                        <a:latin typeface="Calibri" panose="020F0502020204030204" pitchFamily="34" charset="0"/>
+                      </a:endParaRPr>
+                    </a:p>
+                  </a:txBody>
+                  <a:tcPr marL="8919" marR="8919" marT="8919" marB="0" anchor="b"/>
+                </a:tc>
+              </a:tr>
+            </a:tbl>
+          </a:graphicData>
+        </a:graphic>
+      </p:graphicFrame>
+    </p:spTree>
+    <p:extLst>
+      <p:ext uri="{BB962C8B-B14F-4D97-AF65-F5344CB8AC3E}">
+        <p14:creationId xmlns:p14="http://schemas.microsoft.com/office/powerpoint/2010/main" val="1102656408"/>
+      </p:ext>
+    </p:extLst>
+  </p:cSld>
+  <p:clrMapOvr>
+    <a:masterClrMapping/>
+  </p:clrMapOvr>
+  <p:timing>
+    <p:tnLst>
+      <p:par>
+        <p:cTn id="1" dur="indefinite" restart="never" nodeType="tmRoot"/>
+      </p:par>
+    </p:tnLst>
+  </p:timing>
+</p:sld>
+</file>
+
+<file path=ppt/slides/slide16.xml><?xml version="1.0" encoding="utf-8"?>
+<p:sld xmlns:a="http://schemas.openxmlformats.org/drawingml/2006/main" xmlns:r="http://schemas.openxmlformats.org/officeDocument/2006/relationships" xmlns:p="http://schemas.openxmlformats.org/presentationml/2006/main">
+  <p:cSld>
+    <p:spTree>
+      <p:nvGrpSpPr>
+        <p:cNvPr id="1" name=""/>
+        <p:cNvGrpSpPr/>
+        <p:nvPr/>
+      </p:nvGrpSpPr>
+      <p:grpSpPr>
+        <a:xfrm>
+          <a:off x="0" y="0"/>
+          <a:ext cx="0" cy="0"/>
+          <a:chOff x="0" y="0"/>
+          <a:chExt cx="0" cy="0"/>
+        </a:xfrm>
+      </p:grpSpPr>
+      <p:sp>
+        <p:nvSpPr>
+          <p:cNvPr id="2" name="Title 1"/>
+          <p:cNvSpPr>
+            <a:spLocks noGrp="1"/>
+          </p:cNvSpPr>
+          <p:nvPr>
+            <p:ph type="title"/>
+          </p:nvPr>
+        </p:nvSpPr>
+        <p:spPr/>
+        <p:txBody>
+          <a:bodyPr/>
+          <a:lstStyle/>
+          <a:p>
+            <a:r>
+              <a:rPr lang="en-US" dirty="0" smtClean="0"/>
+              <a:t>F# Data Validation</a:t>
+            </a:r>
+            <a:endParaRPr lang="en-US" dirty="0"/>
+          </a:p>
+        </p:txBody>
+      </p:sp>
+      <p:sp>
+        <p:nvSpPr>
+          <p:cNvPr id="3" name="Content Placeholder 2"/>
+          <p:cNvSpPr>
+            <a:spLocks noGrp="1"/>
+          </p:cNvSpPr>
+          <p:nvPr>
+            <p:ph idx="1"/>
+          </p:nvPr>
+        </p:nvSpPr>
+        <p:spPr/>
+        <p:txBody>
+          <a:bodyPr/>
+          <a:lstStyle/>
+          <a:p>
+            <a:endParaRPr lang="en-US"/>
+          </a:p>
+        </p:txBody>
+      </p:sp>
+    </p:spTree>
+    <p:extLst>
+      <p:ext uri="{BB962C8B-B14F-4D97-AF65-F5344CB8AC3E}">
+        <p14:creationId xmlns:p14="http://schemas.microsoft.com/office/powerpoint/2010/main" val="4259319880"/>
+      </p:ext>
+    </p:extLst>
+  </p:cSld>
+  <p:clrMapOvr>
+    <a:masterClrMapping/>
+  </p:clrMapOvr>
+  <p:timing>
+    <p:tnLst>
+      <p:par>
+        <p:cTn id="1" dur="indefinite" restart="never" nodeType="tmRoot"/>
+      </p:par>
+    </p:tnLst>
+  </p:timing>
+</p:sld>
+</file>
+
+<file path=ppt/slides/slide17.xml><?xml version="1.0" encoding="utf-8"?>
+<p:sld xmlns:a="http://schemas.openxmlformats.org/drawingml/2006/main" xmlns:r="http://schemas.openxmlformats.org/officeDocument/2006/relationships" xmlns:p="http://schemas.openxmlformats.org/presentationml/2006/main">
+  <p:cSld>
+    <p:spTree>
+      <p:nvGrpSpPr>
+        <p:cNvPr id="1" name=""/>
+        <p:cNvGrpSpPr/>
+        <p:nvPr/>
+      </p:nvGrpSpPr>
+      <p:grpSpPr>
+        <a:xfrm>
+          <a:off x="0" y="0"/>
+          <a:ext cx="0" cy="0"/>
+          <a:chOff x="0" y="0"/>
+          <a:chExt cx="0" cy="0"/>
+        </a:xfrm>
+      </p:grpSpPr>
+      <p:sp>
+        <p:nvSpPr>
+          <p:cNvPr id="2" name="Title 1"/>
+          <p:cNvSpPr>
+            <a:spLocks noGrp="1"/>
+          </p:cNvSpPr>
+          <p:nvPr>
+            <p:ph type="title"/>
+          </p:nvPr>
+        </p:nvSpPr>
+        <p:spPr/>
+        <p:txBody>
+          <a:bodyPr/>
+          <a:lstStyle/>
+          <a:p>
+            <a:r>
+              <a:rPr lang="en-US" dirty="0" smtClean="0"/>
+              <a:t>F# Machine Learning</a:t>
+            </a:r>
+            <a:endParaRPr lang="en-US" dirty="0"/>
+          </a:p>
+        </p:txBody>
+      </p:sp>
+      <p:sp>
+        <p:nvSpPr>
+          <p:cNvPr id="3" name="Content Placeholder 2"/>
+          <p:cNvSpPr>
+            <a:spLocks noGrp="1"/>
+          </p:cNvSpPr>
+          <p:nvPr>
+            <p:ph idx="1"/>
+          </p:nvPr>
+        </p:nvSpPr>
+        <p:spPr/>
+        <p:txBody>
+          <a:bodyPr/>
+          <a:lstStyle/>
+          <a:p>
+            <a:endParaRPr lang="en-US"/>
+          </a:p>
+        </p:txBody>
+      </p:sp>
+    </p:spTree>
+    <p:extLst>
+      <p:ext uri="{BB962C8B-B14F-4D97-AF65-F5344CB8AC3E}">
+        <p14:creationId xmlns:p14="http://schemas.microsoft.com/office/powerpoint/2010/main" val="2193488521"/>
+      </p:ext>
+    </p:extLst>
+  </p:cSld>
+  <p:clrMapOvr>
+    <a:masterClrMapping/>
+  </p:clrMapOvr>
+  <p:timing>
+    <p:tnLst>
+      <p:par>
+        <p:cTn id="1" dur="indefinite" restart="never" nodeType="tmRoot"/>
+      </p:par>
+    </p:tnLst>
+  </p:timing>
 </p:sld>
 </file>
 
@@ -3208,7 +9331,7 @@
           <a:p>
             <a:r>
               <a:rPr lang="en-US" dirty="0" smtClean="0"/>
-              <a:t>F# Overview</a:t>
+              <a:t>Agenda</a:t>
             </a:r>
             <a:endParaRPr lang="en-US" dirty="0"/>
           </a:p>
@@ -3231,35 +9354,45 @@
           <a:p>
             <a:r>
               <a:rPr lang="en-US" dirty="0" smtClean="0"/>
-              <a:t>Strongly Typed</a:t>
-            </a:r>
-          </a:p>
-          <a:p>
-            <a:r>
-              <a:rPr lang="en-US" dirty="0" smtClean="0"/>
-              <a:t>Functional-First.  Can Support OO and Imperative</a:t>
-            </a:r>
-          </a:p>
-          <a:p>
-            <a:r>
-              <a:rPr lang="en-US" dirty="0" err="1" smtClean="0"/>
-              <a:t>.Net</a:t>
-            </a:r>
-            <a:r>
-              <a:rPr lang="en-US" dirty="0" smtClean="0"/>
-              <a:t> language – interop with C# and VB.NET</a:t>
-            </a:r>
-          </a:p>
-          <a:p>
-            <a:r>
-              <a:rPr lang="en-US" dirty="0" smtClean="0"/>
-              <a:t>General Purpose, Open Sourced, and X-Plat  </a:t>
-            </a:r>
-          </a:p>
-          <a:p>
-            <a:r>
-              <a:rPr lang="en-US" dirty="0" smtClean="0"/>
-              <a:t>Created by MSFT Research in 2005.  Now version 4.x </a:t>
+              <a:t>Introductions</a:t>
+            </a:r>
+          </a:p>
+          <a:p>
+            <a:r>
+              <a:rPr lang="en-US" dirty="0" smtClean="0"/>
+              <a:t>F# Overview</a:t>
+            </a:r>
+          </a:p>
+          <a:p>
+            <a:r>
+              <a:rPr lang="en-US" dirty="0" smtClean="0"/>
+              <a:t>Type Providers</a:t>
+            </a:r>
+          </a:p>
+          <a:p>
+            <a:r>
+              <a:rPr lang="en-US" dirty="0" smtClean="0"/>
+              <a:t>Data Manipulations</a:t>
+            </a:r>
+          </a:p>
+          <a:p>
+            <a:r>
+              <a:rPr lang="en-US" dirty="0" smtClean="0"/>
+              <a:t>Choose Your Own Adventure</a:t>
+            </a:r>
+          </a:p>
+          <a:p>
+            <a:pPr lvl="1"/>
+            <a:r>
+              <a:rPr lang="en-US" dirty="0" smtClean="0"/>
+              <a:t>Data Validation</a:t>
+            </a:r>
+          </a:p>
+          <a:p>
+            <a:pPr lvl="1"/>
+            <a:r>
+              <a:rPr lang="en-US" dirty="0" smtClean="0"/>
+              <a:t>Machine Learning</a:t>
             </a:r>
             <a:endParaRPr lang="en-US" dirty="0"/>
           </a:p>
@@ -3268,13 +9401,20 @@
     </p:spTree>
     <p:extLst>
       <p:ext uri="{BB962C8B-B14F-4D97-AF65-F5344CB8AC3E}">
-        <p14:creationId xmlns:p14="http://schemas.microsoft.com/office/powerpoint/2010/main" val="3046902979"/>
+        <p14:creationId xmlns:p14="http://schemas.microsoft.com/office/powerpoint/2010/main" val="2540855934"/>
       </p:ext>
     </p:extLst>
   </p:cSld>
   <p:clrMapOvr>
     <a:masterClrMapping/>
   </p:clrMapOvr>
+  <p:timing>
+    <p:tnLst>
+      <p:par>
+        <p:cTn id="1" dur="indefinite" restart="never" nodeType="tmRoot"/>
+      </p:par>
+    </p:tnLst>
+  </p:timing>
 </p:sld>
 </file>
 
@@ -3312,7 +9452,7 @@
           <a:p>
             <a:r>
               <a:rPr lang="en-US" dirty="0" smtClean="0"/>
-              <a:t>F# Overview: Inferred Typing</a:t>
+              <a:t>Introductions</a:t>
             </a:r>
             <a:endParaRPr lang="en-US" dirty="0"/>
           </a:p>
@@ -3331,121 +9471,60 @@
         <p:spPr/>
         <p:txBody>
           <a:bodyPr>
-            <a:normAutofit fontScale="77500" lnSpcReduction="20000"/>
+            <a:normAutofit lnSpcReduction="10000"/>
           </a:bodyPr>
           <a:lstStyle/>
           <a:p>
             <a:r>
               <a:rPr lang="en-US" dirty="0" smtClean="0"/>
-              <a:t>Type system ensures correctness and prevents bug</a:t>
-            </a:r>
-          </a:p>
-          <a:p>
-            <a:r>
-              <a:rPr lang="en-US" dirty="0" smtClean="0"/>
-              <a:t>Inferred means compiler figures it out for you</a:t>
-            </a:r>
-          </a:p>
-          <a:p>
-            <a:pPr marL="400050" lvl="1" indent="0">
+              <a:t>Jamie</a:t>
+            </a:r>
+          </a:p>
+          <a:p>
+            <a:pPr marL="457200" lvl="1" indent="0">
               <a:buNone/>
             </a:pPr>
             <a:r>
               <a:rPr lang="en-US" dirty="0" smtClean="0"/>
-              <a:t>Person p = new Person(“Jamie”, 42, </a:t>
-            </a:r>
-            <a:r>
-              <a:rPr lang="en-US" dirty="0" err="1" smtClean="0"/>
-              <a:t>Gender.Male</a:t>
-            </a:r>
-            <a:r>
-              <a:rPr lang="en-US" dirty="0" smtClean="0"/>
-              <a:t>);</a:t>
-            </a:r>
-          </a:p>
-          <a:p>
-            <a:pPr marL="400050" lvl="1" indent="0">
+              <a:t>Software/Data Engineer.  Uses F# and Python.  (Occasional) Speaker.  Wrote Book on ML.  Lives in Cary NC</a:t>
+            </a:r>
+          </a:p>
+          <a:p>
+            <a:r>
+              <a:rPr lang="en-US" dirty="0" smtClean="0"/>
+              <a:t>Tom</a:t>
+            </a:r>
+          </a:p>
+          <a:p>
+            <a:pPr marL="457200" lvl="1" indent="0">
               <a:buNone/>
             </a:pPr>
             <a:r>
               <a:rPr lang="en-US" dirty="0" smtClean="0"/>
-              <a:t>p = Person(“Jamie”,42,Gender.MALE)</a:t>
-            </a:r>
-          </a:p>
-          <a:p>
-            <a:pPr marL="400050" lvl="1" indent="0">
+              <a:t>Awesome Dude</a:t>
+            </a:r>
+          </a:p>
+          <a:p>
+            <a:r>
+              <a:rPr lang="en-US" dirty="0" smtClean="0"/>
+              <a:t>You</a:t>
+            </a:r>
+          </a:p>
+          <a:p>
+            <a:pPr marL="457200" lvl="1" indent="0">
               <a:buNone/>
             </a:pPr>
             <a:r>
               <a:rPr lang="en-US" dirty="0" smtClean="0"/>
-              <a:t>let p = new Person(</a:t>
-            </a:r>
-            <a:r>
-              <a:rPr lang="en-US" dirty="0" smtClean="0"/>
-              <a:t>“Jamie”, 42, </a:t>
+              <a:t>Python Level?  Java/C#/</a:t>
             </a:r>
             <a:r>
               <a:rPr lang="en-US" dirty="0" err="1" smtClean="0"/>
-              <a:t>Gender.Male</a:t>
-            </a:r>
-            <a:r>
-              <a:rPr lang="en-US" dirty="0" smtClean="0"/>
-              <a:t>)</a:t>
-            </a:r>
-          </a:p>
-          <a:p>
-            <a:pPr marL="0" indent="0">
-              <a:buNone/>
-            </a:pPr>
-            <a:endParaRPr lang="en-US" dirty="0" smtClean="0"/>
-          </a:p>
-          <a:p>
-            <a:pPr marL="0" indent="0">
-              <a:buNone/>
-            </a:pPr>
-            <a:r>
-              <a:rPr lang="en-US" dirty="0" smtClean="0"/>
-              <a:t>Not just for data structures, everything is inferred and typed: arguments*, return values, functions</a:t>
-            </a:r>
-            <a:r>
-              <a:rPr lang="en-US" dirty="0"/>
-              <a:t> </a:t>
-            </a:r>
-            <a:r>
-              <a:rPr lang="en-US" dirty="0" smtClean="0"/>
-              <a:t>them selves, etc.. </a:t>
-            </a:r>
-          </a:p>
-          <a:p>
-            <a:pPr marL="0" indent="0">
-              <a:buNone/>
-            </a:pPr>
-            <a:endParaRPr lang="en-US" dirty="0"/>
-          </a:p>
-          <a:p>
-            <a:pPr marL="0" indent="0">
-              <a:buNone/>
-            </a:pPr>
-            <a:r>
-              <a:rPr lang="en-US" dirty="0" smtClean="0"/>
-              <a:t>*Sometimes the compiler can’t figure out what you are doing, so you need to give it a hint (</a:t>
-            </a:r>
-            <a:r>
-              <a:rPr lang="en-US" dirty="0" err="1" smtClean="0"/>
-              <a:t>myString:string</a:t>
-            </a:r>
-            <a:r>
-              <a:rPr lang="en-US" dirty="0" smtClean="0"/>
-              <a:t>)</a:t>
-            </a:r>
-          </a:p>
-          <a:p>
-            <a:pPr marL="0" indent="0">
-              <a:buNone/>
-            </a:pPr>
-            <a:r>
-              <a:rPr lang="en-US" dirty="0" smtClean="0"/>
-              <a:t>	</a:t>
+              <a:t>Javascript</a:t>
+            </a:r>
+            <a:r>
+              <a:rPr lang="en-US" dirty="0" smtClean="0"/>
+              <a:t> experience?  Functional Languages?  Developer/Data Scientist?</a:t>
             </a:r>
             <a:endParaRPr lang="en-US" dirty="0"/>
           </a:p>
@@ -3454,13 +9533,20 @@
     </p:spTree>
     <p:extLst>
       <p:ext uri="{BB962C8B-B14F-4D97-AF65-F5344CB8AC3E}">
-        <p14:creationId xmlns:p14="http://schemas.microsoft.com/office/powerpoint/2010/main" val="121708960"/>
+        <p14:creationId xmlns:p14="http://schemas.microsoft.com/office/powerpoint/2010/main" val="2329456768"/>
       </p:ext>
     </p:extLst>
   </p:cSld>
   <p:clrMapOvr>
     <a:masterClrMapping/>
   </p:clrMapOvr>
+  <p:timing>
+    <p:tnLst>
+      <p:par>
+        <p:cTn id="1" dur="indefinite" restart="never" nodeType="tmRoot"/>
+      </p:par>
+    </p:tnLst>
+  </p:timing>
 </p:sld>
 </file>
 
@@ -3498,6 +9584,314 @@
           <a:p>
             <a:r>
               <a:rPr lang="en-US" dirty="0" smtClean="0"/>
+              <a:t>F# Overview</a:t>
+            </a:r>
+            <a:endParaRPr lang="en-US" dirty="0"/>
+          </a:p>
+        </p:txBody>
+      </p:sp>
+      <p:sp>
+        <p:nvSpPr>
+          <p:cNvPr id="3" name="Content Placeholder 2"/>
+          <p:cNvSpPr>
+            <a:spLocks noGrp="1"/>
+          </p:cNvSpPr>
+          <p:nvPr>
+            <p:ph idx="1"/>
+          </p:nvPr>
+        </p:nvSpPr>
+        <p:spPr/>
+        <p:txBody>
+          <a:bodyPr/>
+          <a:lstStyle/>
+          <a:p>
+            <a:r>
+              <a:rPr lang="en-US" dirty="0" smtClean="0"/>
+              <a:t>Strongly Typed</a:t>
+            </a:r>
+          </a:p>
+          <a:p>
+            <a:r>
+              <a:rPr lang="en-US" dirty="0" smtClean="0"/>
+              <a:t>Functional-First.  Can Support OO and Imperative</a:t>
+            </a:r>
+          </a:p>
+          <a:p>
+            <a:r>
+              <a:rPr lang="en-US" dirty="0" err="1" smtClean="0"/>
+              <a:t>.Net</a:t>
+            </a:r>
+            <a:r>
+              <a:rPr lang="en-US" dirty="0" smtClean="0"/>
+              <a:t> language – interop with C# and VB.NET</a:t>
+            </a:r>
+          </a:p>
+          <a:p>
+            <a:r>
+              <a:rPr lang="en-US" dirty="0" smtClean="0"/>
+              <a:t>General Purpose, Open Sourced, and X-Plat  </a:t>
+            </a:r>
+          </a:p>
+          <a:p>
+            <a:r>
+              <a:rPr lang="en-US" dirty="0" smtClean="0"/>
+              <a:t>Created by MSFT Research in 2005 based on </a:t>
+            </a:r>
+            <a:r>
+              <a:rPr lang="en-US" dirty="0" err="1" smtClean="0"/>
+              <a:t>OCaml</a:t>
+            </a:r>
+            <a:r>
+              <a:rPr lang="en-US" dirty="0" smtClean="0"/>
+              <a:t>.  Now version 4.x </a:t>
+            </a:r>
+            <a:endParaRPr lang="en-US" dirty="0"/>
+          </a:p>
+        </p:txBody>
+      </p:sp>
+    </p:spTree>
+    <p:extLst>
+      <p:ext uri="{BB962C8B-B14F-4D97-AF65-F5344CB8AC3E}">
+        <p14:creationId xmlns:p14="http://schemas.microsoft.com/office/powerpoint/2010/main" val="3046902979"/>
+      </p:ext>
+    </p:extLst>
+  </p:cSld>
+  <p:clrMapOvr>
+    <a:masterClrMapping/>
+  </p:clrMapOvr>
+  <p:timing>
+    <p:tnLst>
+      <p:par>
+        <p:cTn id="1" dur="indefinite" restart="never" nodeType="tmRoot"/>
+      </p:par>
+    </p:tnLst>
+  </p:timing>
+</p:sld>
+</file>
+
+<file path=ppt/slides/slide5.xml><?xml version="1.0" encoding="utf-8"?>
+<p:sld xmlns:a="http://schemas.openxmlformats.org/drawingml/2006/main" xmlns:r="http://schemas.openxmlformats.org/officeDocument/2006/relationships" xmlns:p="http://schemas.openxmlformats.org/presentationml/2006/main">
+  <p:cSld>
+    <p:spTree>
+      <p:nvGrpSpPr>
+        <p:cNvPr id="1" name=""/>
+        <p:cNvGrpSpPr/>
+        <p:nvPr/>
+      </p:nvGrpSpPr>
+      <p:grpSpPr>
+        <a:xfrm>
+          <a:off x="0" y="0"/>
+          <a:ext cx="0" cy="0"/>
+          <a:chOff x="0" y="0"/>
+          <a:chExt cx="0" cy="0"/>
+        </a:xfrm>
+      </p:grpSpPr>
+      <p:sp>
+        <p:nvSpPr>
+          <p:cNvPr id="2" name="Title 1"/>
+          <p:cNvSpPr>
+            <a:spLocks noGrp="1"/>
+          </p:cNvSpPr>
+          <p:nvPr>
+            <p:ph type="title"/>
+          </p:nvPr>
+        </p:nvSpPr>
+        <p:spPr/>
+        <p:txBody>
+          <a:bodyPr/>
+          <a:lstStyle/>
+          <a:p>
+            <a:r>
+              <a:rPr lang="en-US" dirty="0" smtClean="0"/>
+              <a:t>F# Overview: Inferred Typing</a:t>
+            </a:r>
+            <a:endParaRPr lang="en-US" dirty="0"/>
+          </a:p>
+        </p:txBody>
+      </p:sp>
+      <p:sp>
+        <p:nvSpPr>
+          <p:cNvPr id="3" name="Content Placeholder 2"/>
+          <p:cNvSpPr>
+            <a:spLocks noGrp="1"/>
+          </p:cNvSpPr>
+          <p:nvPr>
+            <p:ph idx="1"/>
+          </p:nvPr>
+        </p:nvSpPr>
+        <p:spPr/>
+        <p:txBody>
+          <a:bodyPr>
+            <a:normAutofit fontScale="77500" lnSpcReduction="20000"/>
+          </a:bodyPr>
+          <a:lstStyle/>
+          <a:p>
+            <a:r>
+              <a:rPr lang="en-US" dirty="0" smtClean="0"/>
+              <a:t>Type system ensures correctness and prevents bug</a:t>
+            </a:r>
+          </a:p>
+          <a:p>
+            <a:r>
+              <a:rPr lang="en-US" dirty="0" smtClean="0"/>
+              <a:t>Inferred means compiler figures it out for you</a:t>
+            </a:r>
+          </a:p>
+          <a:p>
+            <a:pPr marL="400050" lvl="1" indent="0">
+              <a:buNone/>
+            </a:pPr>
+            <a:r>
+              <a:rPr lang="en-US" dirty="0" smtClean="0"/>
+              <a:t>Person p = new Person(“Jamie”, 42, </a:t>
+            </a:r>
+            <a:r>
+              <a:rPr lang="en-US" dirty="0" err="1" smtClean="0"/>
+              <a:t>Gender.Male</a:t>
+            </a:r>
+            <a:r>
+              <a:rPr lang="en-US" dirty="0" smtClean="0"/>
+              <a:t>);</a:t>
+            </a:r>
+          </a:p>
+          <a:p>
+            <a:pPr marL="400050" lvl="1" indent="0">
+              <a:buNone/>
+            </a:pPr>
+            <a:r>
+              <a:rPr lang="en-US" dirty="0" smtClean="0"/>
+              <a:t>p = Person(“Jamie”,42,Gender.MALE)</a:t>
+            </a:r>
+          </a:p>
+          <a:p>
+            <a:pPr marL="400050" lvl="1" indent="0">
+              <a:buNone/>
+            </a:pPr>
+            <a:r>
+              <a:rPr lang="en-US" dirty="0" smtClean="0"/>
+              <a:t>let p = new Person(“Jamie”, 42, </a:t>
+            </a:r>
+            <a:r>
+              <a:rPr lang="en-US" dirty="0" err="1" smtClean="0"/>
+              <a:t>Gender.Male</a:t>
+            </a:r>
+            <a:r>
+              <a:rPr lang="en-US" dirty="0" smtClean="0"/>
+              <a:t>)</a:t>
+            </a:r>
+          </a:p>
+          <a:p>
+            <a:pPr marL="0" indent="0">
+              <a:buNone/>
+            </a:pPr>
+            <a:endParaRPr lang="en-US" dirty="0" smtClean="0"/>
+          </a:p>
+          <a:p>
+            <a:pPr marL="0" indent="0">
+              <a:buNone/>
+            </a:pPr>
+            <a:r>
+              <a:rPr lang="en-US" dirty="0" smtClean="0"/>
+              <a:t>Not just for data structures, everything is inferred and typed: arguments*, return values, functions</a:t>
+            </a:r>
+            <a:r>
+              <a:rPr lang="en-US" dirty="0"/>
+              <a:t> </a:t>
+            </a:r>
+            <a:r>
+              <a:rPr lang="en-US" dirty="0" smtClean="0"/>
+              <a:t>them selves, etc.. </a:t>
+            </a:r>
+          </a:p>
+          <a:p>
+            <a:pPr marL="0" indent="0">
+              <a:buNone/>
+            </a:pPr>
+            <a:endParaRPr lang="en-US" dirty="0"/>
+          </a:p>
+          <a:p>
+            <a:pPr marL="0" indent="0">
+              <a:buNone/>
+            </a:pPr>
+            <a:r>
+              <a:rPr lang="en-US" dirty="0" smtClean="0"/>
+              <a:t>*Sometimes the compiler can’t figure out what you are doing, so you need to give it a hint (</a:t>
+            </a:r>
+            <a:r>
+              <a:rPr lang="en-US" dirty="0" err="1" smtClean="0"/>
+              <a:t>myString:string</a:t>
+            </a:r>
+            <a:r>
+              <a:rPr lang="en-US" dirty="0" smtClean="0"/>
+              <a:t>)</a:t>
+            </a:r>
+          </a:p>
+          <a:p>
+            <a:pPr marL="0" indent="0">
+              <a:buNone/>
+            </a:pPr>
+            <a:r>
+              <a:rPr lang="en-US" dirty="0" smtClean="0"/>
+              <a:t>	</a:t>
+            </a:r>
+            <a:endParaRPr lang="en-US" dirty="0"/>
+          </a:p>
+        </p:txBody>
+      </p:sp>
+    </p:spTree>
+    <p:extLst>
+      <p:ext uri="{BB962C8B-B14F-4D97-AF65-F5344CB8AC3E}">
+        <p14:creationId xmlns:p14="http://schemas.microsoft.com/office/powerpoint/2010/main" val="121708960"/>
+      </p:ext>
+    </p:extLst>
+  </p:cSld>
+  <p:clrMapOvr>
+    <a:masterClrMapping/>
+  </p:clrMapOvr>
+  <p:timing>
+    <p:tnLst>
+      <p:par>
+        <p:cTn id="1" dur="indefinite" restart="never" nodeType="tmRoot"/>
+      </p:par>
+    </p:tnLst>
+  </p:timing>
+</p:sld>
+</file>
+
+<file path=ppt/slides/slide6.xml><?xml version="1.0" encoding="utf-8"?>
+<p:sld xmlns:a="http://schemas.openxmlformats.org/drawingml/2006/main" xmlns:r="http://schemas.openxmlformats.org/officeDocument/2006/relationships" xmlns:p="http://schemas.openxmlformats.org/presentationml/2006/main">
+  <p:cSld>
+    <p:spTree>
+      <p:nvGrpSpPr>
+        <p:cNvPr id="1" name=""/>
+        <p:cNvGrpSpPr/>
+        <p:nvPr/>
+      </p:nvGrpSpPr>
+      <p:grpSpPr>
+        <a:xfrm>
+          <a:off x="0" y="0"/>
+          <a:ext cx="0" cy="0"/>
+          <a:chOff x="0" y="0"/>
+          <a:chExt cx="0" cy="0"/>
+        </a:xfrm>
+      </p:grpSpPr>
+      <p:sp>
+        <p:nvSpPr>
+          <p:cNvPr id="2" name="Title 1"/>
+          <p:cNvSpPr>
+            <a:spLocks noGrp="1"/>
+          </p:cNvSpPr>
+          <p:nvPr>
+            <p:ph type="title"/>
+          </p:nvPr>
+        </p:nvSpPr>
+        <p:spPr/>
+        <p:txBody>
+          <a:bodyPr/>
+          <a:lstStyle/>
+          <a:p>
+            <a:r>
+              <a:rPr lang="en-US" dirty="0" smtClean="0"/>
               <a:t>F# Overview: Immutable</a:t>
             </a:r>
             <a:endParaRPr lang="en-US" dirty="0"/>
@@ -3590,11 +9984,7 @@
             </a:r>
             <a:r>
               <a:rPr lang="en-US" dirty="0" err="1" smtClean="0"/>
-              <a:t>dog</a:t>
-            </a:r>
-            <a:r>
-              <a:rPr lang="en-US" dirty="0" err="1" smtClean="0"/>
-              <a:t>Names</a:t>
+              <a:t>dogNames</a:t>
             </a:r>
             <a:r>
               <a:rPr lang="en-US" dirty="0" smtClean="0"/>
@@ -3618,23 +10008,15 @@
           <a:p>
             <a:r>
               <a:rPr lang="en-US" dirty="0" err="1" smtClean="0"/>
-              <a:t>dog</a:t>
+              <a:t>dogNames</a:t>
+            </a:r>
+            <a:r>
+              <a:rPr lang="en-US" dirty="0" smtClean="0"/>
+              <a:t> = </a:t>
             </a:r>
             <a:r>
               <a:rPr lang="en-US" dirty="0" err="1" smtClean="0"/>
-              <a:t>Names</a:t>
-            </a:r>
-            <a:r>
-              <a:rPr lang="en-US" dirty="0" smtClean="0"/>
-              <a:t> = </a:t>
-            </a:r>
-            <a:r>
-              <a:rPr lang="en-US" dirty="0" err="1" smtClean="0"/>
-              <a:t>dog</a:t>
-            </a:r>
-            <a:r>
-              <a:rPr lang="en-US" dirty="0" err="1" smtClean="0"/>
-              <a:t>Names</a:t>
+              <a:t>dogNames</a:t>
             </a:r>
             <a:r>
               <a:rPr lang="en-US" dirty="0" smtClean="0"/>
@@ -3677,10 +10059,17 @@
   <p:clrMapOvr>
     <a:masterClrMapping/>
   </p:clrMapOvr>
+  <p:timing>
+    <p:tnLst>
+      <p:par>
+        <p:cTn id="1" dur="indefinite" restart="never" nodeType="tmRoot"/>
+      </p:par>
+    </p:tnLst>
+  </p:timing>
 </p:sld>
 </file>
 
-<file path=ppt/slides/slide5.xml><?xml version="1.0" encoding="utf-8"?>
+<file path=ppt/slides/slide7.xml><?xml version="1.0" encoding="utf-8"?>
 <p:sld xmlns:a="http://schemas.openxmlformats.org/drawingml/2006/main" xmlns:r="http://schemas.openxmlformats.org/officeDocument/2006/relationships" xmlns:p="http://schemas.openxmlformats.org/presentationml/2006/main">
   <p:cSld>
     <p:spTree>
@@ -3887,6 +10276,234 @@
   <p:clrMapOvr>
     <a:masterClrMapping/>
   </p:clrMapOvr>
+  <p:timing>
+    <p:tnLst>
+      <p:par>
+        <p:cTn id="1" dur="indefinite" restart="never" nodeType="tmRoot"/>
+      </p:par>
+    </p:tnLst>
+  </p:timing>
+</p:sld>
+</file>
+
+<file path=ppt/slides/slide8.xml><?xml version="1.0" encoding="utf-8"?>
+<p:sld xmlns:a="http://schemas.openxmlformats.org/drawingml/2006/main" xmlns:r="http://schemas.openxmlformats.org/officeDocument/2006/relationships" xmlns:p="http://schemas.openxmlformats.org/presentationml/2006/main">
+  <p:cSld>
+    <p:spTree>
+      <p:nvGrpSpPr>
+        <p:cNvPr id="1" name=""/>
+        <p:cNvGrpSpPr/>
+        <p:nvPr/>
+      </p:nvGrpSpPr>
+      <p:grpSpPr>
+        <a:xfrm>
+          <a:off x="0" y="0"/>
+          <a:ext cx="0" cy="0"/>
+          <a:chOff x="0" y="0"/>
+          <a:chExt cx="0" cy="0"/>
+        </a:xfrm>
+      </p:grpSpPr>
+      <p:sp>
+        <p:nvSpPr>
+          <p:cNvPr id="2" name="Title 1"/>
+          <p:cNvSpPr>
+            <a:spLocks noGrp="1"/>
+          </p:cNvSpPr>
+          <p:nvPr>
+            <p:ph type="title"/>
+          </p:nvPr>
+        </p:nvSpPr>
+        <p:spPr/>
+        <p:txBody>
+          <a:bodyPr/>
+          <a:lstStyle/>
+          <a:p>
+            <a:r>
+              <a:rPr lang="en-US" dirty="0" smtClean="0"/>
+              <a:t>F# Overview</a:t>
+            </a:r>
+            <a:endParaRPr lang="en-US" dirty="0"/>
+          </a:p>
+        </p:txBody>
+      </p:sp>
+      <p:sp>
+        <p:nvSpPr>
+          <p:cNvPr id="3" name="Content Placeholder 2"/>
+          <p:cNvSpPr>
+            <a:spLocks noGrp="1"/>
+          </p:cNvSpPr>
+          <p:nvPr>
+            <p:ph idx="1"/>
+          </p:nvPr>
+        </p:nvSpPr>
+        <p:spPr/>
+        <p:txBody>
+          <a:bodyPr/>
+          <a:lstStyle/>
+          <a:p>
+            <a:r>
+              <a:rPr lang="en-US" dirty="0" smtClean="0"/>
+              <a:t>&lt;demo /&gt;</a:t>
+            </a:r>
+            <a:endParaRPr lang="en-US" dirty="0"/>
+          </a:p>
+        </p:txBody>
+      </p:sp>
+    </p:spTree>
+    <p:extLst>
+      <p:ext uri="{BB962C8B-B14F-4D97-AF65-F5344CB8AC3E}">
+        <p14:creationId xmlns:p14="http://schemas.microsoft.com/office/powerpoint/2010/main" val="3874165088"/>
+      </p:ext>
+    </p:extLst>
+  </p:cSld>
+  <p:clrMapOvr>
+    <a:masterClrMapping/>
+  </p:clrMapOvr>
+  <p:timing>
+    <p:tnLst>
+      <p:par>
+        <p:cTn id="1" dur="indefinite" restart="never" nodeType="tmRoot"/>
+      </p:par>
+    </p:tnLst>
+  </p:timing>
+</p:sld>
+</file>
+
+<file path=ppt/slides/slide9.xml><?xml version="1.0" encoding="utf-8"?>
+<p:sld xmlns:a="http://schemas.openxmlformats.org/drawingml/2006/main" xmlns:r="http://schemas.openxmlformats.org/officeDocument/2006/relationships" xmlns:p="http://schemas.openxmlformats.org/presentationml/2006/main">
+  <p:cSld>
+    <p:spTree>
+      <p:nvGrpSpPr>
+        <p:cNvPr id="1" name=""/>
+        <p:cNvGrpSpPr/>
+        <p:nvPr/>
+      </p:nvGrpSpPr>
+      <p:grpSpPr>
+        <a:xfrm>
+          <a:off x="0" y="0"/>
+          <a:ext cx="0" cy="0"/>
+          <a:chOff x="0" y="0"/>
+          <a:chExt cx="0" cy="0"/>
+        </a:xfrm>
+      </p:grpSpPr>
+      <p:sp>
+        <p:nvSpPr>
+          <p:cNvPr id="2" name="Title 1"/>
+          <p:cNvSpPr>
+            <a:spLocks noGrp="1"/>
+          </p:cNvSpPr>
+          <p:nvPr>
+            <p:ph type="title"/>
+          </p:nvPr>
+        </p:nvSpPr>
+        <p:spPr/>
+        <p:txBody>
+          <a:bodyPr/>
+          <a:lstStyle/>
+          <a:p>
+            <a:r>
+              <a:rPr lang="en-US" dirty="0" smtClean="0"/>
+              <a:t>F# Type Providers</a:t>
+            </a:r>
+            <a:endParaRPr lang="en-US" dirty="0"/>
+          </a:p>
+        </p:txBody>
+      </p:sp>
+      <p:sp>
+        <p:nvSpPr>
+          <p:cNvPr id="3" name="Content Placeholder 2"/>
+          <p:cNvSpPr>
+            <a:spLocks noGrp="1"/>
+          </p:cNvSpPr>
+          <p:nvPr>
+            <p:ph idx="1"/>
+          </p:nvPr>
+        </p:nvSpPr>
+        <p:spPr/>
+        <p:txBody>
+          <a:bodyPr/>
+          <a:lstStyle/>
+          <a:p>
+            <a:r>
+              <a:rPr lang="en-US" dirty="0" smtClean="0"/>
+              <a:t>Like Python csv, json, </a:t>
+            </a:r>
+            <a:r>
+              <a:rPr lang="en-US" dirty="0" err="1" smtClean="0"/>
+              <a:t>sql</a:t>
+            </a:r>
+            <a:r>
+              <a:rPr lang="en-US" dirty="0" smtClean="0"/>
+              <a:t> modules, can import data from a variety of sources</a:t>
+            </a:r>
+          </a:p>
+          <a:p>
+            <a:r>
+              <a:rPr lang="en-US" dirty="0" smtClean="0"/>
+              <a:t>Unlike Python, it is unified and standardized</a:t>
+            </a:r>
+          </a:p>
+          <a:p>
+            <a:r>
+              <a:rPr lang="en-US" dirty="0" smtClean="0"/>
+              <a:t>Data is typed on read </a:t>
+            </a:r>
+          </a:p>
+          <a:p>
+            <a:pPr marL="457200" lvl="1" indent="0">
+              <a:buNone/>
+            </a:pPr>
+            <a:r>
+              <a:rPr lang="en-US" dirty="0" smtClean="0"/>
+              <a:t>– no casting needed</a:t>
+            </a:r>
+          </a:p>
+          <a:p>
+            <a:pPr lvl="1"/>
+            <a:r>
+              <a:rPr lang="en-US" dirty="0" smtClean="0"/>
+              <a:t>Can walk the object graph</a:t>
+            </a:r>
+          </a:p>
+          <a:p>
+            <a:r>
+              <a:rPr lang="en-US" dirty="0" smtClean="0"/>
+              <a:t>Data is validated on read (or not)</a:t>
+            </a:r>
+          </a:p>
+          <a:p>
+            <a:r>
+              <a:rPr lang="en-US" dirty="0" smtClean="0"/>
+              <a:t>Most are in </a:t>
+            </a:r>
+            <a:r>
+              <a:rPr lang="en-US" dirty="0" err="1" smtClean="0"/>
+              <a:t>FSharp.Data</a:t>
+            </a:r>
+            <a:endParaRPr lang="en-US" dirty="0" smtClean="0"/>
+          </a:p>
+          <a:p>
+            <a:endParaRPr lang="en-US" dirty="0"/>
+          </a:p>
+        </p:txBody>
+      </p:sp>
+    </p:spTree>
+    <p:extLst>
+      <p:ext uri="{BB962C8B-B14F-4D97-AF65-F5344CB8AC3E}">
+        <p14:creationId xmlns:p14="http://schemas.microsoft.com/office/powerpoint/2010/main" val="4203430150"/>
+      </p:ext>
+    </p:extLst>
+  </p:cSld>
+  <p:clrMapOvr>
+    <a:masterClrMapping/>
+  </p:clrMapOvr>
+  <p:timing>
+    <p:tnLst>
+      <p:par>
+        <p:cTn id="1" dur="indefinite" restart="never" nodeType="tmRoot"/>
+      </p:par>
+    </p:tnLst>
+  </p:timing>
 </p:sld>
 </file>
 
@@ -4173,4 +10790,265 @@
   <a:objectDefaults/>
   <a:extraClrSchemeLst/>
 </a:theme>
+</file>
+
+<file path=ppt/theme/theme2.xml><?xml version="1.0" encoding="utf-8"?>
+<a:theme xmlns:a="http://schemas.openxmlformats.org/drawingml/2006/main" name="Office Theme">
+  <a:themeElements>
+    <a:clrScheme name="Office">
+      <a:dk1>
+        <a:sysClr val="windowText" lastClr="000000"/>
+      </a:dk1>
+      <a:lt1>
+        <a:sysClr val="window" lastClr="FFFFFF"/>
+      </a:lt1>
+      <a:dk2>
+        <a:srgbClr val="44546A"/>
+      </a:dk2>
+      <a:lt2>
+        <a:srgbClr val="E7E6E6"/>
+      </a:lt2>
+      <a:accent1>
+        <a:srgbClr val="5B9BD5"/>
+      </a:accent1>
+      <a:accent2>
+        <a:srgbClr val="ED7D31"/>
+      </a:accent2>
+      <a:accent3>
+        <a:srgbClr val="A5A5A5"/>
+      </a:accent3>
+      <a:accent4>
+        <a:srgbClr val="FFC000"/>
+      </a:accent4>
+      <a:accent5>
+        <a:srgbClr val="4472C4"/>
+      </a:accent5>
+      <a:accent6>
+        <a:srgbClr val="70AD47"/>
+      </a:accent6>
+      <a:hlink>
+        <a:srgbClr val="0563C1"/>
+      </a:hlink>
+      <a:folHlink>
+        <a:srgbClr val="954F72"/>
+      </a:folHlink>
+    </a:clrScheme>
+    <a:fontScheme name="Office">
+      <a:majorFont>
+        <a:latin typeface="Calibri Light" panose="020F0302020204030204"/>
+        <a:ea typeface=""/>
+        <a:cs typeface=""/>
+        <a:font script="Jpan" typeface="ＭＳ Ｐゴシック"/>
+        <a:font script="Hang" typeface="맑은 고딕"/>
+        <a:font script="Hans" typeface="宋体"/>
+        <a:font script="Hant" typeface="新細明體"/>
+        <a:font script="Arab" typeface="Times New Roman"/>
+        <a:font script="Hebr" typeface="Times New Roman"/>
+        <a:font script="Thai" typeface="Angsana New"/>
+        <a:font script="Ethi" typeface="Nyala"/>
+        <a:font script="Beng" typeface="Vrinda"/>
+        <a:font script="Gujr" typeface="Shruti"/>
+        <a:font script="Khmr" typeface="MoolBoran"/>
+        <a:font script="Knda" typeface="Tunga"/>
+        <a:font script="Guru" typeface="Raavi"/>
+        <a:font script="Cans" typeface="Euphemia"/>
+        <a:font script="Cher" typeface="Plantagenet Cherokee"/>
+        <a:font script="Yiii" typeface="Microsoft Yi Baiti"/>
+        <a:font script="Tibt" typeface="Microsoft Himalaya"/>
+        <a:font script="Thaa" typeface="MV Boli"/>
+        <a:font script="Deva" typeface="Mangal"/>
+        <a:font script="Telu" typeface="Gautami"/>
+        <a:font script="Taml" typeface="Latha"/>
+        <a:font script="Syrc" typeface="Estrangelo Edessa"/>
+        <a:font script="Orya" typeface="Kalinga"/>
+        <a:font script="Mlym" typeface="Kartika"/>
+        <a:font script="Laoo" typeface="DokChampa"/>
+        <a:font script="Sinh" typeface="Iskoola Pota"/>
+        <a:font script="Mong" typeface="Mongolian Baiti"/>
+        <a:font script="Viet" typeface="Times New Roman"/>
+        <a:font script="Uigh" typeface="Microsoft Uighur"/>
+        <a:font script="Geor" typeface="Sylfaen"/>
+      </a:majorFont>
+      <a:minorFont>
+        <a:latin typeface="Calibri" panose="020F0502020204030204"/>
+        <a:ea typeface=""/>
+        <a:cs typeface=""/>
+        <a:font script="Jpan" typeface="ＭＳ Ｐゴシック"/>
+        <a:font script="Hang" typeface="맑은 고딕"/>
+        <a:font script="Hans" typeface="宋体"/>
+        <a:font script="Hant" typeface="新細明體"/>
+        <a:font script="Arab" typeface="Arial"/>
+        <a:font script="Hebr" typeface="Arial"/>
+        <a:font script="Thai" typeface="Cordia New"/>
+        <a:font script="Ethi" typeface="Nyala"/>
+        <a:font script="Beng" typeface="Vrinda"/>
+        <a:font script="Gujr" typeface="Shruti"/>
+        <a:font script="Khmr" typeface="DaunPenh"/>
+        <a:font script="Knda" typeface="Tunga"/>
+        <a:font script="Guru" typeface="Raavi"/>
+        <a:font script="Cans" typeface="Euphemia"/>
+        <a:font script="Cher" typeface="Plantagenet Cherokee"/>
+        <a:font script="Yiii" typeface="Microsoft Yi Baiti"/>
+        <a:font script="Tibt" typeface="Microsoft Himalaya"/>
+        <a:font script="Thaa" typeface="MV Boli"/>
+        <a:font script="Deva" typeface="Mangal"/>
+        <a:font script="Telu" typeface="Gautami"/>
+        <a:font script="Taml" typeface="Latha"/>
+        <a:font script="Syrc" typeface="Estrangelo Edessa"/>
+        <a:font script="Orya" typeface="Kalinga"/>
+        <a:font script="Mlym" typeface="Kartika"/>
+        <a:font script="Laoo" typeface="DokChampa"/>
+        <a:font script="Sinh" typeface="Iskoola Pota"/>
+        <a:font script="Mong" typeface="Mongolian Baiti"/>
+        <a:font script="Viet" typeface="Arial"/>
+        <a:font script="Uigh" typeface="Microsoft Uighur"/>
+        <a:font script="Geor" typeface="Sylfaen"/>
+      </a:minorFont>
+    </a:fontScheme>
+    <a:fmtScheme name="Office">
+      <a:fillStyleLst>
+        <a:solidFill>
+          <a:schemeClr val="phClr"/>
+        </a:solidFill>
+        <a:gradFill rotWithShape="1">
+          <a:gsLst>
+            <a:gs pos="0">
+              <a:schemeClr val="phClr">
+                <a:lumMod val="110000"/>
+                <a:satMod val="105000"/>
+                <a:tint val="67000"/>
+              </a:schemeClr>
+            </a:gs>
+            <a:gs pos="50000">
+              <a:schemeClr val="phClr">
+                <a:lumMod val="105000"/>
+                <a:satMod val="103000"/>
+                <a:tint val="73000"/>
+              </a:schemeClr>
+            </a:gs>
+            <a:gs pos="100000">
+              <a:schemeClr val="phClr">
+                <a:lumMod val="105000"/>
+                <a:satMod val="109000"/>
+                <a:tint val="81000"/>
+              </a:schemeClr>
+            </a:gs>
+          </a:gsLst>
+          <a:lin ang="5400000" scaled="0"/>
+        </a:gradFill>
+        <a:gradFill rotWithShape="1">
+          <a:gsLst>
+            <a:gs pos="0">
+              <a:schemeClr val="phClr">
+                <a:satMod val="103000"/>
+                <a:lumMod val="102000"/>
+                <a:tint val="94000"/>
+              </a:schemeClr>
+            </a:gs>
+            <a:gs pos="50000">
+              <a:schemeClr val="phClr">
+                <a:satMod val="110000"/>
+                <a:lumMod val="100000"/>
+                <a:shade val="100000"/>
+              </a:schemeClr>
+            </a:gs>
+            <a:gs pos="100000">
+              <a:schemeClr val="phClr">
+                <a:lumMod val="99000"/>
+                <a:satMod val="120000"/>
+                <a:shade val="78000"/>
+              </a:schemeClr>
+            </a:gs>
+          </a:gsLst>
+          <a:lin ang="5400000" scaled="0"/>
+        </a:gradFill>
+      </a:fillStyleLst>
+      <a:lnStyleLst>
+        <a:ln w="6350" cap="flat" cmpd="sng" algn="ctr">
+          <a:solidFill>
+            <a:schemeClr val="phClr"/>
+          </a:solidFill>
+          <a:prstDash val="solid"/>
+          <a:miter lim="800000"/>
+        </a:ln>
+        <a:ln w="12700" cap="flat" cmpd="sng" algn="ctr">
+          <a:solidFill>
+            <a:schemeClr val="phClr"/>
+          </a:solidFill>
+          <a:prstDash val="solid"/>
+          <a:miter lim="800000"/>
+        </a:ln>
+        <a:ln w="19050" cap="flat" cmpd="sng" algn="ctr">
+          <a:solidFill>
+            <a:schemeClr val="phClr"/>
+          </a:solidFill>
+          <a:prstDash val="solid"/>
+          <a:miter lim="800000"/>
+        </a:ln>
+      </a:lnStyleLst>
+      <a:effectStyleLst>
+        <a:effectStyle>
+          <a:effectLst/>
+        </a:effectStyle>
+        <a:effectStyle>
+          <a:effectLst/>
+        </a:effectStyle>
+        <a:effectStyle>
+          <a:effectLst>
+            <a:outerShdw blurRad="57150" dist="19050" dir="5400000" algn="ctr" rotWithShape="0">
+              <a:srgbClr val="000000">
+                <a:alpha val="63000"/>
+              </a:srgbClr>
+            </a:outerShdw>
+          </a:effectLst>
+        </a:effectStyle>
+      </a:effectStyleLst>
+      <a:bgFillStyleLst>
+        <a:solidFill>
+          <a:schemeClr val="phClr"/>
+        </a:solidFill>
+        <a:solidFill>
+          <a:schemeClr val="phClr">
+            <a:tint val="95000"/>
+            <a:satMod val="170000"/>
+          </a:schemeClr>
+        </a:solidFill>
+        <a:gradFill rotWithShape="1">
+          <a:gsLst>
+            <a:gs pos="0">
+              <a:schemeClr val="phClr">
+                <a:tint val="93000"/>
+                <a:satMod val="150000"/>
+                <a:shade val="98000"/>
+                <a:lumMod val="102000"/>
+              </a:schemeClr>
+            </a:gs>
+            <a:gs pos="50000">
+              <a:schemeClr val="phClr">
+                <a:tint val="98000"/>
+                <a:satMod val="130000"/>
+                <a:shade val="90000"/>
+                <a:lumMod val="103000"/>
+              </a:schemeClr>
+            </a:gs>
+            <a:gs pos="100000">
+              <a:schemeClr val="phClr">
+                <a:shade val="63000"/>
+                <a:satMod val="120000"/>
+              </a:schemeClr>
+            </a:gs>
+          </a:gsLst>
+          <a:lin ang="5400000" scaled="0"/>
+        </a:gradFill>
+      </a:bgFillStyleLst>
+    </a:fmtScheme>
+  </a:themeElements>
+  <a:objectDefaults/>
+  <a:extraClrSchemeLst/>
+  <a:extLst>
+    <a:ext uri="{05A4C25C-085E-4340-85A3-A5531E510DB2}">
+      <thm15:themeFamily xmlns:thm15="http://schemas.microsoft.com/office/thememl/2012/main" name="Office Theme" id="{62F939B6-93AF-4DB8-9C6B-D6C7DFDC589F}" vid="{4A3C46E8-61CC-4603-A589-7422A47A8E4A}"/>
+    </a:ext>
+  </a:extLst>
+</a:theme>
 </file>
--- a/presentation/FSharpForData.pptx
+++ b/presentation/FSharpForData.pptx
@@ -5,7 +5,7 @@
     <p:sldMasterId id="2147483648" r:id="rId1"/>
   </p:sldMasterIdLst>
   <p:notesMasterIdLst>
-    <p:notesMasterId r:id="rId19"/>
+    <p:notesMasterId r:id="rId22"/>
   </p:notesMasterIdLst>
   <p:sldIdLst>
     <p:sldId id="256" r:id="rId2"/>
@@ -24,7 +24,10 @@
     <p:sldId id="270" r:id="rId15"/>
     <p:sldId id="269" r:id="rId16"/>
     <p:sldId id="271" r:id="rId17"/>
-    <p:sldId id="272" r:id="rId18"/>
+    <p:sldId id="273" r:id="rId18"/>
+    <p:sldId id="274" r:id="rId19"/>
+    <p:sldId id="272" r:id="rId20"/>
+    <p:sldId id="275" r:id="rId21"/>
   </p:sldIdLst>
   <p:sldSz cx="9144000" cy="6858000" type="screen4x3"/>
   <p:notesSz cx="6858000" cy="9144000"/>
@@ -921,6 +924,94 @@
     <p:extLst>
       <p:ext uri="{BB962C8B-B14F-4D97-AF65-F5344CB8AC3E}">
         <p14:creationId xmlns:p14="http://schemas.microsoft.com/office/powerpoint/2010/main" val="143870217"/>
+      </p:ext>
+    </p:extLst>
+  </p:cSld>
+  <p:clrMapOvr>
+    <a:masterClrMapping/>
+  </p:clrMapOvr>
+</p:notes>
+</file>
+
+<file path=ppt/notesSlides/notesSlide6.xml><?xml version="1.0" encoding="utf-8"?>
+<p:notes xmlns:a="http://schemas.openxmlformats.org/drawingml/2006/main" xmlns:r="http://schemas.openxmlformats.org/officeDocument/2006/relationships" xmlns:p="http://schemas.openxmlformats.org/presentationml/2006/main">
+  <p:cSld>
+    <p:spTree>
+      <p:nvGrpSpPr>
+        <p:cNvPr id="1" name=""/>
+        <p:cNvGrpSpPr/>
+        <p:nvPr/>
+      </p:nvGrpSpPr>
+      <p:grpSpPr>
+        <a:xfrm>
+          <a:off x="0" y="0"/>
+          <a:ext cx="0" cy="0"/>
+          <a:chOff x="0" y="0"/>
+          <a:chExt cx="0" cy="0"/>
+        </a:xfrm>
+      </p:grpSpPr>
+      <p:sp>
+        <p:nvSpPr>
+          <p:cNvPr id="2" name="Slide Image Placeholder 1"/>
+          <p:cNvSpPr>
+            <a:spLocks noGrp="1" noRot="1" noChangeAspect="1"/>
+          </p:cNvSpPr>
+          <p:nvPr>
+            <p:ph type="sldImg"/>
+          </p:nvPr>
+        </p:nvSpPr>
+        <p:spPr/>
+      </p:sp>
+      <p:sp>
+        <p:nvSpPr>
+          <p:cNvPr id="3" name="Notes Placeholder 2"/>
+          <p:cNvSpPr>
+            <a:spLocks noGrp="1"/>
+          </p:cNvSpPr>
+          <p:nvPr>
+            <p:ph type="body" idx="1"/>
+          </p:nvPr>
+        </p:nvSpPr>
+        <p:spPr/>
+        <p:txBody>
+          <a:bodyPr/>
+          <a:lstStyle/>
+          <a:p>
+            <a:r>
+              <a:rPr lang="en-US" dirty="0" smtClean="0"/>
+              <a:t>	</a:t>
+            </a:r>
+            <a:endParaRPr lang="en-US" dirty="0"/>
+          </a:p>
+        </p:txBody>
+      </p:sp>
+      <p:sp>
+        <p:nvSpPr>
+          <p:cNvPr id="4" name="Slide Number Placeholder 3"/>
+          <p:cNvSpPr>
+            <a:spLocks noGrp="1"/>
+          </p:cNvSpPr>
+          <p:nvPr>
+            <p:ph type="sldNum" sz="quarter" idx="10"/>
+          </p:nvPr>
+        </p:nvSpPr>
+        <p:spPr/>
+        <p:txBody>
+          <a:bodyPr/>
+          <a:lstStyle/>
+          <a:p>
+            <a:fld id="{D75A7751-7E30-4280-9E3F-A01BED18EA9F}" type="slidenum">
+              <a:rPr lang="en-US" smtClean="0"/>
+              <a:t>18</a:t>
+            </a:fld>
+            <a:endParaRPr lang="en-US"/>
+          </a:p>
+        </p:txBody>
+      </p:sp>
+    </p:spTree>
+    <p:extLst>
+      <p:ext uri="{BB962C8B-B14F-4D97-AF65-F5344CB8AC3E}">
+        <p14:creationId xmlns:p14="http://schemas.microsoft.com/office/powerpoint/2010/main" val="3148818420"/>
       </p:ext>
     </p:extLst>
   </p:cSld>
@@ -9194,7 +9285,35 @@
           <a:bodyPr/>
           <a:lstStyle/>
           <a:p>
-            <a:endParaRPr lang="en-US"/>
+            <a:r>
+              <a:rPr lang="en-US" dirty="0" smtClean="0"/>
+              <a:t>Monads are a great way to control side-effects and reduce errors in your code</a:t>
+            </a:r>
+          </a:p>
+          <a:p>
+            <a:r>
+              <a:rPr lang="en-US" dirty="0" smtClean="0"/>
+              <a:t>“Learn You Some Haskell” is a great book to get an in-depth understanding of them</a:t>
+            </a:r>
+          </a:p>
+          <a:p>
+            <a:r>
+              <a:rPr lang="en-US" dirty="0" smtClean="0"/>
+              <a:t>We are using the Bind Monad to handle control of flow</a:t>
+            </a:r>
+          </a:p>
+          <a:p>
+            <a:endParaRPr lang="en-US" dirty="0"/>
+          </a:p>
+          <a:p>
+            <a:pPr marL="0" indent="0">
+              <a:buNone/>
+            </a:pPr>
+            <a:r>
+              <a:rPr lang="en-US" i="1" dirty="0"/>
+              <a:t>https://fsharpforfunandprofit.com/rop/</a:t>
+            </a:r>
+            <a:endParaRPr lang="en-US" i="1" dirty="0"/>
           </a:p>
         </p:txBody>
       </p:sp>
@@ -9245,16 +9364,20 @@
             <p:ph type="title"/>
           </p:nvPr>
         </p:nvSpPr>
-        <p:spPr/>
+        <p:spPr>
+          <a:xfrm>
+            <a:off x="457200" y="258596"/>
+            <a:ext cx="8229600" cy="1143000"/>
+          </a:xfrm>
+        </p:spPr>
         <p:txBody>
           <a:bodyPr/>
           <a:lstStyle/>
           <a:p>
             <a:r>
-              <a:rPr lang="en-US" dirty="0" smtClean="0"/>
-              <a:t>F# Machine Learning</a:t>
-            </a:r>
-            <a:endParaRPr lang="en-US" dirty="0"/>
+              <a:rPr lang="en-US" dirty="0"/>
+              <a:t>F# Data Validation</a:t>
+            </a:r>
           </a:p>
         </p:txBody>
       </p:sp>
@@ -9268,12 +9391,1346 @@
             <p:ph idx="1"/>
           </p:nvPr>
         </p:nvSpPr>
+        <p:spPr>
+          <a:xfrm>
+            <a:off x="457200" y="1483262"/>
+            <a:ext cx="8229600" cy="1066800"/>
+          </a:xfrm>
+        </p:spPr>
+        <p:txBody>
+          <a:bodyPr>
+            <a:normAutofit fontScale="77500" lnSpcReduction="20000"/>
+          </a:bodyPr>
+          <a:lstStyle/>
+          <a:p>
+            <a:r>
+              <a:rPr lang="en-US" dirty="0" smtClean="0"/>
+              <a:t>In OO, methods branch and then return on the happy path while exceptions are thrown to “short circuit” control of flow</a:t>
+            </a:r>
+            <a:endParaRPr lang="en-US" dirty="0"/>
+          </a:p>
+        </p:txBody>
+      </p:sp>
+      <p:sp>
+        <p:nvSpPr>
+          <p:cNvPr id="4" name="Rectangle 3"/>
+          <p:cNvSpPr/>
+          <p:nvPr/>
+        </p:nvSpPr>
+        <p:spPr>
+          <a:xfrm>
+            <a:off x="972766" y="3902411"/>
+            <a:ext cx="1066800" cy="914400"/>
+          </a:xfrm>
+          <a:prstGeom prst="rect">
+            <a:avLst/>
+          </a:prstGeom>
+        </p:spPr>
+        <p:style>
+          <a:lnRef idx="2">
+            <a:schemeClr val="accent1">
+              <a:shade val="50000"/>
+            </a:schemeClr>
+          </a:lnRef>
+          <a:fillRef idx="1">
+            <a:schemeClr val="accent1"/>
+          </a:fillRef>
+          <a:effectRef idx="0">
+            <a:schemeClr val="accent1"/>
+          </a:effectRef>
+          <a:fontRef idx="minor">
+            <a:schemeClr val="lt1"/>
+          </a:fontRef>
+        </p:style>
+        <p:txBody>
+          <a:bodyPr rtlCol="0" anchor="ctr"/>
+          <a:lstStyle/>
+          <a:p>
+            <a:pPr algn="ctr"/>
+            <a:r>
+              <a:rPr lang="en-US" dirty="0" smtClean="0"/>
+              <a:t>Method 1</a:t>
+            </a:r>
+            <a:endParaRPr lang="en-US" dirty="0"/>
+          </a:p>
+        </p:txBody>
+      </p:sp>
+      <p:sp>
+        <p:nvSpPr>
+          <p:cNvPr id="5" name="Right Arrow 4"/>
+          <p:cNvSpPr/>
+          <p:nvPr/>
+        </p:nvSpPr>
+        <p:spPr>
+          <a:xfrm>
+            <a:off x="2191966" y="3921866"/>
+            <a:ext cx="762000" cy="408562"/>
+          </a:xfrm>
+          <a:prstGeom prst="rightArrow">
+            <a:avLst/>
+          </a:prstGeom>
+          <a:solidFill>
+            <a:srgbClr val="00B050"/>
+          </a:solidFill>
+        </p:spPr>
+        <p:style>
+          <a:lnRef idx="2">
+            <a:schemeClr val="accent1">
+              <a:shade val="50000"/>
+            </a:schemeClr>
+          </a:lnRef>
+          <a:fillRef idx="1">
+            <a:schemeClr val="accent1"/>
+          </a:fillRef>
+          <a:effectRef idx="0">
+            <a:schemeClr val="accent1"/>
+          </a:effectRef>
+          <a:fontRef idx="minor">
+            <a:schemeClr val="lt1"/>
+          </a:fontRef>
+        </p:style>
+        <p:txBody>
+          <a:bodyPr rtlCol="0" anchor="ctr"/>
+          <a:lstStyle/>
+          <a:p>
+            <a:pPr algn="ctr"/>
+            <a:endParaRPr lang="en-US">
+              <a:solidFill>
+                <a:srgbClr val="00B050"/>
+              </a:solidFill>
+            </a:endParaRPr>
+          </a:p>
+        </p:txBody>
+      </p:sp>
+      <p:sp>
+        <p:nvSpPr>
+          <p:cNvPr id="6" name="Rectangle 5"/>
+          <p:cNvSpPr/>
+          <p:nvPr/>
+        </p:nvSpPr>
+        <p:spPr>
+          <a:xfrm>
+            <a:off x="3106366" y="3873228"/>
+            <a:ext cx="1066800" cy="914400"/>
+          </a:xfrm>
+          <a:prstGeom prst="rect">
+            <a:avLst/>
+          </a:prstGeom>
+        </p:spPr>
+        <p:style>
+          <a:lnRef idx="2">
+            <a:schemeClr val="accent1">
+              <a:shade val="50000"/>
+            </a:schemeClr>
+          </a:lnRef>
+          <a:fillRef idx="1">
+            <a:schemeClr val="accent1"/>
+          </a:fillRef>
+          <a:effectRef idx="0">
+            <a:schemeClr val="accent1"/>
+          </a:effectRef>
+          <a:fontRef idx="minor">
+            <a:schemeClr val="lt1"/>
+          </a:fontRef>
+        </p:style>
+        <p:txBody>
+          <a:bodyPr rtlCol="0" anchor="ctr"/>
+          <a:lstStyle/>
+          <a:p>
+            <a:pPr algn="ctr"/>
+            <a:r>
+              <a:rPr lang="en-US" dirty="0" smtClean="0"/>
+              <a:t>Method 2</a:t>
+            </a:r>
+            <a:endParaRPr lang="en-US" dirty="0"/>
+          </a:p>
+        </p:txBody>
+      </p:sp>
+      <p:sp>
+        <p:nvSpPr>
+          <p:cNvPr id="7" name="Right Arrow 6"/>
+          <p:cNvSpPr/>
+          <p:nvPr/>
+        </p:nvSpPr>
+        <p:spPr>
+          <a:xfrm>
+            <a:off x="4343400" y="3921866"/>
+            <a:ext cx="762000" cy="408562"/>
+          </a:xfrm>
+          <a:prstGeom prst="rightArrow">
+            <a:avLst/>
+          </a:prstGeom>
+          <a:solidFill>
+            <a:srgbClr val="00B050"/>
+          </a:solidFill>
+        </p:spPr>
+        <p:style>
+          <a:lnRef idx="2">
+            <a:schemeClr val="accent1">
+              <a:shade val="50000"/>
+            </a:schemeClr>
+          </a:lnRef>
+          <a:fillRef idx="1">
+            <a:schemeClr val="accent1"/>
+          </a:fillRef>
+          <a:effectRef idx="0">
+            <a:schemeClr val="accent1"/>
+          </a:effectRef>
+          <a:fontRef idx="minor">
+            <a:schemeClr val="lt1"/>
+          </a:fontRef>
+        </p:style>
+        <p:txBody>
+          <a:bodyPr rtlCol="0" anchor="ctr"/>
+          <a:lstStyle/>
+          <a:p>
+            <a:pPr algn="ctr"/>
+            <a:endParaRPr lang="en-US">
+              <a:solidFill>
+                <a:srgbClr val="00B050"/>
+              </a:solidFill>
+            </a:endParaRPr>
+          </a:p>
+        </p:txBody>
+      </p:sp>
+      <p:sp>
+        <p:nvSpPr>
+          <p:cNvPr id="8" name="Rectangle 7"/>
+          <p:cNvSpPr/>
+          <p:nvPr/>
+        </p:nvSpPr>
+        <p:spPr>
+          <a:xfrm>
+            <a:off x="5257800" y="3873228"/>
+            <a:ext cx="1066800" cy="914400"/>
+          </a:xfrm>
+          <a:prstGeom prst="rect">
+            <a:avLst/>
+          </a:prstGeom>
+        </p:spPr>
+        <p:style>
+          <a:lnRef idx="2">
+            <a:schemeClr val="accent1">
+              <a:shade val="50000"/>
+            </a:schemeClr>
+          </a:lnRef>
+          <a:fillRef idx="1">
+            <a:schemeClr val="accent1"/>
+          </a:fillRef>
+          <a:effectRef idx="0">
+            <a:schemeClr val="accent1"/>
+          </a:effectRef>
+          <a:fontRef idx="minor">
+            <a:schemeClr val="lt1"/>
+          </a:fontRef>
+        </p:style>
+        <p:txBody>
+          <a:bodyPr rtlCol="0" anchor="ctr"/>
+          <a:lstStyle/>
+          <a:p>
+            <a:pPr algn="ctr"/>
+            <a:r>
+              <a:rPr lang="en-US" dirty="0" smtClean="0"/>
+              <a:t>Method 3</a:t>
+            </a:r>
+            <a:endParaRPr lang="en-US" dirty="0"/>
+          </a:p>
+        </p:txBody>
+      </p:sp>
+      <p:sp>
+        <p:nvSpPr>
+          <p:cNvPr id="9" name="Right Arrow 8"/>
+          <p:cNvSpPr/>
+          <p:nvPr/>
+        </p:nvSpPr>
+        <p:spPr>
+          <a:xfrm>
+            <a:off x="6494022" y="3873228"/>
+            <a:ext cx="762000" cy="408562"/>
+          </a:xfrm>
+          <a:prstGeom prst="rightArrow">
+            <a:avLst/>
+          </a:prstGeom>
+          <a:solidFill>
+            <a:srgbClr val="00B050"/>
+          </a:solidFill>
+        </p:spPr>
+        <p:style>
+          <a:lnRef idx="2">
+            <a:schemeClr val="accent1">
+              <a:shade val="50000"/>
+            </a:schemeClr>
+          </a:lnRef>
+          <a:fillRef idx="1">
+            <a:schemeClr val="accent1"/>
+          </a:fillRef>
+          <a:effectRef idx="0">
+            <a:schemeClr val="accent1"/>
+          </a:effectRef>
+          <a:fontRef idx="minor">
+            <a:schemeClr val="lt1"/>
+          </a:fontRef>
+        </p:style>
+        <p:txBody>
+          <a:bodyPr rtlCol="0" anchor="ctr"/>
+          <a:lstStyle/>
+          <a:p>
+            <a:pPr algn="ctr"/>
+            <a:endParaRPr lang="en-US">
+              <a:solidFill>
+                <a:srgbClr val="00B050"/>
+              </a:solidFill>
+            </a:endParaRPr>
+          </a:p>
+        </p:txBody>
+      </p:sp>
+      <p:sp>
+        <p:nvSpPr>
+          <p:cNvPr id="10" name="Rectangle 9"/>
+          <p:cNvSpPr/>
+          <p:nvPr/>
+        </p:nvSpPr>
+        <p:spPr>
+          <a:xfrm>
+            <a:off x="5257800" y="2188723"/>
+            <a:ext cx="1066800" cy="914400"/>
+          </a:xfrm>
+          <a:prstGeom prst="rect">
+            <a:avLst/>
+          </a:prstGeom>
+        </p:spPr>
+        <p:style>
+          <a:lnRef idx="2">
+            <a:schemeClr val="accent1">
+              <a:shade val="50000"/>
+            </a:schemeClr>
+          </a:lnRef>
+          <a:fillRef idx="1">
+            <a:schemeClr val="accent1"/>
+          </a:fillRef>
+          <a:effectRef idx="0">
+            <a:schemeClr val="accent1"/>
+          </a:effectRef>
+          <a:fontRef idx="minor">
+            <a:schemeClr val="lt1"/>
+          </a:fontRef>
+        </p:style>
+        <p:txBody>
+          <a:bodyPr rtlCol="0" anchor="ctr"/>
+          <a:lstStyle/>
+          <a:p>
+            <a:pPr algn="ctr"/>
+            <a:r>
+              <a:rPr lang="en-US" dirty="0" smtClean="0"/>
+              <a:t>Method 4</a:t>
+            </a:r>
+            <a:endParaRPr lang="en-US" dirty="0"/>
+          </a:p>
+        </p:txBody>
+      </p:sp>
+      <p:sp>
+        <p:nvSpPr>
+          <p:cNvPr id="11" name="Right Arrow 10"/>
+          <p:cNvSpPr/>
+          <p:nvPr/>
+        </p:nvSpPr>
+        <p:spPr>
+          <a:xfrm rot="10800000">
+            <a:off x="6477000" y="4382309"/>
+            <a:ext cx="762000" cy="408562"/>
+          </a:xfrm>
+          <a:prstGeom prst="rightArrow">
+            <a:avLst/>
+          </a:prstGeom>
+          <a:solidFill>
+            <a:srgbClr val="00B050"/>
+          </a:solidFill>
+        </p:spPr>
+        <p:style>
+          <a:lnRef idx="2">
+            <a:schemeClr val="accent1">
+              <a:shade val="50000"/>
+            </a:schemeClr>
+          </a:lnRef>
+          <a:fillRef idx="1">
+            <a:schemeClr val="accent1"/>
+          </a:fillRef>
+          <a:effectRef idx="0">
+            <a:schemeClr val="accent1"/>
+          </a:effectRef>
+          <a:fontRef idx="minor">
+            <a:schemeClr val="lt1"/>
+          </a:fontRef>
+        </p:style>
+        <p:txBody>
+          <a:bodyPr rtlCol="0" anchor="ctr"/>
+          <a:lstStyle/>
+          <a:p>
+            <a:pPr algn="ctr"/>
+            <a:endParaRPr lang="en-US">
+              <a:solidFill>
+                <a:srgbClr val="00B050"/>
+              </a:solidFill>
+            </a:endParaRPr>
+          </a:p>
+        </p:txBody>
+      </p:sp>
+      <p:sp>
+        <p:nvSpPr>
+          <p:cNvPr id="12" name="Right Arrow 11"/>
+          <p:cNvSpPr/>
+          <p:nvPr/>
+        </p:nvSpPr>
+        <p:spPr>
+          <a:xfrm rot="10800000">
+            <a:off x="2191966" y="4474720"/>
+            <a:ext cx="762000" cy="408562"/>
+          </a:xfrm>
+          <a:prstGeom prst="rightArrow">
+            <a:avLst/>
+          </a:prstGeom>
+          <a:solidFill>
+            <a:srgbClr val="00B050"/>
+          </a:solidFill>
+        </p:spPr>
+        <p:style>
+          <a:lnRef idx="2">
+            <a:schemeClr val="accent1">
+              <a:shade val="50000"/>
+            </a:schemeClr>
+          </a:lnRef>
+          <a:fillRef idx="1">
+            <a:schemeClr val="accent1"/>
+          </a:fillRef>
+          <a:effectRef idx="0">
+            <a:schemeClr val="accent1"/>
+          </a:effectRef>
+          <a:fontRef idx="minor">
+            <a:schemeClr val="lt1"/>
+          </a:fontRef>
+        </p:style>
+        <p:txBody>
+          <a:bodyPr rtlCol="0" anchor="ctr"/>
+          <a:lstStyle/>
+          <a:p>
+            <a:pPr algn="ctr"/>
+            <a:endParaRPr lang="en-US">
+              <a:solidFill>
+                <a:srgbClr val="00B050"/>
+              </a:solidFill>
+            </a:endParaRPr>
+          </a:p>
+        </p:txBody>
+      </p:sp>
+      <p:sp>
+        <p:nvSpPr>
+          <p:cNvPr id="13" name="Right Arrow 12"/>
+          <p:cNvSpPr/>
+          <p:nvPr/>
+        </p:nvSpPr>
+        <p:spPr>
+          <a:xfrm rot="10800000">
+            <a:off x="4330429" y="4408249"/>
+            <a:ext cx="762000" cy="408562"/>
+          </a:xfrm>
+          <a:prstGeom prst="rightArrow">
+            <a:avLst/>
+          </a:prstGeom>
+          <a:solidFill>
+            <a:srgbClr val="00B050"/>
+          </a:solidFill>
+        </p:spPr>
+        <p:style>
+          <a:lnRef idx="2">
+            <a:schemeClr val="accent1">
+              <a:shade val="50000"/>
+            </a:schemeClr>
+          </a:lnRef>
+          <a:fillRef idx="1">
+            <a:schemeClr val="accent1"/>
+          </a:fillRef>
+          <a:effectRef idx="0">
+            <a:schemeClr val="accent1"/>
+          </a:effectRef>
+          <a:fontRef idx="minor">
+            <a:schemeClr val="lt1"/>
+          </a:fontRef>
+        </p:style>
+        <p:txBody>
+          <a:bodyPr rtlCol="0" anchor="ctr"/>
+          <a:lstStyle/>
+          <a:p>
+            <a:pPr algn="ctr"/>
+            <a:endParaRPr lang="en-US">
+              <a:solidFill>
+                <a:srgbClr val="00B050"/>
+              </a:solidFill>
+            </a:endParaRPr>
+          </a:p>
+        </p:txBody>
+      </p:sp>
+      <p:sp>
+        <p:nvSpPr>
+          <p:cNvPr id="14" name="Bent-Up Arrow 13"/>
+          <p:cNvSpPr/>
+          <p:nvPr/>
+        </p:nvSpPr>
+        <p:spPr>
+          <a:xfrm rot="16200000" flipH="1">
+            <a:off x="1940262" y="3993608"/>
+            <a:ext cx="922510" cy="2857500"/>
+          </a:xfrm>
+          <a:prstGeom prst="bentUpArrow">
+            <a:avLst>
+              <a:gd name="adj1" fmla="val 25000"/>
+              <a:gd name="adj2" fmla="val 32509"/>
+              <a:gd name="adj3" fmla="val 50000"/>
+            </a:avLst>
+          </a:prstGeom>
+          <a:solidFill>
+            <a:srgbClr val="FF0000"/>
+          </a:solidFill>
+        </p:spPr>
+        <p:style>
+          <a:lnRef idx="2">
+            <a:schemeClr val="accent1">
+              <a:shade val="50000"/>
+            </a:schemeClr>
+          </a:lnRef>
+          <a:fillRef idx="1">
+            <a:schemeClr val="accent1"/>
+          </a:fillRef>
+          <a:effectRef idx="0">
+            <a:schemeClr val="accent1"/>
+          </a:effectRef>
+          <a:fontRef idx="minor">
+            <a:schemeClr val="lt1"/>
+          </a:fontRef>
+        </p:style>
+        <p:txBody>
+          <a:bodyPr rtlCol="0" anchor="ctr"/>
+          <a:lstStyle/>
+          <a:p>
+            <a:pPr algn="ctr"/>
+            <a:endParaRPr lang="en-US" dirty="0"/>
+          </a:p>
+        </p:txBody>
+      </p:sp>
+      <p:sp>
+        <p:nvSpPr>
+          <p:cNvPr id="15" name="Rectangle 14"/>
+          <p:cNvSpPr/>
+          <p:nvPr/>
+        </p:nvSpPr>
+        <p:spPr>
+          <a:xfrm>
+            <a:off x="7425444" y="3824590"/>
+            <a:ext cx="1066800" cy="914400"/>
+          </a:xfrm>
+          <a:prstGeom prst="rect">
+            <a:avLst/>
+          </a:prstGeom>
+        </p:spPr>
+        <p:style>
+          <a:lnRef idx="2">
+            <a:schemeClr val="accent1">
+              <a:shade val="50000"/>
+            </a:schemeClr>
+          </a:lnRef>
+          <a:fillRef idx="1">
+            <a:schemeClr val="accent1"/>
+          </a:fillRef>
+          <a:effectRef idx="0">
+            <a:schemeClr val="accent1"/>
+          </a:effectRef>
+          <a:fontRef idx="minor">
+            <a:schemeClr val="lt1"/>
+          </a:fontRef>
+        </p:style>
+        <p:txBody>
+          <a:bodyPr rtlCol="0" anchor="ctr"/>
+          <a:lstStyle/>
+          <a:p>
+            <a:pPr algn="ctr"/>
+            <a:r>
+              <a:rPr lang="en-US" dirty="0" smtClean="0"/>
+              <a:t>Method 5</a:t>
+            </a:r>
+            <a:endParaRPr lang="en-US" dirty="0"/>
+          </a:p>
+        </p:txBody>
+      </p:sp>
+      <p:sp>
+        <p:nvSpPr>
+          <p:cNvPr id="16" name="Rectangle 15"/>
+          <p:cNvSpPr/>
+          <p:nvPr/>
+        </p:nvSpPr>
+        <p:spPr>
+          <a:xfrm>
+            <a:off x="5265906" y="5740936"/>
+            <a:ext cx="1066800" cy="914400"/>
+          </a:xfrm>
+          <a:prstGeom prst="rect">
+            <a:avLst/>
+          </a:prstGeom>
+        </p:spPr>
+        <p:style>
+          <a:lnRef idx="2">
+            <a:schemeClr val="accent1">
+              <a:shade val="50000"/>
+            </a:schemeClr>
+          </a:lnRef>
+          <a:fillRef idx="1">
+            <a:schemeClr val="accent1"/>
+          </a:fillRef>
+          <a:effectRef idx="0">
+            <a:schemeClr val="accent1"/>
+          </a:effectRef>
+          <a:fontRef idx="minor">
+            <a:schemeClr val="lt1"/>
+          </a:fontRef>
+        </p:style>
+        <p:txBody>
+          <a:bodyPr rtlCol="0" anchor="ctr"/>
+          <a:lstStyle/>
+          <a:p>
+            <a:pPr algn="ctr"/>
+            <a:r>
+              <a:rPr lang="en-US" dirty="0" smtClean="0"/>
+              <a:t>Method 5</a:t>
+            </a:r>
+            <a:endParaRPr lang="en-US" dirty="0"/>
+          </a:p>
+        </p:txBody>
+      </p:sp>
+      <p:sp>
+        <p:nvSpPr>
+          <p:cNvPr id="17" name="Right Arrow 16"/>
+          <p:cNvSpPr/>
+          <p:nvPr/>
+        </p:nvSpPr>
+        <p:spPr>
+          <a:xfrm rot="5400000">
+            <a:off x="5173493" y="5060001"/>
+            <a:ext cx="762000" cy="408562"/>
+          </a:xfrm>
+          <a:prstGeom prst="rightArrow">
+            <a:avLst/>
+          </a:prstGeom>
+          <a:solidFill>
+            <a:srgbClr val="00B050"/>
+          </a:solidFill>
+        </p:spPr>
+        <p:style>
+          <a:lnRef idx="2">
+            <a:schemeClr val="accent1">
+              <a:shade val="50000"/>
+            </a:schemeClr>
+          </a:lnRef>
+          <a:fillRef idx="1">
+            <a:schemeClr val="accent1"/>
+          </a:fillRef>
+          <a:effectRef idx="0">
+            <a:schemeClr val="accent1"/>
+          </a:effectRef>
+          <a:fontRef idx="minor">
+            <a:schemeClr val="lt1"/>
+          </a:fontRef>
+        </p:style>
+        <p:txBody>
+          <a:bodyPr rtlCol="0" anchor="ctr"/>
+          <a:lstStyle/>
+          <a:p>
+            <a:pPr algn="ctr"/>
+            <a:endParaRPr lang="en-US">
+              <a:solidFill>
+                <a:srgbClr val="00B050"/>
+              </a:solidFill>
+            </a:endParaRPr>
+          </a:p>
+        </p:txBody>
+      </p:sp>
+      <p:sp>
+        <p:nvSpPr>
+          <p:cNvPr id="19" name="Right Arrow 18"/>
+          <p:cNvSpPr/>
+          <p:nvPr/>
+        </p:nvSpPr>
+        <p:spPr>
+          <a:xfrm rot="5400000">
+            <a:off x="5668386" y="3284303"/>
+            <a:ext cx="547180" cy="317766"/>
+          </a:xfrm>
+          <a:prstGeom prst="rightArrow">
+            <a:avLst/>
+          </a:prstGeom>
+          <a:solidFill>
+            <a:srgbClr val="00B050"/>
+          </a:solidFill>
+        </p:spPr>
+        <p:style>
+          <a:lnRef idx="2">
+            <a:schemeClr val="accent1">
+              <a:shade val="50000"/>
+            </a:schemeClr>
+          </a:lnRef>
+          <a:fillRef idx="1">
+            <a:schemeClr val="accent1"/>
+          </a:fillRef>
+          <a:effectRef idx="0">
+            <a:schemeClr val="accent1"/>
+          </a:effectRef>
+          <a:fontRef idx="minor">
+            <a:schemeClr val="lt1"/>
+          </a:fontRef>
+        </p:style>
+        <p:txBody>
+          <a:bodyPr rtlCol="0" anchor="ctr"/>
+          <a:lstStyle/>
+          <a:p>
+            <a:pPr algn="ctr"/>
+            <a:endParaRPr lang="en-US">
+              <a:solidFill>
+                <a:srgbClr val="00B050"/>
+              </a:solidFill>
+            </a:endParaRPr>
+          </a:p>
+        </p:txBody>
+      </p:sp>
+      <p:sp>
+        <p:nvSpPr>
+          <p:cNvPr id="20" name="Right Arrow 19"/>
+          <p:cNvSpPr/>
+          <p:nvPr/>
+        </p:nvSpPr>
+        <p:spPr>
+          <a:xfrm rot="16200000">
+            <a:off x="5179166" y="3302543"/>
+            <a:ext cx="547180" cy="317766"/>
+          </a:xfrm>
+          <a:prstGeom prst="rightArrow">
+            <a:avLst/>
+          </a:prstGeom>
+          <a:solidFill>
+            <a:srgbClr val="00B050"/>
+          </a:solidFill>
+        </p:spPr>
+        <p:style>
+          <a:lnRef idx="2">
+            <a:schemeClr val="accent1">
+              <a:shade val="50000"/>
+            </a:schemeClr>
+          </a:lnRef>
+          <a:fillRef idx="1">
+            <a:schemeClr val="accent1"/>
+          </a:fillRef>
+          <a:effectRef idx="0">
+            <a:schemeClr val="accent1"/>
+          </a:effectRef>
+          <a:fontRef idx="minor">
+            <a:schemeClr val="lt1"/>
+          </a:fontRef>
+        </p:style>
+        <p:txBody>
+          <a:bodyPr rtlCol="0" anchor="ctr"/>
+          <a:lstStyle/>
+          <a:p>
+            <a:pPr algn="ctr"/>
+            <a:endParaRPr lang="en-US">
+              <a:solidFill>
+                <a:srgbClr val="00B050"/>
+              </a:solidFill>
+            </a:endParaRPr>
+          </a:p>
+        </p:txBody>
+      </p:sp>
+      <p:sp>
+        <p:nvSpPr>
+          <p:cNvPr id="21" name="Right Arrow 20"/>
+          <p:cNvSpPr/>
+          <p:nvPr/>
+        </p:nvSpPr>
+        <p:spPr>
+          <a:xfrm rot="16200000">
+            <a:off x="5719859" y="5038517"/>
+            <a:ext cx="762000" cy="408562"/>
+          </a:xfrm>
+          <a:prstGeom prst="rightArrow">
+            <a:avLst/>
+          </a:prstGeom>
+          <a:solidFill>
+            <a:srgbClr val="00B050"/>
+          </a:solidFill>
+        </p:spPr>
+        <p:style>
+          <a:lnRef idx="2">
+            <a:schemeClr val="accent1">
+              <a:shade val="50000"/>
+            </a:schemeClr>
+          </a:lnRef>
+          <a:fillRef idx="1">
+            <a:schemeClr val="accent1"/>
+          </a:fillRef>
+          <a:effectRef idx="0">
+            <a:schemeClr val="accent1"/>
+          </a:effectRef>
+          <a:fontRef idx="minor">
+            <a:schemeClr val="lt1"/>
+          </a:fontRef>
+        </p:style>
+        <p:txBody>
+          <a:bodyPr rtlCol="0" anchor="ctr"/>
+          <a:lstStyle/>
+          <a:p>
+            <a:pPr algn="ctr"/>
+            <a:endParaRPr lang="en-US">
+              <a:solidFill>
+                <a:srgbClr val="00B050"/>
+              </a:solidFill>
+            </a:endParaRPr>
+          </a:p>
+        </p:txBody>
+      </p:sp>
+    </p:spTree>
+    <p:extLst>
+      <p:ext uri="{BB962C8B-B14F-4D97-AF65-F5344CB8AC3E}">
+        <p14:creationId xmlns:p14="http://schemas.microsoft.com/office/powerpoint/2010/main" val="867700815"/>
+      </p:ext>
+    </p:extLst>
+  </p:cSld>
+  <p:clrMapOvr>
+    <a:masterClrMapping/>
+  </p:clrMapOvr>
+  <p:timing>
+    <p:tnLst>
+      <p:par>
+        <p:cTn id="1" dur="indefinite" restart="never" nodeType="tmRoot"/>
+      </p:par>
+    </p:tnLst>
+  </p:timing>
+</p:sld>
+</file>
+
+<file path=ppt/slides/slide18.xml><?xml version="1.0" encoding="utf-8"?>
+<p:sld xmlns:a="http://schemas.openxmlformats.org/drawingml/2006/main" xmlns:r="http://schemas.openxmlformats.org/officeDocument/2006/relationships" xmlns:p="http://schemas.openxmlformats.org/presentationml/2006/main">
+  <p:cSld>
+    <p:spTree>
+      <p:nvGrpSpPr>
+        <p:cNvPr id="1" name=""/>
+        <p:cNvGrpSpPr/>
+        <p:nvPr/>
+      </p:nvGrpSpPr>
+      <p:grpSpPr>
+        <a:xfrm>
+          <a:off x="0" y="0"/>
+          <a:ext cx="0" cy="0"/>
+          <a:chOff x="0" y="0"/>
+          <a:chExt cx="0" cy="0"/>
+        </a:xfrm>
+      </p:grpSpPr>
+      <p:sp>
+        <p:nvSpPr>
+          <p:cNvPr id="8" name="Rectangle 7"/>
+          <p:cNvSpPr/>
+          <p:nvPr/>
+        </p:nvSpPr>
+        <p:spPr>
+          <a:xfrm>
+            <a:off x="457200" y="3680298"/>
+            <a:ext cx="8229600" cy="1295400"/>
+          </a:xfrm>
+          <a:prstGeom prst="rect">
+            <a:avLst/>
+          </a:prstGeom>
+          <a:solidFill>
+            <a:srgbClr val="00B050"/>
+          </a:solidFill>
+        </p:spPr>
+        <p:style>
+          <a:lnRef idx="2">
+            <a:schemeClr val="accent1">
+              <a:shade val="50000"/>
+            </a:schemeClr>
+          </a:lnRef>
+          <a:fillRef idx="1">
+            <a:schemeClr val="accent1"/>
+          </a:fillRef>
+          <a:effectRef idx="0">
+            <a:schemeClr val="accent1"/>
+          </a:effectRef>
+          <a:fontRef idx="minor">
+            <a:schemeClr val="lt1"/>
+          </a:fontRef>
+        </p:style>
+        <p:txBody>
+          <a:bodyPr rtlCol="0" anchor="ctr"/>
+          <a:lstStyle/>
+          <a:p>
+            <a:pPr algn="ctr"/>
+            <a:endParaRPr lang="en-US"/>
+          </a:p>
+        </p:txBody>
+      </p:sp>
+      <p:sp>
+        <p:nvSpPr>
+          <p:cNvPr id="2" name="Title 1"/>
+          <p:cNvSpPr>
+            <a:spLocks noGrp="1"/>
+          </p:cNvSpPr>
+          <p:nvPr>
+            <p:ph type="title"/>
+          </p:nvPr>
+        </p:nvSpPr>
         <p:spPr/>
         <p:txBody>
           <a:bodyPr/>
           <a:lstStyle/>
           <a:p>
+            <a:r>
+              <a:rPr lang="en-US" dirty="0"/>
+              <a:t>F# Data Validation</a:t>
+            </a:r>
+          </a:p>
+        </p:txBody>
+      </p:sp>
+      <p:sp>
+        <p:nvSpPr>
+          <p:cNvPr id="3" name="Content Placeholder 2"/>
+          <p:cNvSpPr>
+            <a:spLocks noGrp="1"/>
+          </p:cNvSpPr>
+          <p:nvPr>
+            <p:ph idx="1"/>
+          </p:nvPr>
+        </p:nvSpPr>
+        <p:spPr>
+          <a:xfrm>
+            <a:off x="457200" y="1417638"/>
+            <a:ext cx="8229600" cy="1981199"/>
+          </a:xfrm>
+        </p:spPr>
+        <p:txBody>
+          <a:bodyPr>
+            <a:normAutofit lnSpcReduction="10000"/>
+          </a:bodyPr>
+          <a:lstStyle/>
+          <a:p>
+            <a:r>
+              <a:rPr lang="en-US" dirty="0" smtClean="0"/>
+              <a:t>Using Monads, we only have direction - forward. </a:t>
+            </a:r>
+            <a:r>
+              <a:rPr lang="en-US" dirty="0"/>
+              <a:t>There is 1 </a:t>
+            </a:r>
+            <a:r>
+              <a:rPr lang="en-US" dirty="0" smtClean="0"/>
+              <a:t>path for happy path, 1 for exceptions/errors Functions are “glued” together to form larger functions.   </a:t>
+            </a:r>
+            <a:endParaRPr lang="en-US" dirty="0"/>
+          </a:p>
+        </p:txBody>
+      </p:sp>
+      <p:sp>
+        <p:nvSpPr>
+          <p:cNvPr id="4" name="Rectangle 3"/>
+          <p:cNvSpPr/>
+          <p:nvPr/>
+        </p:nvSpPr>
+        <p:spPr>
+          <a:xfrm>
+            <a:off x="2245468" y="3810000"/>
+            <a:ext cx="1066800" cy="914400"/>
+          </a:xfrm>
+          <a:prstGeom prst="rect">
+            <a:avLst/>
+          </a:prstGeom>
+        </p:spPr>
+        <p:style>
+          <a:lnRef idx="2">
+            <a:schemeClr val="accent1">
+              <a:shade val="50000"/>
+            </a:schemeClr>
+          </a:lnRef>
+          <a:fillRef idx="1">
+            <a:schemeClr val="accent1"/>
+          </a:fillRef>
+          <a:effectRef idx="0">
+            <a:schemeClr val="accent1"/>
+          </a:effectRef>
+          <a:fontRef idx="minor">
+            <a:schemeClr val="lt1"/>
+          </a:fontRef>
+        </p:style>
+        <p:txBody>
+          <a:bodyPr rtlCol="0" anchor="ctr"/>
+          <a:lstStyle/>
+          <a:p>
+            <a:pPr algn="ctr"/>
+            <a:r>
+              <a:rPr lang="en-US" dirty="0" smtClean="0"/>
+              <a:t>Function1</a:t>
+            </a:r>
+            <a:endParaRPr lang="en-US" dirty="0"/>
+          </a:p>
+        </p:txBody>
+      </p:sp>
+      <p:sp>
+        <p:nvSpPr>
+          <p:cNvPr id="5" name="Rectangle 4"/>
+          <p:cNvSpPr/>
+          <p:nvPr/>
+        </p:nvSpPr>
+        <p:spPr>
+          <a:xfrm>
+            <a:off x="3523034" y="3810000"/>
+            <a:ext cx="1066800" cy="914400"/>
+          </a:xfrm>
+          <a:prstGeom prst="rect">
+            <a:avLst/>
+          </a:prstGeom>
+        </p:spPr>
+        <p:style>
+          <a:lnRef idx="2">
+            <a:schemeClr val="accent1">
+              <a:shade val="50000"/>
+            </a:schemeClr>
+          </a:lnRef>
+          <a:fillRef idx="1">
+            <a:schemeClr val="accent1"/>
+          </a:fillRef>
+          <a:effectRef idx="0">
+            <a:schemeClr val="accent1"/>
+          </a:effectRef>
+          <a:fontRef idx="minor">
+            <a:schemeClr val="lt1"/>
+          </a:fontRef>
+        </p:style>
+        <p:txBody>
+          <a:bodyPr rtlCol="0" anchor="ctr"/>
+          <a:lstStyle/>
+          <a:p>
+            <a:pPr algn="ctr"/>
+            <a:r>
+              <a:rPr lang="en-US" dirty="0" smtClean="0"/>
+              <a:t>Function2</a:t>
+            </a:r>
+            <a:endParaRPr lang="en-US" dirty="0"/>
+          </a:p>
+        </p:txBody>
+      </p:sp>
+      <p:sp>
+        <p:nvSpPr>
+          <p:cNvPr id="6" name="Rectangle 5"/>
+          <p:cNvSpPr/>
+          <p:nvPr/>
+        </p:nvSpPr>
+        <p:spPr>
+          <a:xfrm>
+            <a:off x="4800600" y="3810000"/>
+            <a:ext cx="1066800" cy="914400"/>
+          </a:xfrm>
+          <a:prstGeom prst="rect">
+            <a:avLst/>
+          </a:prstGeom>
+        </p:spPr>
+        <p:style>
+          <a:lnRef idx="2">
+            <a:schemeClr val="accent1">
+              <a:shade val="50000"/>
+            </a:schemeClr>
+          </a:lnRef>
+          <a:fillRef idx="1">
+            <a:schemeClr val="accent1"/>
+          </a:fillRef>
+          <a:effectRef idx="0">
+            <a:schemeClr val="accent1"/>
+          </a:effectRef>
+          <a:fontRef idx="minor">
+            <a:schemeClr val="lt1"/>
+          </a:fontRef>
+        </p:style>
+        <p:txBody>
+          <a:bodyPr rtlCol="0" anchor="ctr"/>
+          <a:lstStyle/>
+          <a:p>
+            <a:pPr algn="ctr"/>
+            <a:r>
+              <a:rPr lang="en-US" dirty="0" smtClean="0"/>
+              <a:t>Function3</a:t>
+            </a:r>
+            <a:endParaRPr lang="en-US" dirty="0"/>
+          </a:p>
+        </p:txBody>
+      </p:sp>
+      <p:sp>
+        <p:nvSpPr>
+          <p:cNvPr id="7" name="Rectangle 6"/>
+          <p:cNvSpPr/>
+          <p:nvPr/>
+        </p:nvSpPr>
+        <p:spPr>
+          <a:xfrm>
+            <a:off x="457200" y="5181600"/>
+            <a:ext cx="8229600" cy="1295400"/>
+          </a:xfrm>
+          <a:prstGeom prst="rect">
+            <a:avLst/>
+          </a:prstGeom>
+          <a:solidFill>
+            <a:srgbClr val="FF0000"/>
+          </a:solidFill>
+        </p:spPr>
+        <p:style>
+          <a:lnRef idx="2">
+            <a:schemeClr val="accent1">
+              <a:shade val="50000"/>
+            </a:schemeClr>
+          </a:lnRef>
+          <a:fillRef idx="1">
+            <a:schemeClr val="accent1"/>
+          </a:fillRef>
+          <a:effectRef idx="0">
+            <a:schemeClr val="accent1"/>
+          </a:effectRef>
+          <a:fontRef idx="minor">
+            <a:schemeClr val="lt1"/>
+          </a:fontRef>
+        </p:style>
+        <p:txBody>
+          <a:bodyPr rtlCol="0" anchor="ctr"/>
+          <a:lstStyle/>
+          <a:p>
+            <a:pPr algn="ctr"/>
             <a:endParaRPr lang="en-US"/>
+          </a:p>
+        </p:txBody>
+      </p:sp>
+      <p:sp>
+        <p:nvSpPr>
+          <p:cNvPr id="9" name="Right Arrow 8"/>
+          <p:cNvSpPr/>
+          <p:nvPr/>
+        </p:nvSpPr>
+        <p:spPr>
+          <a:xfrm>
+            <a:off x="6078166" y="3810000"/>
+            <a:ext cx="1770434" cy="914400"/>
+          </a:xfrm>
+          <a:prstGeom prst="rightArrow">
+            <a:avLst/>
+          </a:prstGeom>
+          <a:solidFill>
+            <a:schemeClr val="accent1"/>
+          </a:solidFill>
+        </p:spPr>
+        <p:style>
+          <a:lnRef idx="2">
+            <a:schemeClr val="accent1">
+              <a:shade val="50000"/>
+            </a:schemeClr>
+          </a:lnRef>
+          <a:fillRef idx="1">
+            <a:schemeClr val="accent1"/>
+          </a:fillRef>
+          <a:effectRef idx="0">
+            <a:schemeClr val="accent1"/>
+          </a:effectRef>
+          <a:fontRef idx="minor">
+            <a:schemeClr val="lt1"/>
+          </a:fontRef>
+        </p:style>
+        <p:txBody>
+          <a:bodyPr rtlCol="0" anchor="ctr"/>
+          <a:lstStyle/>
+          <a:p>
+            <a:pPr algn="ctr"/>
+            <a:endParaRPr lang="en-US">
+              <a:solidFill>
+                <a:srgbClr val="00B050"/>
+              </a:solidFill>
+            </a:endParaRPr>
+          </a:p>
+        </p:txBody>
+      </p:sp>
+      <p:sp>
+        <p:nvSpPr>
+          <p:cNvPr id="11" name="Bent-Up Arrow 10"/>
+          <p:cNvSpPr/>
+          <p:nvPr/>
+        </p:nvSpPr>
+        <p:spPr>
+          <a:xfrm rot="5400000">
+            <a:off x="5181602" y="3558700"/>
+            <a:ext cx="1371596" cy="3962400"/>
+          </a:xfrm>
+          <a:prstGeom prst="bentUpArrow">
+            <a:avLst>
+              <a:gd name="adj1" fmla="val 25000"/>
+              <a:gd name="adj2" fmla="val 32509"/>
+              <a:gd name="adj3" fmla="val 50000"/>
+            </a:avLst>
+          </a:prstGeom>
+          <a:solidFill>
+            <a:schemeClr val="accent1"/>
+          </a:solidFill>
+        </p:spPr>
+        <p:style>
+          <a:lnRef idx="2">
+            <a:schemeClr val="accent1">
+              <a:shade val="50000"/>
+            </a:schemeClr>
+          </a:lnRef>
+          <a:fillRef idx="1">
+            <a:schemeClr val="accent1"/>
+          </a:fillRef>
+          <a:effectRef idx="0">
+            <a:schemeClr val="accent1"/>
+          </a:effectRef>
+          <a:fontRef idx="minor">
+            <a:schemeClr val="lt1"/>
+          </a:fontRef>
+        </p:style>
+        <p:txBody>
+          <a:bodyPr rtlCol="0" anchor="ctr"/>
+          <a:lstStyle/>
+          <a:p>
+            <a:pPr algn="ctr"/>
+            <a:endParaRPr lang="en-US" dirty="0"/>
+          </a:p>
+        </p:txBody>
+      </p:sp>
+    </p:spTree>
+    <p:extLst>
+      <p:ext uri="{BB962C8B-B14F-4D97-AF65-F5344CB8AC3E}">
+        <p14:creationId xmlns:p14="http://schemas.microsoft.com/office/powerpoint/2010/main" val="1787419364"/>
+      </p:ext>
+    </p:extLst>
+  </p:cSld>
+  <p:clrMapOvr>
+    <a:masterClrMapping/>
+  </p:clrMapOvr>
+  <p:timing>
+    <p:tnLst>
+      <p:par>
+        <p:cTn id="1" dur="indefinite" restart="never" nodeType="tmRoot"/>
+      </p:par>
+    </p:tnLst>
+  </p:timing>
+</p:sld>
+</file>
+
+<file path=ppt/slides/slide19.xml><?xml version="1.0" encoding="utf-8"?>
+<p:sld xmlns:a="http://schemas.openxmlformats.org/drawingml/2006/main" xmlns:r="http://schemas.openxmlformats.org/officeDocument/2006/relationships" xmlns:p="http://schemas.openxmlformats.org/presentationml/2006/main">
+  <p:cSld>
+    <p:spTree>
+      <p:nvGrpSpPr>
+        <p:cNvPr id="1" name=""/>
+        <p:cNvGrpSpPr/>
+        <p:nvPr/>
+      </p:nvGrpSpPr>
+      <p:grpSpPr>
+        <a:xfrm>
+          <a:off x="0" y="0"/>
+          <a:ext cx="0" cy="0"/>
+          <a:chOff x="0" y="0"/>
+          <a:chExt cx="0" cy="0"/>
+        </a:xfrm>
+      </p:grpSpPr>
+      <p:sp>
+        <p:nvSpPr>
+          <p:cNvPr id="2" name="Title 1"/>
+          <p:cNvSpPr>
+            <a:spLocks noGrp="1"/>
+          </p:cNvSpPr>
+          <p:nvPr>
+            <p:ph type="title"/>
+          </p:nvPr>
+        </p:nvSpPr>
+        <p:spPr/>
+        <p:txBody>
+          <a:bodyPr/>
+          <a:lstStyle/>
+          <a:p>
+            <a:r>
+              <a:rPr lang="en-US" dirty="0" smtClean="0"/>
+              <a:t>F# Machine Learning</a:t>
+            </a:r>
+            <a:endParaRPr lang="en-US" dirty="0"/>
+          </a:p>
+        </p:txBody>
+      </p:sp>
+      <p:sp>
+        <p:nvSpPr>
+          <p:cNvPr id="3" name="Content Placeholder 2"/>
+          <p:cNvSpPr>
+            <a:spLocks noGrp="1"/>
+          </p:cNvSpPr>
+          <p:nvPr>
+            <p:ph idx="1"/>
+          </p:nvPr>
+        </p:nvSpPr>
+        <p:spPr>
+          <a:xfrm>
+            <a:off x="457200" y="1600200"/>
+            <a:ext cx="8229600" cy="4876799"/>
+          </a:xfrm>
+        </p:spPr>
+        <p:txBody>
+          <a:bodyPr>
+            <a:normAutofit/>
+          </a:bodyPr>
+          <a:lstStyle/>
+          <a:p>
+            <a:r>
+              <a:rPr lang="en-US" dirty="0" smtClean="0"/>
+              <a:t>Most ML done in F# uses Accord.NET</a:t>
+            </a:r>
+          </a:p>
+          <a:p>
+            <a:r>
+              <a:rPr lang="en-US" dirty="0" smtClean="0"/>
+              <a:t>Accord.NET is an open-source library started at Xerox</a:t>
+            </a:r>
+          </a:p>
+          <a:p>
+            <a:r>
+              <a:rPr lang="en-US" dirty="0" smtClean="0"/>
+              <a:t>It has many of the basic ML models you would expect : regressions, classifications, neural networks, SVM, etc..</a:t>
+            </a:r>
+          </a:p>
+          <a:p>
+            <a:endParaRPr lang="en-US" dirty="0"/>
+          </a:p>
+          <a:p>
+            <a:pPr marL="0" indent="0">
+              <a:buNone/>
+            </a:pPr>
+            <a:r>
+              <a:rPr lang="en-US" i="1" dirty="0"/>
+              <a:t>http://accord-framework.net</a:t>
+            </a:r>
+            <a:r>
+              <a:rPr lang="en-US" i="1" dirty="0" smtClean="0"/>
+              <a:t>/</a:t>
+            </a:r>
+            <a:endParaRPr lang="en-US" dirty="0"/>
+          </a:p>
+          <a:p>
+            <a:endParaRPr lang="en-US" dirty="0" smtClean="0"/>
+          </a:p>
+          <a:p>
+            <a:pPr marL="0" indent="0">
+              <a:buNone/>
+            </a:pPr>
+            <a:endParaRPr lang="en-US" dirty="0" smtClean="0"/>
+          </a:p>
+          <a:p>
+            <a:endParaRPr lang="en-US" dirty="0" smtClean="0"/>
+          </a:p>
+          <a:p>
+            <a:endParaRPr lang="en-US" dirty="0"/>
           </a:p>
         </p:txBody>
       </p:sp>
@@ -9349,7 +10806,9 @@
         </p:nvSpPr>
         <p:spPr/>
         <p:txBody>
-          <a:bodyPr/>
+          <a:bodyPr>
+            <a:normAutofit fontScale="92500" lnSpcReduction="10000"/>
+          </a:bodyPr>
           <a:lstStyle/>
           <a:p>
             <a:r>
@@ -9392,9 +10851,34 @@
             <a:pPr lvl="1"/>
             <a:r>
               <a:rPr lang="en-US" dirty="0" smtClean="0"/>
-              <a:t>Machine Learning</a:t>
-            </a:r>
+              <a:t>Machine </a:t>
+            </a:r>
+            <a:r>
+              <a:rPr lang="en-US" dirty="0" smtClean="0"/>
+              <a:t>Learning</a:t>
+            </a:r>
+          </a:p>
+          <a:p>
+            <a:pPr lvl="1"/>
             <a:endParaRPr lang="en-US" dirty="0"/>
+          </a:p>
+          <a:p>
+            <a:pPr marL="57150" indent="0">
+              <a:buNone/>
+            </a:pPr>
+            <a:r>
+              <a:rPr lang="en-US" dirty="0">
+                <a:solidFill>
+                  <a:srgbClr val="FF0000"/>
+                </a:solidFill>
+              </a:rPr>
+              <a:t>https://github.com/jamessdixon/PydataNYC</a:t>
+            </a:r>
+            <a:endParaRPr lang="en-US" dirty="0">
+              <a:solidFill>
+                <a:srgbClr val="FF0000"/>
+              </a:solidFill>
+            </a:endParaRPr>
           </a:p>
         </p:txBody>
       </p:sp>
@@ -9402,6 +10886,131 @@
     <p:extLst>
       <p:ext uri="{BB962C8B-B14F-4D97-AF65-F5344CB8AC3E}">
         <p14:creationId xmlns:p14="http://schemas.microsoft.com/office/powerpoint/2010/main" val="2540855934"/>
+      </p:ext>
+    </p:extLst>
+  </p:cSld>
+  <p:clrMapOvr>
+    <a:masterClrMapping/>
+  </p:clrMapOvr>
+  <p:timing>
+    <p:tnLst>
+      <p:par>
+        <p:cTn id="1" dur="indefinite" restart="never" nodeType="tmRoot"/>
+      </p:par>
+    </p:tnLst>
+  </p:timing>
+</p:sld>
+</file>
+
+<file path=ppt/slides/slide20.xml><?xml version="1.0" encoding="utf-8"?>
+<p:sld xmlns:a="http://schemas.openxmlformats.org/drawingml/2006/main" xmlns:r="http://schemas.openxmlformats.org/officeDocument/2006/relationships" xmlns:p="http://schemas.openxmlformats.org/presentationml/2006/main">
+  <p:cSld>
+    <p:spTree>
+      <p:nvGrpSpPr>
+        <p:cNvPr id="1" name=""/>
+        <p:cNvGrpSpPr/>
+        <p:nvPr/>
+      </p:nvGrpSpPr>
+      <p:grpSpPr>
+        <a:xfrm>
+          <a:off x="0" y="0"/>
+          <a:ext cx="0" cy="0"/>
+          <a:chOff x="0" y="0"/>
+          <a:chExt cx="0" cy="0"/>
+        </a:xfrm>
+      </p:grpSpPr>
+      <p:sp>
+        <p:nvSpPr>
+          <p:cNvPr id="2" name="Title 1"/>
+          <p:cNvSpPr>
+            <a:spLocks noGrp="1"/>
+          </p:cNvSpPr>
+          <p:nvPr>
+            <p:ph type="title"/>
+          </p:nvPr>
+        </p:nvSpPr>
+        <p:spPr/>
+        <p:txBody>
+          <a:bodyPr/>
+          <a:lstStyle/>
+          <a:p>
+            <a:r>
+              <a:rPr lang="en-US" dirty="0" smtClean="0"/>
+              <a:t>Wrap Up</a:t>
+            </a:r>
+            <a:endParaRPr lang="en-US" dirty="0"/>
+          </a:p>
+        </p:txBody>
+      </p:sp>
+      <p:sp>
+        <p:nvSpPr>
+          <p:cNvPr id="3" name="Content Placeholder 2"/>
+          <p:cNvSpPr>
+            <a:spLocks noGrp="1"/>
+          </p:cNvSpPr>
+          <p:nvPr>
+            <p:ph idx="1"/>
+          </p:nvPr>
+        </p:nvSpPr>
+        <p:spPr/>
+        <p:txBody>
+          <a:bodyPr/>
+          <a:lstStyle/>
+          <a:p>
+            <a:r>
+              <a:rPr lang="en-US" dirty="0" smtClean="0"/>
+              <a:t>Questions?</a:t>
+            </a:r>
+          </a:p>
+          <a:p>
+            <a:endParaRPr lang="en-US" dirty="0"/>
+          </a:p>
+          <a:p>
+            <a:r>
+              <a:rPr lang="en-US" dirty="0" smtClean="0">
+                <a:hlinkClick r:id="rId2"/>
+              </a:rPr>
+              <a:t>jamessdixon@gmail.com</a:t>
+            </a:r>
+            <a:endParaRPr lang="en-US" dirty="0" smtClean="0"/>
+          </a:p>
+          <a:p>
+            <a:r>
+              <a:rPr lang="en-US" dirty="0" smtClean="0"/>
+              <a:t>@</a:t>
+            </a:r>
+            <a:r>
+              <a:rPr lang="en-US" dirty="0" err="1" smtClean="0"/>
+              <a:t>jamie_Dixon</a:t>
+            </a:r>
+            <a:endParaRPr lang="en-US" dirty="0" smtClean="0"/>
+          </a:p>
+          <a:p>
+            <a:r>
+              <a:rPr lang="en-US" dirty="0" smtClean="0">
+                <a:hlinkClick r:id="rId3"/>
+              </a:rPr>
+              <a:t>thomasmporterii@gmail.com</a:t>
+            </a:r>
+            <a:endParaRPr lang="en-US" dirty="0" smtClean="0"/>
+          </a:p>
+          <a:p>
+            <a:r>
+              <a:rPr lang="en-US" dirty="0"/>
+              <a:t>@</a:t>
+            </a:r>
+            <a:r>
+              <a:rPr lang="en-US" dirty="0" err="1"/>
+              <a:t>ThomasMPorterII</a:t>
+            </a:r>
+            <a:endParaRPr lang="en-US" dirty="0"/>
+          </a:p>
+        </p:txBody>
+      </p:sp>
+    </p:spTree>
+    <p:extLst>
+      <p:ext uri="{BB962C8B-B14F-4D97-AF65-F5344CB8AC3E}">
+        <p14:creationId xmlns:p14="http://schemas.microsoft.com/office/powerpoint/2010/main" val="3582484724"/>
       </p:ext>
     </p:extLst>
   </p:cSld>

--- a/presentation/FSharpForData.pptx
+++ b/presentation/FSharpForData.pptx
@@ -145,6 +145,10 @@
 </p:presentation>
 </file>
 
+<file path=ppt/revisionInfo.xml><?xml version="1.0" encoding="utf-8"?>
+<p1510:revInfo xmlns:a="http://schemas.openxmlformats.org/drawingml/2006/main" xmlns:r="http://schemas.openxmlformats.org/officeDocument/2006/relationships" xmlns:p1510="http://schemas.microsoft.com/office/powerpoint/2015/10/main"/>
+</file>
+
 <file path=ppt/notesMasters/notesMaster1.xml><?xml version="1.0" encoding="utf-8"?>
 <p:notesMaster xmlns:a="http://schemas.openxmlformats.org/drawingml/2006/main" xmlns:r="http://schemas.openxmlformats.org/officeDocument/2006/relationships" xmlns:p="http://schemas.openxmlformats.org/presentationml/2006/main">
   <p:cSld>
@@ -227,7 +231,7 @@
           <a:p>
             <a:fld id="{63EA6277-32A6-4B29-B323-2A7ABE731332}" type="datetimeFigureOut">
               <a:rPr lang="en-US" smtClean="0"/>
-              <a:t>11/15/2017</a:t>
+              <a:t>11/21/2017</a:t>
             </a:fld>
             <a:endParaRPr lang="en-US"/>
           </a:p>
@@ -291,38 +295,37 @@
           <a:p>
             <a:pPr lvl="0"/>
             <a:r>
-              <a:rPr lang="en-US" smtClean="0"/>
+              <a:rPr lang="en-US"/>
               <a:t>Click to edit Master text styles</a:t>
             </a:r>
           </a:p>
           <a:p>
             <a:pPr lvl="1"/>
             <a:r>
-              <a:rPr lang="en-US" smtClean="0"/>
+              <a:rPr lang="en-US"/>
               <a:t>Second level</a:t>
             </a:r>
           </a:p>
           <a:p>
             <a:pPr lvl="2"/>
             <a:r>
-              <a:rPr lang="en-US" smtClean="0"/>
+              <a:rPr lang="en-US"/>
               <a:t>Third level</a:t>
             </a:r>
           </a:p>
           <a:p>
             <a:pPr lvl="3"/>
             <a:r>
-              <a:rPr lang="en-US" smtClean="0"/>
+              <a:rPr lang="en-US"/>
               <a:t>Fourth level</a:t>
             </a:r>
           </a:p>
           <a:p>
             <a:pPr lvl="4"/>
             <a:r>
-              <a:rPr lang="en-US" smtClean="0"/>
+              <a:rPr lang="en-US"/>
               <a:t>Fifth level</a:t>
             </a:r>
-            <a:endParaRPr lang="en-US"/>
           </a:p>
         </p:txBody>
       </p:sp>
@@ -540,21 +543,21 @@
           <a:lstStyle/>
           <a:p>
             <a:r>
-              <a:rPr lang="en-US" dirty="0" err="1" smtClean="0"/>
+              <a:rPr lang="en-US" dirty="0" err="1"/>
               <a:t>Csv.open</a:t>
             </a:r>
-            <a:endParaRPr lang="en-US" dirty="0" smtClean="0"/>
-          </a:p>
-          <a:p>
-            <a:r>
-              <a:rPr lang="en-US" dirty="0" err="1" smtClean="0"/>
+            <a:endParaRPr lang="en-US" dirty="0"/>
+          </a:p>
+          <a:p>
+            <a:r>
+              <a:rPr lang="en-US" dirty="0" err="1"/>
               <a:t>Json.loads</a:t>
             </a:r>
-            <a:endParaRPr lang="en-US" dirty="0" smtClean="0"/>
-          </a:p>
-          <a:p>
-            <a:r>
-              <a:rPr lang="en-US" dirty="0" err="1" smtClean="0"/>
+            <a:endParaRPr lang="en-US" dirty="0"/>
+          </a:p>
+          <a:p>
+            <a:r>
+              <a:rPr lang="en-US" dirty="0" err="1"/>
               <a:t>Sql.Execute</a:t>
             </a:r>
             <a:endParaRPr lang="en-US" dirty="0"/>
@@ -978,10 +981,9 @@
           <a:lstStyle/>
           <a:p>
             <a:r>
-              <a:rPr lang="en-US" dirty="0" smtClean="0"/>
+              <a:rPr lang="en-US" dirty="0"/>
               <a:t>	</a:t>
             </a:r>
-            <a:endParaRPr lang="en-US" dirty="0"/>
           </a:p>
         </p:txBody>
       </p:sp>
@@ -1059,10 +1061,9 @@
           <a:lstStyle/>
           <a:p>
             <a:r>
-              <a:rPr lang="en-US" smtClean="0"/>
+              <a:rPr lang="en-US"/>
               <a:t>Click to edit Master title style</a:t>
             </a:r>
-            <a:endParaRPr lang="en-US"/>
           </a:p>
         </p:txBody>
       </p:sp>
@@ -1178,10 +1179,9 @@
           </a:lstStyle>
           <a:p>
             <a:r>
-              <a:rPr lang="en-US" smtClean="0"/>
+              <a:rPr lang="en-US"/>
               <a:t>Click to edit Master subtitle style</a:t>
             </a:r>
-            <a:endParaRPr lang="en-US"/>
           </a:p>
         </p:txBody>
       </p:sp>
@@ -1202,7 +1202,7 @@
           <a:p>
             <a:fld id="{2019D7E9-D108-4FE4-8462-55C3BE1817A8}" type="datetimeFigureOut">
               <a:rPr lang="en-US" smtClean="0"/>
-              <a:t>11/15/2017</a:t>
+              <a:t>11/21/2017</a:t>
             </a:fld>
             <a:endParaRPr lang="en-US"/>
           </a:p>
@@ -1296,10 +1296,9 @@
           <a:lstStyle/>
           <a:p>
             <a:r>
-              <a:rPr lang="en-US" smtClean="0"/>
+              <a:rPr lang="en-US"/>
               <a:t>Click to edit Master title style</a:t>
             </a:r>
-            <a:endParaRPr lang="en-US"/>
           </a:p>
         </p:txBody>
       </p:sp>
@@ -1320,38 +1319,37 @@
           <a:p>
             <a:pPr lvl="0"/>
             <a:r>
-              <a:rPr lang="en-US" smtClean="0"/>
+              <a:rPr lang="en-US"/>
               <a:t>Click to edit Master text styles</a:t>
             </a:r>
           </a:p>
           <a:p>
             <a:pPr lvl="1"/>
             <a:r>
-              <a:rPr lang="en-US" smtClean="0"/>
+              <a:rPr lang="en-US"/>
               <a:t>Second level</a:t>
             </a:r>
           </a:p>
           <a:p>
             <a:pPr lvl="2"/>
             <a:r>
-              <a:rPr lang="en-US" smtClean="0"/>
+              <a:rPr lang="en-US"/>
               <a:t>Third level</a:t>
             </a:r>
           </a:p>
           <a:p>
             <a:pPr lvl="3"/>
             <a:r>
-              <a:rPr lang="en-US" smtClean="0"/>
+              <a:rPr lang="en-US"/>
               <a:t>Fourth level</a:t>
             </a:r>
           </a:p>
           <a:p>
             <a:pPr lvl="4"/>
             <a:r>
-              <a:rPr lang="en-US" smtClean="0"/>
+              <a:rPr lang="en-US"/>
               <a:t>Fifth level</a:t>
             </a:r>
-            <a:endParaRPr lang="en-US"/>
           </a:p>
         </p:txBody>
       </p:sp>
@@ -1372,7 +1370,7 @@
           <a:p>
             <a:fld id="{2019D7E9-D108-4FE4-8462-55C3BE1817A8}" type="datetimeFigureOut">
               <a:rPr lang="en-US" smtClean="0"/>
-              <a:t>11/15/2017</a:t>
+              <a:t>11/21/2017</a:t>
             </a:fld>
             <a:endParaRPr lang="en-US"/>
           </a:p>
@@ -1471,10 +1469,9 @@
           <a:lstStyle/>
           <a:p>
             <a:r>
-              <a:rPr lang="en-US" smtClean="0"/>
+              <a:rPr lang="en-US"/>
               <a:t>Click to edit Master title style</a:t>
             </a:r>
-            <a:endParaRPr lang="en-US"/>
           </a:p>
         </p:txBody>
       </p:sp>
@@ -1500,38 +1497,37 @@
           <a:p>
             <a:pPr lvl="0"/>
             <a:r>
-              <a:rPr lang="en-US" smtClean="0"/>
+              <a:rPr lang="en-US"/>
               <a:t>Click to edit Master text styles</a:t>
             </a:r>
           </a:p>
           <a:p>
             <a:pPr lvl="1"/>
             <a:r>
-              <a:rPr lang="en-US" smtClean="0"/>
+              <a:rPr lang="en-US"/>
               <a:t>Second level</a:t>
             </a:r>
           </a:p>
           <a:p>
             <a:pPr lvl="2"/>
             <a:r>
-              <a:rPr lang="en-US" smtClean="0"/>
+              <a:rPr lang="en-US"/>
               <a:t>Third level</a:t>
             </a:r>
           </a:p>
           <a:p>
             <a:pPr lvl="3"/>
             <a:r>
-              <a:rPr lang="en-US" smtClean="0"/>
+              <a:rPr lang="en-US"/>
               <a:t>Fourth level</a:t>
             </a:r>
           </a:p>
           <a:p>
             <a:pPr lvl="4"/>
             <a:r>
-              <a:rPr lang="en-US" smtClean="0"/>
+              <a:rPr lang="en-US"/>
               <a:t>Fifth level</a:t>
             </a:r>
-            <a:endParaRPr lang="en-US"/>
           </a:p>
         </p:txBody>
       </p:sp>
@@ -1552,7 +1548,7 @@
           <a:p>
             <a:fld id="{2019D7E9-D108-4FE4-8462-55C3BE1817A8}" type="datetimeFigureOut">
               <a:rPr lang="en-US" smtClean="0"/>
-              <a:t>11/15/2017</a:t>
+              <a:t>11/21/2017</a:t>
             </a:fld>
             <a:endParaRPr lang="en-US"/>
           </a:p>
@@ -1646,10 +1642,9 @@
           <a:lstStyle/>
           <a:p>
             <a:r>
-              <a:rPr lang="en-US" smtClean="0"/>
+              <a:rPr lang="en-US"/>
               <a:t>Click to edit Master title style</a:t>
             </a:r>
-            <a:endParaRPr lang="en-US"/>
           </a:p>
         </p:txBody>
       </p:sp>
@@ -1670,38 +1665,37 @@
           <a:p>
             <a:pPr lvl="0"/>
             <a:r>
-              <a:rPr lang="en-US" smtClean="0"/>
+              <a:rPr lang="en-US"/>
               <a:t>Click to edit Master text styles</a:t>
             </a:r>
           </a:p>
           <a:p>
             <a:pPr lvl="1"/>
             <a:r>
-              <a:rPr lang="en-US" smtClean="0"/>
+              <a:rPr lang="en-US"/>
               <a:t>Second level</a:t>
             </a:r>
           </a:p>
           <a:p>
             <a:pPr lvl="2"/>
             <a:r>
-              <a:rPr lang="en-US" smtClean="0"/>
+              <a:rPr lang="en-US"/>
               <a:t>Third level</a:t>
             </a:r>
           </a:p>
           <a:p>
             <a:pPr lvl="3"/>
             <a:r>
-              <a:rPr lang="en-US" smtClean="0"/>
+              <a:rPr lang="en-US"/>
               <a:t>Fourth level</a:t>
             </a:r>
           </a:p>
           <a:p>
             <a:pPr lvl="4"/>
             <a:r>
-              <a:rPr lang="en-US" smtClean="0"/>
+              <a:rPr lang="en-US"/>
               <a:t>Fifth level</a:t>
             </a:r>
-            <a:endParaRPr lang="en-US"/>
           </a:p>
         </p:txBody>
       </p:sp>
@@ -1722,7 +1716,7 @@
           <a:p>
             <a:fld id="{2019D7E9-D108-4FE4-8462-55C3BE1817A8}" type="datetimeFigureOut">
               <a:rPr lang="en-US" smtClean="0"/>
-              <a:t>11/15/2017</a:t>
+              <a:t>11/21/2017</a:t>
             </a:fld>
             <a:endParaRPr lang="en-US"/>
           </a:p>
@@ -1825,10 +1819,9 @@
           </a:lstStyle>
           <a:p>
             <a:r>
-              <a:rPr lang="en-US" smtClean="0"/>
+              <a:rPr lang="en-US"/>
               <a:t>Click to edit Master title style</a:t>
             </a:r>
-            <a:endParaRPr lang="en-US"/>
           </a:p>
         </p:txBody>
       </p:sp>
@@ -1945,7 +1938,7 @@
           <a:p>
             <a:pPr lvl="0"/>
             <a:r>
-              <a:rPr lang="en-US" smtClean="0"/>
+              <a:rPr lang="en-US"/>
               <a:t>Click to edit Master text styles</a:t>
             </a:r>
           </a:p>
@@ -1968,7 +1961,7 @@
           <a:p>
             <a:fld id="{2019D7E9-D108-4FE4-8462-55C3BE1817A8}" type="datetimeFigureOut">
               <a:rPr lang="en-US" smtClean="0"/>
-              <a:t>11/15/2017</a:t>
+              <a:t>11/21/2017</a:t>
             </a:fld>
             <a:endParaRPr lang="en-US"/>
           </a:p>
@@ -2062,10 +2055,9 @@
           <a:lstStyle/>
           <a:p>
             <a:r>
-              <a:rPr lang="en-US" smtClean="0"/>
+              <a:rPr lang="en-US"/>
               <a:t>Click to edit Master title style</a:t>
             </a:r>
-            <a:endParaRPr lang="en-US"/>
           </a:p>
         </p:txBody>
       </p:sp>
@@ -2119,38 +2111,37 @@
           <a:p>
             <a:pPr lvl="0"/>
             <a:r>
-              <a:rPr lang="en-US" smtClean="0"/>
+              <a:rPr lang="en-US"/>
               <a:t>Click to edit Master text styles</a:t>
             </a:r>
           </a:p>
           <a:p>
             <a:pPr lvl="1"/>
             <a:r>
-              <a:rPr lang="en-US" smtClean="0"/>
+              <a:rPr lang="en-US"/>
               <a:t>Second level</a:t>
             </a:r>
           </a:p>
           <a:p>
             <a:pPr lvl="2"/>
             <a:r>
-              <a:rPr lang="en-US" smtClean="0"/>
+              <a:rPr lang="en-US"/>
               <a:t>Third level</a:t>
             </a:r>
           </a:p>
           <a:p>
             <a:pPr lvl="3"/>
             <a:r>
-              <a:rPr lang="en-US" smtClean="0"/>
+              <a:rPr lang="en-US"/>
               <a:t>Fourth level</a:t>
             </a:r>
           </a:p>
           <a:p>
             <a:pPr lvl="4"/>
             <a:r>
-              <a:rPr lang="en-US" smtClean="0"/>
+              <a:rPr lang="en-US"/>
               <a:t>Fifth level</a:t>
             </a:r>
-            <a:endParaRPr lang="en-US"/>
           </a:p>
         </p:txBody>
       </p:sp>
@@ -2204,38 +2195,37 @@
           <a:p>
             <a:pPr lvl="0"/>
             <a:r>
-              <a:rPr lang="en-US" smtClean="0"/>
+              <a:rPr lang="en-US"/>
               <a:t>Click to edit Master text styles</a:t>
             </a:r>
           </a:p>
           <a:p>
             <a:pPr lvl="1"/>
             <a:r>
-              <a:rPr lang="en-US" smtClean="0"/>
+              <a:rPr lang="en-US"/>
               <a:t>Second level</a:t>
             </a:r>
           </a:p>
           <a:p>
             <a:pPr lvl="2"/>
             <a:r>
-              <a:rPr lang="en-US" smtClean="0"/>
+              <a:rPr lang="en-US"/>
               <a:t>Third level</a:t>
             </a:r>
           </a:p>
           <a:p>
             <a:pPr lvl="3"/>
             <a:r>
-              <a:rPr lang="en-US" smtClean="0"/>
+              <a:rPr lang="en-US"/>
               <a:t>Fourth level</a:t>
             </a:r>
           </a:p>
           <a:p>
             <a:pPr lvl="4"/>
             <a:r>
-              <a:rPr lang="en-US" smtClean="0"/>
+              <a:rPr lang="en-US"/>
               <a:t>Fifth level</a:t>
             </a:r>
-            <a:endParaRPr lang="en-US"/>
           </a:p>
         </p:txBody>
       </p:sp>
@@ -2256,7 +2246,7 @@
           <a:p>
             <a:fld id="{2019D7E9-D108-4FE4-8462-55C3BE1817A8}" type="datetimeFigureOut">
               <a:rPr lang="en-US" smtClean="0"/>
-              <a:t>11/15/2017</a:t>
+              <a:t>11/21/2017</a:t>
             </a:fld>
             <a:endParaRPr lang="en-US"/>
           </a:p>
@@ -2354,10 +2344,9 @@
           </a:lstStyle>
           <a:p>
             <a:r>
-              <a:rPr lang="en-US" smtClean="0"/>
+              <a:rPr lang="en-US"/>
               <a:t>Click to edit Master title style</a:t>
             </a:r>
-            <a:endParaRPr lang="en-US"/>
           </a:p>
         </p:txBody>
       </p:sp>
@@ -2420,7 +2409,7 @@
           <a:p>
             <a:pPr lvl="0"/>
             <a:r>
-              <a:rPr lang="en-US" smtClean="0"/>
+              <a:rPr lang="en-US"/>
               <a:t>Click to edit Master text styles</a:t>
             </a:r>
           </a:p>
@@ -2476,38 +2465,37 @@
           <a:p>
             <a:pPr lvl="0"/>
             <a:r>
-              <a:rPr lang="en-US" smtClean="0"/>
+              <a:rPr lang="en-US"/>
               <a:t>Click to edit Master text styles</a:t>
             </a:r>
           </a:p>
           <a:p>
             <a:pPr lvl="1"/>
             <a:r>
-              <a:rPr lang="en-US" smtClean="0"/>
+              <a:rPr lang="en-US"/>
               <a:t>Second level</a:t>
             </a:r>
           </a:p>
           <a:p>
             <a:pPr lvl="2"/>
             <a:r>
-              <a:rPr lang="en-US" smtClean="0"/>
+              <a:rPr lang="en-US"/>
               <a:t>Third level</a:t>
             </a:r>
           </a:p>
           <a:p>
             <a:pPr lvl="3"/>
             <a:r>
-              <a:rPr lang="en-US" smtClean="0"/>
+              <a:rPr lang="en-US"/>
               <a:t>Fourth level</a:t>
             </a:r>
           </a:p>
           <a:p>
             <a:pPr lvl="4"/>
             <a:r>
-              <a:rPr lang="en-US" smtClean="0"/>
+              <a:rPr lang="en-US"/>
               <a:t>Fifth level</a:t>
             </a:r>
-            <a:endParaRPr lang="en-US"/>
           </a:p>
         </p:txBody>
       </p:sp>
@@ -2570,7 +2558,7 @@
           <a:p>
             <a:pPr lvl="0"/>
             <a:r>
-              <a:rPr lang="en-US" smtClean="0"/>
+              <a:rPr lang="en-US"/>
               <a:t>Click to edit Master text styles</a:t>
             </a:r>
           </a:p>
@@ -2626,38 +2614,37 @@
           <a:p>
             <a:pPr lvl="0"/>
             <a:r>
-              <a:rPr lang="en-US" smtClean="0"/>
+              <a:rPr lang="en-US"/>
               <a:t>Click to edit Master text styles</a:t>
             </a:r>
           </a:p>
           <a:p>
             <a:pPr lvl="1"/>
             <a:r>
-              <a:rPr lang="en-US" smtClean="0"/>
+              <a:rPr lang="en-US"/>
               <a:t>Second level</a:t>
             </a:r>
           </a:p>
           <a:p>
             <a:pPr lvl="2"/>
             <a:r>
-              <a:rPr lang="en-US" smtClean="0"/>
+              <a:rPr lang="en-US"/>
               <a:t>Third level</a:t>
             </a:r>
           </a:p>
           <a:p>
             <a:pPr lvl="3"/>
             <a:r>
-              <a:rPr lang="en-US" smtClean="0"/>
+              <a:rPr lang="en-US"/>
               <a:t>Fourth level</a:t>
             </a:r>
           </a:p>
           <a:p>
             <a:pPr lvl="4"/>
             <a:r>
-              <a:rPr lang="en-US" smtClean="0"/>
+              <a:rPr lang="en-US"/>
               <a:t>Fifth level</a:t>
             </a:r>
-            <a:endParaRPr lang="en-US"/>
           </a:p>
         </p:txBody>
       </p:sp>
@@ -2678,7 +2665,7 @@
           <a:p>
             <a:fld id="{2019D7E9-D108-4FE4-8462-55C3BE1817A8}" type="datetimeFigureOut">
               <a:rPr lang="en-US" smtClean="0"/>
-              <a:t>11/15/2017</a:t>
+              <a:t>11/21/2017</a:t>
             </a:fld>
             <a:endParaRPr lang="en-US"/>
           </a:p>
@@ -2772,10 +2759,9 @@
           <a:lstStyle/>
           <a:p>
             <a:r>
-              <a:rPr lang="en-US" smtClean="0"/>
+              <a:rPr lang="en-US"/>
               <a:t>Click to edit Master title style</a:t>
             </a:r>
-            <a:endParaRPr lang="en-US"/>
           </a:p>
         </p:txBody>
       </p:sp>
@@ -2796,7 +2782,7 @@
           <a:p>
             <a:fld id="{2019D7E9-D108-4FE4-8462-55C3BE1817A8}" type="datetimeFigureOut">
               <a:rPr lang="en-US" smtClean="0"/>
-              <a:t>11/15/2017</a:t>
+              <a:t>11/21/2017</a:t>
             </a:fld>
             <a:endParaRPr lang="en-US"/>
           </a:p>
@@ -2891,7 +2877,7 @@
           <a:p>
             <a:fld id="{2019D7E9-D108-4FE4-8462-55C3BE1817A8}" type="datetimeFigureOut">
               <a:rPr lang="en-US" smtClean="0"/>
-              <a:t>11/15/2017</a:t>
+              <a:t>11/21/2017</a:t>
             </a:fld>
             <a:endParaRPr lang="en-US"/>
           </a:p>
@@ -2994,10 +2980,9 @@
           </a:lstStyle>
           <a:p>
             <a:r>
-              <a:rPr lang="en-US" smtClean="0"/>
+              <a:rPr lang="en-US"/>
               <a:t>Click to edit Master title style</a:t>
             </a:r>
-            <a:endParaRPr lang="en-US"/>
           </a:p>
         </p:txBody>
       </p:sp>
@@ -3051,38 +3036,37 @@
           <a:p>
             <a:pPr lvl="0"/>
             <a:r>
-              <a:rPr lang="en-US" smtClean="0"/>
+              <a:rPr lang="en-US"/>
               <a:t>Click to edit Master text styles</a:t>
             </a:r>
           </a:p>
           <a:p>
             <a:pPr lvl="1"/>
             <a:r>
-              <a:rPr lang="en-US" smtClean="0"/>
+              <a:rPr lang="en-US"/>
               <a:t>Second level</a:t>
             </a:r>
           </a:p>
           <a:p>
             <a:pPr lvl="2"/>
             <a:r>
-              <a:rPr lang="en-US" smtClean="0"/>
+              <a:rPr lang="en-US"/>
               <a:t>Third level</a:t>
             </a:r>
           </a:p>
           <a:p>
             <a:pPr lvl="3"/>
             <a:r>
-              <a:rPr lang="en-US" smtClean="0"/>
+              <a:rPr lang="en-US"/>
               <a:t>Fourth level</a:t>
             </a:r>
           </a:p>
           <a:p>
             <a:pPr lvl="4"/>
             <a:r>
-              <a:rPr lang="en-US" smtClean="0"/>
+              <a:rPr lang="en-US"/>
               <a:t>Fifth level</a:t>
             </a:r>
-            <a:endParaRPr lang="en-US"/>
           </a:p>
         </p:txBody>
       </p:sp>
@@ -3145,7 +3129,7 @@
           <a:p>
             <a:pPr lvl="0"/>
             <a:r>
-              <a:rPr lang="en-US" smtClean="0"/>
+              <a:rPr lang="en-US"/>
               <a:t>Click to edit Master text styles</a:t>
             </a:r>
           </a:p>
@@ -3168,7 +3152,7 @@
           <a:p>
             <a:fld id="{2019D7E9-D108-4FE4-8462-55C3BE1817A8}" type="datetimeFigureOut">
               <a:rPr lang="en-US" smtClean="0"/>
-              <a:t>11/15/2017</a:t>
+              <a:t>11/21/2017</a:t>
             </a:fld>
             <a:endParaRPr lang="en-US"/>
           </a:p>
@@ -3271,10 +3255,9 @@
           </a:lstStyle>
           <a:p>
             <a:r>
-              <a:rPr lang="en-US" smtClean="0"/>
+              <a:rPr lang="en-US"/>
               <a:t>Click to edit Master title style</a:t>
             </a:r>
-            <a:endParaRPr lang="en-US"/>
           </a:p>
         </p:txBody>
       </p:sp>
@@ -3398,7 +3381,7 @@
           <a:p>
             <a:pPr lvl="0"/>
             <a:r>
-              <a:rPr lang="en-US" smtClean="0"/>
+              <a:rPr lang="en-US"/>
               <a:t>Click to edit Master text styles</a:t>
             </a:r>
           </a:p>
@@ -3421,7 +3404,7 @@
           <a:p>
             <a:fld id="{2019D7E9-D108-4FE4-8462-55C3BE1817A8}" type="datetimeFigureOut">
               <a:rPr lang="en-US" smtClean="0"/>
-              <a:t>11/15/2017</a:t>
+              <a:t>11/21/2017</a:t>
             </a:fld>
             <a:endParaRPr lang="en-US"/>
           </a:p>
@@ -3530,10 +3513,9 @@
           <a:lstStyle/>
           <a:p>
             <a:r>
-              <a:rPr lang="en-US" smtClean="0"/>
+              <a:rPr lang="en-US"/>
               <a:t>Click to edit Master title style</a:t>
             </a:r>
-            <a:endParaRPr lang="en-US"/>
           </a:p>
         </p:txBody>
       </p:sp>
@@ -3564,38 +3546,37 @@
           <a:p>
             <a:pPr lvl="0"/>
             <a:r>
-              <a:rPr lang="en-US" smtClean="0"/>
+              <a:rPr lang="en-US"/>
               <a:t>Click to edit Master text styles</a:t>
             </a:r>
           </a:p>
           <a:p>
             <a:pPr lvl="1"/>
             <a:r>
-              <a:rPr lang="en-US" smtClean="0"/>
+              <a:rPr lang="en-US"/>
               <a:t>Second level</a:t>
             </a:r>
           </a:p>
           <a:p>
             <a:pPr lvl="2"/>
             <a:r>
-              <a:rPr lang="en-US" smtClean="0"/>
+              <a:rPr lang="en-US"/>
               <a:t>Third level</a:t>
             </a:r>
           </a:p>
           <a:p>
             <a:pPr lvl="3"/>
             <a:r>
-              <a:rPr lang="en-US" smtClean="0"/>
+              <a:rPr lang="en-US"/>
               <a:t>Fourth level</a:t>
             </a:r>
           </a:p>
           <a:p>
             <a:pPr lvl="4"/>
             <a:r>
-              <a:rPr lang="en-US" smtClean="0"/>
+              <a:rPr lang="en-US"/>
               <a:t>Fifth level</a:t>
             </a:r>
-            <a:endParaRPr lang="en-US"/>
           </a:p>
         </p:txBody>
       </p:sp>
@@ -3634,7 +3615,7 @@
           <a:p>
             <a:fld id="{2019D7E9-D108-4FE4-8462-55C3BE1817A8}" type="datetimeFigureOut">
               <a:rPr lang="en-US" smtClean="0"/>
-              <a:t>11/15/2017</a:t>
+              <a:t>11/21/2017</a:t>
             </a:fld>
             <a:endParaRPr lang="en-US"/>
           </a:p>
@@ -4025,10 +4006,9 @@
           <a:lstStyle/>
           <a:p>
             <a:r>
-              <a:rPr lang="en-US" dirty="0" smtClean="0"/>
+              <a:rPr lang="en-US" dirty="0"/>
               <a:t>F# For Data</a:t>
             </a:r>
-            <a:endParaRPr lang="en-US" dirty="0"/>
           </a:p>
         </p:txBody>
       </p:sp>
@@ -4048,26 +4028,25 @@
           <a:lstStyle/>
           <a:p>
             <a:r>
-              <a:rPr lang="en-US" dirty="0" err="1" smtClean="0"/>
+              <a:rPr lang="en-US" dirty="0" err="1"/>
               <a:t>PyData</a:t>
             </a:r>
             <a:r>
-              <a:rPr lang="en-US" dirty="0" smtClean="0"/>
+              <a:rPr lang="en-US" dirty="0"/>
               <a:t> NYC 11/29/2017</a:t>
             </a:r>
           </a:p>
           <a:p>
             <a:r>
-              <a:rPr lang="en-US" dirty="0" smtClean="0"/>
+              <a:rPr lang="en-US" dirty="0"/>
               <a:t>Jamie Dixon</a:t>
             </a:r>
           </a:p>
           <a:p>
             <a:r>
-              <a:rPr lang="en-US" dirty="0" smtClean="0"/>
-              <a:t>Tom Porter</a:t>
-            </a:r>
-            <a:endParaRPr lang="en-US" dirty="0"/>
+              <a:rPr lang="en-US" dirty="0"/>
+              <a:t>Thomas Porter</a:t>
+            </a:r>
           </a:p>
         </p:txBody>
       </p:sp>
@@ -4081,13 +4060,6 @@
   <p:clrMapOvr>
     <a:masterClrMapping/>
   </p:clrMapOvr>
-  <p:timing>
-    <p:tnLst>
-      <p:par>
-        <p:cTn id="1" dur="indefinite" restart="never" nodeType="tmRoot"/>
-      </p:par>
-    </p:tnLst>
-  </p:timing>
 </p:sld>
 </file>
 
@@ -4124,10 +4096,9 @@
           <a:lstStyle/>
           <a:p>
             <a:r>
-              <a:rPr lang="en-US" dirty="0" smtClean="0"/>
+              <a:rPr lang="en-US" dirty="0"/>
               <a:t>F# Type Providers</a:t>
             </a:r>
-            <a:endParaRPr lang="en-US" dirty="0"/>
           </a:p>
         </p:txBody>
       </p:sp>
@@ -4149,36 +4120,36 @@
           <a:lstStyle/>
           <a:p>
             <a:r>
-              <a:rPr lang="en-US" dirty="0" smtClean="0"/>
+              <a:rPr lang="en-US" dirty="0"/>
               <a:t>Declare a Type</a:t>
             </a:r>
           </a:p>
           <a:p>
             <a:pPr lvl="1"/>
             <a:r>
-              <a:rPr lang="en-US" dirty="0" smtClean="0"/>
+              <a:rPr lang="en-US" dirty="0"/>
               <a:t>type Stocks = </a:t>
             </a:r>
             <a:r>
-              <a:rPr lang="en-US" dirty="0" err="1" smtClean="0"/>
+              <a:rPr lang="en-US" dirty="0" err="1"/>
               <a:t>CsvProvider</a:t>
             </a:r>
             <a:r>
-              <a:rPr lang="en-US" dirty="0" smtClean="0"/>
+              <a:rPr lang="en-US" dirty="0"/>
               <a:t>&lt;</a:t>
             </a:r>
             <a:r>
-              <a:rPr lang="en-US" dirty="0" err="1" smtClean="0"/>
+              <a:rPr lang="en-US" dirty="0" err="1"/>
               <a:t>someUri</a:t>
             </a:r>
             <a:r>
-              <a:rPr lang="en-US" dirty="0" smtClean="0"/>
+              <a:rPr lang="en-US" dirty="0"/>
               <a:t>&gt;</a:t>
             </a:r>
           </a:p>
           <a:p>
             <a:r>
-              <a:rPr lang="en-US" dirty="0" smtClean="0"/>
+              <a:rPr lang="en-US" dirty="0"/>
               <a:t> Hydrate an Instance</a:t>
             </a:r>
           </a:p>
@@ -4186,54 +4157,15 @@
             <a:pPr lvl="1"/>
             <a:r>
               <a:rPr lang="en-US" dirty="0"/>
-              <a:t>l</a:t>
-            </a:r>
-            <a:r>
-              <a:rPr lang="en-US" dirty="0" smtClean="0"/>
-              <a:t>et </a:t>
-            </a:r>
-            <a:r>
-              <a:rPr lang="en-US" dirty="0" err="1" smtClean="0"/>
+              <a:t>let </a:t>
+            </a:r>
+            <a:r>
+              <a:rPr lang="en-US" dirty="0" err="1"/>
               <a:t>ibmStockData</a:t>
             </a:r>
             <a:r>
-              <a:rPr lang="en-US" dirty="0" smtClean="0"/>
+              <a:rPr lang="en-US" dirty="0"/>
               <a:t> = </a:t>
-            </a:r>
-            <a:r>
-              <a:rPr lang="en-US" dirty="0" err="1" smtClean="0"/>
-              <a:t>Stocks.Load</a:t>
-            </a:r>
-            <a:r>
-              <a:rPr lang="en-US" dirty="0" smtClean="0"/>
-              <a:t>(</a:t>
-            </a:r>
-            <a:r>
-              <a:rPr lang="en-US" dirty="0" err="1" smtClean="0"/>
-              <a:t>someUri</a:t>
-            </a:r>
-            <a:r>
-              <a:rPr lang="en-US" dirty="0" smtClean="0"/>
-              <a:t> + IBM)</a:t>
-            </a:r>
-          </a:p>
-          <a:p>
-            <a:pPr lvl="1"/>
-            <a:r>
-              <a:rPr lang="en-US" dirty="0"/>
-              <a:t>let </a:t>
-            </a:r>
-            <a:r>
-              <a:rPr lang="en-US" dirty="0" err="1" smtClean="0"/>
-              <a:t>aaplStockData</a:t>
-            </a:r>
-            <a:r>
-              <a:rPr lang="en-US" dirty="0" smtClean="0"/>
-              <a:t> </a:t>
-            </a:r>
-            <a:r>
-              <a:rPr lang="en-US" dirty="0"/>
-              <a:t>= </a:t>
             </a:r>
             <a:r>
               <a:rPr lang="en-US" dirty="0" err="1"/>
@@ -4249,35 +4181,66 @@
             </a:r>
             <a:r>
               <a:rPr lang="en-US" dirty="0"/>
+              <a:t> + IBM)</a:t>
+            </a:r>
+          </a:p>
+          <a:p>
+            <a:pPr lvl="1"/>
+            <a:r>
+              <a:rPr lang="en-US" dirty="0"/>
+              <a:t>let </a:t>
+            </a:r>
+            <a:r>
+              <a:rPr lang="en-US" dirty="0" err="1"/>
+              <a:t>aaplStockData</a:t>
+            </a:r>
+            <a:r>
+              <a:rPr lang="en-US" dirty="0"/>
+              <a:t> = </a:t>
+            </a:r>
+            <a:r>
+              <a:rPr lang="en-US" dirty="0" err="1"/>
+              <a:t>Stocks.Load</a:t>
+            </a:r>
+            <a:r>
+              <a:rPr lang="en-US" dirty="0"/>
+              <a:t>(</a:t>
+            </a:r>
+            <a:r>
+              <a:rPr lang="en-US" dirty="0" err="1"/>
+              <a:t>someUri</a:t>
+            </a:r>
+            <a:r>
+              <a:rPr lang="en-US" dirty="0"/>
               <a:t> + </a:t>
             </a:r>
             <a:r>
-              <a:rPr lang="en-US" dirty="0" err="1" smtClean="0"/>
+              <a:rPr lang="en-US" dirty="0" err="1"/>
               <a:t>AAPL</a:t>
             </a:r>
             <a:r>
-              <a:rPr lang="en-US" dirty="0" smtClean="0"/>
+              <a:rPr lang="en-US" dirty="0"/>
               <a:t>)</a:t>
             </a:r>
           </a:p>
           <a:p>
             <a:r>
-              <a:rPr lang="en-US" dirty="0" smtClean="0"/>
+              <a:rPr lang="en-US" dirty="0"/>
               <a:t>Traverse and Manipulate Instance</a:t>
             </a:r>
           </a:p>
           <a:p>
             <a:pPr lvl="1"/>
             <a:r>
-              <a:rPr lang="en-US" dirty="0" smtClean="0"/>
+              <a:rPr lang="en-US" dirty="0"/>
               <a:t>let data = </a:t>
             </a:r>
             <a:r>
-              <a:rPr lang="en-US" dirty="0" err="1" smtClean="0"/>
+              <a:rPr lang="en-US" dirty="0" err="1"/>
               <a:t>ibmStockData.Rows</a:t>
             </a:r>
             <a:r>
-              <a:rPr lang="en-US" dirty="0" smtClean="0"/>
+              <a:rPr lang="en-US" dirty="0"/>
               <a:t> </a:t>
             </a:r>
           </a:p>
@@ -4287,13 +4250,8 @@
             </a:pPr>
             <a:r>
               <a:rPr lang="en-US" dirty="0"/>
-              <a:t>	</a:t>
-            </a:r>
-            <a:r>
-              <a:rPr lang="en-US" dirty="0" smtClean="0"/>
-              <a:t>|&gt; Filter |&gt; Sort |&gt; Perry |&gt; Dodge |&gt; Spin</a:t>
-            </a:r>
-            <a:endParaRPr lang="en-US" dirty="0"/>
+              <a:t>	|&gt; Filter |&gt; Sort |&gt; Perry |&gt; Dodge |&gt; Spin</a:t>
+            </a:r>
           </a:p>
           <a:p>
             <a:pPr lvl="1"/>
@@ -4311,13 +4269,6 @@
   <p:clrMapOvr>
     <a:masterClrMapping/>
   </p:clrMapOvr>
-  <p:timing>
-    <p:tnLst>
-      <p:par>
-        <p:cTn id="1" dur="indefinite" restart="never" nodeType="tmRoot"/>
-      </p:par>
-    </p:tnLst>
-  </p:timing>
 </p:sld>
 </file>
 
@@ -4354,10 +4305,9 @@
           <a:lstStyle/>
           <a:p>
             <a:r>
-              <a:rPr lang="en-US" dirty="0" smtClean="0"/>
+              <a:rPr lang="en-US" dirty="0"/>
               <a:t>F# Type Providers</a:t>
             </a:r>
-            <a:endParaRPr lang="en-US" dirty="0"/>
           </a:p>
         </p:txBody>
       </p:sp>
@@ -4377,10 +4327,9 @@
           <a:lstStyle/>
           <a:p>
             <a:r>
-              <a:rPr lang="en-US" dirty="0" smtClean="0"/>
+              <a:rPr lang="en-US" dirty="0"/>
               <a:t>&lt;Demo /&gt;</a:t>
             </a:r>
-            <a:endParaRPr lang="en-US" dirty="0"/>
           </a:p>
         </p:txBody>
       </p:sp>
@@ -4394,13 +4343,6 @@
   <p:clrMapOvr>
     <a:masterClrMapping/>
   </p:clrMapOvr>
-  <p:timing>
-    <p:tnLst>
-      <p:par>
-        <p:cTn id="1" dur="indefinite" restart="never" nodeType="tmRoot"/>
-      </p:par>
-    </p:tnLst>
-  </p:timing>
 </p:sld>
 </file>
 
@@ -4437,10 +4379,9 @@
           <a:lstStyle/>
           <a:p>
             <a:r>
-              <a:rPr lang="en-US" dirty="0" smtClean="0"/>
+              <a:rPr lang="en-US" dirty="0"/>
               <a:t>F# Data Manipulation</a:t>
             </a:r>
-            <a:endParaRPr lang="en-US" dirty="0"/>
           </a:p>
         </p:txBody>
       </p:sp>
@@ -4460,53 +4401,53 @@
           <a:lstStyle/>
           <a:p>
             <a:r>
-              <a:rPr lang="en-US" dirty="0" smtClean="0"/>
+              <a:rPr lang="en-US" dirty="0"/>
               <a:t>F# Language uses high order functions for most data manipulation tasks</a:t>
             </a:r>
           </a:p>
           <a:p>
             <a:r>
-              <a:rPr lang="en-US" dirty="0" smtClean="0"/>
+              <a:rPr lang="en-US" dirty="0"/>
               <a:t>Can use Parallel library for parallel compute</a:t>
             </a:r>
           </a:p>
           <a:p>
             <a:r>
-              <a:rPr lang="en-US" i="1" dirty="0" err="1" smtClean="0"/>
+              <a:rPr lang="en-US" i="1" dirty="0" err="1"/>
               <a:t>Deedle</a:t>
             </a:r>
             <a:r>
-              <a:rPr lang="en-US" dirty="0" smtClean="0"/>
+              <a:rPr lang="en-US" dirty="0"/>
               <a:t> is for exploratory and time series analysis ~ </a:t>
             </a:r>
             <a:r>
-              <a:rPr lang="en-US" dirty="0" err="1" smtClean="0"/>
+              <a:rPr lang="en-US" dirty="0" err="1"/>
               <a:t>Equiv</a:t>
             </a:r>
             <a:r>
-              <a:rPr lang="en-US" dirty="0" smtClean="0"/>
+              <a:rPr lang="en-US" dirty="0"/>
               <a:t> to Pandas</a:t>
             </a:r>
           </a:p>
           <a:p>
             <a:r>
-              <a:rPr lang="en-US" i="1" dirty="0" err="1" smtClean="0"/>
+              <a:rPr lang="en-US" i="1" dirty="0" err="1"/>
               <a:t>MBrace</a:t>
             </a:r>
             <a:r>
-              <a:rPr lang="en-US" dirty="0" smtClean="0"/>
+              <a:rPr lang="en-US" dirty="0"/>
               <a:t> is for cross machine computation ~ </a:t>
             </a:r>
             <a:r>
-              <a:rPr lang="en-US" dirty="0" err="1" smtClean="0"/>
+              <a:rPr lang="en-US" dirty="0" err="1"/>
               <a:t>equiv</a:t>
             </a:r>
             <a:r>
-              <a:rPr lang="en-US" dirty="0" smtClean="0"/>
+              <a:rPr lang="en-US" dirty="0"/>
               <a:t> to </a:t>
             </a:r>
             <a:r>
-              <a:rPr lang="en-US" dirty="0" err="1" smtClean="0"/>
+              <a:rPr lang="en-US" dirty="0" err="1"/>
               <a:t>hadoop</a:t>
             </a:r>
             <a:endParaRPr lang="en-US" dirty="0"/>
@@ -4523,13 +4464,6 @@
   <p:clrMapOvr>
     <a:masterClrMapping/>
   </p:clrMapOvr>
-  <p:timing>
-    <p:tnLst>
-      <p:par>
-        <p:cTn id="1" dur="indefinite" restart="never" nodeType="tmRoot"/>
-      </p:par>
-    </p:tnLst>
-  </p:timing>
 </p:sld>
 </file>
 
@@ -4566,10 +4500,9 @@
           <a:lstStyle/>
           <a:p>
             <a:r>
-              <a:rPr lang="en-US" dirty="0" smtClean="0"/>
+              <a:rPr lang="en-US" dirty="0"/>
               <a:t>F# Data Manipulation</a:t>
             </a:r>
-            <a:endParaRPr lang="en-US" dirty="0"/>
           </a:p>
         </p:txBody>
       </p:sp>
@@ -4589,88 +4522,74 @@
           <a:lstStyle/>
           <a:p>
             <a:r>
-              <a:rPr lang="en-US" dirty="0" smtClean="0"/>
-              <a:t>High Order Functions</a:t>
-            </a:r>
-            <a:r>
-              <a:rPr lang="en-US" dirty="0"/>
-              <a:t> </a:t>
-            </a:r>
-            <a:r>
-              <a:rPr lang="en-US" dirty="0" smtClean="0"/>
-              <a:t>are functions that take in other functions as arguments</a:t>
+              <a:rPr lang="en-US" dirty="0"/>
+              <a:t>High Order Functions are functions that take in other functions as arguments</a:t>
             </a:r>
           </a:p>
           <a:p>
             <a:pPr lvl="1"/>
             <a:r>
-              <a:rPr lang="en-US" dirty="0" smtClean="0"/>
+              <a:rPr lang="en-US" dirty="0"/>
               <a:t>Seen with Lambdas: </a:t>
             </a:r>
             <a:r>
-              <a:rPr lang="en-US" dirty="0" err="1" smtClean="0"/>
+              <a:rPr lang="en-US" dirty="0" err="1"/>
               <a:t>Seq.Map</a:t>
             </a:r>
             <a:r>
-              <a:rPr lang="en-US" dirty="0" smtClean="0"/>
+              <a:rPr lang="en-US" dirty="0"/>
               <a:t>(fun x -&gt; x + 1)</a:t>
             </a:r>
           </a:p>
           <a:p>
             <a:pPr lvl="1"/>
             <a:r>
-              <a:rPr lang="en-US" dirty="0" smtClean="0"/>
-              <a:t>Can be a named function:</a:t>
-            </a:r>
-            <a:r>
-              <a:rPr lang="en-US" dirty="0"/>
-              <a:t> </a:t>
-            </a:r>
-            <a:endParaRPr lang="en-US" dirty="0" smtClean="0"/>
+              <a:rPr lang="en-US" dirty="0"/>
+              <a:t>Can be a named function: </a:t>
+            </a:r>
           </a:p>
           <a:p>
             <a:pPr marL="914400" lvl="2" indent="0">
               <a:buNone/>
             </a:pPr>
             <a:r>
-              <a:rPr lang="en-US" dirty="0" smtClean="0"/>
+              <a:rPr lang="en-US" dirty="0"/>
               <a:t>let </a:t>
             </a:r>
             <a:r>
-              <a:rPr lang="en-US" dirty="0" err="1" smtClean="0"/>
+              <a:rPr lang="en-US" dirty="0" err="1"/>
               <a:t>addOne</a:t>
             </a:r>
             <a:r>
-              <a:rPr lang="en-US" dirty="0" smtClean="0"/>
+              <a:rPr lang="en-US" dirty="0"/>
               <a:t> x = x + 1</a:t>
             </a:r>
-            <a:endParaRPr lang="en-US" dirty="0"/>
           </a:p>
           <a:p>
             <a:pPr marL="914400" lvl="2" indent="0">
               <a:buNone/>
             </a:pPr>
             <a:r>
-              <a:rPr lang="en-US" dirty="0" err="1" smtClean="0"/>
+              <a:rPr lang="en-US" dirty="0" err="1"/>
               <a:t>Seq.Map</a:t>
             </a:r>
             <a:r>
-              <a:rPr lang="en-US" dirty="0" smtClean="0"/>
+              <a:rPr lang="en-US" dirty="0"/>
               <a:t>(</a:t>
             </a:r>
             <a:r>
-              <a:rPr lang="en-US" dirty="0" err="1" smtClean="0"/>
+              <a:rPr lang="en-US" dirty="0" err="1"/>
               <a:t>addOne</a:t>
             </a:r>
             <a:r>
-              <a:rPr lang="en-US" dirty="0" smtClean="0"/>
+              <a:rPr lang="en-US" dirty="0"/>
               <a:t>)</a:t>
             </a:r>
           </a:p>
           <a:p>
             <a:pPr lvl="1"/>
             <a:r>
-              <a:rPr lang="en-US" dirty="0" smtClean="0"/>
+              <a:rPr lang="en-US" dirty="0"/>
               <a:t>Can have more than 1 parameter</a:t>
             </a:r>
           </a:p>
@@ -4679,27 +4598,27 @@
               <a:buNone/>
             </a:pPr>
             <a:r>
-              <a:rPr lang="en-US" dirty="0" err="1" smtClean="0"/>
+              <a:rPr lang="en-US" dirty="0" err="1"/>
               <a:t>Seq.mapi</a:t>
             </a:r>
             <a:r>
-              <a:rPr lang="en-US" dirty="0" smtClean="0"/>
+              <a:rPr lang="en-US" dirty="0"/>
               <a:t>(fun </a:t>
             </a:r>
             <a:r>
-              <a:rPr lang="en-US" dirty="0" err="1" smtClean="0"/>
+              <a:rPr lang="en-US" dirty="0" err="1"/>
               <a:t>idx</a:t>
             </a:r>
             <a:r>
-              <a:rPr lang="en-US" dirty="0" smtClean="0"/>
+              <a:rPr lang="en-US" dirty="0"/>
               <a:t> x -&gt; </a:t>
             </a:r>
             <a:r>
-              <a:rPr lang="en-US" dirty="0" err="1" smtClean="0"/>
+              <a:rPr lang="en-US" dirty="0" err="1"/>
               <a:t>idx</a:t>
             </a:r>
             <a:r>
-              <a:rPr lang="en-US" dirty="0" smtClean="0"/>
+              <a:rPr lang="en-US" dirty="0"/>
               <a:t> + x)</a:t>
             </a:r>
           </a:p>
@@ -4715,13 +4634,6 @@
   <p:clrMapOvr>
     <a:masterClrMapping/>
   </p:clrMapOvr>
-  <p:timing>
-    <p:tnLst>
-      <p:par>
-        <p:cTn id="1" dur="indefinite" restart="never" nodeType="tmRoot"/>
-      </p:par>
-    </p:tnLst>
-  </p:timing>
 </p:sld>
 </file>
 
@@ -4758,10 +4670,9 @@
           <a:lstStyle/>
           <a:p>
             <a:r>
-              <a:rPr lang="en-US" dirty="0" smtClean="0"/>
+              <a:rPr lang="en-US" dirty="0"/>
               <a:t>F# Data Manipulation</a:t>
             </a:r>
-            <a:endParaRPr lang="en-US" dirty="0"/>
           </a:p>
         </p:txBody>
       </p:sp>
@@ -4781,10 +4692,9 @@
           <a:lstStyle/>
           <a:p>
             <a:r>
-              <a:rPr lang="en-US" dirty="0" smtClean="0"/>
+              <a:rPr lang="en-US" dirty="0"/>
               <a:t>&lt;Demo /&gt;</a:t>
             </a:r>
-            <a:endParaRPr lang="en-US" dirty="0"/>
           </a:p>
         </p:txBody>
       </p:sp>
@@ -4798,13 +4708,6 @@
   <p:clrMapOvr>
     <a:masterClrMapping/>
   </p:clrMapOvr>
-  <p:timing>
-    <p:tnLst>
-      <p:par>
-        <p:cTn id="1" dur="indefinite" restart="never" nodeType="tmRoot"/>
-      </p:par>
-    </p:tnLst>
-  </p:timing>
 </p:sld>
 </file>
 
@@ -4841,10 +4744,9 @@
           <a:lstStyle/>
           <a:p>
             <a:r>
-              <a:rPr lang="en-US" dirty="0" smtClean="0"/>
+              <a:rPr lang="en-US" dirty="0"/>
               <a:t>F# Data Manipulation: Group By</a:t>
             </a:r>
-            <a:endParaRPr lang="en-US" dirty="0"/>
           </a:p>
         </p:txBody>
       </p:sp>
@@ -4873,21 +4775,111 @@
                 <a:tableStyleId>{5C22544A-7EE6-4342-B048-85BDC9FD1C3A}</a:tableStyleId>
               </a:tblPr>
               <a:tblGrid>
-                <a:gridCol w="703867"/>
-                <a:gridCol w="703867"/>
-                <a:gridCol w="570221"/>
-                <a:gridCol w="570221"/>
-                <a:gridCol w="308870"/>
-                <a:gridCol w="570221"/>
-                <a:gridCol w="570221"/>
-                <a:gridCol w="570221"/>
-                <a:gridCol w="570221"/>
-                <a:gridCol w="570221"/>
-                <a:gridCol w="240563"/>
-                <a:gridCol w="570221"/>
-                <a:gridCol w="570221"/>
-                <a:gridCol w="570221"/>
-                <a:gridCol w="570221"/>
+                <a:gridCol w="703867">
+                  <a:extLst>
+                    <a:ext uri="{9D8B030D-6E8A-4147-A177-3AD203B41FA5}">
+                      <a16:colId xmlns:a16="http://schemas.microsoft.com/office/drawing/2014/main" val="20000"/>
+                    </a:ext>
+                  </a:extLst>
+                </a:gridCol>
+                <a:gridCol w="703867">
+                  <a:extLst>
+                    <a:ext uri="{9D8B030D-6E8A-4147-A177-3AD203B41FA5}">
+                      <a16:colId xmlns:a16="http://schemas.microsoft.com/office/drawing/2014/main" val="20001"/>
+                    </a:ext>
+                  </a:extLst>
+                </a:gridCol>
+                <a:gridCol w="570221">
+                  <a:extLst>
+                    <a:ext uri="{9D8B030D-6E8A-4147-A177-3AD203B41FA5}">
+                      <a16:colId xmlns:a16="http://schemas.microsoft.com/office/drawing/2014/main" val="20002"/>
+                    </a:ext>
+                  </a:extLst>
+                </a:gridCol>
+                <a:gridCol w="570221">
+                  <a:extLst>
+                    <a:ext uri="{9D8B030D-6E8A-4147-A177-3AD203B41FA5}">
+                      <a16:colId xmlns:a16="http://schemas.microsoft.com/office/drawing/2014/main" val="20003"/>
+                    </a:ext>
+                  </a:extLst>
+                </a:gridCol>
+                <a:gridCol w="308870">
+                  <a:extLst>
+                    <a:ext uri="{9D8B030D-6E8A-4147-A177-3AD203B41FA5}">
+                      <a16:colId xmlns:a16="http://schemas.microsoft.com/office/drawing/2014/main" val="20004"/>
+                    </a:ext>
+                  </a:extLst>
+                </a:gridCol>
+                <a:gridCol w="570221">
+                  <a:extLst>
+                    <a:ext uri="{9D8B030D-6E8A-4147-A177-3AD203B41FA5}">
+                      <a16:colId xmlns:a16="http://schemas.microsoft.com/office/drawing/2014/main" val="20005"/>
+                    </a:ext>
+                  </a:extLst>
+                </a:gridCol>
+                <a:gridCol w="570221">
+                  <a:extLst>
+                    <a:ext uri="{9D8B030D-6E8A-4147-A177-3AD203B41FA5}">
+                      <a16:colId xmlns:a16="http://schemas.microsoft.com/office/drawing/2014/main" val="20006"/>
+                    </a:ext>
+                  </a:extLst>
+                </a:gridCol>
+                <a:gridCol w="570221">
+                  <a:extLst>
+                    <a:ext uri="{9D8B030D-6E8A-4147-A177-3AD203B41FA5}">
+                      <a16:colId xmlns:a16="http://schemas.microsoft.com/office/drawing/2014/main" val="20007"/>
+                    </a:ext>
+                  </a:extLst>
+                </a:gridCol>
+                <a:gridCol w="570221">
+                  <a:extLst>
+                    <a:ext uri="{9D8B030D-6E8A-4147-A177-3AD203B41FA5}">
+                      <a16:colId xmlns:a16="http://schemas.microsoft.com/office/drawing/2014/main" val="20008"/>
+                    </a:ext>
+                  </a:extLst>
+                </a:gridCol>
+                <a:gridCol w="570221">
+                  <a:extLst>
+                    <a:ext uri="{9D8B030D-6E8A-4147-A177-3AD203B41FA5}">
+                      <a16:colId xmlns:a16="http://schemas.microsoft.com/office/drawing/2014/main" val="20009"/>
+                    </a:ext>
+                  </a:extLst>
+                </a:gridCol>
+                <a:gridCol w="240563">
+                  <a:extLst>
+                    <a:ext uri="{9D8B030D-6E8A-4147-A177-3AD203B41FA5}">
+                      <a16:colId xmlns:a16="http://schemas.microsoft.com/office/drawing/2014/main" val="20010"/>
+                    </a:ext>
+                  </a:extLst>
+                </a:gridCol>
+                <a:gridCol w="570221">
+                  <a:extLst>
+                    <a:ext uri="{9D8B030D-6E8A-4147-A177-3AD203B41FA5}">
+                      <a16:colId xmlns:a16="http://schemas.microsoft.com/office/drawing/2014/main" val="20011"/>
+                    </a:ext>
+                  </a:extLst>
+                </a:gridCol>
+                <a:gridCol w="570221">
+                  <a:extLst>
+                    <a:ext uri="{9D8B030D-6E8A-4147-A177-3AD203B41FA5}">
+                      <a16:colId xmlns:a16="http://schemas.microsoft.com/office/drawing/2014/main" val="20012"/>
+                    </a:ext>
+                  </a:extLst>
+                </a:gridCol>
+                <a:gridCol w="570221">
+                  <a:extLst>
+                    <a:ext uri="{9D8B030D-6E8A-4147-A177-3AD203B41FA5}">
+                      <a16:colId xmlns:a16="http://schemas.microsoft.com/office/drawing/2014/main" val="20013"/>
+                    </a:ext>
+                  </a:extLst>
+                </a:gridCol>
+                <a:gridCol w="570221">
+                  <a:extLst>
+                    <a:ext uri="{9D8B030D-6E8A-4147-A177-3AD203B41FA5}">
+                      <a16:colId xmlns:a16="http://schemas.microsoft.com/office/drawing/2014/main" val="20014"/>
+                    </a:ext>
+                  </a:extLst>
+                </a:gridCol>
               </a:tblGrid>
               <a:tr h="322881">
                 <a:tc>
@@ -5114,6 +5106,11 @@
                   </a:txBody>
                   <a:tcPr/>
                 </a:tc>
+                <a:extLst>
+                  <a:ext uri="{0D108BD9-81ED-4DB2-BD59-A6C34878D82A}">
+                    <a16:rowId xmlns:a16="http://schemas.microsoft.com/office/drawing/2014/main" val="10000"/>
+                  </a:ext>
+                </a:extLst>
               </a:tr>
               <a:tr h="322881">
                 <a:tc>
@@ -5398,6 +5395,11 @@
                   </a:txBody>
                   <a:tcPr marL="8919" marR="8919" marT="8919" marB="0" anchor="b"/>
                 </a:tc>
+                <a:extLst>
+                  <a:ext uri="{0D108BD9-81ED-4DB2-BD59-A6C34878D82A}">
+                    <a16:rowId xmlns:a16="http://schemas.microsoft.com/office/drawing/2014/main" val="10001"/>
+                  </a:ext>
+                </a:extLst>
               </a:tr>
               <a:tr h="322881">
                 <a:tc>
@@ -5721,6 +5723,11 @@
                   </a:txBody>
                   <a:tcPr marL="8919" marR="8919" marT="8919" marB="0" anchor="b"/>
                 </a:tc>
+                <a:extLst>
+                  <a:ext uri="{0D108BD9-81ED-4DB2-BD59-A6C34878D82A}">
+                    <a16:rowId xmlns:a16="http://schemas.microsoft.com/office/drawing/2014/main" val="10002"/>
+                  </a:ext>
+                </a:extLst>
               </a:tr>
               <a:tr h="178387">
                 <a:tc>
@@ -6044,6 +6051,11 @@
                   </a:txBody>
                   <a:tcPr marL="8919" marR="8919" marT="8919" marB="0" anchor="b"/>
                 </a:tc>
+                <a:extLst>
+                  <a:ext uri="{0D108BD9-81ED-4DB2-BD59-A6C34878D82A}">
+                    <a16:rowId xmlns:a16="http://schemas.microsoft.com/office/drawing/2014/main" val="10003"/>
+                  </a:ext>
+                </a:extLst>
               </a:tr>
               <a:tr h="178387">
                 <a:tc>
@@ -6349,6 +6361,11 @@
                   </a:txBody>
                   <a:tcPr marL="8919" marR="8919" marT="8919" marB="0" anchor="b"/>
                 </a:tc>
+                <a:extLst>
+                  <a:ext uri="{0D108BD9-81ED-4DB2-BD59-A6C34878D82A}">
+                    <a16:rowId xmlns:a16="http://schemas.microsoft.com/office/drawing/2014/main" val="10004"/>
+                  </a:ext>
+                </a:extLst>
               </a:tr>
               <a:tr h="178387">
                 <a:tc>
@@ -6639,6 +6656,11 @@
                   </a:txBody>
                   <a:tcPr/>
                 </a:tc>
+                <a:extLst>
+                  <a:ext uri="{0D108BD9-81ED-4DB2-BD59-A6C34878D82A}">
+                    <a16:rowId xmlns:a16="http://schemas.microsoft.com/office/drawing/2014/main" val="10005"/>
+                  </a:ext>
+                </a:extLst>
               </a:tr>
               <a:tr h="178387">
                 <a:tc>
@@ -6944,6 +6966,11 @@
                   </a:txBody>
                   <a:tcPr marL="8919" marR="8919" marT="8919" marB="0" anchor="b"/>
                 </a:tc>
+                <a:extLst>
+                  <a:ext uri="{0D108BD9-81ED-4DB2-BD59-A6C34878D82A}">
+                    <a16:rowId xmlns:a16="http://schemas.microsoft.com/office/drawing/2014/main" val="10006"/>
+                  </a:ext>
+                </a:extLst>
               </a:tr>
               <a:tr h="178387">
                 <a:tc>
@@ -7255,6 +7282,11 @@
                   </a:txBody>
                   <a:tcPr marL="8919" marR="8919" marT="8919" marB="0" anchor="b"/>
                 </a:tc>
+                <a:extLst>
+                  <a:ext uri="{0D108BD9-81ED-4DB2-BD59-A6C34878D82A}">
+                    <a16:rowId xmlns:a16="http://schemas.microsoft.com/office/drawing/2014/main" val="10007"/>
+                  </a:ext>
+                </a:extLst>
               </a:tr>
               <a:tr h="178387">
                 <a:tc>
@@ -7560,6 +7592,11 @@
                   </a:txBody>
                   <a:tcPr marL="8919" marR="8919" marT="8919" marB="0" anchor="b"/>
                 </a:tc>
+                <a:extLst>
+                  <a:ext uri="{0D108BD9-81ED-4DB2-BD59-A6C34878D82A}">
+                    <a16:rowId xmlns:a16="http://schemas.microsoft.com/office/drawing/2014/main" val="10008"/>
+                  </a:ext>
+                </a:extLst>
               </a:tr>
               <a:tr h="178387">
                 <a:tc>
@@ -7865,6 +7902,11 @@
                   </a:txBody>
                   <a:tcPr marL="8919" marR="8919" marT="8919" marB="0" anchor="b"/>
                 </a:tc>
+                <a:extLst>
+                  <a:ext uri="{0D108BD9-81ED-4DB2-BD59-A6C34878D82A}">
+                    <a16:rowId xmlns:a16="http://schemas.microsoft.com/office/drawing/2014/main" val="10009"/>
+                  </a:ext>
+                </a:extLst>
               </a:tr>
               <a:tr h="178387">
                 <a:tc>
@@ -8170,6 +8212,11 @@
                   </a:txBody>
                   <a:tcPr marL="8919" marR="8919" marT="8919" marB="0" anchor="b"/>
                 </a:tc>
+                <a:extLst>
+                  <a:ext uri="{0D108BD9-81ED-4DB2-BD59-A6C34878D82A}">
+                    <a16:rowId xmlns:a16="http://schemas.microsoft.com/office/drawing/2014/main" val="10010"/>
+                  </a:ext>
+                </a:extLst>
               </a:tr>
               <a:tr h="178387">
                 <a:tc>
@@ -8451,6 +8498,11 @@
                   </a:txBody>
                   <a:tcPr marL="8919" marR="8919" marT="8919" marB="0" anchor="b"/>
                 </a:tc>
+                <a:extLst>
+                  <a:ext uri="{0D108BD9-81ED-4DB2-BD59-A6C34878D82A}">
+                    <a16:rowId xmlns:a16="http://schemas.microsoft.com/office/drawing/2014/main" val="10011"/>
+                  </a:ext>
+                </a:extLst>
               </a:tr>
               <a:tr h="178387">
                 <a:tc gridSpan="2">
@@ -8707,6 +8759,11 @@
                   </a:txBody>
                   <a:tcPr marL="8919" marR="8919" marT="8919" marB="0" anchor="b"/>
                 </a:tc>
+                <a:extLst>
+                  <a:ext uri="{0D108BD9-81ED-4DB2-BD59-A6C34878D82A}">
+                    <a16:rowId xmlns:a16="http://schemas.microsoft.com/office/drawing/2014/main" val="10012"/>
+                  </a:ext>
+                </a:extLst>
               </a:tr>
               <a:tr h="178387">
                 <a:tc>
@@ -8963,6 +9020,11 @@
                   </a:txBody>
                   <a:tcPr marL="8919" marR="8919" marT="8919" marB="0" anchor="b"/>
                 </a:tc>
+                <a:extLst>
+                  <a:ext uri="{0D108BD9-81ED-4DB2-BD59-A6C34878D82A}">
+                    <a16:rowId xmlns:a16="http://schemas.microsoft.com/office/drawing/2014/main" val="10013"/>
+                  </a:ext>
+                </a:extLst>
               </a:tr>
               <a:tr h="178387">
                 <a:tc>
@@ -9205,6 +9267,11 @@
                   </a:txBody>
                   <a:tcPr marL="8919" marR="8919" marT="8919" marB="0" anchor="b"/>
                 </a:tc>
+                <a:extLst>
+                  <a:ext uri="{0D108BD9-81ED-4DB2-BD59-A6C34878D82A}">
+                    <a16:rowId xmlns:a16="http://schemas.microsoft.com/office/drawing/2014/main" val="10014"/>
+                  </a:ext>
+                </a:extLst>
               </a:tr>
             </a:tbl>
           </a:graphicData>
@@ -9220,13 +9287,6 @@
   <p:clrMapOvr>
     <a:masterClrMapping/>
   </p:clrMapOvr>
-  <p:timing>
-    <p:tnLst>
-      <p:par>
-        <p:cTn id="1" dur="indefinite" restart="never" nodeType="tmRoot"/>
-      </p:par>
-    </p:tnLst>
-  </p:timing>
 </p:sld>
 </file>
 
@@ -9263,10 +9323,9 @@
           <a:lstStyle/>
           <a:p>
             <a:r>
-              <a:rPr lang="en-US" dirty="0" smtClean="0"/>
+              <a:rPr lang="en-US" dirty="0"/>
               <a:t>F# Data Validation</a:t>
             </a:r>
-            <a:endParaRPr lang="en-US" dirty="0"/>
           </a:p>
         </p:txBody>
       </p:sp>
@@ -9286,19 +9345,19 @@
           <a:lstStyle/>
           <a:p>
             <a:r>
-              <a:rPr lang="en-US" dirty="0" smtClean="0"/>
+              <a:rPr lang="en-US" dirty="0"/>
               <a:t>Monads are a great way to control side-effects and reduce errors in your code</a:t>
             </a:r>
           </a:p>
           <a:p>
             <a:r>
-              <a:rPr lang="en-US" dirty="0" smtClean="0"/>
+              <a:rPr lang="en-US" dirty="0"/>
               <a:t>“Learn You Some Haskell” is a great book to get an in-depth understanding of them</a:t>
             </a:r>
           </a:p>
           <a:p>
             <a:r>
-              <a:rPr lang="en-US" dirty="0" smtClean="0"/>
+              <a:rPr lang="en-US" dirty="0"/>
               <a:t>We are using the Bind Monad to handle control of flow</a:t>
             </a:r>
           </a:p>
@@ -9313,7 +9372,6 @@
               <a:rPr lang="en-US" i="1" dirty="0"/>
               <a:t>https://fsharpforfunandprofit.com/rop/</a:t>
             </a:r>
-            <a:endParaRPr lang="en-US" i="1" dirty="0"/>
           </a:p>
         </p:txBody>
       </p:sp>
@@ -9327,13 +9385,6 @@
   <p:clrMapOvr>
     <a:masterClrMapping/>
   </p:clrMapOvr>
-  <p:timing>
-    <p:tnLst>
-      <p:par>
-        <p:cTn id="1" dur="indefinite" restart="never" nodeType="tmRoot"/>
-      </p:par>
-    </p:tnLst>
-  </p:timing>
 </p:sld>
 </file>
 
@@ -9404,10 +9455,9 @@
           <a:lstStyle/>
           <a:p>
             <a:r>
-              <a:rPr lang="en-US" dirty="0" smtClean="0"/>
+              <a:rPr lang="en-US" dirty="0"/>
               <a:t>In OO, methods branch and then return on the happy path while exceptions are thrown to “short circuit” control of flow</a:t>
             </a:r>
-            <a:endParaRPr lang="en-US" dirty="0"/>
           </a:p>
         </p:txBody>
       </p:sp>
@@ -9448,10 +9498,9 @@
           <a:p>
             <a:pPr algn="ctr"/>
             <a:r>
-              <a:rPr lang="en-US" dirty="0" smtClean="0"/>
+              <a:rPr lang="en-US" dirty="0"/>
               <a:t>Method 1</a:t>
             </a:r>
-            <a:endParaRPr lang="en-US" dirty="0"/>
           </a:p>
         </p:txBody>
       </p:sp>
@@ -9539,10 +9588,9 @@
           <a:p>
             <a:pPr algn="ctr"/>
             <a:r>
-              <a:rPr lang="en-US" dirty="0" smtClean="0"/>
+              <a:rPr lang="en-US" dirty="0"/>
               <a:t>Method 2</a:t>
             </a:r>
-            <a:endParaRPr lang="en-US" dirty="0"/>
           </a:p>
         </p:txBody>
       </p:sp>
@@ -9630,10 +9678,9 @@
           <a:p>
             <a:pPr algn="ctr"/>
             <a:r>
-              <a:rPr lang="en-US" dirty="0" smtClean="0"/>
+              <a:rPr lang="en-US" dirty="0"/>
               <a:t>Method 3</a:t>
             </a:r>
-            <a:endParaRPr lang="en-US" dirty="0"/>
           </a:p>
         </p:txBody>
       </p:sp>
@@ -9721,10 +9768,9 @@
           <a:p>
             <a:pPr algn="ctr"/>
             <a:r>
-              <a:rPr lang="en-US" dirty="0" smtClean="0"/>
+              <a:rPr lang="en-US" dirty="0"/>
               <a:t>Method 4</a:t>
             </a:r>
-            <a:endParaRPr lang="en-US" dirty="0"/>
           </a:p>
         </p:txBody>
       </p:sp>
@@ -9953,10 +9999,9 @@
           <a:p>
             <a:pPr algn="ctr"/>
             <a:r>
-              <a:rPr lang="en-US" dirty="0" smtClean="0"/>
-              <a:t>Method 5</a:t>
-            </a:r>
-            <a:endParaRPr lang="en-US" dirty="0"/>
+              <a:rPr lang="en-US" dirty="0"/>
+              <a:t>Method 6</a:t>
+            </a:r>
           </a:p>
         </p:txBody>
       </p:sp>
@@ -9997,10 +10042,9 @@
           <a:p>
             <a:pPr algn="ctr"/>
             <a:r>
-              <a:rPr lang="en-US" dirty="0" smtClean="0"/>
+              <a:rPr lang="en-US" dirty="0"/>
               <a:t>Method 5</a:t>
             </a:r>
-            <a:endParaRPr lang="en-US" dirty="0"/>
           </a:p>
         </p:txBody>
       </p:sp>
@@ -10202,13 +10246,6 @@
   <p:clrMapOvr>
     <a:masterClrMapping/>
   </p:clrMapOvr>
-  <p:timing>
-    <p:tnLst>
-      <p:par>
-        <p:cTn id="1" dur="indefinite" restart="never" nodeType="tmRoot"/>
-      </p:par>
-    </p:tnLst>
-  </p:timing>
 </p:sld>
 </file>
 
@@ -10317,18 +10354,9 @@
           <a:lstStyle/>
           <a:p>
             <a:r>
-              <a:rPr lang="en-US" dirty="0" smtClean="0"/>
-              <a:t>Using Monads, we only have direction - forward. </a:t>
-            </a:r>
-            <a:r>
-              <a:rPr lang="en-US" dirty="0"/>
-              <a:t>There is 1 </a:t>
-            </a:r>
-            <a:r>
-              <a:rPr lang="en-US" dirty="0" smtClean="0"/>
-              <a:t>path for happy path, 1 for exceptions/errors Functions are “glued” together to form larger functions.   </a:t>
-            </a:r>
-            <a:endParaRPr lang="en-US" dirty="0"/>
+              <a:rPr lang="en-US" dirty="0"/>
+              <a:t>Using Monads, we only have direction - forward. There is 1 path for happy path, 1 for exceptions/errors Functions are “glued” together to form larger functions.   </a:t>
+            </a:r>
           </a:p>
         </p:txBody>
       </p:sp>
@@ -10369,10 +10397,9 @@
           <a:p>
             <a:pPr algn="ctr"/>
             <a:r>
-              <a:rPr lang="en-US" dirty="0" smtClean="0"/>
+              <a:rPr lang="en-US" dirty="0"/>
               <a:t>Function1</a:t>
             </a:r>
-            <a:endParaRPr lang="en-US" dirty="0"/>
           </a:p>
         </p:txBody>
       </p:sp>
@@ -10413,10 +10440,9 @@
           <a:p>
             <a:pPr algn="ctr"/>
             <a:r>
-              <a:rPr lang="en-US" dirty="0" smtClean="0"/>
+              <a:rPr lang="en-US" dirty="0"/>
               <a:t>Function2</a:t>
             </a:r>
-            <a:endParaRPr lang="en-US" dirty="0"/>
           </a:p>
         </p:txBody>
       </p:sp>
@@ -10457,10 +10483,9 @@
           <a:p>
             <a:pPr algn="ctr"/>
             <a:r>
-              <a:rPr lang="en-US" dirty="0" smtClean="0"/>
+              <a:rPr lang="en-US" dirty="0"/>
               <a:t>Function3</a:t>
             </a:r>
-            <a:endParaRPr lang="en-US" dirty="0"/>
           </a:p>
         </p:txBody>
       </p:sp>
@@ -10611,13 +10636,6 @@
   <p:clrMapOvr>
     <a:masterClrMapping/>
   </p:clrMapOvr>
-  <p:timing>
-    <p:tnLst>
-      <p:par>
-        <p:cTn id="1" dur="indefinite" restart="never" nodeType="tmRoot"/>
-      </p:par>
-    </p:tnLst>
-  </p:timing>
 </p:sld>
 </file>
 
@@ -10654,10 +10672,9 @@
           <a:lstStyle/>
           <a:p>
             <a:r>
-              <a:rPr lang="en-US" dirty="0" smtClean="0"/>
+              <a:rPr lang="en-US" dirty="0"/>
               <a:t>F# Machine Learning</a:t>
             </a:r>
-            <a:endParaRPr lang="en-US" dirty="0"/>
           </a:p>
         </p:txBody>
       </p:sp>
@@ -10684,19 +10701,19 @@
           <a:lstStyle/>
           <a:p>
             <a:r>
-              <a:rPr lang="en-US" dirty="0" smtClean="0"/>
+              <a:rPr lang="en-US" dirty="0"/>
               <a:t>Most ML done in F# uses Accord.NET</a:t>
             </a:r>
           </a:p>
           <a:p>
             <a:r>
-              <a:rPr lang="en-US" dirty="0" smtClean="0"/>
+              <a:rPr lang="en-US" dirty="0"/>
               <a:t>Accord.NET is an open-source library started at Xerox</a:t>
             </a:r>
           </a:p>
           <a:p>
             <a:r>
-              <a:rPr lang="en-US" dirty="0" smtClean="0"/>
+              <a:rPr lang="en-US" dirty="0"/>
               <a:t>It has many of the basic ML models you would expect : regressions, classifications, neural networks, SVM, etc..</a:t>
             </a:r>
           </a:p>
@@ -10709,25 +10726,21 @@
             </a:pPr>
             <a:r>
               <a:rPr lang="en-US" i="1" dirty="0"/>
-              <a:t>http://accord-framework.net</a:t>
-            </a:r>
-            <a:r>
-              <a:rPr lang="en-US" i="1" dirty="0" smtClean="0"/>
-              <a:t>/</a:t>
+              <a:t>http://accord-framework.net/</a:t>
             </a:r>
             <a:endParaRPr lang="en-US" dirty="0"/>
           </a:p>
           <a:p>
-            <a:endParaRPr lang="en-US" dirty="0" smtClean="0"/>
+            <a:endParaRPr lang="en-US" dirty="0"/>
           </a:p>
           <a:p>
             <a:pPr marL="0" indent="0">
               <a:buNone/>
             </a:pPr>
-            <a:endParaRPr lang="en-US" dirty="0" smtClean="0"/>
-          </a:p>
-          <a:p>
-            <a:endParaRPr lang="en-US" dirty="0" smtClean="0"/>
+            <a:endParaRPr lang="en-US" dirty="0"/>
+          </a:p>
+          <a:p>
+            <a:endParaRPr lang="en-US" dirty="0"/>
           </a:p>
           <a:p>
             <a:endParaRPr lang="en-US" dirty="0"/>
@@ -10744,13 +10757,6 @@
   <p:clrMapOvr>
     <a:masterClrMapping/>
   </p:clrMapOvr>
-  <p:timing>
-    <p:tnLst>
-      <p:par>
-        <p:cTn id="1" dur="indefinite" restart="never" nodeType="tmRoot"/>
-      </p:par>
-    </p:tnLst>
-  </p:timing>
 </p:sld>
 </file>
 
@@ -10787,10 +10793,9 @@
           <a:lstStyle/>
           <a:p>
             <a:r>
-              <a:rPr lang="en-US" dirty="0" smtClean="0"/>
+              <a:rPr lang="en-US" dirty="0"/>
               <a:t>Agenda</a:t>
             </a:r>
-            <a:endParaRPr lang="en-US" dirty="0"/>
           </a:p>
         </p:txBody>
       </p:sp>
@@ -10812,50 +10817,46 @@
           <a:lstStyle/>
           <a:p>
             <a:r>
-              <a:rPr lang="en-US" dirty="0" smtClean="0"/>
+              <a:rPr lang="en-US" dirty="0"/>
               <a:t>Introductions</a:t>
             </a:r>
           </a:p>
           <a:p>
             <a:r>
-              <a:rPr lang="en-US" dirty="0" smtClean="0"/>
+              <a:rPr lang="en-US" dirty="0"/>
               <a:t>F# Overview</a:t>
             </a:r>
           </a:p>
           <a:p>
             <a:r>
-              <a:rPr lang="en-US" dirty="0" smtClean="0"/>
+              <a:rPr lang="en-US" dirty="0"/>
               <a:t>Type Providers</a:t>
             </a:r>
           </a:p>
           <a:p>
             <a:r>
-              <a:rPr lang="en-US" dirty="0" smtClean="0"/>
+              <a:rPr lang="en-US" dirty="0"/>
               <a:t>Data Manipulations</a:t>
             </a:r>
           </a:p>
           <a:p>
             <a:r>
-              <a:rPr lang="en-US" dirty="0" smtClean="0"/>
+              <a:rPr lang="en-US" dirty="0"/>
               <a:t>Choose Your Own Adventure</a:t>
             </a:r>
           </a:p>
           <a:p>
             <a:pPr lvl="1"/>
             <a:r>
-              <a:rPr lang="en-US" dirty="0" smtClean="0"/>
+              <a:rPr lang="en-US" dirty="0"/>
               <a:t>Data Validation</a:t>
             </a:r>
           </a:p>
           <a:p>
             <a:pPr lvl="1"/>
             <a:r>
-              <a:rPr lang="en-US" dirty="0" smtClean="0"/>
-              <a:t>Machine </a:t>
-            </a:r>
-            <a:r>
-              <a:rPr lang="en-US" dirty="0" smtClean="0"/>
-              <a:t>Learning</a:t>
+              <a:rPr lang="en-US" dirty="0"/>
+              <a:t>Machine Learning</a:t>
             </a:r>
           </a:p>
           <a:p>
@@ -10874,11 +10875,6 @@
               </a:rPr>
               <a:t>https://github.com/jamessdixon/PydataNYC</a:t>
             </a:r>
-            <a:endParaRPr lang="en-US" dirty="0">
-              <a:solidFill>
-                <a:srgbClr val="FF0000"/>
-              </a:solidFill>
-            </a:endParaRPr>
           </a:p>
         </p:txBody>
       </p:sp>
@@ -10892,13 +10888,6 @@
   <p:clrMapOvr>
     <a:masterClrMapping/>
   </p:clrMapOvr>
-  <p:timing>
-    <p:tnLst>
-      <p:par>
-        <p:cTn id="1" dur="indefinite" restart="never" nodeType="tmRoot"/>
-      </p:par>
-    </p:tnLst>
-  </p:timing>
 </p:sld>
 </file>
 
@@ -10935,10 +10924,9 @@
           <a:lstStyle/>
           <a:p>
             <a:r>
-              <a:rPr lang="en-US" dirty="0" smtClean="0"/>
+              <a:rPr lang="en-US" dirty="0"/>
               <a:t>Wrap Up</a:t>
             </a:r>
-            <a:endParaRPr lang="en-US" dirty="0"/>
           </a:p>
         </p:txBody>
       </p:sp>
@@ -10958,7 +10946,7 @@
           <a:lstStyle/>
           <a:p>
             <a:r>
-              <a:rPr lang="en-US" dirty="0" smtClean="0"/>
+              <a:rPr lang="en-US" dirty="0"/>
               <a:t>Questions?</a:t>
             </a:r>
           </a:p>
@@ -10967,32 +10955,32 @@
           </a:p>
           <a:p>
             <a:r>
-              <a:rPr lang="en-US" dirty="0" smtClean="0">
+              <a:rPr lang="en-US" dirty="0">
                 <a:hlinkClick r:id="rId2"/>
               </a:rPr>
               <a:t>jamessdixon@gmail.com</a:t>
             </a:r>
-            <a:endParaRPr lang="en-US" dirty="0" smtClean="0"/>
-          </a:p>
-          <a:p>
-            <a:r>
-              <a:rPr lang="en-US" dirty="0" smtClean="0"/>
+            <a:endParaRPr lang="en-US" dirty="0"/>
+          </a:p>
+          <a:p>
+            <a:r>
+              <a:rPr lang="en-US" dirty="0"/>
               <a:t>@</a:t>
             </a:r>
             <a:r>
-              <a:rPr lang="en-US" dirty="0" err="1" smtClean="0"/>
+              <a:rPr lang="en-US" dirty="0" err="1"/>
               <a:t>jamie_Dixon</a:t>
             </a:r>
-            <a:endParaRPr lang="en-US" dirty="0" smtClean="0"/>
-          </a:p>
-          <a:p>
-            <a:r>
-              <a:rPr lang="en-US" dirty="0" smtClean="0">
+            <a:endParaRPr lang="en-US" dirty="0"/>
+          </a:p>
+          <a:p>
+            <a:r>
+              <a:rPr lang="en-US" dirty="0">
                 <a:hlinkClick r:id="rId3"/>
               </a:rPr>
               <a:t>thomasmporterii@gmail.com</a:t>
             </a:r>
-            <a:endParaRPr lang="en-US" dirty="0" smtClean="0"/>
+            <a:endParaRPr lang="en-US" dirty="0"/>
           </a:p>
           <a:p>
             <a:r>
@@ -11017,13 +11005,6 @@
   <p:clrMapOvr>
     <a:masterClrMapping/>
   </p:clrMapOvr>
-  <p:timing>
-    <p:tnLst>
-      <p:par>
-        <p:cTn id="1" dur="indefinite" restart="never" nodeType="tmRoot"/>
-      </p:par>
-    </p:tnLst>
-  </p:timing>
 </p:sld>
 </file>
 
@@ -11060,10 +11041,9 @@
           <a:lstStyle/>
           <a:p>
             <a:r>
-              <a:rPr lang="en-US" dirty="0" smtClean="0"/>
+              <a:rPr lang="en-US" dirty="0"/>
               <a:t>Introductions</a:t>
             </a:r>
-            <a:endParaRPr lang="en-US" dirty="0"/>
           </a:p>
         </p:txBody>
       </p:sp>
@@ -11080,12 +11060,12 @@
         <p:spPr/>
         <p:txBody>
           <a:bodyPr>
-            <a:normAutofit lnSpcReduction="10000"/>
+            <a:normAutofit fontScale="92500" lnSpcReduction="20000"/>
           </a:bodyPr>
           <a:lstStyle/>
           <a:p>
             <a:r>
-              <a:rPr lang="en-US" dirty="0" smtClean="0"/>
+              <a:rPr lang="en-US" dirty="0"/>
               <a:t>Jamie</a:t>
             </a:r>
           </a:p>
@@ -11094,14 +11074,14 @@
               <a:buNone/>
             </a:pPr>
             <a:r>
-              <a:rPr lang="en-US" dirty="0" smtClean="0"/>
+              <a:rPr lang="en-US" dirty="0"/>
               <a:t>Software/Data Engineer.  Uses F# and Python.  (Occasional) Speaker.  Wrote Book on ML.  Lives in Cary NC</a:t>
             </a:r>
           </a:p>
           <a:p>
             <a:r>
-              <a:rPr lang="en-US" dirty="0" smtClean="0"/>
-              <a:t>Tom</a:t>
+              <a:rPr lang="en-US" dirty="0"/>
+              <a:t>Thomas</a:t>
             </a:r>
           </a:p>
           <a:p>
@@ -11109,13 +11089,13 @@
               <a:buNone/>
             </a:pPr>
             <a:r>
-              <a:rPr lang="en-US" dirty="0" smtClean="0"/>
-              <a:t>Awesome Dude</a:t>
-            </a:r>
-          </a:p>
-          <a:p>
-            <a:r>
-              <a:rPr lang="en-US" dirty="0" smtClean="0"/>
+              <a:rPr lang="en-US" dirty="0"/>
+              <a:t>Software/Data Engineer. Uses Python to gather SCM data and automate SCM tasks in GitHub and TFS. Uses F# for .NET tasks. Lives in Gilbert, AZ</a:t>
+            </a:r>
+          </a:p>
+          <a:p>
+            <a:r>
+              <a:rPr lang="en-US" dirty="0"/>
               <a:t>You</a:t>
             </a:r>
           </a:p>
@@ -11124,18 +11104,17 @@
               <a:buNone/>
             </a:pPr>
             <a:r>
-              <a:rPr lang="en-US" dirty="0" smtClean="0"/>
+              <a:rPr lang="en-US" dirty="0"/>
               <a:t>Python Level?  Java/C#/</a:t>
             </a:r>
             <a:r>
-              <a:rPr lang="en-US" dirty="0" err="1" smtClean="0"/>
+              <a:rPr lang="en-US" dirty="0" err="1"/>
               <a:t>Javascript</a:t>
             </a:r>
             <a:r>
-              <a:rPr lang="en-US" dirty="0" smtClean="0"/>
+              <a:rPr lang="en-US" dirty="0"/>
               <a:t> experience?  Functional Languages?  Developer/Data Scientist?</a:t>
             </a:r>
-            <a:endParaRPr lang="en-US" dirty="0"/>
           </a:p>
         </p:txBody>
       </p:sp>
@@ -11149,13 +11128,6 @@
   <p:clrMapOvr>
     <a:masterClrMapping/>
   </p:clrMapOvr>
-  <p:timing>
-    <p:tnLst>
-      <p:par>
-        <p:cTn id="1" dur="indefinite" restart="never" nodeType="tmRoot"/>
-      </p:par>
-    </p:tnLst>
-  </p:timing>
 </p:sld>
 </file>
 
@@ -11192,10 +11164,9 @@
           <a:lstStyle/>
           <a:p>
             <a:r>
-              <a:rPr lang="en-US" dirty="0" smtClean="0"/>
+              <a:rPr lang="en-US" dirty="0"/>
               <a:t>F# Overview</a:t>
             </a:r>
-            <a:endParaRPr lang="en-US" dirty="0"/>
           </a:p>
         </p:txBody>
       </p:sp>
@@ -11215,46 +11186,45 @@
           <a:lstStyle/>
           <a:p>
             <a:r>
-              <a:rPr lang="en-US" dirty="0" smtClean="0"/>
+              <a:rPr lang="en-US" dirty="0"/>
               <a:t>Strongly Typed</a:t>
             </a:r>
           </a:p>
           <a:p>
             <a:r>
-              <a:rPr lang="en-US" dirty="0" smtClean="0"/>
+              <a:rPr lang="en-US" dirty="0"/>
               <a:t>Functional-First.  Can Support OO and Imperative</a:t>
             </a:r>
           </a:p>
           <a:p>
             <a:r>
-              <a:rPr lang="en-US" dirty="0" err="1" smtClean="0"/>
+              <a:rPr lang="en-US" dirty="0" err="1"/>
               <a:t>.Net</a:t>
             </a:r>
             <a:r>
-              <a:rPr lang="en-US" dirty="0" smtClean="0"/>
+              <a:rPr lang="en-US" dirty="0"/>
               <a:t> language – interop with C# and VB.NET</a:t>
             </a:r>
           </a:p>
           <a:p>
             <a:r>
-              <a:rPr lang="en-US" dirty="0" smtClean="0"/>
+              <a:rPr lang="en-US" dirty="0"/>
               <a:t>General Purpose, Open Sourced, and X-Plat  </a:t>
             </a:r>
           </a:p>
           <a:p>
             <a:r>
-              <a:rPr lang="en-US" dirty="0" smtClean="0"/>
+              <a:rPr lang="en-US" dirty="0"/>
               <a:t>Created by MSFT Research in 2005 based on </a:t>
             </a:r>
             <a:r>
-              <a:rPr lang="en-US" dirty="0" err="1" smtClean="0"/>
+              <a:rPr lang="en-US" dirty="0" err="1"/>
               <a:t>OCaml</a:t>
             </a:r>
             <a:r>
-              <a:rPr lang="en-US" dirty="0" smtClean="0"/>
+              <a:rPr lang="en-US" dirty="0"/>
               <a:t>.  Now version 4.x </a:t>
             </a:r>
-            <a:endParaRPr lang="en-US" dirty="0"/>
           </a:p>
         </p:txBody>
       </p:sp>
@@ -11268,13 +11238,6 @@
   <p:clrMapOvr>
     <a:masterClrMapping/>
   </p:clrMapOvr>
-  <p:timing>
-    <p:tnLst>
-      <p:par>
-        <p:cTn id="1" dur="indefinite" restart="never" nodeType="tmRoot"/>
-      </p:par>
-    </p:tnLst>
-  </p:timing>
 </p:sld>
 </file>
 
@@ -11311,10 +11274,9 @@
           <a:lstStyle/>
           <a:p>
             <a:r>
-              <a:rPr lang="en-US" dirty="0" smtClean="0"/>
+              <a:rPr lang="en-US" dirty="0"/>
               <a:t>F# Overview: Inferred Typing</a:t>
             </a:r>
-            <a:endParaRPr lang="en-US" dirty="0"/>
           </a:p>
         </p:txBody>
       </p:sp>
@@ -11336,13 +11298,13 @@
           <a:lstStyle/>
           <a:p>
             <a:r>
-              <a:rPr lang="en-US" dirty="0" smtClean="0"/>
+              <a:rPr lang="en-US" dirty="0"/>
               <a:t>Type system ensures correctness and prevents bug</a:t>
             </a:r>
           </a:p>
           <a:p>
             <a:r>
-              <a:rPr lang="en-US" dirty="0" smtClean="0"/>
+              <a:rPr lang="en-US" dirty="0"/>
               <a:t>Inferred means compiler figures it out for you</a:t>
             </a:r>
           </a:p>
@@ -11351,15 +11313,15 @@
               <a:buNone/>
             </a:pPr>
             <a:r>
-              <a:rPr lang="en-US" dirty="0" smtClean="0"/>
+              <a:rPr lang="en-US" dirty="0"/>
               <a:t>Person p = new Person(“Jamie”, 42, </a:t>
             </a:r>
             <a:r>
-              <a:rPr lang="en-US" dirty="0" err="1" smtClean="0"/>
+              <a:rPr lang="en-US" dirty="0" err="1"/>
               <a:t>Gender.Male</a:t>
             </a:r>
             <a:r>
-              <a:rPr lang="en-US" dirty="0" smtClean="0"/>
+              <a:rPr lang="en-US" dirty="0"/>
               <a:t>);</a:t>
             </a:r>
           </a:p>
@@ -11368,7 +11330,7 @@
               <a:buNone/>
             </a:pPr>
             <a:r>
-              <a:rPr lang="en-US" dirty="0" smtClean="0"/>
+              <a:rPr lang="en-US" dirty="0"/>
               <a:t>p = Person(“Jamie”,42,Gender.MALE)</a:t>
             </a:r>
           </a:p>
@@ -11377,39 +11339,16 @@
               <a:buNone/>
             </a:pPr>
             <a:r>
-              <a:rPr lang="en-US" dirty="0" smtClean="0"/>
+              <a:rPr lang="en-US" dirty="0"/>
               <a:t>let p = new Person(“Jamie”, 42, </a:t>
             </a:r>
             <a:r>
-              <a:rPr lang="en-US" dirty="0" err="1" smtClean="0"/>
+              <a:rPr lang="en-US" dirty="0" err="1"/>
               <a:t>Gender.Male</a:t>
             </a:r>
             <a:r>
-              <a:rPr lang="en-US" dirty="0" smtClean="0"/>
+              <a:rPr lang="en-US" dirty="0"/>
               <a:t>)</a:t>
-            </a:r>
-          </a:p>
-          <a:p>
-            <a:pPr marL="0" indent="0">
-              <a:buNone/>
-            </a:pPr>
-            <a:endParaRPr lang="en-US" dirty="0" smtClean="0"/>
-          </a:p>
-          <a:p>
-            <a:pPr marL="0" indent="0">
-              <a:buNone/>
-            </a:pPr>
-            <a:r>
-              <a:rPr lang="en-US" dirty="0" smtClean="0"/>
-              <a:t>Not just for data structures, everything is inferred and typed: arguments*, return values, functions</a:t>
-            </a:r>
-            <a:r>
-              <a:rPr lang="en-US" dirty="0"/>
-              <a:t> </a:t>
-            </a:r>
-            <a:r>
-              <a:rPr lang="en-US" dirty="0" smtClean="0"/>
-              <a:t>them selves, etc.. </a:t>
             </a:r>
           </a:p>
           <a:p>
@@ -11423,27 +11362,41 @@
               <a:buNone/>
             </a:pPr>
             <a:r>
-              <a:rPr lang="en-US" dirty="0" smtClean="0"/>
-              <a:t>*Sometimes the compiler can’t figure out what you are doing, so you need to give it a hint (</a:t>
-            </a:r>
-            <a:r>
-              <a:rPr lang="en-US" dirty="0" err="1" smtClean="0"/>
-              <a:t>myString:string</a:t>
-            </a:r>
-            <a:r>
-              <a:rPr lang="en-US" dirty="0" smtClean="0"/>
-              <a:t>)</a:t>
+              <a:rPr lang="en-US" dirty="0"/>
+              <a:t>Not just for data structures, everything is inferred and typed: arguments*, return values, functions them selves, etc.. </a:t>
             </a:r>
           </a:p>
           <a:p>
             <a:pPr marL="0" indent="0">
               <a:buNone/>
             </a:pPr>
-            <a:r>
-              <a:rPr lang="en-US" dirty="0" smtClean="0"/>
+            <a:endParaRPr lang="en-US" dirty="0"/>
+          </a:p>
+          <a:p>
+            <a:pPr marL="0" indent="0">
+              <a:buNone/>
+            </a:pPr>
+            <a:r>
+              <a:rPr lang="en-US" dirty="0"/>
+              <a:t>*Sometimes the compiler can’t figure out what you are doing, so you need to give it a hint (</a:t>
+            </a:r>
+            <a:r>
+              <a:rPr lang="en-US" dirty="0" err="1"/>
+              <a:t>myString:string</a:t>
+            </a:r>
+            <a:r>
+              <a:rPr lang="en-US" dirty="0"/>
+              <a:t>)</a:t>
+            </a:r>
+          </a:p>
+          <a:p>
+            <a:pPr marL="0" indent="0">
+              <a:buNone/>
+            </a:pPr>
+            <a:r>
+              <a:rPr lang="en-US" dirty="0"/>
               <a:t>	</a:t>
             </a:r>
-            <a:endParaRPr lang="en-US" dirty="0"/>
           </a:p>
         </p:txBody>
       </p:sp>
@@ -11457,13 +11410,6 @@
   <p:clrMapOvr>
     <a:masterClrMapping/>
   </p:clrMapOvr>
-  <p:timing>
-    <p:tnLst>
-      <p:par>
-        <p:cTn id="1" dur="indefinite" restart="never" nodeType="tmRoot"/>
-      </p:par>
-    </p:tnLst>
-  </p:timing>
 </p:sld>
 </file>
 
@@ -11500,10 +11446,9 @@
           <a:lstStyle/>
           <a:p>
             <a:r>
-              <a:rPr lang="en-US" dirty="0" smtClean="0"/>
+              <a:rPr lang="en-US" dirty="0"/>
               <a:t>F# Overview: Immutable</a:t>
             </a:r>
-            <a:endParaRPr lang="en-US" dirty="0"/>
           </a:p>
         </p:txBody>
       </p:sp>
@@ -11525,61 +11470,61 @@
           <a:lstStyle/>
           <a:p>
             <a:r>
-              <a:rPr lang="en-US" dirty="0" smtClean="0"/>
+              <a:rPr lang="en-US" dirty="0"/>
               <a:t>let x = 3 + 4 binds the value 7 to x</a:t>
             </a:r>
           </a:p>
           <a:p>
             <a:r>
-              <a:rPr lang="en-US" dirty="0" smtClean="0"/>
+              <a:rPr lang="en-US" dirty="0"/>
               <a:t>let x = 7 + 6 throws a compiler error</a:t>
             </a:r>
           </a:p>
           <a:p>
             <a:r>
-              <a:rPr lang="en-US" dirty="0" smtClean="0"/>
+              <a:rPr lang="en-US" dirty="0"/>
               <a:t>x = 7 + 6 resolves to “false”</a:t>
             </a:r>
           </a:p>
           <a:p>
-            <a:endParaRPr lang="en-US" dirty="0" smtClean="0"/>
-          </a:p>
-          <a:p>
-            <a:r>
-              <a:rPr lang="en-US" dirty="0" smtClean="0"/>
+            <a:endParaRPr lang="en-US" dirty="0"/>
+          </a:p>
+          <a:p>
+            <a:r>
+              <a:rPr lang="en-US" dirty="0"/>
               <a:t>let </a:t>
             </a:r>
             <a:r>
-              <a:rPr lang="en-US" dirty="0" err="1" smtClean="0"/>
+              <a:rPr lang="en-US" dirty="0" err="1"/>
               <a:t>dogNames</a:t>
             </a:r>
             <a:r>
-              <a:rPr lang="en-US" dirty="0" smtClean="0"/>
+              <a:rPr lang="en-US" dirty="0"/>
               <a:t> = [“</a:t>
             </a:r>
             <a:r>
-              <a:rPr lang="en-US" dirty="0" err="1" smtClean="0"/>
+              <a:rPr lang="en-US" dirty="0" err="1"/>
               <a:t>Max”;”Charlie”;”Buddy</a:t>
             </a:r>
             <a:r>
-              <a:rPr lang="en-US" dirty="0" smtClean="0"/>
+              <a:rPr lang="en-US" dirty="0"/>
               <a:t>”]</a:t>
             </a:r>
           </a:p>
           <a:p>
-            <a:endParaRPr lang="en-US" dirty="0" smtClean="0"/>
-          </a:p>
-          <a:p>
-            <a:r>
-              <a:rPr lang="en-US" dirty="0" smtClean="0"/>
+            <a:endParaRPr lang="en-US" dirty="0"/>
+          </a:p>
+          <a:p>
+            <a:r>
+              <a:rPr lang="en-US" dirty="0"/>
               <a:t>let </a:t>
             </a:r>
             <a:r>
-              <a:rPr lang="en-US" dirty="0" err="1" smtClean="0"/>
+              <a:rPr lang="en-US" dirty="0" err="1"/>
               <a:t>newDogNames</a:t>
             </a:r>
             <a:r>
-              <a:rPr lang="en-US" dirty="0" smtClean="0"/>
+              <a:rPr lang="en-US" dirty="0"/>
               <a:t> = </a:t>
             </a:r>
           </a:p>
@@ -11592,19 +11537,19 @@
               <a:t>	</a:t>
             </a:r>
             <a:r>
-              <a:rPr lang="en-US" dirty="0" err="1" smtClean="0"/>
+              <a:rPr lang="en-US" dirty="0" err="1"/>
               <a:t>dogNames</a:t>
             </a:r>
             <a:r>
-              <a:rPr lang="en-US" dirty="0" smtClean="0"/>
+              <a:rPr lang="en-US" dirty="0"/>
               <a:t> |&gt; </a:t>
             </a:r>
             <a:r>
-              <a:rPr lang="en-US" dirty="0" err="1" smtClean="0"/>
+              <a:rPr lang="en-US" dirty="0" err="1"/>
               <a:t>seq.map</a:t>
             </a:r>
             <a:r>
-              <a:rPr lang="en-US" dirty="0" smtClean="0"/>
+              <a:rPr lang="en-US" dirty="0"/>
               <a:t>(fun d -&gt; d + “ the dog”)</a:t>
             </a:r>
           </a:p>
@@ -11612,31 +11557,31 @@
             <a:pPr marL="0" indent="0">
               <a:buNone/>
             </a:pPr>
-            <a:endParaRPr lang="en-US" dirty="0" smtClean="0"/>
-          </a:p>
-          <a:p>
-            <a:r>
-              <a:rPr lang="en-US" dirty="0" err="1" smtClean="0"/>
+            <a:endParaRPr lang="en-US" dirty="0"/>
+          </a:p>
+          <a:p>
+            <a:r>
+              <a:rPr lang="en-US" dirty="0" err="1"/>
               <a:t>dogNames</a:t>
             </a:r>
             <a:r>
-              <a:rPr lang="en-US" dirty="0" smtClean="0"/>
+              <a:rPr lang="en-US" dirty="0"/>
               <a:t> = </a:t>
             </a:r>
             <a:r>
-              <a:rPr lang="en-US" dirty="0" err="1" smtClean="0"/>
+              <a:rPr lang="en-US" dirty="0" err="1"/>
               <a:t>dogNames</a:t>
             </a:r>
             <a:r>
-              <a:rPr lang="en-US" dirty="0" smtClean="0"/>
+              <a:rPr lang="en-US" dirty="0"/>
               <a:t> |&gt; </a:t>
             </a:r>
             <a:r>
-              <a:rPr lang="en-US" dirty="0" err="1" smtClean="0"/>
+              <a:rPr lang="en-US" dirty="0" err="1"/>
               <a:t>seq.map</a:t>
             </a:r>
             <a:r>
-              <a:rPr lang="en-US" dirty="0" smtClean="0"/>
+              <a:rPr lang="en-US" dirty="0"/>
               <a:t>(fun p -&gt; p + “ the dog”) throws a compiler error</a:t>
             </a:r>
           </a:p>
@@ -11644,17 +11589,16 @@
             <a:pPr marL="0" indent="0">
               <a:buNone/>
             </a:pPr>
-            <a:endParaRPr lang="en-US" dirty="0" smtClean="0"/>
+            <a:endParaRPr lang="en-US" dirty="0"/>
           </a:p>
           <a:p>
             <a:pPr marL="0" indent="0">
               <a:buNone/>
             </a:pPr>
             <a:r>
-              <a:rPr lang="en-US" sz="1300" dirty="0" smtClean="0"/>
+              <a:rPr lang="en-US" sz="1300" dirty="0"/>
               <a:t>https://www.rover.com/blog/100-most-popular-male-female-dog-names-2016/</a:t>
             </a:r>
-            <a:endParaRPr lang="en-US" sz="1300" dirty="0"/>
           </a:p>
         </p:txBody>
       </p:sp>
@@ -11668,13 +11612,6 @@
   <p:clrMapOvr>
     <a:masterClrMapping/>
   </p:clrMapOvr>
-  <p:timing>
-    <p:tnLst>
-      <p:par>
-        <p:cTn id="1" dur="indefinite" restart="never" nodeType="tmRoot"/>
-      </p:par>
-    </p:tnLst>
-  </p:timing>
 </p:sld>
 </file>
 
@@ -11711,10 +11648,9 @@
           <a:lstStyle/>
           <a:p>
             <a:r>
-              <a:rPr lang="en-US" dirty="0" smtClean="0"/>
+              <a:rPr lang="en-US" dirty="0"/>
               <a:t>F# Overview: Minimalistic</a:t>
             </a:r>
-            <a:endParaRPr lang="en-US" dirty="0"/>
           </a:p>
         </p:txBody>
       </p:sp>
@@ -11734,30 +11670,30 @@
           <a:lstStyle/>
           <a:p>
             <a:r>
-              <a:rPr lang="en-US" dirty="0" smtClean="0"/>
+              <a:rPr lang="en-US" dirty="0"/>
               <a:t>No semi-colons</a:t>
             </a:r>
           </a:p>
           <a:p>
             <a:r>
-              <a:rPr lang="en-US" dirty="0" smtClean="0"/>
+              <a:rPr lang="en-US" dirty="0"/>
               <a:t>No curly braces</a:t>
             </a:r>
           </a:p>
           <a:p>
             <a:r>
-              <a:rPr lang="en-US" dirty="0" smtClean="0"/>
+              <a:rPr lang="en-US" dirty="0"/>
               <a:t>White space has meaning</a:t>
             </a:r>
           </a:p>
           <a:p>
             <a:r>
-              <a:rPr lang="en-US" dirty="0" smtClean="0"/>
+              <a:rPr lang="en-US" dirty="0"/>
               <a:t>Use the REPL, not test apps or unit tests</a:t>
             </a:r>
           </a:p>
           <a:p>
-            <a:endParaRPr lang="en-US" dirty="0" smtClean="0"/>
+            <a:endParaRPr lang="en-US" dirty="0"/>
           </a:p>
           <a:p>
             <a:endParaRPr lang="en-US" dirty="0"/>
@@ -11885,13 +11821,6 @@
   <p:clrMapOvr>
     <a:masterClrMapping/>
   </p:clrMapOvr>
-  <p:timing>
-    <p:tnLst>
-      <p:par>
-        <p:cTn id="1" dur="indefinite" restart="never" nodeType="tmRoot"/>
-      </p:par>
-    </p:tnLst>
-  </p:timing>
 </p:sld>
 </file>
 
@@ -11928,10 +11857,9 @@
           <a:lstStyle/>
           <a:p>
             <a:r>
-              <a:rPr lang="en-US" dirty="0" smtClean="0"/>
+              <a:rPr lang="en-US" dirty="0"/>
               <a:t>F# Overview</a:t>
             </a:r>
-            <a:endParaRPr lang="en-US" dirty="0"/>
           </a:p>
         </p:txBody>
       </p:sp>
@@ -11951,10 +11879,9 @@
           <a:lstStyle/>
           <a:p>
             <a:r>
-              <a:rPr lang="en-US" dirty="0" smtClean="0"/>
+              <a:rPr lang="en-US" dirty="0"/>
               <a:t>&lt;demo /&gt;</a:t>
             </a:r>
-            <a:endParaRPr lang="en-US" dirty="0"/>
           </a:p>
         </p:txBody>
       </p:sp>
@@ -11968,13 +11895,6 @@
   <p:clrMapOvr>
     <a:masterClrMapping/>
   </p:clrMapOvr>
-  <p:timing>
-    <p:tnLst>
-      <p:par>
-        <p:cTn id="1" dur="indefinite" restart="never" nodeType="tmRoot"/>
-      </p:par>
-    </p:tnLst>
-  </p:timing>
 </p:sld>
 </file>
 
@@ -12011,10 +11931,9 @@
           <a:lstStyle/>
           <a:p>
             <a:r>
-              <a:rPr lang="en-US" dirty="0" smtClean="0"/>
+              <a:rPr lang="en-US" dirty="0"/>
               <a:t>F# Type Providers</a:t>
             </a:r>
-            <a:endParaRPr lang="en-US" dirty="0"/>
           </a:p>
         </p:txBody>
       </p:sp>
@@ -12034,27 +11953,27 @@
           <a:lstStyle/>
           <a:p>
             <a:r>
-              <a:rPr lang="en-US" dirty="0" smtClean="0"/>
+              <a:rPr lang="en-US" dirty="0"/>
               <a:t>Like Python csv, json, </a:t>
             </a:r>
             <a:r>
-              <a:rPr lang="en-US" dirty="0" err="1" smtClean="0"/>
+              <a:rPr lang="en-US" dirty="0" err="1"/>
               <a:t>sql</a:t>
             </a:r>
             <a:r>
-              <a:rPr lang="en-US" dirty="0" smtClean="0"/>
+              <a:rPr lang="en-US" dirty="0"/>
               <a:t> modules, can import data from a variety of sources</a:t>
             </a:r>
           </a:p>
           <a:p>
             <a:r>
-              <a:rPr lang="en-US" dirty="0" smtClean="0"/>
+              <a:rPr lang="en-US" dirty="0"/>
               <a:t>Unlike Python, it is unified and standardized</a:t>
             </a:r>
           </a:p>
           <a:p>
             <a:r>
-              <a:rPr lang="en-US" dirty="0" smtClean="0"/>
+              <a:rPr lang="en-US" dirty="0"/>
               <a:t>Data is typed on read </a:t>
             </a:r>
           </a:p>
@@ -12063,33 +11982,33 @@
               <a:buNone/>
             </a:pPr>
             <a:r>
-              <a:rPr lang="en-US" dirty="0" smtClean="0"/>
+              <a:rPr lang="en-US" dirty="0"/>
               <a:t>– no casting needed</a:t>
             </a:r>
           </a:p>
           <a:p>
             <a:pPr lvl="1"/>
             <a:r>
-              <a:rPr lang="en-US" dirty="0" smtClean="0"/>
+              <a:rPr lang="en-US" dirty="0"/>
               <a:t>Can walk the object graph</a:t>
             </a:r>
           </a:p>
           <a:p>
             <a:r>
-              <a:rPr lang="en-US" dirty="0" smtClean="0"/>
+              <a:rPr lang="en-US" dirty="0"/>
               <a:t>Data is validated on read (or not)</a:t>
             </a:r>
           </a:p>
           <a:p>
             <a:r>
-              <a:rPr lang="en-US" dirty="0" smtClean="0"/>
+              <a:rPr lang="en-US" dirty="0"/>
               <a:t>Most are in </a:t>
             </a:r>
             <a:r>
-              <a:rPr lang="en-US" dirty="0" err="1" smtClean="0"/>
+              <a:rPr lang="en-US" dirty="0" err="1"/>
               <a:t>FSharp.Data</a:t>
             </a:r>
-            <a:endParaRPr lang="en-US" dirty="0" smtClean="0"/>
+            <a:endParaRPr lang="en-US" dirty="0"/>
           </a:p>
           <a:p>
             <a:endParaRPr lang="en-US" dirty="0"/>
@@ -12106,13 +12025,6 @@
   <p:clrMapOvr>
     <a:masterClrMapping/>
   </p:clrMapOvr>
-  <p:timing>
-    <p:tnLst>
-      <p:par>
-        <p:cTn id="1" dur="indefinite" restart="never" nodeType="tmRoot"/>
-      </p:par>
-    </p:tnLst>
-  </p:timing>
 </p:sld>
 </file>
 

--- a/presentation/FSharpForData.pptx
+++ b/presentation/FSharpForData.pptx
@@ -231,7 +231,7 @@
           <a:p>
             <a:fld id="{63EA6277-32A6-4B29-B323-2A7ABE731332}" type="datetimeFigureOut">
               <a:rPr lang="en-US" smtClean="0"/>
-              <a:t>11/21/2017</a:t>
+              <a:t>11/27/2017</a:t>
             </a:fld>
             <a:endParaRPr lang="en-US"/>
           </a:p>
@@ -1202,7 +1202,7 @@
           <a:p>
             <a:fld id="{2019D7E9-D108-4FE4-8462-55C3BE1817A8}" type="datetimeFigureOut">
               <a:rPr lang="en-US" smtClean="0"/>
-              <a:t>11/21/2017</a:t>
+              <a:t>11/27/2017</a:t>
             </a:fld>
             <a:endParaRPr lang="en-US"/>
           </a:p>
@@ -1370,7 +1370,7 @@
           <a:p>
             <a:fld id="{2019D7E9-D108-4FE4-8462-55C3BE1817A8}" type="datetimeFigureOut">
               <a:rPr lang="en-US" smtClean="0"/>
-              <a:t>11/21/2017</a:t>
+              <a:t>11/27/2017</a:t>
             </a:fld>
             <a:endParaRPr lang="en-US"/>
           </a:p>
@@ -1548,7 +1548,7 @@
           <a:p>
             <a:fld id="{2019D7E9-D108-4FE4-8462-55C3BE1817A8}" type="datetimeFigureOut">
               <a:rPr lang="en-US" smtClean="0"/>
-              <a:t>11/21/2017</a:t>
+              <a:t>11/27/2017</a:t>
             </a:fld>
             <a:endParaRPr lang="en-US"/>
           </a:p>
@@ -1716,7 +1716,7 @@
           <a:p>
             <a:fld id="{2019D7E9-D108-4FE4-8462-55C3BE1817A8}" type="datetimeFigureOut">
               <a:rPr lang="en-US" smtClean="0"/>
-              <a:t>11/21/2017</a:t>
+              <a:t>11/27/2017</a:t>
             </a:fld>
             <a:endParaRPr lang="en-US"/>
           </a:p>
@@ -1961,7 +1961,7 @@
           <a:p>
             <a:fld id="{2019D7E9-D108-4FE4-8462-55C3BE1817A8}" type="datetimeFigureOut">
               <a:rPr lang="en-US" smtClean="0"/>
-              <a:t>11/21/2017</a:t>
+              <a:t>11/27/2017</a:t>
             </a:fld>
             <a:endParaRPr lang="en-US"/>
           </a:p>
@@ -2246,7 +2246,7 @@
           <a:p>
             <a:fld id="{2019D7E9-D108-4FE4-8462-55C3BE1817A8}" type="datetimeFigureOut">
               <a:rPr lang="en-US" smtClean="0"/>
-              <a:t>11/21/2017</a:t>
+              <a:t>11/27/2017</a:t>
             </a:fld>
             <a:endParaRPr lang="en-US"/>
           </a:p>
@@ -2665,7 +2665,7 @@
           <a:p>
             <a:fld id="{2019D7E9-D108-4FE4-8462-55C3BE1817A8}" type="datetimeFigureOut">
               <a:rPr lang="en-US" smtClean="0"/>
-              <a:t>11/21/2017</a:t>
+              <a:t>11/27/2017</a:t>
             </a:fld>
             <a:endParaRPr lang="en-US"/>
           </a:p>
@@ -2782,7 +2782,7 @@
           <a:p>
             <a:fld id="{2019D7E9-D108-4FE4-8462-55C3BE1817A8}" type="datetimeFigureOut">
               <a:rPr lang="en-US" smtClean="0"/>
-              <a:t>11/21/2017</a:t>
+              <a:t>11/27/2017</a:t>
             </a:fld>
             <a:endParaRPr lang="en-US"/>
           </a:p>
@@ -2877,7 +2877,7 @@
           <a:p>
             <a:fld id="{2019D7E9-D108-4FE4-8462-55C3BE1817A8}" type="datetimeFigureOut">
               <a:rPr lang="en-US" smtClean="0"/>
-              <a:t>11/21/2017</a:t>
+              <a:t>11/27/2017</a:t>
             </a:fld>
             <a:endParaRPr lang="en-US"/>
           </a:p>
@@ -3152,7 +3152,7 @@
           <a:p>
             <a:fld id="{2019D7E9-D108-4FE4-8462-55C3BE1817A8}" type="datetimeFigureOut">
               <a:rPr lang="en-US" smtClean="0"/>
-              <a:t>11/21/2017</a:t>
+              <a:t>11/27/2017</a:t>
             </a:fld>
             <a:endParaRPr lang="en-US"/>
           </a:p>
@@ -3404,7 +3404,7 @@
           <a:p>
             <a:fld id="{2019D7E9-D108-4FE4-8462-55C3BE1817A8}" type="datetimeFigureOut">
               <a:rPr lang="en-US" smtClean="0"/>
-              <a:t>11/21/2017</a:t>
+              <a:t>11/27/2017</a:t>
             </a:fld>
             <a:endParaRPr lang="en-US"/>
           </a:p>
@@ -3615,7 +3615,7 @@
           <a:p>
             <a:fld id="{2019D7E9-D108-4FE4-8462-55C3BE1817A8}" type="datetimeFigureOut">
               <a:rPr lang="en-US" smtClean="0"/>
-              <a:t>11/21/2017</a:t>
+              <a:t>11/27/2017</a:t>
             </a:fld>
             <a:endParaRPr lang="en-US"/>
           </a:p>
@@ -4778,105 +4778,105 @@
                 <a:gridCol w="703867">
                   <a:extLst>
                     <a:ext uri="{9D8B030D-6E8A-4147-A177-3AD203B41FA5}">
-                      <a16:colId xmlns:a16="http://schemas.microsoft.com/office/drawing/2014/main" val="20000"/>
+                      <a16:colId xmlns:a16="http://schemas.microsoft.com/office/drawing/2014/main" xmlns="" val="20000"/>
                     </a:ext>
                   </a:extLst>
                 </a:gridCol>
                 <a:gridCol w="703867">
                   <a:extLst>
                     <a:ext uri="{9D8B030D-6E8A-4147-A177-3AD203B41FA5}">
-                      <a16:colId xmlns:a16="http://schemas.microsoft.com/office/drawing/2014/main" val="20001"/>
+                      <a16:colId xmlns:a16="http://schemas.microsoft.com/office/drawing/2014/main" xmlns="" val="20001"/>
                     </a:ext>
                   </a:extLst>
                 </a:gridCol>
                 <a:gridCol w="570221">
                   <a:extLst>
                     <a:ext uri="{9D8B030D-6E8A-4147-A177-3AD203B41FA5}">
-                      <a16:colId xmlns:a16="http://schemas.microsoft.com/office/drawing/2014/main" val="20002"/>
+                      <a16:colId xmlns:a16="http://schemas.microsoft.com/office/drawing/2014/main" xmlns="" val="20002"/>
                     </a:ext>
                   </a:extLst>
                 </a:gridCol>
                 <a:gridCol w="570221">
                   <a:extLst>
                     <a:ext uri="{9D8B030D-6E8A-4147-A177-3AD203B41FA5}">
-                      <a16:colId xmlns:a16="http://schemas.microsoft.com/office/drawing/2014/main" val="20003"/>
+                      <a16:colId xmlns:a16="http://schemas.microsoft.com/office/drawing/2014/main" xmlns="" val="20003"/>
                     </a:ext>
                   </a:extLst>
                 </a:gridCol>
                 <a:gridCol w="308870">
                   <a:extLst>
                     <a:ext uri="{9D8B030D-6E8A-4147-A177-3AD203B41FA5}">
-                      <a16:colId xmlns:a16="http://schemas.microsoft.com/office/drawing/2014/main" val="20004"/>
+                      <a16:colId xmlns:a16="http://schemas.microsoft.com/office/drawing/2014/main" xmlns="" val="20004"/>
                     </a:ext>
                   </a:extLst>
                 </a:gridCol>
                 <a:gridCol w="570221">
                   <a:extLst>
                     <a:ext uri="{9D8B030D-6E8A-4147-A177-3AD203B41FA5}">
-                      <a16:colId xmlns:a16="http://schemas.microsoft.com/office/drawing/2014/main" val="20005"/>
+                      <a16:colId xmlns:a16="http://schemas.microsoft.com/office/drawing/2014/main" xmlns="" val="20005"/>
                     </a:ext>
                   </a:extLst>
                 </a:gridCol>
                 <a:gridCol w="570221">
                   <a:extLst>
                     <a:ext uri="{9D8B030D-6E8A-4147-A177-3AD203B41FA5}">
-                      <a16:colId xmlns:a16="http://schemas.microsoft.com/office/drawing/2014/main" val="20006"/>
+                      <a16:colId xmlns:a16="http://schemas.microsoft.com/office/drawing/2014/main" xmlns="" val="20006"/>
                     </a:ext>
                   </a:extLst>
                 </a:gridCol>
                 <a:gridCol w="570221">
                   <a:extLst>
                     <a:ext uri="{9D8B030D-6E8A-4147-A177-3AD203B41FA5}">
-                      <a16:colId xmlns:a16="http://schemas.microsoft.com/office/drawing/2014/main" val="20007"/>
+                      <a16:colId xmlns:a16="http://schemas.microsoft.com/office/drawing/2014/main" xmlns="" val="20007"/>
                     </a:ext>
                   </a:extLst>
                 </a:gridCol>
                 <a:gridCol w="570221">
                   <a:extLst>
                     <a:ext uri="{9D8B030D-6E8A-4147-A177-3AD203B41FA5}">
-                      <a16:colId xmlns:a16="http://schemas.microsoft.com/office/drawing/2014/main" val="20008"/>
+                      <a16:colId xmlns:a16="http://schemas.microsoft.com/office/drawing/2014/main" xmlns="" val="20008"/>
                     </a:ext>
                   </a:extLst>
                 </a:gridCol>
                 <a:gridCol w="570221">
                   <a:extLst>
                     <a:ext uri="{9D8B030D-6E8A-4147-A177-3AD203B41FA5}">
-                      <a16:colId xmlns:a16="http://schemas.microsoft.com/office/drawing/2014/main" val="20009"/>
+                      <a16:colId xmlns:a16="http://schemas.microsoft.com/office/drawing/2014/main" xmlns="" val="20009"/>
                     </a:ext>
                   </a:extLst>
                 </a:gridCol>
                 <a:gridCol w="240563">
                   <a:extLst>
                     <a:ext uri="{9D8B030D-6E8A-4147-A177-3AD203B41FA5}">
-                      <a16:colId xmlns:a16="http://schemas.microsoft.com/office/drawing/2014/main" val="20010"/>
+                      <a16:colId xmlns:a16="http://schemas.microsoft.com/office/drawing/2014/main" xmlns="" val="20010"/>
                     </a:ext>
                   </a:extLst>
                 </a:gridCol>
                 <a:gridCol w="570221">
                   <a:extLst>
                     <a:ext uri="{9D8B030D-6E8A-4147-A177-3AD203B41FA5}">
-                      <a16:colId xmlns:a16="http://schemas.microsoft.com/office/drawing/2014/main" val="20011"/>
+                      <a16:colId xmlns:a16="http://schemas.microsoft.com/office/drawing/2014/main" xmlns="" val="20011"/>
                     </a:ext>
                   </a:extLst>
                 </a:gridCol>
                 <a:gridCol w="570221">
                   <a:extLst>
                     <a:ext uri="{9D8B030D-6E8A-4147-A177-3AD203B41FA5}">
-                      <a16:colId xmlns:a16="http://schemas.microsoft.com/office/drawing/2014/main" val="20012"/>
+                      <a16:colId xmlns:a16="http://schemas.microsoft.com/office/drawing/2014/main" xmlns="" val="20012"/>
                     </a:ext>
                   </a:extLst>
                 </a:gridCol>
                 <a:gridCol w="570221">
                   <a:extLst>
                     <a:ext uri="{9D8B030D-6E8A-4147-A177-3AD203B41FA5}">
-                      <a16:colId xmlns:a16="http://schemas.microsoft.com/office/drawing/2014/main" val="20013"/>
+                      <a16:colId xmlns:a16="http://schemas.microsoft.com/office/drawing/2014/main" xmlns="" val="20013"/>
                     </a:ext>
                   </a:extLst>
                 </a:gridCol>
                 <a:gridCol w="570221">
                   <a:extLst>
                     <a:ext uri="{9D8B030D-6E8A-4147-A177-3AD203B41FA5}">
-                      <a16:colId xmlns:a16="http://schemas.microsoft.com/office/drawing/2014/main" val="20014"/>
+                      <a16:colId xmlns:a16="http://schemas.microsoft.com/office/drawing/2014/main" xmlns="" val="20014"/>
                     </a:ext>
                   </a:extLst>
                 </a:gridCol>
@@ -5108,7 +5108,7 @@
                 </a:tc>
                 <a:extLst>
                   <a:ext uri="{0D108BD9-81ED-4DB2-BD59-A6C34878D82A}">
-                    <a16:rowId xmlns:a16="http://schemas.microsoft.com/office/drawing/2014/main" val="10000"/>
+                    <a16:rowId xmlns:a16="http://schemas.microsoft.com/office/drawing/2014/main" xmlns="" val="10000"/>
                   </a:ext>
                 </a:extLst>
               </a:tr>
@@ -5397,7 +5397,7 @@
                 </a:tc>
                 <a:extLst>
                   <a:ext uri="{0D108BD9-81ED-4DB2-BD59-A6C34878D82A}">
-                    <a16:rowId xmlns:a16="http://schemas.microsoft.com/office/drawing/2014/main" val="10001"/>
+                    <a16:rowId xmlns:a16="http://schemas.microsoft.com/office/drawing/2014/main" xmlns="" val="10001"/>
                   </a:ext>
                 </a:extLst>
               </a:tr>
@@ -5725,7 +5725,7 @@
                 </a:tc>
                 <a:extLst>
                   <a:ext uri="{0D108BD9-81ED-4DB2-BD59-A6C34878D82A}">
-                    <a16:rowId xmlns:a16="http://schemas.microsoft.com/office/drawing/2014/main" val="10002"/>
+                    <a16:rowId xmlns:a16="http://schemas.microsoft.com/office/drawing/2014/main" xmlns="" val="10002"/>
                   </a:ext>
                 </a:extLst>
               </a:tr>
@@ -6053,7 +6053,7 @@
                 </a:tc>
                 <a:extLst>
                   <a:ext uri="{0D108BD9-81ED-4DB2-BD59-A6C34878D82A}">
-                    <a16:rowId xmlns:a16="http://schemas.microsoft.com/office/drawing/2014/main" val="10003"/>
+                    <a16:rowId xmlns:a16="http://schemas.microsoft.com/office/drawing/2014/main" xmlns="" val="10003"/>
                   </a:ext>
                 </a:extLst>
               </a:tr>
@@ -6363,7 +6363,7 @@
                 </a:tc>
                 <a:extLst>
                   <a:ext uri="{0D108BD9-81ED-4DB2-BD59-A6C34878D82A}">
-                    <a16:rowId xmlns:a16="http://schemas.microsoft.com/office/drawing/2014/main" val="10004"/>
+                    <a16:rowId xmlns:a16="http://schemas.microsoft.com/office/drawing/2014/main" xmlns="" val="10004"/>
                   </a:ext>
                 </a:extLst>
               </a:tr>
@@ -6658,7 +6658,7 @@
                 </a:tc>
                 <a:extLst>
                   <a:ext uri="{0D108BD9-81ED-4DB2-BD59-A6C34878D82A}">
-                    <a16:rowId xmlns:a16="http://schemas.microsoft.com/office/drawing/2014/main" val="10005"/>
+                    <a16:rowId xmlns:a16="http://schemas.microsoft.com/office/drawing/2014/main" xmlns="" val="10005"/>
                   </a:ext>
                 </a:extLst>
               </a:tr>
@@ -6968,7 +6968,7 @@
                 </a:tc>
                 <a:extLst>
                   <a:ext uri="{0D108BD9-81ED-4DB2-BD59-A6C34878D82A}">
-                    <a16:rowId xmlns:a16="http://schemas.microsoft.com/office/drawing/2014/main" val="10006"/>
+                    <a16:rowId xmlns:a16="http://schemas.microsoft.com/office/drawing/2014/main" xmlns="" val="10006"/>
                   </a:ext>
                 </a:extLst>
               </a:tr>
@@ -7284,7 +7284,7 @@
                 </a:tc>
                 <a:extLst>
                   <a:ext uri="{0D108BD9-81ED-4DB2-BD59-A6C34878D82A}">
-                    <a16:rowId xmlns:a16="http://schemas.microsoft.com/office/drawing/2014/main" val="10007"/>
+                    <a16:rowId xmlns:a16="http://schemas.microsoft.com/office/drawing/2014/main" xmlns="" val="10007"/>
                   </a:ext>
                 </a:extLst>
               </a:tr>
@@ -7594,7 +7594,7 @@
                 </a:tc>
                 <a:extLst>
                   <a:ext uri="{0D108BD9-81ED-4DB2-BD59-A6C34878D82A}">
-                    <a16:rowId xmlns:a16="http://schemas.microsoft.com/office/drawing/2014/main" val="10008"/>
+                    <a16:rowId xmlns:a16="http://schemas.microsoft.com/office/drawing/2014/main" xmlns="" val="10008"/>
                   </a:ext>
                 </a:extLst>
               </a:tr>
@@ -7904,7 +7904,7 @@
                 </a:tc>
                 <a:extLst>
                   <a:ext uri="{0D108BD9-81ED-4DB2-BD59-A6C34878D82A}">
-                    <a16:rowId xmlns:a16="http://schemas.microsoft.com/office/drawing/2014/main" val="10009"/>
+                    <a16:rowId xmlns:a16="http://schemas.microsoft.com/office/drawing/2014/main" xmlns="" val="10009"/>
                   </a:ext>
                 </a:extLst>
               </a:tr>
@@ -8214,7 +8214,7 @@
                 </a:tc>
                 <a:extLst>
                   <a:ext uri="{0D108BD9-81ED-4DB2-BD59-A6C34878D82A}">
-                    <a16:rowId xmlns:a16="http://schemas.microsoft.com/office/drawing/2014/main" val="10010"/>
+                    <a16:rowId xmlns:a16="http://schemas.microsoft.com/office/drawing/2014/main" xmlns="" val="10010"/>
                   </a:ext>
                 </a:extLst>
               </a:tr>
@@ -8500,7 +8500,7 @@
                 </a:tc>
                 <a:extLst>
                   <a:ext uri="{0D108BD9-81ED-4DB2-BD59-A6C34878D82A}">
-                    <a16:rowId xmlns:a16="http://schemas.microsoft.com/office/drawing/2014/main" val="10011"/>
+                    <a16:rowId xmlns:a16="http://schemas.microsoft.com/office/drawing/2014/main" xmlns="" val="10011"/>
                   </a:ext>
                 </a:extLst>
               </a:tr>
@@ -8761,7 +8761,7 @@
                 </a:tc>
                 <a:extLst>
                   <a:ext uri="{0D108BD9-81ED-4DB2-BD59-A6C34878D82A}">
-                    <a16:rowId xmlns:a16="http://schemas.microsoft.com/office/drawing/2014/main" val="10012"/>
+                    <a16:rowId xmlns:a16="http://schemas.microsoft.com/office/drawing/2014/main" xmlns="" val="10012"/>
                   </a:ext>
                 </a:extLst>
               </a:tr>
@@ -9022,7 +9022,7 @@
                 </a:tc>
                 <a:extLst>
                   <a:ext uri="{0D108BD9-81ED-4DB2-BD59-A6C34878D82A}">
-                    <a16:rowId xmlns:a16="http://schemas.microsoft.com/office/drawing/2014/main" val="10013"/>
+                    <a16:rowId xmlns:a16="http://schemas.microsoft.com/office/drawing/2014/main" xmlns="" val="10013"/>
                   </a:ext>
                 </a:extLst>
               </a:tr>
@@ -9269,7 +9269,7 @@
                 </a:tc>
                 <a:extLst>
                   <a:ext uri="{0D108BD9-81ED-4DB2-BD59-A6C34878D82A}">
-                    <a16:rowId xmlns:a16="http://schemas.microsoft.com/office/drawing/2014/main" val="10014"/>
+                    <a16:rowId xmlns:a16="http://schemas.microsoft.com/office/drawing/2014/main" xmlns="" val="10014"/>
                   </a:ext>
                 </a:extLst>
               </a:tr>
@@ -10873,7 +10873,23 @@
                   <a:srgbClr val="FF0000"/>
                 </a:solidFill>
               </a:rPr>
-              <a:t>https://github.com/jamessdixon/PydataNYC</a:t>
+              <a:t>https://github.com/james</a:t>
+            </a:r>
+            <a:r>
+              <a:rPr lang="en-US" u="sng" dirty="0">
+                <a:solidFill>
+                  <a:srgbClr val="FF0000"/>
+                </a:solidFill>
+              </a:rPr>
+              <a:t>s</a:t>
+            </a:r>
+            <a:r>
+              <a:rPr lang="en-US" dirty="0">
+                <a:solidFill>
+                  <a:srgbClr val="FF0000"/>
+                </a:solidFill>
+              </a:rPr>
+              <a:t>dixon/PydataNYC</a:t>
             </a:r>
           </a:p>
         </p:txBody>

--- a/presentation/FSharpForData.pptx
+++ b/presentation/FSharpForData.pptx
@@ -231,7 +231,7 @@
           <a:p>
             <a:fld id="{63EA6277-32A6-4B29-B323-2A7ABE731332}" type="datetimeFigureOut">
               <a:rPr lang="en-US" smtClean="0"/>
-              <a:t>11/27/2017</a:t>
+              <a:t>11/28/2017</a:t>
             </a:fld>
             <a:endParaRPr lang="en-US"/>
           </a:p>
@@ -1202,7 +1202,7 @@
           <a:p>
             <a:fld id="{2019D7E9-D108-4FE4-8462-55C3BE1817A8}" type="datetimeFigureOut">
               <a:rPr lang="en-US" smtClean="0"/>
-              <a:t>11/27/2017</a:t>
+              <a:t>11/28/2017</a:t>
             </a:fld>
             <a:endParaRPr lang="en-US"/>
           </a:p>
@@ -1370,7 +1370,7 @@
           <a:p>
             <a:fld id="{2019D7E9-D108-4FE4-8462-55C3BE1817A8}" type="datetimeFigureOut">
               <a:rPr lang="en-US" smtClean="0"/>
-              <a:t>11/27/2017</a:t>
+              <a:t>11/28/2017</a:t>
             </a:fld>
             <a:endParaRPr lang="en-US"/>
           </a:p>
@@ -1548,7 +1548,7 @@
           <a:p>
             <a:fld id="{2019D7E9-D108-4FE4-8462-55C3BE1817A8}" type="datetimeFigureOut">
               <a:rPr lang="en-US" smtClean="0"/>
-              <a:t>11/27/2017</a:t>
+              <a:t>11/28/2017</a:t>
             </a:fld>
             <a:endParaRPr lang="en-US"/>
           </a:p>
@@ -1716,7 +1716,7 @@
           <a:p>
             <a:fld id="{2019D7E9-D108-4FE4-8462-55C3BE1817A8}" type="datetimeFigureOut">
               <a:rPr lang="en-US" smtClean="0"/>
-              <a:t>11/27/2017</a:t>
+              <a:t>11/28/2017</a:t>
             </a:fld>
             <a:endParaRPr lang="en-US"/>
           </a:p>
@@ -1961,7 +1961,7 @@
           <a:p>
             <a:fld id="{2019D7E9-D108-4FE4-8462-55C3BE1817A8}" type="datetimeFigureOut">
               <a:rPr lang="en-US" smtClean="0"/>
-              <a:t>11/27/2017</a:t>
+              <a:t>11/28/2017</a:t>
             </a:fld>
             <a:endParaRPr lang="en-US"/>
           </a:p>
@@ -2246,7 +2246,7 @@
           <a:p>
             <a:fld id="{2019D7E9-D108-4FE4-8462-55C3BE1817A8}" type="datetimeFigureOut">
               <a:rPr lang="en-US" smtClean="0"/>
-              <a:t>11/27/2017</a:t>
+              <a:t>11/28/2017</a:t>
             </a:fld>
             <a:endParaRPr lang="en-US"/>
           </a:p>
@@ -2665,7 +2665,7 @@
           <a:p>
             <a:fld id="{2019D7E9-D108-4FE4-8462-55C3BE1817A8}" type="datetimeFigureOut">
               <a:rPr lang="en-US" smtClean="0"/>
-              <a:t>11/27/2017</a:t>
+              <a:t>11/28/2017</a:t>
             </a:fld>
             <a:endParaRPr lang="en-US"/>
           </a:p>
@@ -2782,7 +2782,7 @@
           <a:p>
             <a:fld id="{2019D7E9-D108-4FE4-8462-55C3BE1817A8}" type="datetimeFigureOut">
               <a:rPr lang="en-US" smtClean="0"/>
-              <a:t>11/27/2017</a:t>
+              <a:t>11/28/2017</a:t>
             </a:fld>
             <a:endParaRPr lang="en-US"/>
           </a:p>
@@ -2877,7 +2877,7 @@
           <a:p>
             <a:fld id="{2019D7E9-D108-4FE4-8462-55C3BE1817A8}" type="datetimeFigureOut">
               <a:rPr lang="en-US" smtClean="0"/>
-              <a:t>11/27/2017</a:t>
+              <a:t>11/28/2017</a:t>
             </a:fld>
             <a:endParaRPr lang="en-US"/>
           </a:p>
@@ -3152,7 +3152,7 @@
           <a:p>
             <a:fld id="{2019D7E9-D108-4FE4-8462-55C3BE1817A8}" type="datetimeFigureOut">
               <a:rPr lang="en-US" smtClean="0"/>
-              <a:t>11/27/2017</a:t>
+              <a:t>11/28/2017</a:t>
             </a:fld>
             <a:endParaRPr lang="en-US"/>
           </a:p>
@@ -3404,7 +3404,7 @@
           <a:p>
             <a:fld id="{2019D7E9-D108-4FE4-8462-55C3BE1817A8}" type="datetimeFigureOut">
               <a:rPr lang="en-US" smtClean="0"/>
-              <a:t>11/27/2017</a:t>
+              <a:t>11/28/2017</a:t>
             </a:fld>
             <a:endParaRPr lang="en-US"/>
           </a:p>
@@ -3615,7 +3615,7 @@
           <a:p>
             <a:fld id="{2019D7E9-D108-4FE4-8462-55C3BE1817A8}" type="datetimeFigureOut">
               <a:rPr lang="en-US" smtClean="0"/>
-              <a:t>11/27/2017</a:t>
+              <a:t>11/28/2017</a:t>
             </a:fld>
             <a:endParaRPr lang="en-US"/>
           </a:p>
@@ -4778,105 +4778,105 @@
                 <a:gridCol w="703867">
                   <a:extLst>
                     <a:ext uri="{9D8B030D-6E8A-4147-A177-3AD203B41FA5}">
-                      <a16:colId xmlns:a16="http://schemas.microsoft.com/office/drawing/2014/main" xmlns="" val="20000"/>
+                      <a16:colId xmlns="" xmlns:a16="http://schemas.microsoft.com/office/drawing/2014/main" val="20000"/>
                     </a:ext>
                   </a:extLst>
                 </a:gridCol>
                 <a:gridCol w="703867">
                   <a:extLst>
                     <a:ext uri="{9D8B030D-6E8A-4147-A177-3AD203B41FA5}">
-                      <a16:colId xmlns:a16="http://schemas.microsoft.com/office/drawing/2014/main" xmlns="" val="20001"/>
+                      <a16:colId xmlns="" xmlns:a16="http://schemas.microsoft.com/office/drawing/2014/main" val="20001"/>
                     </a:ext>
                   </a:extLst>
                 </a:gridCol>
                 <a:gridCol w="570221">
                   <a:extLst>
                     <a:ext uri="{9D8B030D-6E8A-4147-A177-3AD203B41FA5}">
-                      <a16:colId xmlns:a16="http://schemas.microsoft.com/office/drawing/2014/main" xmlns="" val="20002"/>
+                      <a16:colId xmlns="" xmlns:a16="http://schemas.microsoft.com/office/drawing/2014/main" val="20002"/>
                     </a:ext>
                   </a:extLst>
                 </a:gridCol>
                 <a:gridCol w="570221">
                   <a:extLst>
                     <a:ext uri="{9D8B030D-6E8A-4147-A177-3AD203B41FA5}">
-                      <a16:colId xmlns:a16="http://schemas.microsoft.com/office/drawing/2014/main" xmlns="" val="20003"/>
+                      <a16:colId xmlns="" xmlns:a16="http://schemas.microsoft.com/office/drawing/2014/main" val="20003"/>
                     </a:ext>
                   </a:extLst>
                 </a:gridCol>
                 <a:gridCol w="308870">
                   <a:extLst>
                     <a:ext uri="{9D8B030D-6E8A-4147-A177-3AD203B41FA5}">
-                      <a16:colId xmlns:a16="http://schemas.microsoft.com/office/drawing/2014/main" xmlns="" val="20004"/>
+                      <a16:colId xmlns="" xmlns:a16="http://schemas.microsoft.com/office/drawing/2014/main" val="20004"/>
                     </a:ext>
                   </a:extLst>
                 </a:gridCol>
                 <a:gridCol w="570221">
                   <a:extLst>
                     <a:ext uri="{9D8B030D-6E8A-4147-A177-3AD203B41FA5}">
-                      <a16:colId xmlns:a16="http://schemas.microsoft.com/office/drawing/2014/main" xmlns="" val="20005"/>
+                      <a16:colId xmlns="" xmlns:a16="http://schemas.microsoft.com/office/drawing/2014/main" val="20005"/>
                     </a:ext>
                   </a:extLst>
                 </a:gridCol>
                 <a:gridCol w="570221">
                   <a:extLst>
                     <a:ext uri="{9D8B030D-6E8A-4147-A177-3AD203B41FA5}">
-                      <a16:colId xmlns:a16="http://schemas.microsoft.com/office/drawing/2014/main" xmlns="" val="20006"/>
+                      <a16:colId xmlns="" xmlns:a16="http://schemas.microsoft.com/office/drawing/2014/main" val="20006"/>
                     </a:ext>
                   </a:extLst>
                 </a:gridCol>
                 <a:gridCol w="570221">
                   <a:extLst>
                     <a:ext uri="{9D8B030D-6E8A-4147-A177-3AD203B41FA5}">
-                      <a16:colId xmlns:a16="http://schemas.microsoft.com/office/drawing/2014/main" xmlns="" val="20007"/>
+                      <a16:colId xmlns="" xmlns:a16="http://schemas.microsoft.com/office/drawing/2014/main" val="20007"/>
                     </a:ext>
                   </a:extLst>
                 </a:gridCol>
                 <a:gridCol w="570221">
                   <a:extLst>
                     <a:ext uri="{9D8B030D-6E8A-4147-A177-3AD203B41FA5}">
-                      <a16:colId xmlns:a16="http://schemas.microsoft.com/office/drawing/2014/main" xmlns="" val="20008"/>
+                      <a16:colId xmlns="" xmlns:a16="http://schemas.microsoft.com/office/drawing/2014/main" val="20008"/>
                     </a:ext>
                   </a:extLst>
                 </a:gridCol>
                 <a:gridCol w="570221">
                   <a:extLst>
                     <a:ext uri="{9D8B030D-6E8A-4147-A177-3AD203B41FA5}">
-                      <a16:colId xmlns:a16="http://schemas.microsoft.com/office/drawing/2014/main" xmlns="" val="20009"/>
+                      <a16:colId xmlns="" xmlns:a16="http://schemas.microsoft.com/office/drawing/2014/main" val="20009"/>
                     </a:ext>
                   </a:extLst>
                 </a:gridCol>
                 <a:gridCol w="240563">
                   <a:extLst>
                     <a:ext uri="{9D8B030D-6E8A-4147-A177-3AD203B41FA5}">
-                      <a16:colId xmlns:a16="http://schemas.microsoft.com/office/drawing/2014/main" xmlns="" val="20010"/>
+                      <a16:colId xmlns="" xmlns:a16="http://schemas.microsoft.com/office/drawing/2014/main" val="20010"/>
                     </a:ext>
                   </a:extLst>
                 </a:gridCol>
                 <a:gridCol w="570221">
                   <a:extLst>
                     <a:ext uri="{9D8B030D-6E8A-4147-A177-3AD203B41FA5}">
-                      <a16:colId xmlns:a16="http://schemas.microsoft.com/office/drawing/2014/main" xmlns="" val="20011"/>
+                      <a16:colId xmlns="" xmlns:a16="http://schemas.microsoft.com/office/drawing/2014/main" val="20011"/>
                     </a:ext>
                   </a:extLst>
                 </a:gridCol>
                 <a:gridCol w="570221">
                   <a:extLst>
                     <a:ext uri="{9D8B030D-6E8A-4147-A177-3AD203B41FA5}">
-                      <a16:colId xmlns:a16="http://schemas.microsoft.com/office/drawing/2014/main" xmlns="" val="20012"/>
+                      <a16:colId xmlns="" xmlns:a16="http://schemas.microsoft.com/office/drawing/2014/main" val="20012"/>
                     </a:ext>
                   </a:extLst>
                 </a:gridCol>
                 <a:gridCol w="570221">
                   <a:extLst>
                     <a:ext uri="{9D8B030D-6E8A-4147-A177-3AD203B41FA5}">
-                      <a16:colId xmlns:a16="http://schemas.microsoft.com/office/drawing/2014/main" xmlns="" val="20013"/>
+                      <a16:colId xmlns="" xmlns:a16="http://schemas.microsoft.com/office/drawing/2014/main" val="20013"/>
                     </a:ext>
                   </a:extLst>
                 </a:gridCol>
                 <a:gridCol w="570221">
                   <a:extLst>
                     <a:ext uri="{9D8B030D-6E8A-4147-A177-3AD203B41FA5}">
-                      <a16:colId xmlns:a16="http://schemas.microsoft.com/office/drawing/2014/main" xmlns="" val="20014"/>
+                      <a16:colId xmlns="" xmlns:a16="http://schemas.microsoft.com/office/drawing/2014/main" val="20014"/>
                     </a:ext>
                   </a:extLst>
                 </a:gridCol>
@@ -5108,7 +5108,7 @@
                 </a:tc>
                 <a:extLst>
                   <a:ext uri="{0D108BD9-81ED-4DB2-BD59-A6C34878D82A}">
-                    <a16:rowId xmlns:a16="http://schemas.microsoft.com/office/drawing/2014/main" xmlns="" val="10000"/>
+                    <a16:rowId xmlns="" xmlns:a16="http://schemas.microsoft.com/office/drawing/2014/main" val="10000"/>
                   </a:ext>
                 </a:extLst>
               </a:tr>
@@ -5397,7 +5397,7 @@
                 </a:tc>
                 <a:extLst>
                   <a:ext uri="{0D108BD9-81ED-4DB2-BD59-A6C34878D82A}">
-                    <a16:rowId xmlns:a16="http://schemas.microsoft.com/office/drawing/2014/main" xmlns="" val="10001"/>
+                    <a16:rowId xmlns="" xmlns:a16="http://schemas.microsoft.com/office/drawing/2014/main" val="10001"/>
                   </a:ext>
                 </a:extLst>
               </a:tr>
@@ -5725,7 +5725,7 @@
                 </a:tc>
                 <a:extLst>
                   <a:ext uri="{0D108BD9-81ED-4DB2-BD59-A6C34878D82A}">
-                    <a16:rowId xmlns:a16="http://schemas.microsoft.com/office/drawing/2014/main" xmlns="" val="10002"/>
+                    <a16:rowId xmlns="" xmlns:a16="http://schemas.microsoft.com/office/drawing/2014/main" val="10002"/>
                   </a:ext>
                 </a:extLst>
               </a:tr>
@@ -6053,7 +6053,7 @@
                 </a:tc>
                 <a:extLst>
                   <a:ext uri="{0D108BD9-81ED-4DB2-BD59-A6C34878D82A}">
-                    <a16:rowId xmlns:a16="http://schemas.microsoft.com/office/drawing/2014/main" xmlns="" val="10003"/>
+                    <a16:rowId xmlns="" xmlns:a16="http://schemas.microsoft.com/office/drawing/2014/main" val="10003"/>
                   </a:ext>
                 </a:extLst>
               </a:tr>
@@ -6363,7 +6363,7 @@
                 </a:tc>
                 <a:extLst>
                   <a:ext uri="{0D108BD9-81ED-4DB2-BD59-A6C34878D82A}">
-                    <a16:rowId xmlns:a16="http://schemas.microsoft.com/office/drawing/2014/main" xmlns="" val="10004"/>
+                    <a16:rowId xmlns="" xmlns:a16="http://schemas.microsoft.com/office/drawing/2014/main" val="10004"/>
                   </a:ext>
                 </a:extLst>
               </a:tr>
@@ -6658,7 +6658,7 @@
                 </a:tc>
                 <a:extLst>
                   <a:ext uri="{0D108BD9-81ED-4DB2-BD59-A6C34878D82A}">
-                    <a16:rowId xmlns:a16="http://schemas.microsoft.com/office/drawing/2014/main" xmlns="" val="10005"/>
+                    <a16:rowId xmlns="" xmlns:a16="http://schemas.microsoft.com/office/drawing/2014/main" val="10005"/>
                   </a:ext>
                 </a:extLst>
               </a:tr>
@@ -6968,7 +6968,7 @@
                 </a:tc>
                 <a:extLst>
                   <a:ext uri="{0D108BD9-81ED-4DB2-BD59-A6C34878D82A}">
-                    <a16:rowId xmlns:a16="http://schemas.microsoft.com/office/drawing/2014/main" xmlns="" val="10006"/>
+                    <a16:rowId xmlns="" xmlns:a16="http://schemas.microsoft.com/office/drawing/2014/main" val="10006"/>
                   </a:ext>
                 </a:extLst>
               </a:tr>
@@ -7284,7 +7284,7 @@
                 </a:tc>
                 <a:extLst>
                   <a:ext uri="{0D108BD9-81ED-4DB2-BD59-A6C34878D82A}">
-                    <a16:rowId xmlns:a16="http://schemas.microsoft.com/office/drawing/2014/main" xmlns="" val="10007"/>
+                    <a16:rowId xmlns="" xmlns:a16="http://schemas.microsoft.com/office/drawing/2014/main" val="10007"/>
                   </a:ext>
                 </a:extLst>
               </a:tr>
@@ -7594,7 +7594,7 @@
                 </a:tc>
                 <a:extLst>
                   <a:ext uri="{0D108BD9-81ED-4DB2-BD59-A6C34878D82A}">
-                    <a16:rowId xmlns:a16="http://schemas.microsoft.com/office/drawing/2014/main" xmlns="" val="10008"/>
+                    <a16:rowId xmlns="" xmlns:a16="http://schemas.microsoft.com/office/drawing/2014/main" val="10008"/>
                   </a:ext>
                 </a:extLst>
               </a:tr>
@@ -7904,7 +7904,7 @@
                 </a:tc>
                 <a:extLst>
                   <a:ext uri="{0D108BD9-81ED-4DB2-BD59-A6C34878D82A}">
-                    <a16:rowId xmlns:a16="http://schemas.microsoft.com/office/drawing/2014/main" xmlns="" val="10009"/>
+                    <a16:rowId xmlns="" xmlns:a16="http://schemas.microsoft.com/office/drawing/2014/main" val="10009"/>
                   </a:ext>
                 </a:extLst>
               </a:tr>
@@ -8214,7 +8214,7 @@
                 </a:tc>
                 <a:extLst>
                   <a:ext uri="{0D108BD9-81ED-4DB2-BD59-A6C34878D82A}">
-                    <a16:rowId xmlns:a16="http://schemas.microsoft.com/office/drawing/2014/main" xmlns="" val="10010"/>
+                    <a16:rowId xmlns="" xmlns:a16="http://schemas.microsoft.com/office/drawing/2014/main" val="10010"/>
                   </a:ext>
                 </a:extLst>
               </a:tr>
@@ -8500,7 +8500,7 @@
                 </a:tc>
                 <a:extLst>
                   <a:ext uri="{0D108BD9-81ED-4DB2-BD59-A6C34878D82A}">
-                    <a16:rowId xmlns:a16="http://schemas.microsoft.com/office/drawing/2014/main" xmlns="" val="10011"/>
+                    <a16:rowId xmlns="" xmlns:a16="http://schemas.microsoft.com/office/drawing/2014/main" val="10011"/>
                   </a:ext>
                 </a:extLst>
               </a:tr>
@@ -8761,7 +8761,7 @@
                 </a:tc>
                 <a:extLst>
                   <a:ext uri="{0D108BD9-81ED-4DB2-BD59-A6C34878D82A}">
-                    <a16:rowId xmlns:a16="http://schemas.microsoft.com/office/drawing/2014/main" xmlns="" val="10012"/>
+                    <a16:rowId xmlns="" xmlns:a16="http://schemas.microsoft.com/office/drawing/2014/main" val="10012"/>
                   </a:ext>
                 </a:extLst>
               </a:tr>
@@ -9022,7 +9022,7 @@
                 </a:tc>
                 <a:extLst>
                   <a:ext uri="{0D108BD9-81ED-4DB2-BD59-A6C34878D82A}">
-                    <a16:rowId xmlns:a16="http://schemas.microsoft.com/office/drawing/2014/main" xmlns="" val="10013"/>
+                    <a16:rowId xmlns="" xmlns:a16="http://schemas.microsoft.com/office/drawing/2014/main" val="10013"/>
                   </a:ext>
                 </a:extLst>
               </a:tr>
@@ -9269,7 +9269,7 @@
                 </a:tc>
                 <a:extLst>
                   <a:ext uri="{0D108BD9-81ED-4DB2-BD59-A6C34878D82A}">
-                    <a16:rowId xmlns:a16="http://schemas.microsoft.com/office/drawing/2014/main" xmlns="" val="10014"/>
+                    <a16:rowId xmlns="" xmlns:a16="http://schemas.microsoft.com/office/drawing/2014/main" val="10014"/>
                   </a:ext>
                 </a:extLst>
               </a:tr>
@@ -10812,7 +10812,7 @@
         <p:spPr/>
         <p:txBody>
           <a:bodyPr>
-            <a:normAutofit fontScale="92500" lnSpcReduction="10000"/>
+            <a:normAutofit fontScale="85000" lnSpcReduction="20000"/>
           </a:bodyPr>
           <a:lstStyle/>
           <a:p>
@@ -10872,25 +10872,80 @@
                 <a:solidFill>
                   <a:srgbClr val="FF0000"/>
                 </a:solidFill>
+                <a:hlinkClick r:id="rId2"/>
               </a:rPr>
-              <a:t>https://github.com/james</a:t>
-            </a:r>
-            <a:r>
-              <a:rPr lang="en-US" u="sng" dirty="0">
+              <a:t>https://</a:t>
+            </a:r>
+            <a:r>
+              <a:rPr lang="en-US" dirty="0" smtClean="0">
                 <a:solidFill>
                   <a:srgbClr val="FF0000"/>
                 </a:solidFill>
+                <a:hlinkClick r:id="rId2"/>
+              </a:rPr>
+              <a:t>github.com/james</a:t>
+            </a:r>
+            <a:r>
+              <a:rPr lang="en-US" u="sng" dirty="0" smtClean="0">
+                <a:solidFill>
+                  <a:srgbClr val="FF0000"/>
+                </a:solidFill>
+                <a:hlinkClick r:id="rId2"/>
               </a:rPr>
               <a:t>s</a:t>
             </a:r>
+            <a:r>
+              <a:rPr lang="en-US" dirty="0" smtClean="0">
+                <a:solidFill>
+                  <a:srgbClr val="FF0000"/>
+                </a:solidFill>
+                <a:hlinkClick r:id="rId2"/>
+              </a:rPr>
+              <a:t>dixon/PydataNYC</a:t>
+            </a:r>
+            <a:endParaRPr lang="en-US" dirty="0" smtClean="0">
+              <a:solidFill>
+                <a:srgbClr val="FF0000"/>
+              </a:solidFill>
+            </a:endParaRPr>
+          </a:p>
+          <a:p>
+            <a:pPr marL="57150" indent="0">
+              <a:buNone/>
+            </a:pPr>
             <a:r>
               <a:rPr lang="en-US" dirty="0">
                 <a:solidFill>
                   <a:srgbClr val="FF0000"/>
                 </a:solidFill>
+                <a:hlinkClick r:id="rId3"/>
               </a:rPr>
-              <a:t>dixon/PydataNYC</a:t>
-            </a:r>
+              <a:t>https://</a:t>
+            </a:r>
+            <a:r>
+              <a:rPr lang="en-US" dirty="0" smtClean="0">
+                <a:solidFill>
+                  <a:srgbClr val="FF0000"/>
+                </a:solidFill>
+                <a:hlinkClick r:id="rId3"/>
+              </a:rPr>
+              <a:t>notebooks.azure.com/jamiedixon/libraries/PyDataNYC</a:t>
+            </a:r>
+            <a:endParaRPr lang="en-US" dirty="0" smtClean="0">
+              <a:solidFill>
+                <a:srgbClr val="FF0000"/>
+              </a:solidFill>
+            </a:endParaRPr>
+          </a:p>
+          <a:p>
+            <a:pPr marL="57150" indent="0">
+              <a:buNone/>
+            </a:pPr>
+            <a:endParaRPr lang="en-US" dirty="0">
+              <a:solidFill>
+                <a:srgbClr val="FF0000"/>
+              </a:solidFill>
+            </a:endParaRPr>
           </a:p>
         </p:txBody>
       </p:sp>
